--- a/GIPresentation.pptx
+++ b/GIPresentation.pptx
@@ -17,14 +17,16 @@
     <p:sldId id="263" r:id="rId11"/>
     <p:sldId id="264" r:id="rId12"/>
     <p:sldId id="273" r:id="rId13"/>
-    <p:sldId id="276" r:id="rId14"/>
-    <p:sldId id="265" r:id="rId15"/>
-    <p:sldId id="266" r:id="rId16"/>
-    <p:sldId id="267" r:id="rId17"/>
-    <p:sldId id="277" r:id="rId18"/>
-    <p:sldId id="268" r:id="rId19"/>
-    <p:sldId id="269" r:id="rId20"/>
-    <p:sldId id="271" r:id="rId21"/>
+    <p:sldId id="278" r:id="rId14"/>
+    <p:sldId id="276" r:id="rId15"/>
+    <p:sldId id="265" r:id="rId16"/>
+    <p:sldId id="279" r:id="rId17"/>
+    <p:sldId id="266" r:id="rId18"/>
+    <p:sldId id="267" r:id="rId19"/>
+    <p:sldId id="277" r:id="rId20"/>
+    <p:sldId id="268" r:id="rId21"/>
+    <p:sldId id="269" r:id="rId22"/>
+    <p:sldId id="271" r:id="rId23"/>
   </p:sldIdLst>
   <p:sldSz cx="12192000" cy="6858000"/>
   <p:notesSz cx="6858000" cy="9144000"/>
@@ -140,8 +142,10 @@
             <p14:sldId id="263"/>
             <p14:sldId id="264"/>
             <p14:sldId id="273"/>
+            <p14:sldId id="278"/>
             <p14:sldId id="276"/>
             <p14:sldId id="265"/>
+            <p14:sldId id="279"/>
             <p14:sldId id="266"/>
             <p14:sldId id="267"/>
             <p14:sldId id="277"/>
@@ -151,6 +155,9 @@
           </p14:sldIdLst>
         </p14:section>
       </p14:sectionLst>
+    </p:ext>
+    <p:ext uri="{EFAFB233-063F-42B5-8137-9DF3F51BA10A}">
+      <p15:sldGuideLst xmlns:p15="http://schemas.microsoft.com/office/powerpoint/2012/main"/>
     </p:ext>
   </p:extLst>
 </p:presentation>
@@ -3922,44 +3929,46 @@
           <a:chExt cx="0" cy="0"/>
         </a:xfrm>
       </p:grpSpPr>
-      <p:sp>
-        <p:nvSpPr>
-          <p:cNvPr id="2" name="Title 1">
-            <a:extLst>
-              <a:ext uri="{FF2B5EF4-FFF2-40B4-BE49-F238E27FC236}">
-                <a16:creationId xmlns:a16="http://schemas.microsoft.com/office/drawing/2014/main" id="{C2D6036C-BEDA-710A-BCDD-73F08C69FA65}"/>
-              </a:ext>
-            </a:extLst>
-          </p:cNvPr>
-          <p:cNvSpPr>
-            <a:spLocks noGrp="1"/>
-          </p:cNvSpPr>
-          <p:nvPr>
-            <p:ph type="title"/>
-          </p:nvPr>
-        </p:nvSpPr>
+      <p:pic>
+        <p:nvPicPr>
+          <p:cNvPr id="5" name="Picture 4" descr="Graphical user interface, text, application, email&#10;&#10;Description automatically generated">
+            <a:extLst>
+              <a:ext uri="{FF2B5EF4-FFF2-40B4-BE49-F238E27FC236}">
+                <a16:creationId xmlns:a16="http://schemas.microsoft.com/office/drawing/2014/main" id="{2F93AED7-2410-109D-8D0B-597EB2DA1FF7}"/>
+              </a:ext>
+            </a:extLst>
+          </p:cNvPr>
+          <p:cNvPicPr>
+            <a:picLocks noChangeAspect="1"/>
+          </p:cNvPicPr>
+          <p:nvPr/>
+        </p:nvPicPr>
+        <p:blipFill>
+          <a:blip r:embed="rId2">
+            <a:extLst>
+              <a:ext uri="{28A0092B-C50C-407E-A947-70E740481C1C}">
+                <a14:useLocalDpi xmlns:a14="http://schemas.microsoft.com/office/drawing/2010/main" val="0"/>
+              </a:ext>
+            </a:extLst>
+          </a:blip>
+          <a:stretch>
+            <a:fillRect/>
+          </a:stretch>
+        </p:blipFill>
         <p:spPr>
           <a:xfrm>
-            <a:off x="838200" y="2766218"/>
-            <a:ext cx="10515600" cy="1325563"/>
+            <a:off x="514350" y="997463"/>
+            <a:ext cx="11334750" cy="4863074"/>
           </a:xfrm>
+          <a:prstGeom prst="rect">
+            <a:avLst/>
+          </a:prstGeom>
         </p:spPr>
-        <p:txBody>
-          <a:bodyPr/>
-          <a:lstStyle/>
-          <a:p>
-            <a:pPr algn="ctr"/>
-            <a:r>
-              <a:rPr lang="en-US" b="1" dirty="0"/>
-              <a:t>BWA MEM</a:t>
-            </a:r>
-          </a:p>
-        </p:txBody>
-      </p:sp>
+      </p:pic>
     </p:spTree>
     <p:extLst>
       <p:ext uri="{BB962C8B-B14F-4D97-AF65-F5344CB8AC3E}">
-        <p14:creationId xmlns:p14="http://schemas.microsoft.com/office/powerpoint/2010/main" val="3285786832"/>
+        <p14:creationId xmlns:p14="http://schemas.microsoft.com/office/powerpoint/2010/main" val="3787067984"/>
       </p:ext>
     </p:extLst>
   </p:cSld>
@@ -3991,6 +4000,70 @@
           <p:cNvPr id="2" name="Title 1">
             <a:extLst>
               <a:ext uri="{FF2B5EF4-FFF2-40B4-BE49-F238E27FC236}">
+                <a16:creationId xmlns:a16="http://schemas.microsoft.com/office/drawing/2014/main" id="{C2D6036C-BEDA-710A-BCDD-73F08C69FA65}"/>
+              </a:ext>
+            </a:extLst>
+          </p:cNvPr>
+          <p:cNvSpPr>
+            <a:spLocks noGrp="1"/>
+          </p:cNvSpPr>
+          <p:nvPr>
+            <p:ph type="title"/>
+          </p:nvPr>
+        </p:nvSpPr>
+        <p:spPr>
+          <a:xfrm>
+            <a:off x="838200" y="2766218"/>
+            <a:ext cx="10515600" cy="1325563"/>
+          </a:xfrm>
+        </p:spPr>
+        <p:txBody>
+          <a:bodyPr/>
+          <a:lstStyle/>
+          <a:p>
+            <a:pPr algn="ctr"/>
+            <a:r>
+              <a:rPr lang="en-US" b="1" dirty="0"/>
+              <a:t>BWA MEM</a:t>
+            </a:r>
+          </a:p>
+        </p:txBody>
+      </p:sp>
+    </p:spTree>
+    <p:extLst>
+      <p:ext uri="{BB962C8B-B14F-4D97-AF65-F5344CB8AC3E}">
+        <p14:creationId xmlns:p14="http://schemas.microsoft.com/office/powerpoint/2010/main" val="3285786832"/>
+      </p:ext>
+    </p:extLst>
+  </p:cSld>
+  <p:clrMapOvr>
+    <a:masterClrMapping/>
+  </p:clrMapOvr>
+</p:sld>
+</file>
+
+<file path=ppt/slides/slide15.xml><?xml version="1.0" encoding="utf-8"?>
+<p:sld xmlns:a="http://schemas.openxmlformats.org/drawingml/2006/main" xmlns:r="http://schemas.openxmlformats.org/officeDocument/2006/relationships" xmlns:p="http://schemas.openxmlformats.org/presentationml/2006/main">
+  <p:cSld>
+    <p:spTree>
+      <p:nvGrpSpPr>
+        <p:cNvPr id="1" name=""/>
+        <p:cNvGrpSpPr/>
+        <p:nvPr/>
+      </p:nvGrpSpPr>
+      <p:grpSpPr>
+        <a:xfrm>
+          <a:off x="0" y="0"/>
+          <a:ext cx="0" cy="0"/>
+          <a:chOff x="0" y="0"/>
+          <a:chExt cx="0" cy="0"/>
+        </a:xfrm>
+      </p:grpSpPr>
+      <p:sp>
+        <p:nvSpPr>
+          <p:cNvPr id="2" name="Title 1">
+            <a:extLst>
+              <a:ext uri="{FF2B5EF4-FFF2-40B4-BE49-F238E27FC236}">
                 <a16:creationId xmlns:a16="http://schemas.microsoft.com/office/drawing/2014/main" id="{56E6CFBF-80E2-0361-8774-2EF6F27D4B56}"/>
               </a:ext>
             </a:extLst>
@@ -4132,7 +4205,73 @@
 </p:sld>
 </file>
 
-<file path=ppt/slides/slide15.xml><?xml version="1.0" encoding="utf-8"?>
+<file path=ppt/slides/slide16.xml><?xml version="1.0" encoding="utf-8"?>
+<p:sld xmlns:a="http://schemas.openxmlformats.org/drawingml/2006/main" xmlns:r="http://schemas.openxmlformats.org/officeDocument/2006/relationships" xmlns:p="http://schemas.openxmlformats.org/presentationml/2006/main">
+  <p:cSld>
+    <p:spTree>
+      <p:nvGrpSpPr>
+        <p:cNvPr id="1" name=""/>
+        <p:cNvGrpSpPr/>
+        <p:nvPr/>
+      </p:nvGrpSpPr>
+      <p:grpSpPr>
+        <a:xfrm>
+          <a:off x="0" y="0"/>
+          <a:ext cx="0" cy="0"/>
+          <a:chOff x="0" y="0"/>
+          <a:chExt cx="0" cy="0"/>
+        </a:xfrm>
+      </p:grpSpPr>
+      <p:pic>
+        <p:nvPicPr>
+          <p:cNvPr id="5" name="Picture 4" descr="Graphical user interface, text, application&#10;&#10;Description automatically generated">
+            <a:extLst>
+              <a:ext uri="{FF2B5EF4-FFF2-40B4-BE49-F238E27FC236}">
+                <a16:creationId xmlns:a16="http://schemas.microsoft.com/office/drawing/2014/main" id="{B153E770-FBF4-279E-361C-484BFB301569}"/>
+              </a:ext>
+            </a:extLst>
+          </p:cNvPr>
+          <p:cNvPicPr>
+            <a:picLocks noChangeAspect="1"/>
+          </p:cNvPicPr>
+          <p:nvPr/>
+        </p:nvPicPr>
+        <p:blipFill>
+          <a:blip r:embed="rId2">
+            <a:extLst>
+              <a:ext uri="{28A0092B-C50C-407E-A947-70E740481C1C}">
+                <a14:useLocalDpi xmlns:a14="http://schemas.microsoft.com/office/drawing/2010/main" val="0"/>
+              </a:ext>
+            </a:extLst>
+          </a:blip>
+          <a:stretch>
+            <a:fillRect/>
+          </a:stretch>
+        </p:blipFill>
+        <p:spPr>
+          <a:xfrm>
+            <a:off x="845820" y="369570"/>
+            <a:ext cx="10500360" cy="6118860"/>
+          </a:xfrm>
+          <a:prstGeom prst="rect">
+            <a:avLst/>
+          </a:prstGeom>
+        </p:spPr>
+      </p:pic>
+    </p:spTree>
+    <p:extLst>
+      <p:ext uri="{BB962C8B-B14F-4D97-AF65-F5344CB8AC3E}">
+        <p14:creationId xmlns:p14="http://schemas.microsoft.com/office/powerpoint/2010/main" val="431557032"/>
+      </p:ext>
+    </p:extLst>
+  </p:cSld>
+  <p:clrMapOvr>
+    <a:masterClrMapping/>
+  </p:clrMapOvr>
+</p:sld>
+</file>
+
+<file path=ppt/slides/slide17.xml><?xml version="1.0" encoding="utf-8"?>
 <p:sld xmlns:a="http://schemas.openxmlformats.org/drawingml/2006/main" xmlns:r="http://schemas.openxmlformats.org/officeDocument/2006/relationships" xmlns:p="http://schemas.openxmlformats.org/presentationml/2006/main">
   <p:cSld>
     <p:spTree>
@@ -4234,181 +4373,6 @@
 </p:sld>
 </file>
 
-<file path=ppt/slides/slide16.xml><?xml version="1.0" encoding="utf-8"?>
-<p:sld xmlns:a="http://schemas.openxmlformats.org/drawingml/2006/main" xmlns:r="http://schemas.openxmlformats.org/officeDocument/2006/relationships" xmlns:p="http://schemas.openxmlformats.org/presentationml/2006/main">
-  <p:cSld>
-    <p:spTree>
-      <p:nvGrpSpPr>
-        <p:cNvPr id="1" name=""/>
-        <p:cNvGrpSpPr/>
-        <p:nvPr/>
-      </p:nvGrpSpPr>
-      <p:grpSpPr>
-        <a:xfrm>
-          <a:off x="0" y="0"/>
-          <a:ext cx="0" cy="0"/>
-          <a:chOff x="0" y="0"/>
-          <a:chExt cx="0" cy="0"/>
-        </a:xfrm>
-      </p:grpSpPr>
-      <p:sp>
-        <p:nvSpPr>
-          <p:cNvPr id="2" name="Title 1">
-            <a:extLst>
-              <a:ext uri="{FF2B5EF4-FFF2-40B4-BE49-F238E27FC236}">
-                <a16:creationId xmlns:a16="http://schemas.microsoft.com/office/drawing/2014/main" id="{46B2D791-9BCC-4435-96AD-44B3A59138D5}"/>
-              </a:ext>
-            </a:extLst>
-          </p:cNvPr>
-          <p:cNvSpPr>
-            <a:spLocks noGrp="1"/>
-          </p:cNvSpPr>
-          <p:nvPr>
-            <p:ph type="title"/>
-          </p:nvPr>
-        </p:nvSpPr>
-        <p:spPr/>
-        <p:txBody>
-          <a:bodyPr/>
-          <a:lstStyle/>
-          <a:p>
-            <a:r>
-              <a:rPr lang="en-US" dirty="0"/>
-              <a:t>Difficulties</a:t>
-            </a:r>
-          </a:p>
-        </p:txBody>
-      </p:sp>
-      <p:sp>
-        <p:nvSpPr>
-          <p:cNvPr id="3" name="Content Placeholder 2">
-            <a:extLst>
-              <a:ext uri="{FF2B5EF4-FFF2-40B4-BE49-F238E27FC236}">
-                <a16:creationId xmlns:a16="http://schemas.microsoft.com/office/drawing/2014/main" id="{D616BAB6-3CDB-19CF-3CB6-882D0D0B67F6}"/>
-              </a:ext>
-            </a:extLst>
-          </p:cNvPr>
-          <p:cNvSpPr>
-            <a:spLocks noGrp="1"/>
-          </p:cNvSpPr>
-          <p:nvPr>
-            <p:ph idx="1"/>
-          </p:nvPr>
-        </p:nvSpPr>
-        <p:spPr/>
-        <p:txBody>
-          <a:bodyPr/>
-          <a:lstStyle/>
-          <a:p>
-            <a:r>
-              <a:rPr lang="en-US" dirty="0"/>
-              <a:t>Errors for match value of 0</a:t>
-            </a:r>
-          </a:p>
-          <a:p>
-            <a:pPr lvl="1"/>
-            <a:r>
-              <a:rPr lang="en-US" dirty="0"/>
-              <a:t>Also checked for other bwa mem tools built via </a:t>
-            </a:r>
-            <a:r>
-              <a:rPr lang="en-US" dirty="0" err="1"/>
-              <a:t>Dockerfile</a:t>
-            </a:r>
-            <a:r>
-              <a:rPr lang="en-US" dirty="0"/>
-              <a:t> on our local machines and runed via Docker Desktop on Windows Linux-Subsystem</a:t>
-            </a:r>
-          </a:p>
-          <a:p>
-            <a:pPr lvl="1"/>
-            <a:endParaRPr lang="en-US" dirty="0"/>
-          </a:p>
-          <a:p>
-            <a:r>
-              <a:rPr lang="en-US" dirty="0"/>
-              <a:t>Match value of zero therefore not taken into account for our program validation</a:t>
-            </a:r>
-          </a:p>
-        </p:txBody>
-      </p:sp>
-    </p:spTree>
-    <p:extLst>
-      <p:ext uri="{BB962C8B-B14F-4D97-AF65-F5344CB8AC3E}">
-        <p14:creationId xmlns:p14="http://schemas.microsoft.com/office/powerpoint/2010/main" val="1560236990"/>
-      </p:ext>
-    </p:extLst>
-  </p:cSld>
-  <p:clrMapOvr>
-    <a:masterClrMapping/>
-  </p:clrMapOvr>
-</p:sld>
-</file>
-
-<file path=ppt/slides/slide17.xml><?xml version="1.0" encoding="utf-8"?>
-<p:sld xmlns:a="http://schemas.openxmlformats.org/drawingml/2006/main" xmlns:r="http://schemas.openxmlformats.org/officeDocument/2006/relationships" xmlns:p="http://schemas.openxmlformats.org/presentationml/2006/main">
-  <p:cSld>
-    <p:spTree>
-      <p:nvGrpSpPr>
-        <p:cNvPr id="1" name=""/>
-        <p:cNvGrpSpPr/>
-        <p:nvPr/>
-      </p:nvGrpSpPr>
-      <p:grpSpPr>
-        <a:xfrm>
-          <a:off x="0" y="0"/>
-          <a:ext cx="0" cy="0"/>
-          <a:chOff x="0" y="0"/>
-          <a:chExt cx="0" cy="0"/>
-        </a:xfrm>
-      </p:grpSpPr>
-      <p:sp>
-        <p:nvSpPr>
-          <p:cNvPr id="4" name="Title 3">
-            <a:extLst>
-              <a:ext uri="{FF2B5EF4-FFF2-40B4-BE49-F238E27FC236}">
-                <a16:creationId xmlns:a16="http://schemas.microsoft.com/office/drawing/2014/main" id="{6E73E49A-5DC3-F09C-C0C4-0EDE2688A7B4}"/>
-              </a:ext>
-            </a:extLst>
-          </p:cNvPr>
-          <p:cNvSpPr>
-            <a:spLocks noGrp="1"/>
-          </p:cNvSpPr>
-          <p:nvPr>
-            <p:ph type="title"/>
-          </p:nvPr>
-        </p:nvSpPr>
-        <p:spPr>
-          <a:xfrm>
-            <a:off x="838200" y="2766218"/>
-            <a:ext cx="10515600" cy="1325563"/>
-          </a:xfrm>
-        </p:spPr>
-        <p:txBody>
-          <a:bodyPr/>
-          <a:lstStyle/>
-          <a:p>
-            <a:pPr algn="ctr"/>
-            <a:r>
-              <a:rPr lang="en-US" b="1" dirty="0"/>
-              <a:t>Results and analysis</a:t>
-            </a:r>
-          </a:p>
-        </p:txBody>
-      </p:sp>
-    </p:spTree>
-    <p:extLst>
-      <p:ext uri="{BB962C8B-B14F-4D97-AF65-F5344CB8AC3E}">
-        <p14:creationId xmlns:p14="http://schemas.microsoft.com/office/powerpoint/2010/main" val="2862446715"/>
-      </p:ext>
-    </p:extLst>
-  </p:cSld>
-  <p:clrMapOvr>
-    <a:masterClrMapping/>
-  </p:clrMapOvr>
-</p:sld>
-</file>
-
 <file path=ppt/slides/slide18.xml><?xml version="1.0" encoding="utf-8"?>
 <p:sld xmlns:a="http://schemas.openxmlformats.org/drawingml/2006/main" xmlns:r="http://schemas.openxmlformats.org/officeDocument/2006/relationships" xmlns:p="http://schemas.openxmlformats.org/presentationml/2006/main">
   <p:cSld>
@@ -4431,7 +4395,7 @@
           <p:cNvPr id="2" name="Title 1">
             <a:extLst>
               <a:ext uri="{FF2B5EF4-FFF2-40B4-BE49-F238E27FC236}">
-                <a16:creationId xmlns:a16="http://schemas.microsoft.com/office/drawing/2014/main" id="{161BED40-7E3C-DAE3-2AE0-EE4F75CC20C9}"/>
+                <a16:creationId xmlns:a16="http://schemas.microsoft.com/office/drawing/2014/main" id="{46B2D791-9BCC-4435-96AD-44B3A59138D5}"/>
               </a:ext>
             </a:extLst>
           </p:cNvPr>
@@ -4448,8 +4412,8 @@
           <a:lstStyle/>
           <a:p>
             <a:r>
-              <a:rPr lang="en-US" b="1" dirty="0"/>
-              <a:t>Analysis results</a:t>
+              <a:rPr lang="en-US" dirty="0"/>
+              <a:t>Difficulties</a:t>
             </a:r>
           </a:p>
         </p:txBody>
@@ -4459,7 +4423,7 @@
           <p:cNvPr id="3" name="Content Placeholder 2">
             <a:extLst>
               <a:ext uri="{FF2B5EF4-FFF2-40B4-BE49-F238E27FC236}">
-                <a16:creationId xmlns:a16="http://schemas.microsoft.com/office/drawing/2014/main" id="{A1AF4861-31AE-B5B9-CCA1-04EEF19B2C63}"/>
+                <a16:creationId xmlns:a16="http://schemas.microsoft.com/office/drawing/2014/main" id="{D616BAB6-3CDB-19CF-3CB6-882D0D0B67F6}"/>
               </a:ext>
             </a:extLst>
           </p:cNvPr>
@@ -4475,14 +4439,42 @@
           <a:bodyPr/>
           <a:lstStyle/>
           <a:p>
-            <a:endParaRPr lang="en-US"/>
+            <a:r>
+              <a:rPr lang="en-US" dirty="0"/>
+              <a:t>Errors for match value of 0</a:t>
+            </a:r>
+          </a:p>
+          <a:p>
+            <a:pPr lvl="1"/>
+            <a:r>
+              <a:rPr lang="en-US" dirty="0"/>
+              <a:t>Also checked for other bwa mem tools built via </a:t>
+            </a:r>
+            <a:r>
+              <a:rPr lang="en-US" dirty="0" err="1"/>
+              <a:t>Dockerfile</a:t>
+            </a:r>
+            <a:r>
+              <a:rPr lang="en-US" dirty="0"/>
+              <a:t> on our local machines and runed via Docker Desktop on Windows Linux-Subsystem</a:t>
+            </a:r>
+          </a:p>
+          <a:p>
+            <a:pPr lvl="1"/>
+            <a:endParaRPr lang="en-US" dirty="0"/>
+          </a:p>
+          <a:p>
+            <a:r>
+              <a:rPr lang="en-US" dirty="0"/>
+              <a:t>Match value of zero therefore not taken into account for our program validation</a:t>
+            </a:r>
           </a:p>
         </p:txBody>
       </p:sp>
     </p:spTree>
     <p:extLst>
       <p:ext uri="{BB962C8B-B14F-4D97-AF65-F5344CB8AC3E}">
-        <p14:creationId xmlns:p14="http://schemas.microsoft.com/office/powerpoint/2010/main" val="3577820319"/>
+        <p14:creationId xmlns:p14="http://schemas.microsoft.com/office/powerpoint/2010/main" val="1560236990"/>
       </p:ext>
     </p:extLst>
   </p:cSld>
@@ -4511,10 +4503,10 @@
       </p:grpSpPr>
       <p:sp>
         <p:nvSpPr>
-          <p:cNvPr id="2" name="Title 1">
-            <a:extLst>
-              <a:ext uri="{FF2B5EF4-FFF2-40B4-BE49-F238E27FC236}">
-                <a16:creationId xmlns:a16="http://schemas.microsoft.com/office/drawing/2014/main" id="{48406640-6A66-5839-9B79-502BE1B8C730}"/>
+          <p:cNvPr id="4" name="Title 3">
+            <a:extLst>
+              <a:ext uri="{FF2B5EF4-FFF2-40B4-BE49-F238E27FC236}">
+                <a16:creationId xmlns:a16="http://schemas.microsoft.com/office/drawing/2014/main" id="{6E73E49A-5DC3-F09C-C0C4-0EDE2688A7B4}"/>
               </a:ext>
             </a:extLst>
           </p:cNvPr>
@@ -4525,44 +4517,28 @@
             <p:ph type="title"/>
           </p:nvPr>
         </p:nvSpPr>
-        <p:spPr/>
-        <p:txBody>
-          <a:bodyPr/>
-          <a:lstStyle/>
-          <a:p>
-            <a:endParaRPr lang="en-US"/>
-          </a:p>
-        </p:txBody>
-      </p:sp>
-      <p:sp>
-        <p:nvSpPr>
-          <p:cNvPr id="3" name="Content Placeholder 2">
-            <a:extLst>
-              <a:ext uri="{FF2B5EF4-FFF2-40B4-BE49-F238E27FC236}">
-                <a16:creationId xmlns:a16="http://schemas.microsoft.com/office/drawing/2014/main" id="{293C1CF7-C101-5A8A-3517-B45CF2620F4D}"/>
-              </a:ext>
-            </a:extLst>
-          </p:cNvPr>
-          <p:cNvSpPr>
-            <a:spLocks noGrp="1"/>
-          </p:cNvSpPr>
-          <p:nvPr>
-            <p:ph idx="1"/>
-          </p:nvPr>
-        </p:nvSpPr>
-        <p:spPr/>
-        <p:txBody>
-          <a:bodyPr/>
-          <a:lstStyle/>
-          <a:p>
-            <a:endParaRPr lang="en-US"/>
+        <p:spPr>
+          <a:xfrm>
+            <a:off x="838200" y="2766218"/>
+            <a:ext cx="10515600" cy="1325563"/>
+          </a:xfrm>
+        </p:spPr>
+        <p:txBody>
+          <a:bodyPr/>
+          <a:lstStyle/>
+          <a:p>
+            <a:pPr algn="ctr"/>
+            <a:r>
+              <a:rPr lang="en-US" b="1" dirty="0"/>
+              <a:t>Results and analysis</a:t>
+            </a:r>
           </a:p>
         </p:txBody>
       </p:sp>
     </p:spTree>
     <p:extLst>
       <p:ext uri="{BB962C8B-B14F-4D97-AF65-F5344CB8AC3E}">
-        <p14:creationId xmlns:p14="http://schemas.microsoft.com/office/powerpoint/2010/main" val="3814551516"/>
+        <p14:creationId xmlns:p14="http://schemas.microsoft.com/office/powerpoint/2010/main" val="2862446715"/>
       </p:ext>
     </p:extLst>
   </p:cSld>
@@ -4711,6 +4687,169 @@
 </file>
 
 <file path=ppt/slides/slide20.xml><?xml version="1.0" encoding="utf-8"?>
+<p:sld xmlns:a="http://schemas.openxmlformats.org/drawingml/2006/main" xmlns:r="http://schemas.openxmlformats.org/officeDocument/2006/relationships" xmlns:p="http://schemas.openxmlformats.org/presentationml/2006/main">
+  <p:cSld>
+    <p:spTree>
+      <p:nvGrpSpPr>
+        <p:cNvPr id="1" name=""/>
+        <p:cNvGrpSpPr/>
+        <p:nvPr/>
+      </p:nvGrpSpPr>
+      <p:grpSpPr>
+        <a:xfrm>
+          <a:off x="0" y="0"/>
+          <a:ext cx="0" cy="0"/>
+          <a:chOff x="0" y="0"/>
+          <a:chExt cx="0" cy="0"/>
+        </a:xfrm>
+      </p:grpSpPr>
+      <p:sp>
+        <p:nvSpPr>
+          <p:cNvPr id="2" name="Title 1">
+            <a:extLst>
+              <a:ext uri="{FF2B5EF4-FFF2-40B4-BE49-F238E27FC236}">
+                <a16:creationId xmlns:a16="http://schemas.microsoft.com/office/drawing/2014/main" id="{161BED40-7E3C-DAE3-2AE0-EE4F75CC20C9}"/>
+              </a:ext>
+            </a:extLst>
+          </p:cNvPr>
+          <p:cNvSpPr>
+            <a:spLocks noGrp="1"/>
+          </p:cNvSpPr>
+          <p:nvPr>
+            <p:ph type="title"/>
+          </p:nvPr>
+        </p:nvSpPr>
+        <p:spPr/>
+        <p:txBody>
+          <a:bodyPr/>
+          <a:lstStyle/>
+          <a:p>
+            <a:r>
+              <a:rPr lang="en-US" b="1" dirty="0"/>
+              <a:t>Analysis results</a:t>
+            </a:r>
+          </a:p>
+        </p:txBody>
+      </p:sp>
+      <p:sp>
+        <p:nvSpPr>
+          <p:cNvPr id="3" name="Content Placeholder 2">
+            <a:extLst>
+              <a:ext uri="{FF2B5EF4-FFF2-40B4-BE49-F238E27FC236}">
+                <a16:creationId xmlns:a16="http://schemas.microsoft.com/office/drawing/2014/main" id="{A1AF4861-31AE-B5B9-CCA1-04EEF19B2C63}"/>
+              </a:ext>
+            </a:extLst>
+          </p:cNvPr>
+          <p:cNvSpPr>
+            <a:spLocks noGrp="1"/>
+          </p:cNvSpPr>
+          <p:nvPr>
+            <p:ph idx="1"/>
+          </p:nvPr>
+        </p:nvSpPr>
+        <p:spPr/>
+        <p:txBody>
+          <a:bodyPr/>
+          <a:lstStyle/>
+          <a:p>
+            <a:endParaRPr lang="en-US"/>
+          </a:p>
+        </p:txBody>
+      </p:sp>
+    </p:spTree>
+    <p:extLst>
+      <p:ext uri="{BB962C8B-B14F-4D97-AF65-F5344CB8AC3E}">
+        <p14:creationId xmlns:p14="http://schemas.microsoft.com/office/powerpoint/2010/main" val="3577820319"/>
+      </p:ext>
+    </p:extLst>
+  </p:cSld>
+  <p:clrMapOvr>
+    <a:masterClrMapping/>
+  </p:clrMapOvr>
+</p:sld>
+</file>
+
+<file path=ppt/slides/slide21.xml><?xml version="1.0" encoding="utf-8"?>
+<p:sld xmlns:a="http://schemas.openxmlformats.org/drawingml/2006/main" xmlns:r="http://schemas.openxmlformats.org/officeDocument/2006/relationships" xmlns:p="http://schemas.openxmlformats.org/presentationml/2006/main">
+  <p:cSld>
+    <p:spTree>
+      <p:nvGrpSpPr>
+        <p:cNvPr id="1" name=""/>
+        <p:cNvGrpSpPr/>
+        <p:nvPr/>
+      </p:nvGrpSpPr>
+      <p:grpSpPr>
+        <a:xfrm>
+          <a:off x="0" y="0"/>
+          <a:ext cx="0" cy="0"/>
+          <a:chOff x="0" y="0"/>
+          <a:chExt cx="0" cy="0"/>
+        </a:xfrm>
+      </p:grpSpPr>
+      <p:sp>
+        <p:nvSpPr>
+          <p:cNvPr id="2" name="Title 1">
+            <a:extLst>
+              <a:ext uri="{FF2B5EF4-FFF2-40B4-BE49-F238E27FC236}">
+                <a16:creationId xmlns:a16="http://schemas.microsoft.com/office/drawing/2014/main" id="{48406640-6A66-5839-9B79-502BE1B8C730}"/>
+              </a:ext>
+            </a:extLst>
+          </p:cNvPr>
+          <p:cNvSpPr>
+            <a:spLocks noGrp="1"/>
+          </p:cNvSpPr>
+          <p:nvPr>
+            <p:ph type="title"/>
+          </p:nvPr>
+        </p:nvSpPr>
+        <p:spPr/>
+        <p:txBody>
+          <a:bodyPr/>
+          <a:lstStyle/>
+          <a:p>
+            <a:endParaRPr lang="en-US"/>
+          </a:p>
+        </p:txBody>
+      </p:sp>
+      <p:sp>
+        <p:nvSpPr>
+          <p:cNvPr id="3" name="Content Placeholder 2">
+            <a:extLst>
+              <a:ext uri="{FF2B5EF4-FFF2-40B4-BE49-F238E27FC236}">
+                <a16:creationId xmlns:a16="http://schemas.microsoft.com/office/drawing/2014/main" id="{293C1CF7-C101-5A8A-3517-B45CF2620F4D}"/>
+              </a:ext>
+            </a:extLst>
+          </p:cNvPr>
+          <p:cNvSpPr>
+            <a:spLocks noGrp="1"/>
+          </p:cNvSpPr>
+          <p:nvPr>
+            <p:ph idx="1"/>
+          </p:nvPr>
+        </p:nvSpPr>
+        <p:spPr/>
+        <p:txBody>
+          <a:bodyPr/>
+          <a:lstStyle/>
+          <a:p>
+            <a:endParaRPr lang="en-US"/>
+          </a:p>
+        </p:txBody>
+      </p:sp>
+    </p:spTree>
+    <p:extLst>
+      <p:ext uri="{BB962C8B-B14F-4D97-AF65-F5344CB8AC3E}">
+        <p14:creationId xmlns:p14="http://schemas.microsoft.com/office/powerpoint/2010/main" val="3814551516"/>
+      </p:ext>
+    </p:extLst>
+  </p:cSld>
+  <p:clrMapOvr>
+    <a:masterClrMapping/>
+  </p:clrMapOvr>
+</p:sld>
+</file>
+
+<file path=ppt/slides/slide22.xml><?xml version="1.0" encoding="utf-8"?>
 <p:sld xmlns:a="http://schemas.openxmlformats.org/drawingml/2006/main" xmlns:r="http://schemas.openxmlformats.org/officeDocument/2006/relationships" xmlns:p="http://schemas.openxmlformats.org/presentationml/2006/main">
   <p:cSld>
     <p:bg>

--- a/GIPresentation.pptx
+++ b/GIPresentation.pptx
@@ -12,21 +12,20 @@
     <p:sldId id="258" r:id="rId6"/>
     <p:sldId id="259" r:id="rId7"/>
     <p:sldId id="260" r:id="rId8"/>
-    <p:sldId id="261" r:id="rId9"/>
-    <p:sldId id="262" r:id="rId10"/>
-    <p:sldId id="263" r:id="rId11"/>
-    <p:sldId id="264" r:id="rId12"/>
-    <p:sldId id="273" r:id="rId13"/>
-    <p:sldId id="278" r:id="rId14"/>
-    <p:sldId id="276" r:id="rId15"/>
-    <p:sldId id="265" r:id="rId16"/>
-    <p:sldId id="279" r:id="rId17"/>
-    <p:sldId id="266" r:id="rId18"/>
-    <p:sldId id="267" r:id="rId19"/>
-    <p:sldId id="277" r:id="rId20"/>
-    <p:sldId id="268" r:id="rId21"/>
-    <p:sldId id="269" r:id="rId22"/>
-    <p:sldId id="271" r:id="rId23"/>
+    <p:sldId id="262" r:id="rId9"/>
+    <p:sldId id="263" r:id="rId10"/>
+    <p:sldId id="264" r:id="rId11"/>
+    <p:sldId id="273" r:id="rId12"/>
+    <p:sldId id="278" r:id="rId13"/>
+    <p:sldId id="276" r:id="rId14"/>
+    <p:sldId id="265" r:id="rId15"/>
+    <p:sldId id="279" r:id="rId16"/>
+    <p:sldId id="266" r:id="rId17"/>
+    <p:sldId id="267" r:id="rId18"/>
+    <p:sldId id="277" r:id="rId19"/>
+    <p:sldId id="268" r:id="rId20"/>
+    <p:sldId id="269" r:id="rId21"/>
+    <p:sldId id="271" r:id="rId22"/>
   </p:sldIdLst>
   <p:sldSz cx="12192000" cy="6858000"/>
   <p:notesSz cx="6858000" cy="9144000"/>
@@ -137,7 +136,6 @@
             <p14:sldId id="258"/>
             <p14:sldId id="259"/>
             <p14:sldId id="260"/>
-            <p14:sldId id="261"/>
             <p14:sldId id="262"/>
             <p14:sldId id="263"/>
             <p14:sldId id="264"/>
@@ -310,7 +308,7 @@
           <a:p>
             <a:fld id="{5CBDEE97-5D0F-4C0B-BF72-20706FE9CF22}" type="datetimeFigureOut">
               <a:rPr lang="en-US" smtClean="0"/>
-              <a:t>6/5/2022</a:t>
+              <a:t>6/7/2022</a:t>
             </a:fld>
             <a:endParaRPr lang="en-US"/>
           </a:p>
@@ -508,7 +506,7 @@
           <a:p>
             <a:fld id="{5CBDEE97-5D0F-4C0B-BF72-20706FE9CF22}" type="datetimeFigureOut">
               <a:rPr lang="en-US" smtClean="0"/>
-              <a:t>6/5/2022</a:t>
+              <a:t>6/7/2022</a:t>
             </a:fld>
             <a:endParaRPr lang="en-US"/>
           </a:p>
@@ -716,7 +714,7 @@
           <a:p>
             <a:fld id="{5CBDEE97-5D0F-4C0B-BF72-20706FE9CF22}" type="datetimeFigureOut">
               <a:rPr lang="en-US" smtClean="0"/>
-              <a:t>6/5/2022</a:t>
+              <a:t>6/7/2022</a:t>
             </a:fld>
             <a:endParaRPr lang="en-US"/>
           </a:p>
@@ -914,7 +912,7 @@
           <a:p>
             <a:fld id="{5CBDEE97-5D0F-4C0B-BF72-20706FE9CF22}" type="datetimeFigureOut">
               <a:rPr lang="en-US" smtClean="0"/>
-              <a:t>6/5/2022</a:t>
+              <a:t>6/7/2022</a:t>
             </a:fld>
             <a:endParaRPr lang="en-US"/>
           </a:p>
@@ -1189,7 +1187,7 @@
           <a:p>
             <a:fld id="{5CBDEE97-5D0F-4C0B-BF72-20706FE9CF22}" type="datetimeFigureOut">
               <a:rPr lang="en-US" smtClean="0"/>
-              <a:t>6/5/2022</a:t>
+              <a:t>6/7/2022</a:t>
             </a:fld>
             <a:endParaRPr lang="en-US"/>
           </a:p>
@@ -1454,7 +1452,7 @@
           <a:p>
             <a:fld id="{5CBDEE97-5D0F-4C0B-BF72-20706FE9CF22}" type="datetimeFigureOut">
               <a:rPr lang="en-US" smtClean="0"/>
-              <a:t>6/5/2022</a:t>
+              <a:t>6/7/2022</a:t>
             </a:fld>
             <a:endParaRPr lang="en-US"/>
           </a:p>
@@ -1866,7 +1864,7 @@
           <a:p>
             <a:fld id="{5CBDEE97-5D0F-4C0B-BF72-20706FE9CF22}" type="datetimeFigureOut">
               <a:rPr lang="en-US" smtClean="0"/>
-              <a:t>6/5/2022</a:t>
+              <a:t>6/7/2022</a:t>
             </a:fld>
             <a:endParaRPr lang="en-US"/>
           </a:p>
@@ -2007,7 +2005,7 @@
           <a:p>
             <a:fld id="{5CBDEE97-5D0F-4C0B-BF72-20706FE9CF22}" type="datetimeFigureOut">
               <a:rPr lang="en-US" smtClean="0"/>
-              <a:t>6/5/2022</a:t>
+              <a:t>6/7/2022</a:t>
             </a:fld>
             <a:endParaRPr lang="en-US"/>
           </a:p>
@@ -2120,7 +2118,7 @@
           <a:p>
             <a:fld id="{5CBDEE97-5D0F-4C0B-BF72-20706FE9CF22}" type="datetimeFigureOut">
               <a:rPr lang="en-US" smtClean="0"/>
-              <a:t>6/5/2022</a:t>
+              <a:t>6/7/2022</a:t>
             </a:fld>
             <a:endParaRPr lang="en-US"/>
           </a:p>
@@ -2431,7 +2429,7 @@
           <a:p>
             <a:fld id="{5CBDEE97-5D0F-4C0B-BF72-20706FE9CF22}" type="datetimeFigureOut">
               <a:rPr lang="en-US" smtClean="0"/>
-              <a:t>6/5/2022</a:t>
+              <a:t>6/7/2022</a:t>
             </a:fld>
             <a:endParaRPr lang="en-US"/>
           </a:p>
@@ -2719,7 +2717,7 @@
           <a:p>
             <a:fld id="{5CBDEE97-5D0F-4C0B-BF72-20706FE9CF22}" type="datetimeFigureOut">
               <a:rPr lang="en-US" smtClean="0"/>
-              <a:t>6/5/2022</a:t>
+              <a:t>6/7/2022</a:t>
             </a:fld>
             <a:endParaRPr lang="en-US"/>
           </a:p>
@@ -2960,7 +2958,7 @@
           <a:p>
             <a:fld id="{5CBDEE97-5D0F-4C0B-BF72-20706FE9CF22}" type="datetimeFigureOut">
               <a:rPr lang="en-US" smtClean="0"/>
-              <a:t>6/5/2022</a:t>
+              <a:t>6/7/2022</a:t>
             </a:fld>
             <a:endParaRPr lang="en-US"/>
           </a:p>
@@ -3443,6 +3441,11 @@
               <a:rPr lang="sr-Latn-RS" dirty="0"/>
               <a:t>Jelena Dubak</a:t>
             </a:r>
+            <a:r>
+              <a:rPr lang="en-US" dirty="0"/>
+              <a:t> 2020/3256</a:t>
+            </a:r>
+            <a:endParaRPr lang="sr-Latn-RS" dirty="0"/>
           </a:p>
           <a:p>
             <a:pPr algn="l"/>
@@ -3497,7 +3500,7 @@
           <p:cNvPr id="2" name="Title 1">
             <a:extLst>
               <a:ext uri="{FF2B5EF4-FFF2-40B4-BE49-F238E27FC236}">
-                <a16:creationId xmlns:a16="http://schemas.microsoft.com/office/drawing/2014/main" id="{C5092A40-A888-856B-0323-C933D69D68EB}"/>
+                <a16:creationId xmlns:a16="http://schemas.microsoft.com/office/drawing/2014/main" id="{D46B2C94-4911-9A1D-37E5-31055910F8BB}"/>
               </a:ext>
             </a:extLst>
           </p:cNvPr>
@@ -3514,8 +3517,8 @@
           <a:lstStyle/>
           <a:p>
             <a:r>
-              <a:rPr lang="en-US" b="1" dirty="0"/>
-              <a:t>Main program</a:t>
+              <a:rPr lang="en-US" dirty="0"/>
+              <a:t>Difficulties</a:t>
             </a:r>
           </a:p>
         </p:txBody>
@@ -3525,7 +3528,7 @@
           <p:cNvPr id="3" name="Content Placeholder 2">
             <a:extLst>
               <a:ext uri="{FF2B5EF4-FFF2-40B4-BE49-F238E27FC236}">
-                <a16:creationId xmlns:a16="http://schemas.microsoft.com/office/drawing/2014/main" id="{B0CF88A5-0617-57CD-775C-A45993707FB6}"/>
+                <a16:creationId xmlns:a16="http://schemas.microsoft.com/office/drawing/2014/main" id="{8DF886E7-CFD2-733E-D33C-2435D67E2977}"/>
               </a:ext>
             </a:extLst>
           </p:cNvPr>
@@ -3538,119 +3541,45 @@
         </p:nvSpPr>
         <p:spPr/>
         <p:txBody>
-          <a:bodyPr>
-            <a:normAutofit fontScale="92500" lnSpcReduction="20000"/>
-          </a:bodyPr>
+          <a:bodyPr/>
           <a:lstStyle/>
           <a:p>
             <a:r>
               <a:rPr lang="en-US" dirty="0"/>
-              <a:t>Inputs</a:t>
-            </a:r>
+              <a:t>Test files given by the task ran too slow and used too much memory</a:t>
+            </a:r>
+          </a:p>
+          <a:p>
+            <a:endParaRPr lang="en-US" dirty="0"/>
           </a:p>
           <a:p>
             <a:pPr lvl="1"/>
             <a:r>
+              <a:rPr lang="en-US" dirty="0"/>
+              <a:t>Seen on local environment (our laptops)</a:t>
+            </a:r>
+          </a:p>
+          <a:p>
+            <a:pPr lvl="1"/>
+            <a:endParaRPr lang="en-US" dirty="0"/>
+          </a:p>
+          <a:p>
+            <a:pPr lvl="1"/>
+            <a:r>
+              <a:rPr lang="en-US" dirty="0"/>
+              <a:t>Also seen on Seven Bridges Cancer Genomics Cloud platform (CGC)</a:t>
+            </a:r>
+          </a:p>
+          <a:p>
+            <a:pPr lvl="2"/>
+            <a:r>
+              <a:rPr lang="en-US" dirty="0"/>
+              <a:t>Ran via Data Cruncher </a:t>
+            </a:r>
+            <a:r>
               <a:rPr lang="en-US" dirty="0" err="1"/>
-              <a:t>Fasta</a:t>
-            </a:r>
-            <a:r>
-              <a:rPr lang="en-US" dirty="0"/>
-              <a:t> file</a:t>
-            </a:r>
-          </a:p>
-          <a:p>
-            <a:pPr lvl="1"/>
-            <a:r>
-              <a:rPr lang="en-US" dirty="0" err="1"/>
-              <a:t>Fastq</a:t>
-            </a:r>
-            <a:r>
-              <a:rPr lang="en-US" dirty="0"/>
-              <a:t> file</a:t>
-            </a:r>
-          </a:p>
-          <a:p>
-            <a:pPr marL="457200" lvl="1" indent="0">
-              <a:buNone/>
-            </a:pPr>
-            <a:endParaRPr lang="en-US" dirty="0"/>
-          </a:p>
-          <a:p>
-            <a:r>
-              <a:rPr lang="en-US" dirty="0"/>
-              <a:t>Program</a:t>
-            </a:r>
-          </a:p>
-          <a:p>
-            <a:pPr lvl="1"/>
-            <a:r>
-              <a:rPr lang="en-US" dirty="0"/>
-              <a:t>Initialization (uses the fact that FM Index is offline)</a:t>
-            </a:r>
-          </a:p>
-          <a:p>
-            <a:pPr lvl="1"/>
-            <a:r>
-              <a:rPr lang="en-US" dirty="0"/>
-              <a:t>Seed and extend algorithm</a:t>
-            </a:r>
-          </a:p>
-          <a:p>
-            <a:pPr lvl="2"/>
-            <a:r>
-              <a:rPr lang="en-US" dirty="0"/>
-              <a:t>Runed for each read</a:t>
-            </a:r>
-          </a:p>
-          <a:p>
-            <a:pPr lvl="3"/>
-            <a:r>
-              <a:rPr lang="en-US" dirty="0"/>
-              <a:t>Via FM index query finds seed positions</a:t>
-            </a:r>
-          </a:p>
-          <a:p>
-            <a:pPr lvl="3"/>
-            <a:r>
-              <a:rPr lang="en-US" dirty="0"/>
-              <a:t>Via Aligner calculates scores and edit transcripts</a:t>
-            </a:r>
-          </a:p>
-          <a:p>
-            <a:pPr lvl="3"/>
-            <a:r>
-              <a:rPr lang="en-US" dirty="0"/>
-              <a:t>Sorts positions by best scores</a:t>
-            </a:r>
-          </a:p>
-          <a:p>
-            <a:pPr marL="1371600" lvl="3" indent="0">
-              <a:buNone/>
-            </a:pPr>
-            <a:endParaRPr lang="en-US" dirty="0"/>
-          </a:p>
-          <a:p>
-            <a:r>
-              <a:rPr lang="en-US" dirty="0"/>
-              <a:t>Outputs</a:t>
-            </a:r>
-          </a:p>
-          <a:p>
-            <a:pPr lvl="1"/>
-            <a:r>
-              <a:rPr lang="en-US" dirty="0"/>
-              <a:t>Parameters above, for each read</a:t>
-            </a:r>
-          </a:p>
-          <a:p>
-            <a:pPr marL="914400" lvl="2" indent="0">
-              <a:buNone/>
-            </a:pPr>
-            <a:endParaRPr lang="en-US" dirty="0"/>
-          </a:p>
-          <a:p>
-            <a:pPr lvl="1"/>
+              <a:t>Jupyter</a:t>
+            </a:r>
             <a:endParaRPr lang="en-US" dirty="0"/>
           </a:p>
         </p:txBody>
@@ -3658,7 +3587,7 @@
     </p:spTree>
     <p:extLst>
       <p:ext uri="{BB962C8B-B14F-4D97-AF65-F5344CB8AC3E}">
-        <p14:creationId xmlns:p14="http://schemas.microsoft.com/office/powerpoint/2010/main" val="3504836750"/>
+        <p14:creationId xmlns:p14="http://schemas.microsoft.com/office/powerpoint/2010/main" val="3240805484"/>
       </p:ext>
     </p:extLst>
   </p:cSld>
@@ -3690,118 +3619,6 @@
           <p:cNvPr id="2" name="Title 1">
             <a:extLst>
               <a:ext uri="{FF2B5EF4-FFF2-40B4-BE49-F238E27FC236}">
-                <a16:creationId xmlns:a16="http://schemas.microsoft.com/office/drawing/2014/main" id="{D46B2C94-4911-9A1D-37E5-31055910F8BB}"/>
-              </a:ext>
-            </a:extLst>
-          </p:cNvPr>
-          <p:cNvSpPr>
-            <a:spLocks noGrp="1"/>
-          </p:cNvSpPr>
-          <p:nvPr>
-            <p:ph type="title"/>
-          </p:nvPr>
-        </p:nvSpPr>
-        <p:spPr/>
-        <p:txBody>
-          <a:bodyPr/>
-          <a:lstStyle/>
-          <a:p>
-            <a:r>
-              <a:rPr lang="en-US" dirty="0"/>
-              <a:t>Difficulties</a:t>
-            </a:r>
-          </a:p>
-        </p:txBody>
-      </p:sp>
-      <p:sp>
-        <p:nvSpPr>
-          <p:cNvPr id="3" name="Content Placeholder 2">
-            <a:extLst>
-              <a:ext uri="{FF2B5EF4-FFF2-40B4-BE49-F238E27FC236}">
-                <a16:creationId xmlns:a16="http://schemas.microsoft.com/office/drawing/2014/main" id="{8DF886E7-CFD2-733E-D33C-2435D67E2977}"/>
-              </a:ext>
-            </a:extLst>
-          </p:cNvPr>
-          <p:cNvSpPr>
-            <a:spLocks noGrp="1"/>
-          </p:cNvSpPr>
-          <p:nvPr>
-            <p:ph idx="1"/>
-          </p:nvPr>
-        </p:nvSpPr>
-        <p:spPr/>
-        <p:txBody>
-          <a:bodyPr/>
-          <a:lstStyle/>
-          <a:p>
-            <a:r>
-              <a:rPr lang="en-US" dirty="0"/>
-              <a:t>Test files given by the task runed too slow and used too much memory</a:t>
-            </a:r>
-          </a:p>
-          <a:p>
-            <a:pPr lvl="1"/>
-            <a:r>
-              <a:rPr lang="en-US" dirty="0"/>
-              <a:t>Seen on local environment (our laptops)</a:t>
-            </a:r>
-          </a:p>
-          <a:p>
-            <a:pPr lvl="1"/>
-            <a:r>
-              <a:rPr lang="en-US" dirty="0"/>
-              <a:t>Also seen on Seven Bridges Cancer Genomics Cloud platform (CGC)</a:t>
-            </a:r>
-          </a:p>
-          <a:p>
-            <a:pPr lvl="2"/>
-            <a:r>
-              <a:rPr lang="en-US" dirty="0"/>
-              <a:t>Runed via Data Cruncher </a:t>
-            </a:r>
-            <a:r>
-              <a:rPr lang="en-US" dirty="0" err="1"/>
-              <a:t>Jypter</a:t>
-            </a:r>
-            <a:endParaRPr lang="en-US" dirty="0"/>
-          </a:p>
-        </p:txBody>
-      </p:sp>
-    </p:spTree>
-    <p:extLst>
-      <p:ext uri="{BB962C8B-B14F-4D97-AF65-F5344CB8AC3E}">
-        <p14:creationId xmlns:p14="http://schemas.microsoft.com/office/powerpoint/2010/main" val="3240805484"/>
-      </p:ext>
-    </p:extLst>
-  </p:cSld>
-  <p:clrMapOvr>
-    <a:masterClrMapping/>
-  </p:clrMapOvr>
-</p:sld>
-</file>
-
-<file path=ppt/slides/slide12.xml><?xml version="1.0" encoding="utf-8"?>
-<p:sld xmlns:a="http://schemas.openxmlformats.org/drawingml/2006/main" xmlns:r="http://schemas.openxmlformats.org/officeDocument/2006/relationships" xmlns:p="http://schemas.openxmlformats.org/presentationml/2006/main">
-  <p:cSld>
-    <p:spTree>
-      <p:nvGrpSpPr>
-        <p:cNvPr id="1" name=""/>
-        <p:cNvGrpSpPr/>
-        <p:nvPr/>
-      </p:nvGrpSpPr>
-      <p:grpSpPr>
-        <a:xfrm>
-          <a:off x="0" y="0"/>
-          <a:ext cx="0" cy="0"/>
-          <a:chOff x="0" y="0"/>
-          <a:chExt cx="0" cy="0"/>
-        </a:xfrm>
-      </p:grpSpPr>
-      <p:sp>
-        <p:nvSpPr>
-          <p:cNvPr id="2" name="Title 1">
-            <a:extLst>
-              <a:ext uri="{FF2B5EF4-FFF2-40B4-BE49-F238E27FC236}">
                 <a16:creationId xmlns:a16="http://schemas.microsoft.com/office/drawing/2014/main" id="{D46B5AF7-A1E5-DEE4-6E35-99B9BB5DEAE4}"/>
               </a:ext>
             </a:extLst>
@@ -3867,7 +3684,7 @@
           <a:p>
             <a:r>
               <a:rPr lang="en-US" dirty="0"/>
-              <a:t>Runed for task parameters on CGC </a:t>
+              <a:t>Ran for task parameters on CGC </a:t>
             </a:r>
             <a:r>
               <a:rPr lang="en-US" dirty="0" err="1"/>
@@ -3912,7 +3729,7 @@
 </p:sld>
 </file>
 
-<file path=ppt/slides/slide13.xml><?xml version="1.0" encoding="utf-8"?>
+<file path=ppt/slides/slide12.xml><?xml version="1.0" encoding="utf-8"?>
 <p:sld xmlns:a="http://schemas.openxmlformats.org/drawingml/2006/main" xmlns:r="http://schemas.openxmlformats.org/officeDocument/2006/relationships" xmlns:p="http://schemas.openxmlformats.org/presentationml/2006/main">
   <p:cSld>
     <p:spTree>
@@ -3978,6 +3795,70 @@
 </p:sld>
 </file>
 
+<file path=ppt/slides/slide13.xml><?xml version="1.0" encoding="utf-8"?>
+<p:sld xmlns:a="http://schemas.openxmlformats.org/drawingml/2006/main" xmlns:r="http://schemas.openxmlformats.org/officeDocument/2006/relationships" xmlns:p="http://schemas.openxmlformats.org/presentationml/2006/main">
+  <p:cSld>
+    <p:spTree>
+      <p:nvGrpSpPr>
+        <p:cNvPr id="1" name=""/>
+        <p:cNvGrpSpPr/>
+        <p:nvPr/>
+      </p:nvGrpSpPr>
+      <p:grpSpPr>
+        <a:xfrm>
+          <a:off x="0" y="0"/>
+          <a:ext cx="0" cy="0"/>
+          <a:chOff x="0" y="0"/>
+          <a:chExt cx="0" cy="0"/>
+        </a:xfrm>
+      </p:grpSpPr>
+      <p:sp>
+        <p:nvSpPr>
+          <p:cNvPr id="2" name="Title 1">
+            <a:extLst>
+              <a:ext uri="{FF2B5EF4-FFF2-40B4-BE49-F238E27FC236}">
+                <a16:creationId xmlns:a16="http://schemas.microsoft.com/office/drawing/2014/main" id="{C2D6036C-BEDA-710A-BCDD-73F08C69FA65}"/>
+              </a:ext>
+            </a:extLst>
+          </p:cNvPr>
+          <p:cNvSpPr>
+            <a:spLocks noGrp="1"/>
+          </p:cNvSpPr>
+          <p:nvPr>
+            <p:ph type="title"/>
+          </p:nvPr>
+        </p:nvSpPr>
+        <p:spPr>
+          <a:xfrm>
+            <a:off x="838200" y="2766218"/>
+            <a:ext cx="10515600" cy="1325563"/>
+          </a:xfrm>
+        </p:spPr>
+        <p:txBody>
+          <a:bodyPr/>
+          <a:lstStyle/>
+          <a:p>
+            <a:pPr algn="ctr"/>
+            <a:r>
+              <a:rPr lang="en-US" b="1" dirty="0"/>
+              <a:t>BWA MEM</a:t>
+            </a:r>
+          </a:p>
+        </p:txBody>
+      </p:sp>
+    </p:spTree>
+    <p:extLst>
+      <p:ext uri="{BB962C8B-B14F-4D97-AF65-F5344CB8AC3E}">
+        <p14:creationId xmlns:p14="http://schemas.microsoft.com/office/powerpoint/2010/main" val="3285786832"/>
+      </p:ext>
+    </p:extLst>
+  </p:cSld>
+  <p:clrMapOvr>
+    <a:masterClrMapping/>
+  </p:clrMapOvr>
+</p:sld>
+</file>
+
 <file path=ppt/slides/slide14.xml><?xml version="1.0" encoding="utf-8"?>
 <p:sld xmlns:a="http://schemas.openxmlformats.org/drawingml/2006/main" xmlns:r="http://schemas.openxmlformats.org/officeDocument/2006/relationships" xmlns:p="http://schemas.openxmlformats.org/presentationml/2006/main">
   <p:cSld>
@@ -4000,70 +3881,6 @@
           <p:cNvPr id="2" name="Title 1">
             <a:extLst>
               <a:ext uri="{FF2B5EF4-FFF2-40B4-BE49-F238E27FC236}">
-                <a16:creationId xmlns:a16="http://schemas.microsoft.com/office/drawing/2014/main" id="{C2D6036C-BEDA-710A-BCDD-73F08C69FA65}"/>
-              </a:ext>
-            </a:extLst>
-          </p:cNvPr>
-          <p:cNvSpPr>
-            <a:spLocks noGrp="1"/>
-          </p:cNvSpPr>
-          <p:nvPr>
-            <p:ph type="title"/>
-          </p:nvPr>
-        </p:nvSpPr>
-        <p:spPr>
-          <a:xfrm>
-            <a:off x="838200" y="2766218"/>
-            <a:ext cx="10515600" cy="1325563"/>
-          </a:xfrm>
-        </p:spPr>
-        <p:txBody>
-          <a:bodyPr/>
-          <a:lstStyle/>
-          <a:p>
-            <a:pPr algn="ctr"/>
-            <a:r>
-              <a:rPr lang="en-US" b="1" dirty="0"/>
-              <a:t>BWA MEM</a:t>
-            </a:r>
-          </a:p>
-        </p:txBody>
-      </p:sp>
-    </p:spTree>
-    <p:extLst>
-      <p:ext uri="{BB962C8B-B14F-4D97-AF65-F5344CB8AC3E}">
-        <p14:creationId xmlns:p14="http://schemas.microsoft.com/office/powerpoint/2010/main" val="3285786832"/>
-      </p:ext>
-    </p:extLst>
-  </p:cSld>
-  <p:clrMapOvr>
-    <a:masterClrMapping/>
-  </p:clrMapOvr>
-</p:sld>
-</file>
-
-<file path=ppt/slides/slide15.xml><?xml version="1.0" encoding="utf-8"?>
-<p:sld xmlns:a="http://schemas.openxmlformats.org/drawingml/2006/main" xmlns:r="http://schemas.openxmlformats.org/officeDocument/2006/relationships" xmlns:p="http://schemas.openxmlformats.org/presentationml/2006/main">
-  <p:cSld>
-    <p:spTree>
-      <p:nvGrpSpPr>
-        <p:cNvPr id="1" name=""/>
-        <p:cNvGrpSpPr/>
-        <p:nvPr/>
-      </p:nvGrpSpPr>
-      <p:grpSpPr>
-        <a:xfrm>
-          <a:off x="0" y="0"/>
-          <a:ext cx="0" cy="0"/>
-          <a:chOff x="0" y="0"/>
-          <a:chExt cx="0" cy="0"/>
-        </a:xfrm>
-      </p:grpSpPr>
-      <p:sp>
-        <p:nvSpPr>
-          <p:cNvPr id="2" name="Title 1">
-            <a:extLst>
-              <a:ext uri="{FF2B5EF4-FFF2-40B4-BE49-F238E27FC236}">
                 <a16:creationId xmlns:a16="http://schemas.microsoft.com/office/drawing/2014/main" id="{56E6CFBF-80E2-0361-8774-2EF6F27D4B56}"/>
               </a:ext>
             </a:extLst>
@@ -4205,7 +4022,7 @@
 </p:sld>
 </file>
 
-<file path=ppt/slides/slide16.xml><?xml version="1.0" encoding="utf-8"?>
+<file path=ppt/slides/slide15.xml><?xml version="1.0" encoding="utf-8"?>
 <p:sld xmlns:a="http://schemas.openxmlformats.org/drawingml/2006/main" xmlns:r="http://schemas.openxmlformats.org/officeDocument/2006/relationships" xmlns:p="http://schemas.openxmlformats.org/presentationml/2006/main">
   <p:cSld>
     <p:spTree>
@@ -4271,6 +4088,108 @@
 </p:sld>
 </file>
 
+<file path=ppt/slides/slide16.xml><?xml version="1.0" encoding="utf-8"?>
+<p:sld xmlns:a="http://schemas.openxmlformats.org/drawingml/2006/main" xmlns:r="http://schemas.openxmlformats.org/officeDocument/2006/relationships" xmlns:p="http://schemas.openxmlformats.org/presentationml/2006/main">
+  <p:cSld>
+    <p:spTree>
+      <p:nvGrpSpPr>
+        <p:cNvPr id="1" name=""/>
+        <p:cNvGrpSpPr/>
+        <p:nvPr/>
+      </p:nvGrpSpPr>
+      <p:grpSpPr>
+        <a:xfrm>
+          <a:off x="0" y="0"/>
+          <a:ext cx="0" cy="0"/>
+          <a:chOff x="0" y="0"/>
+          <a:chExt cx="0" cy="0"/>
+        </a:xfrm>
+      </p:grpSpPr>
+      <p:sp>
+        <p:nvSpPr>
+          <p:cNvPr id="3" name="Content Placeholder 2">
+            <a:extLst>
+              <a:ext uri="{FF2B5EF4-FFF2-40B4-BE49-F238E27FC236}">
+                <a16:creationId xmlns:a16="http://schemas.microsoft.com/office/drawing/2014/main" id="{70E13537-EB69-FCF2-DD34-EE8F47B1EAF1}"/>
+              </a:ext>
+            </a:extLst>
+          </p:cNvPr>
+          <p:cNvSpPr>
+            <a:spLocks noGrp="1"/>
+          </p:cNvSpPr>
+          <p:nvPr>
+            <p:ph idx="1"/>
+          </p:nvPr>
+        </p:nvSpPr>
+        <p:spPr>
+          <a:xfrm>
+            <a:off x="838200" y="428625"/>
+            <a:ext cx="10515600" cy="5748338"/>
+          </a:xfrm>
+        </p:spPr>
+        <p:txBody>
+          <a:bodyPr/>
+          <a:lstStyle/>
+          <a:p>
+            <a:r>
+              <a:rPr lang="en-US" dirty="0"/>
+              <a:t>Example of runs (and errors while we figured out what was wrong…)</a:t>
+            </a:r>
+          </a:p>
+          <a:p>
+            <a:endParaRPr lang="en-US" dirty="0"/>
+          </a:p>
+        </p:txBody>
+      </p:sp>
+      <p:pic>
+        <p:nvPicPr>
+          <p:cNvPr id="5" name="Picture 4" descr="Table&#10;&#10;Description automatically generated">
+            <a:extLst>
+              <a:ext uri="{FF2B5EF4-FFF2-40B4-BE49-F238E27FC236}">
+                <a16:creationId xmlns:a16="http://schemas.microsoft.com/office/drawing/2014/main" id="{86249B83-4AA0-3F4F-33DD-F4761BD2AF4A}"/>
+              </a:ext>
+            </a:extLst>
+          </p:cNvPr>
+          <p:cNvPicPr>
+            <a:picLocks noChangeAspect="1"/>
+          </p:cNvPicPr>
+          <p:nvPr/>
+        </p:nvPicPr>
+        <p:blipFill>
+          <a:blip r:embed="rId2">
+            <a:extLst>
+              <a:ext uri="{28A0092B-C50C-407E-A947-70E740481C1C}">
+                <a14:useLocalDpi xmlns:a14="http://schemas.microsoft.com/office/drawing/2010/main" val="0"/>
+              </a:ext>
+            </a:extLst>
+          </a:blip>
+          <a:stretch>
+            <a:fillRect/>
+          </a:stretch>
+        </p:blipFill>
+        <p:spPr>
+          <a:xfrm>
+            <a:off x="4264342" y="839541"/>
+            <a:ext cx="3663315" cy="5337422"/>
+          </a:xfrm>
+          <a:prstGeom prst="rect">
+            <a:avLst/>
+          </a:prstGeom>
+        </p:spPr>
+      </p:pic>
+    </p:spTree>
+    <p:extLst>
+      <p:ext uri="{BB962C8B-B14F-4D97-AF65-F5344CB8AC3E}">
+        <p14:creationId xmlns:p14="http://schemas.microsoft.com/office/powerpoint/2010/main" val="7083061"/>
+      </p:ext>
+    </p:extLst>
+  </p:cSld>
+  <p:clrMapOvr>
+    <a:masterClrMapping/>
+  </p:clrMapOvr>
+</p:sld>
+</file>
+
 <file path=ppt/slides/slide17.xml><?xml version="1.0" encoding="utf-8"?>
 <p:sld xmlns:a="http://schemas.openxmlformats.org/drawingml/2006/main" xmlns:r="http://schemas.openxmlformats.org/officeDocument/2006/relationships" xmlns:p="http://schemas.openxmlformats.org/presentationml/2006/main">
   <p:cSld>
@@ -4290,10 +4209,38 @@
       </p:grpSpPr>
       <p:sp>
         <p:nvSpPr>
+          <p:cNvPr id="2" name="Title 1">
+            <a:extLst>
+              <a:ext uri="{FF2B5EF4-FFF2-40B4-BE49-F238E27FC236}">
+                <a16:creationId xmlns:a16="http://schemas.microsoft.com/office/drawing/2014/main" id="{46B2D791-9BCC-4435-96AD-44B3A59138D5}"/>
+              </a:ext>
+            </a:extLst>
+          </p:cNvPr>
+          <p:cNvSpPr>
+            <a:spLocks noGrp="1"/>
+          </p:cNvSpPr>
+          <p:nvPr>
+            <p:ph type="title"/>
+          </p:nvPr>
+        </p:nvSpPr>
+        <p:spPr/>
+        <p:txBody>
+          <a:bodyPr/>
+          <a:lstStyle/>
+          <a:p>
+            <a:r>
+              <a:rPr lang="en-US" dirty="0"/>
+              <a:t>Difficulties</a:t>
+            </a:r>
+          </a:p>
+        </p:txBody>
+      </p:sp>
+      <p:sp>
+        <p:nvSpPr>
           <p:cNvPr id="3" name="Content Placeholder 2">
             <a:extLst>
               <a:ext uri="{FF2B5EF4-FFF2-40B4-BE49-F238E27FC236}">
-                <a16:creationId xmlns:a16="http://schemas.microsoft.com/office/drawing/2014/main" id="{70E13537-EB69-FCF2-DD34-EE8F47B1EAF1}"/>
+                <a16:creationId xmlns:a16="http://schemas.microsoft.com/office/drawing/2014/main" id="{D616BAB6-3CDB-19CF-3CB6-882D0D0B67F6}"/>
               </a:ext>
             </a:extLst>
           </p:cNvPr>
@@ -4304,66 +4251,47 @@
             <p:ph idx="1"/>
           </p:nvPr>
         </p:nvSpPr>
-        <p:spPr>
-          <a:xfrm>
-            <a:off x="838200" y="428625"/>
-            <a:ext cx="10515600" cy="5748338"/>
-          </a:xfrm>
-        </p:spPr>
+        <p:spPr/>
         <p:txBody>
           <a:bodyPr/>
           <a:lstStyle/>
           <a:p>
             <a:r>
               <a:rPr lang="en-US" dirty="0"/>
-              <a:t>Example of runs (and errors while we figured out what was wrong…)</a:t>
-            </a:r>
-          </a:p>
-          <a:p>
+              <a:t>Errors for match value of 0</a:t>
+            </a:r>
+          </a:p>
+          <a:p>
+            <a:pPr lvl="1"/>
+            <a:r>
+              <a:rPr lang="en-US" dirty="0"/>
+              <a:t>Also checked for other bwa mem tools built via </a:t>
+            </a:r>
+            <a:r>
+              <a:rPr lang="en-US" dirty="0" err="1"/>
+              <a:t>Dockerfile</a:t>
+            </a:r>
+            <a:r>
+              <a:rPr lang="en-US" dirty="0"/>
+              <a:t> on our local machines and ran via Docker Desktop on Windows Linux-Subsystem</a:t>
+            </a:r>
+          </a:p>
+          <a:p>
+            <a:pPr lvl="1"/>
             <a:endParaRPr lang="en-US" dirty="0"/>
           </a:p>
-        </p:txBody>
-      </p:sp>
-      <p:pic>
-        <p:nvPicPr>
-          <p:cNvPr id="5" name="Picture 4" descr="Table&#10;&#10;Description automatically generated">
-            <a:extLst>
-              <a:ext uri="{FF2B5EF4-FFF2-40B4-BE49-F238E27FC236}">
-                <a16:creationId xmlns:a16="http://schemas.microsoft.com/office/drawing/2014/main" id="{86249B83-4AA0-3F4F-33DD-F4761BD2AF4A}"/>
-              </a:ext>
-            </a:extLst>
-          </p:cNvPr>
-          <p:cNvPicPr>
-            <a:picLocks noChangeAspect="1"/>
-          </p:cNvPicPr>
-          <p:nvPr/>
-        </p:nvPicPr>
-        <p:blipFill>
-          <a:blip r:embed="rId2">
-            <a:extLst>
-              <a:ext uri="{28A0092B-C50C-407E-A947-70E740481C1C}">
-                <a14:useLocalDpi xmlns:a14="http://schemas.microsoft.com/office/drawing/2010/main" val="0"/>
-              </a:ext>
-            </a:extLst>
-          </a:blip>
-          <a:stretch>
-            <a:fillRect/>
-          </a:stretch>
-        </p:blipFill>
-        <p:spPr>
-          <a:xfrm>
-            <a:off x="4264342" y="972253"/>
-            <a:ext cx="3663315" cy="5204710"/>
-          </a:xfrm>
-          <a:prstGeom prst="rect">
-            <a:avLst/>
-          </a:prstGeom>
-        </p:spPr>
-      </p:pic>
+          <a:p>
+            <a:r>
+              <a:rPr lang="en-US" dirty="0"/>
+              <a:t>Match value of zero therefore not taken into account for our program validation</a:t>
+            </a:r>
+          </a:p>
+        </p:txBody>
+      </p:sp>
     </p:spTree>
     <p:extLst>
       <p:ext uri="{BB962C8B-B14F-4D97-AF65-F5344CB8AC3E}">
-        <p14:creationId xmlns:p14="http://schemas.microsoft.com/office/powerpoint/2010/main" val="7083061"/>
+        <p14:creationId xmlns:p14="http://schemas.microsoft.com/office/powerpoint/2010/main" val="1560236990"/>
       </p:ext>
     </p:extLst>
   </p:cSld>
@@ -4392,10 +4320,10 @@
       </p:grpSpPr>
       <p:sp>
         <p:nvSpPr>
-          <p:cNvPr id="2" name="Title 1">
-            <a:extLst>
-              <a:ext uri="{FF2B5EF4-FFF2-40B4-BE49-F238E27FC236}">
-                <a16:creationId xmlns:a16="http://schemas.microsoft.com/office/drawing/2014/main" id="{46B2D791-9BCC-4435-96AD-44B3A59138D5}"/>
+          <p:cNvPr id="4" name="Title 3">
+            <a:extLst>
+              <a:ext uri="{FF2B5EF4-FFF2-40B4-BE49-F238E27FC236}">
+                <a16:creationId xmlns:a16="http://schemas.microsoft.com/office/drawing/2014/main" id="{6E73E49A-5DC3-F09C-C0C4-0EDE2688A7B4}"/>
               </a:ext>
             </a:extLst>
           </p:cNvPr>
@@ -4406,67 +4334,20 @@
             <p:ph type="title"/>
           </p:nvPr>
         </p:nvSpPr>
-        <p:spPr/>
-        <p:txBody>
-          <a:bodyPr/>
-          <a:lstStyle/>
-          <a:p>
-            <a:r>
-              <a:rPr lang="en-US" dirty="0"/>
-              <a:t>Difficulties</a:t>
-            </a:r>
-          </a:p>
-        </p:txBody>
-      </p:sp>
-      <p:sp>
-        <p:nvSpPr>
-          <p:cNvPr id="3" name="Content Placeholder 2">
-            <a:extLst>
-              <a:ext uri="{FF2B5EF4-FFF2-40B4-BE49-F238E27FC236}">
-                <a16:creationId xmlns:a16="http://schemas.microsoft.com/office/drawing/2014/main" id="{D616BAB6-3CDB-19CF-3CB6-882D0D0B67F6}"/>
-              </a:ext>
-            </a:extLst>
-          </p:cNvPr>
-          <p:cNvSpPr>
-            <a:spLocks noGrp="1"/>
-          </p:cNvSpPr>
-          <p:nvPr>
-            <p:ph idx="1"/>
-          </p:nvPr>
-        </p:nvSpPr>
-        <p:spPr/>
-        <p:txBody>
-          <a:bodyPr/>
-          <a:lstStyle/>
-          <a:p>
-            <a:r>
-              <a:rPr lang="en-US" dirty="0"/>
-              <a:t>Errors for match value of 0</a:t>
-            </a:r>
-          </a:p>
-          <a:p>
-            <a:pPr lvl="1"/>
-            <a:r>
-              <a:rPr lang="en-US" dirty="0"/>
-              <a:t>Also checked for other bwa mem tools built via </a:t>
-            </a:r>
-            <a:r>
-              <a:rPr lang="en-US" dirty="0" err="1"/>
-              <a:t>Dockerfile</a:t>
-            </a:r>
-            <a:r>
-              <a:rPr lang="en-US" dirty="0"/>
-              <a:t> on our local machines and runed via Docker Desktop on Windows Linux-Subsystem</a:t>
-            </a:r>
-          </a:p>
-          <a:p>
-            <a:pPr lvl="1"/>
-            <a:endParaRPr lang="en-US" dirty="0"/>
-          </a:p>
-          <a:p>
-            <a:r>
-              <a:rPr lang="en-US" dirty="0"/>
-              <a:t>Match value of zero therefore not taken into account for our program validation</a:t>
+        <p:spPr>
+          <a:xfrm>
+            <a:off x="838200" y="2766218"/>
+            <a:ext cx="10515600" cy="1325563"/>
+          </a:xfrm>
+        </p:spPr>
+        <p:txBody>
+          <a:bodyPr/>
+          <a:lstStyle/>
+          <a:p>
+            <a:pPr algn="ctr"/>
+            <a:r>
+              <a:rPr lang="en-US" b="1" dirty="0"/>
+              <a:t>Results and analysis</a:t>
             </a:r>
           </a:p>
         </p:txBody>
@@ -4474,7 +4355,7 @@
     </p:spTree>
     <p:extLst>
       <p:ext uri="{BB962C8B-B14F-4D97-AF65-F5344CB8AC3E}">
-        <p14:creationId xmlns:p14="http://schemas.microsoft.com/office/powerpoint/2010/main" val="1560236990"/>
+        <p14:creationId xmlns:p14="http://schemas.microsoft.com/office/powerpoint/2010/main" val="2862446715"/>
       </p:ext>
     </p:extLst>
   </p:cSld>
@@ -4503,10 +4384,10 @@
       </p:grpSpPr>
       <p:sp>
         <p:nvSpPr>
-          <p:cNvPr id="4" name="Title 3">
-            <a:extLst>
-              <a:ext uri="{FF2B5EF4-FFF2-40B4-BE49-F238E27FC236}">
-                <a16:creationId xmlns:a16="http://schemas.microsoft.com/office/drawing/2014/main" id="{6E73E49A-5DC3-F09C-C0C4-0EDE2688A7B4}"/>
+          <p:cNvPr id="2" name="Title 1">
+            <a:extLst>
+              <a:ext uri="{FF2B5EF4-FFF2-40B4-BE49-F238E27FC236}">
+                <a16:creationId xmlns:a16="http://schemas.microsoft.com/office/drawing/2014/main" id="{161BED40-7E3C-DAE3-2AE0-EE4F75CC20C9}"/>
               </a:ext>
             </a:extLst>
           </p:cNvPr>
@@ -4517,28 +4398,47 @@
             <p:ph type="title"/>
           </p:nvPr>
         </p:nvSpPr>
-        <p:spPr>
-          <a:xfrm>
-            <a:off x="838200" y="2766218"/>
-            <a:ext cx="10515600" cy="1325563"/>
-          </a:xfrm>
-        </p:spPr>
-        <p:txBody>
-          <a:bodyPr/>
-          <a:lstStyle/>
-          <a:p>
-            <a:pPr algn="ctr"/>
+        <p:spPr/>
+        <p:txBody>
+          <a:bodyPr/>
+          <a:lstStyle/>
+          <a:p>
             <a:r>
               <a:rPr lang="en-US" b="1" dirty="0"/>
-              <a:t>Results and analysis</a:t>
-            </a:r>
+              <a:t>Analysis results</a:t>
+            </a:r>
+          </a:p>
+        </p:txBody>
+      </p:sp>
+      <p:sp>
+        <p:nvSpPr>
+          <p:cNvPr id="3" name="Content Placeholder 2">
+            <a:extLst>
+              <a:ext uri="{FF2B5EF4-FFF2-40B4-BE49-F238E27FC236}">
+                <a16:creationId xmlns:a16="http://schemas.microsoft.com/office/drawing/2014/main" id="{A1AF4861-31AE-B5B9-CCA1-04EEF19B2C63}"/>
+              </a:ext>
+            </a:extLst>
+          </p:cNvPr>
+          <p:cNvSpPr>
+            <a:spLocks noGrp="1"/>
+          </p:cNvSpPr>
+          <p:nvPr>
+            <p:ph idx="1"/>
+          </p:nvPr>
+        </p:nvSpPr>
+        <p:spPr/>
+        <p:txBody>
+          <a:bodyPr/>
+          <a:lstStyle/>
+          <a:p>
+            <a:endParaRPr lang="en-US"/>
           </a:p>
         </p:txBody>
       </p:sp>
     </p:spTree>
     <p:extLst>
       <p:ext uri="{BB962C8B-B14F-4D97-AF65-F5344CB8AC3E}">
-        <p14:creationId xmlns:p14="http://schemas.microsoft.com/office/powerpoint/2010/main" val="2862446715"/>
+        <p14:creationId xmlns:p14="http://schemas.microsoft.com/office/powerpoint/2010/main" val="3577820319"/>
       </p:ext>
     </p:extLst>
   </p:cSld>
@@ -4708,89 +4608,6 @@
           <p:cNvPr id="2" name="Title 1">
             <a:extLst>
               <a:ext uri="{FF2B5EF4-FFF2-40B4-BE49-F238E27FC236}">
-                <a16:creationId xmlns:a16="http://schemas.microsoft.com/office/drawing/2014/main" id="{161BED40-7E3C-DAE3-2AE0-EE4F75CC20C9}"/>
-              </a:ext>
-            </a:extLst>
-          </p:cNvPr>
-          <p:cNvSpPr>
-            <a:spLocks noGrp="1"/>
-          </p:cNvSpPr>
-          <p:nvPr>
-            <p:ph type="title"/>
-          </p:nvPr>
-        </p:nvSpPr>
-        <p:spPr/>
-        <p:txBody>
-          <a:bodyPr/>
-          <a:lstStyle/>
-          <a:p>
-            <a:r>
-              <a:rPr lang="en-US" b="1" dirty="0"/>
-              <a:t>Analysis results</a:t>
-            </a:r>
-          </a:p>
-        </p:txBody>
-      </p:sp>
-      <p:sp>
-        <p:nvSpPr>
-          <p:cNvPr id="3" name="Content Placeholder 2">
-            <a:extLst>
-              <a:ext uri="{FF2B5EF4-FFF2-40B4-BE49-F238E27FC236}">
-                <a16:creationId xmlns:a16="http://schemas.microsoft.com/office/drawing/2014/main" id="{A1AF4861-31AE-B5B9-CCA1-04EEF19B2C63}"/>
-              </a:ext>
-            </a:extLst>
-          </p:cNvPr>
-          <p:cNvSpPr>
-            <a:spLocks noGrp="1"/>
-          </p:cNvSpPr>
-          <p:nvPr>
-            <p:ph idx="1"/>
-          </p:nvPr>
-        </p:nvSpPr>
-        <p:spPr/>
-        <p:txBody>
-          <a:bodyPr/>
-          <a:lstStyle/>
-          <a:p>
-            <a:endParaRPr lang="en-US"/>
-          </a:p>
-        </p:txBody>
-      </p:sp>
-    </p:spTree>
-    <p:extLst>
-      <p:ext uri="{BB962C8B-B14F-4D97-AF65-F5344CB8AC3E}">
-        <p14:creationId xmlns:p14="http://schemas.microsoft.com/office/powerpoint/2010/main" val="3577820319"/>
-      </p:ext>
-    </p:extLst>
-  </p:cSld>
-  <p:clrMapOvr>
-    <a:masterClrMapping/>
-  </p:clrMapOvr>
-</p:sld>
-</file>
-
-<file path=ppt/slides/slide21.xml><?xml version="1.0" encoding="utf-8"?>
-<p:sld xmlns:a="http://schemas.openxmlformats.org/drawingml/2006/main" xmlns:r="http://schemas.openxmlformats.org/officeDocument/2006/relationships" xmlns:p="http://schemas.openxmlformats.org/presentationml/2006/main">
-  <p:cSld>
-    <p:spTree>
-      <p:nvGrpSpPr>
-        <p:cNvPr id="1" name=""/>
-        <p:cNvGrpSpPr/>
-        <p:nvPr/>
-      </p:nvGrpSpPr>
-      <p:grpSpPr>
-        <a:xfrm>
-          <a:off x="0" y="0"/>
-          <a:ext cx="0" cy="0"/>
-          <a:chOff x="0" y="0"/>
-          <a:chExt cx="0" cy="0"/>
-        </a:xfrm>
-      </p:grpSpPr>
-      <p:sp>
-        <p:nvSpPr>
-          <p:cNvPr id="2" name="Title 1">
-            <a:extLst>
-              <a:ext uri="{FF2B5EF4-FFF2-40B4-BE49-F238E27FC236}">
                 <a16:creationId xmlns:a16="http://schemas.microsoft.com/office/drawing/2014/main" id="{48406640-6A66-5839-9B79-502BE1B8C730}"/>
               </a:ext>
             </a:extLst>
@@ -4849,7 +4666,7 @@
 </p:sld>
 </file>
 
-<file path=ppt/slides/slide22.xml><?xml version="1.0" encoding="utf-8"?>
+<file path=ppt/slides/slide21.xml><?xml version="1.0" encoding="utf-8"?>
 <p:sld xmlns:a="http://schemas.openxmlformats.org/drawingml/2006/main" xmlns:r="http://schemas.openxmlformats.org/officeDocument/2006/relationships" xmlns:p="http://schemas.openxmlformats.org/presentationml/2006/main">
   <p:cSld>
     <p:bg>
@@ -5577,7 +5394,7 @@
         </p:blipFill>
         <p:spPr>
           <a:xfrm>
-            <a:off x="480060" y="2945130"/>
+            <a:off x="480060" y="3033554"/>
             <a:ext cx="5615940" cy="967740"/>
           </a:xfrm>
           <a:prstGeom prst="rect">
@@ -5865,116 +5682,114 @@
           <a:chExt cx="0" cy="0"/>
         </a:xfrm>
       </p:grpSpPr>
-      <p:pic>
-        <p:nvPicPr>
-          <p:cNvPr id="5" name="Content Placeholder 4" descr="Text&#10;&#10;Description automatically generated">
-            <a:extLst>
-              <a:ext uri="{FF2B5EF4-FFF2-40B4-BE49-F238E27FC236}">
-                <a16:creationId xmlns:a16="http://schemas.microsoft.com/office/drawing/2014/main" id="{B08B4E76-F269-22CB-0542-1EE56ACDE5BF}"/>
-              </a:ext>
-            </a:extLst>
-          </p:cNvPr>
-          <p:cNvPicPr>
-            <a:picLocks noGrp="1" noChangeAspect="1"/>
-          </p:cNvPicPr>
+      <p:sp>
+        <p:nvSpPr>
+          <p:cNvPr id="2" name="Title 1">
+            <a:extLst>
+              <a:ext uri="{FF2B5EF4-FFF2-40B4-BE49-F238E27FC236}">
+                <a16:creationId xmlns:a16="http://schemas.microsoft.com/office/drawing/2014/main" id="{9B80FEB3-5EC3-AFB3-0BB7-72BC4F339EC7}"/>
+              </a:ext>
+            </a:extLst>
+          </p:cNvPr>
+          <p:cNvSpPr>
+            <a:spLocks noGrp="1"/>
+          </p:cNvSpPr>
+          <p:nvPr>
+            <p:ph type="title"/>
+          </p:nvPr>
+        </p:nvSpPr>
+        <p:spPr/>
+        <p:txBody>
+          <a:bodyPr/>
+          <a:lstStyle/>
+          <a:p>
+            <a:r>
+              <a:rPr lang="en-US" b="1" dirty="0"/>
+              <a:t>Global alignment</a:t>
+            </a:r>
+          </a:p>
+        </p:txBody>
+      </p:sp>
+      <p:sp>
+        <p:nvSpPr>
+          <p:cNvPr id="3" name="Content Placeholder 2">
+            <a:extLst>
+              <a:ext uri="{FF2B5EF4-FFF2-40B4-BE49-F238E27FC236}">
+                <a16:creationId xmlns:a16="http://schemas.microsoft.com/office/drawing/2014/main" id="{F16486E7-F6E7-939D-5AAC-F2376DBD3060}"/>
+              </a:ext>
+            </a:extLst>
+          </p:cNvPr>
+          <p:cNvSpPr>
+            <a:spLocks noGrp="1"/>
+          </p:cNvSpPr>
           <p:nvPr>
             <p:ph idx="1"/>
           </p:nvPr>
-        </p:nvPicPr>
-        <p:blipFill>
-          <a:blip r:embed="rId2">
-            <a:extLst>
-              <a:ext uri="{28A0092B-C50C-407E-A947-70E740481C1C}">
-                <a14:useLocalDpi xmlns:a14="http://schemas.microsoft.com/office/drawing/2010/main" val="0"/>
-              </a:ext>
-            </a:extLst>
-          </a:blip>
-          <a:stretch>
-            <a:fillRect/>
-          </a:stretch>
-        </p:blipFill>
-        <p:spPr>
-          <a:xfrm>
-            <a:off x="486829" y="1088630"/>
-            <a:ext cx="5737860" cy="4899660"/>
-          </a:xfrm>
-        </p:spPr>
-      </p:pic>
-      <p:pic>
-        <p:nvPicPr>
-          <p:cNvPr id="7" name="Picture 6" descr="Graphical user interface, text, application&#10;&#10;Description automatically generated">
-            <a:extLst>
-              <a:ext uri="{FF2B5EF4-FFF2-40B4-BE49-F238E27FC236}">
-                <a16:creationId xmlns:a16="http://schemas.microsoft.com/office/drawing/2014/main" id="{A7345D6E-4E6B-E3EA-583F-505AF8D9A9E0}"/>
-              </a:ext>
-            </a:extLst>
-          </p:cNvPr>
-          <p:cNvPicPr>
-            <a:picLocks noChangeAspect="1"/>
-          </p:cNvPicPr>
-          <p:nvPr/>
-        </p:nvPicPr>
-        <p:blipFill>
-          <a:blip r:embed="rId3">
-            <a:extLst>
-              <a:ext uri="{28A0092B-C50C-407E-A947-70E740481C1C}">
-                <a14:useLocalDpi xmlns:a14="http://schemas.microsoft.com/office/drawing/2010/main" val="0"/>
-              </a:ext>
-            </a:extLst>
-          </a:blip>
-          <a:stretch>
-            <a:fillRect/>
-          </a:stretch>
-        </p:blipFill>
-        <p:spPr>
-          <a:xfrm>
-            <a:off x="6224689" y="1088630"/>
-            <a:ext cx="5898439" cy="3260203"/>
-          </a:xfrm>
-          <a:prstGeom prst="rect">
-            <a:avLst/>
-          </a:prstGeom>
-        </p:spPr>
-      </p:pic>
-      <p:sp>
-        <p:nvSpPr>
-          <p:cNvPr id="8" name="TextBox 7">
-            <a:extLst>
-              <a:ext uri="{FF2B5EF4-FFF2-40B4-BE49-F238E27FC236}">
-                <a16:creationId xmlns:a16="http://schemas.microsoft.com/office/drawing/2014/main" id="{76522B87-45E9-B01C-7C47-C34A099FA628}"/>
-              </a:ext>
-            </a:extLst>
-          </p:cNvPr>
-          <p:cNvSpPr txBox="1"/>
-          <p:nvPr/>
-        </p:nvSpPr>
-        <p:spPr>
-          <a:xfrm>
-            <a:off x="6224689" y="4793942"/>
-            <a:ext cx="5564537" cy="369332"/>
-          </a:xfrm>
-          <a:prstGeom prst="rect">
-            <a:avLst/>
-          </a:prstGeom>
-          <a:noFill/>
-        </p:spPr>
-        <p:txBody>
-          <a:bodyPr wrap="none" rtlCol="0">
-            <a:spAutoFit/>
-          </a:bodyPr>
+        </p:nvSpPr>
+        <p:spPr/>
+        <p:txBody>
+          <a:bodyPr/>
           <a:lstStyle/>
           <a:p>
             <a:r>
               <a:rPr lang="en-US" dirty="0"/>
-              <a:t>Initialization first, query after principle – offline algorithm</a:t>
-            </a:r>
+              <a:t>Needleman-Wunsch algorithm</a:t>
+            </a:r>
+          </a:p>
+          <a:p>
+            <a:endParaRPr lang="en-US" dirty="0"/>
+          </a:p>
+          <a:p>
+            <a:r>
+              <a:rPr lang="en-US" dirty="0"/>
+              <a:t>Used in the task for alignment score calculations and edit transcripts</a:t>
+            </a:r>
+          </a:p>
+          <a:p>
+            <a:endParaRPr lang="en-US" dirty="0"/>
+          </a:p>
+          <a:p>
+            <a:r>
+              <a:rPr lang="en-US" dirty="0"/>
+              <a:t>Scoring matrix data passed as arguments</a:t>
+            </a:r>
+          </a:p>
+          <a:p>
+            <a:r>
+              <a:rPr lang="en-US" dirty="0"/>
+              <a:t>Main parts:</a:t>
+            </a:r>
+          </a:p>
+          <a:p>
+            <a:pPr lvl="1"/>
+            <a:r>
+              <a:rPr lang="en-US" dirty="0"/>
+              <a:t>Scoring matrix</a:t>
+            </a:r>
+          </a:p>
+          <a:p>
+            <a:pPr lvl="1"/>
+            <a:r>
+              <a:rPr lang="en-US" dirty="0"/>
+              <a:t>Global alignment</a:t>
+            </a:r>
+          </a:p>
+          <a:p>
+            <a:pPr lvl="1"/>
+            <a:r>
+              <a:rPr lang="en-US" dirty="0"/>
+              <a:t>Traceback</a:t>
+            </a:r>
+          </a:p>
+          <a:p>
+            <a:endParaRPr lang="en-US" dirty="0"/>
           </a:p>
         </p:txBody>
       </p:sp>
     </p:spTree>
     <p:extLst>
       <p:ext uri="{BB962C8B-B14F-4D97-AF65-F5344CB8AC3E}">
-        <p14:creationId xmlns:p14="http://schemas.microsoft.com/office/powerpoint/2010/main" val="1916285700"/>
+        <p14:creationId xmlns:p14="http://schemas.microsoft.com/office/powerpoint/2010/main" val="3540496372"/>
       </p:ext>
     </p:extLst>
   </p:cSld>
@@ -6006,7 +5821,7 @@
           <p:cNvPr id="2" name="Title 1">
             <a:extLst>
               <a:ext uri="{FF2B5EF4-FFF2-40B4-BE49-F238E27FC236}">
-                <a16:creationId xmlns:a16="http://schemas.microsoft.com/office/drawing/2014/main" id="{9B80FEB3-5EC3-AFB3-0BB7-72BC4F339EC7}"/>
+                <a16:creationId xmlns:a16="http://schemas.microsoft.com/office/drawing/2014/main" id="{C5092A40-A888-856B-0323-C933D69D68EB}"/>
               </a:ext>
             </a:extLst>
           </p:cNvPr>
@@ -6024,7 +5839,7 @@
           <a:p>
             <a:r>
               <a:rPr lang="en-US" b="1" dirty="0"/>
-              <a:t>Global alignment</a:t>
+              <a:t>Main program</a:t>
             </a:r>
           </a:p>
         </p:txBody>
@@ -6034,7 +5849,7 @@
           <p:cNvPr id="3" name="Content Placeholder 2">
             <a:extLst>
               <a:ext uri="{FF2B5EF4-FFF2-40B4-BE49-F238E27FC236}">
-                <a16:creationId xmlns:a16="http://schemas.microsoft.com/office/drawing/2014/main" id="{F16486E7-F6E7-939D-5AAC-F2376DBD3060}"/>
+                <a16:creationId xmlns:a16="http://schemas.microsoft.com/office/drawing/2014/main" id="{B0CF88A5-0617-57CD-775C-A45993707FB6}"/>
               </a:ext>
             </a:extLst>
           </p:cNvPr>
@@ -6047,60 +5862,119 @@
         </p:nvSpPr>
         <p:spPr/>
         <p:txBody>
-          <a:bodyPr/>
+          <a:bodyPr>
+            <a:normAutofit fontScale="92500" lnSpcReduction="20000"/>
+          </a:bodyPr>
           <a:lstStyle/>
           <a:p>
             <a:r>
               <a:rPr lang="en-US" dirty="0"/>
-              <a:t>Needleman-Wunsch algorithm</a:t>
-            </a:r>
-          </a:p>
-          <a:p>
+              <a:t>Inputs</a:t>
+            </a:r>
+          </a:p>
+          <a:p>
+            <a:pPr lvl="1"/>
+            <a:r>
+              <a:rPr lang="en-US" dirty="0" err="1"/>
+              <a:t>Fasta</a:t>
+            </a:r>
+            <a:r>
+              <a:rPr lang="en-US" dirty="0"/>
+              <a:t> file</a:t>
+            </a:r>
+          </a:p>
+          <a:p>
+            <a:pPr lvl="1"/>
+            <a:r>
+              <a:rPr lang="en-US" dirty="0" err="1"/>
+              <a:t>Fastq</a:t>
+            </a:r>
+            <a:r>
+              <a:rPr lang="en-US" dirty="0"/>
+              <a:t> file</a:t>
+            </a:r>
+          </a:p>
+          <a:p>
+            <a:pPr marL="457200" lvl="1" indent="0">
+              <a:buNone/>
+            </a:pPr>
             <a:endParaRPr lang="en-US" dirty="0"/>
           </a:p>
           <a:p>
             <a:r>
               <a:rPr lang="en-US" dirty="0"/>
-              <a:t>Used in the task for alignment score calculations and edit transcripts</a:t>
-            </a:r>
-          </a:p>
-          <a:p>
+              <a:t>Program</a:t>
+            </a:r>
+          </a:p>
+          <a:p>
+            <a:pPr lvl="1"/>
+            <a:r>
+              <a:rPr lang="en-US" dirty="0"/>
+              <a:t>Initialization (uses the fact that FM Index is offline)</a:t>
+            </a:r>
+          </a:p>
+          <a:p>
+            <a:pPr lvl="1"/>
+            <a:r>
+              <a:rPr lang="en-US" dirty="0"/>
+              <a:t>Seed and extend algorithm</a:t>
+            </a:r>
+          </a:p>
+          <a:p>
+            <a:pPr lvl="2"/>
+            <a:r>
+              <a:rPr lang="en-US" dirty="0"/>
+              <a:t>Ran for each read</a:t>
+            </a:r>
+          </a:p>
+          <a:p>
+            <a:pPr lvl="3"/>
+            <a:r>
+              <a:rPr lang="en-US" dirty="0"/>
+              <a:t>Via FM index query finds seed positions</a:t>
+            </a:r>
+          </a:p>
+          <a:p>
+            <a:pPr lvl="3"/>
+            <a:r>
+              <a:rPr lang="en-US" dirty="0"/>
+              <a:t>Via Aligner calculates scores and edit transcripts</a:t>
+            </a:r>
+          </a:p>
+          <a:p>
+            <a:pPr lvl="3"/>
+            <a:r>
+              <a:rPr lang="en-US" dirty="0"/>
+              <a:t>Sorts positions by scores</a:t>
+            </a:r>
+          </a:p>
+          <a:p>
+            <a:pPr marL="1371600" lvl="3" indent="0">
+              <a:buNone/>
+            </a:pPr>
             <a:endParaRPr lang="en-US" dirty="0"/>
           </a:p>
           <a:p>
             <a:r>
               <a:rPr lang="en-US" dirty="0"/>
-              <a:t>Scoring matrix data passed as arguments</a:t>
-            </a:r>
-          </a:p>
-          <a:p>
+              <a:t>Outputs</a:t>
+            </a:r>
+          </a:p>
+          <a:p>
+            <a:pPr lvl="1"/>
             <a:r>
               <a:rPr lang="en-US" dirty="0"/>
-              <a:t>Main parts:</a:t>
-            </a:r>
+              <a:t>Parameters above, for each read</a:t>
+            </a:r>
+          </a:p>
+          <a:p>
+            <a:pPr marL="914400" lvl="2" indent="0">
+              <a:buNone/>
+            </a:pPr>
+            <a:endParaRPr lang="en-US" dirty="0"/>
           </a:p>
           <a:p>
             <a:pPr lvl="1"/>
-            <a:r>
-              <a:rPr lang="en-US" dirty="0"/>
-              <a:t>Scoring matrix</a:t>
-            </a:r>
-          </a:p>
-          <a:p>
-            <a:pPr lvl="1"/>
-            <a:r>
-              <a:rPr lang="en-US" dirty="0"/>
-              <a:t>Global alignment</a:t>
-            </a:r>
-          </a:p>
-          <a:p>
-            <a:pPr lvl="1"/>
-            <a:r>
-              <a:rPr lang="en-US" dirty="0"/>
-              <a:t>Traceback</a:t>
-            </a:r>
-          </a:p>
-          <a:p>
             <a:endParaRPr lang="en-US" dirty="0"/>
           </a:p>
         </p:txBody>
@@ -6108,7 +5982,7 @@
     </p:spTree>
     <p:extLst>
       <p:ext uri="{BB962C8B-B14F-4D97-AF65-F5344CB8AC3E}">
-        <p14:creationId xmlns:p14="http://schemas.microsoft.com/office/powerpoint/2010/main" val="3540496372"/>
+        <p14:creationId xmlns:p14="http://schemas.microsoft.com/office/powerpoint/2010/main" val="3504836750"/>
       </p:ext>
     </p:extLst>
   </p:cSld>

--- a/GIPresentation.pptx
+++ b/GIPresentation.pptx
@@ -4431,7 +4431,17 @@
           <a:bodyPr/>
           <a:lstStyle/>
           <a:p>
-            <a:endParaRPr lang="en-US"/>
+            <a:r>
+              <a:rPr lang="en-US" dirty="0"/>
+              <a:t>Legend: (</a:t>
+            </a:r>
+            <a:r>
+              <a:rPr lang="en-US"/>
+              <a:t>match-mismatch-gap)</a:t>
+            </a:r>
+          </a:p>
+          <a:p>
+            <a:endParaRPr lang="en-US" dirty="0"/>
           </a:p>
         </p:txBody>
       </p:sp>

--- a/GIPresentation.pptx
+++ b/GIPresentation.pptx
@@ -25,7 +25,8 @@
     <p:sldId id="277" r:id="rId19"/>
     <p:sldId id="268" r:id="rId20"/>
     <p:sldId id="269" r:id="rId21"/>
-    <p:sldId id="271" r:id="rId22"/>
+    <p:sldId id="280" r:id="rId22"/>
+    <p:sldId id="271" r:id="rId23"/>
   </p:sldIdLst>
   <p:sldSz cx="12192000" cy="6858000"/>
   <p:notesSz cx="6858000" cy="9144000"/>
@@ -149,6 +150,7 @@
             <p14:sldId id="277"/>
             <p14:sldId id="268"/>
             <p14:sldId id="269"/>
+            <p14:sldId id="280"/>
             <p14:sldId id="271"/>
           </p14:sldIdLst>
         </p14:section>
@@ -159,6 +161,8862 @@
     </p:ext>
   </p:extLst>
 </p:presentation>
+</file>
+
+<file path=ppt/charts/chart1.xml><?xml version="1.0" encoding="utf-8"?>
+<c:chartSpace xmlns:c="http://schemas.openxmlformats.org/drawingml/2006/chart" xmlns:a="http://schemas.openxmlformats.org/drawingml/2006/main" xmlns:r="http://schemas.openxmlformats.org/officeDocument/2006/relationships" xmlns:c16r2="http://schemas.microsoft.com/office/drawing/2015/06/chart">
+  <c:date1904 val="0"/>
+  <c:lang val="en-US"/>
+  <c:roundedCorners val="0"/>
+  <mc:AlternateContent xmlns:mc="http://schemas.openxmlformats.org/markup-compatibility/2006">
+    <mc:Choice xmlns:c14="http://schemas.microsoft.com/office/drawing/2007/8/2/chart" Requires="c14">
+      <c14:style val="102"/>
+    </mc:Choice>
+    <mc:Fallback>
+      <c:style val="2"/>
+    </mc:Fallback>
+  </mc:AlternateContent>
+  <c:chart>
+    <c:title>
+      <c:tx>
+        <c:rich>
+          <a:bodyPr rot="0" spcFirstLastPara="1" vertOverflow="ellipsis" vert="horz" wrap="square" anchor="ctr" anchorCtr="1"/>
+          <a:lstStyle/>
+          <a:p>
+            <a:pPr>
+              <a:defRPr sz="1400" b="0" i="0" u="none" strike="noStrike" kern="1200" spc="0" baseline="0">
+                <a:solidFill>
+                  <a:schemeClr val="tx1">
+                    <a:lumMod val="65000"/>
+                    <a:lumOff val="35000"/>
+                  </a:schemeClr>
+                </a:solidFill>
+                <a:latin typeface="+mn-lt"/>
+                <a:ea typeface="+mn-ea"/>
+                <a:cs typeface="+mn-cs"/>
+              </a:defRPr>
+            </a:pPr>
+            <a:r>
+              <a:rPr lang="en-US"/>
+              <a:t>1 - 2 - 5</a:t>
+            </a:r>
+            <a:endParaRPr lang="id-ID"/>
+          </a:p>
+        </c:rich>
+      </c:tx>
+      <c:overlay val="0"/>
+      <c:spPr>
+        <a:noFill/>
+        <a:ln>
+          <a:noFill/>
+        </a:ln>
+        <a:effectLst/>
+      </c:spPr>
+      <c:txPr>
+        <a:bodyPr rot="0" spcFirstLastPara="1" vertOverflow="ellipsis" vert="horz" wrap="square" anchor="ctr" anchorCtr="1"/>
+        <a:lstStyle/>
+        <a:p>
+          <a:pPr>
+            <a:defRPr sz="1400" b="0" i="0" u="none" strike="noStrike" kern="1200" spc="0" baseline="0">
+              <a:solidFill>
+                <a:schemeClr val="tx1">
+                  <a:lumMod val="65000"/>
+                  <a:lumOff val="35000"/>
+                </a:schemeClr>
+              </a:solidFill>
+              <a:latin typeface="+mn-lt"/>
+              <a:ea typeface="+mn-ea"/>
+              <a:cs typeface="+mn-cs"/>
+            </a:defRPr>
+          </a:pPr>
+          <a:endParaRPr lang="en-US"/>
+        </a:p>
+      </c:txPr>
+    </c:title>
+    <c:autoTitleDeleted val="0"/>
+    <c:plotArea>
+      <c:layout/>
+      <c:scatterChart>
+        <c:scatterStyle val="lineMarker"/>
+        <c:varyColors val="0"/>
+        <c:ser>
+          <c:idx val="0"/>
+          <c:order val="0"/>
+          <c:tx>
+            <c:strRef>
+              <c:f>Sheet10!$C$2</c:f>
+              <c:strCache>
+                <c:ptCount val="1"/>
+                <c:pt idx="0">
+                  <c:v>Our program</c:v>
+                </c:pt>
+              </c:strCache>
+            </c:strRef>
+          </c:tx>
+          <c:spPr>
+            <a:ln w="19050" cap="rnd">
+              <a:noFill/>
+              <a:round/>
+            </a:ln>
+            <a:effectLst/>
+          </c:spPr>
+          <c:marker>
+            <c:symbol val="circle"/>
+            <c:size val="5"/>
+            <c:spPr>
+              <a:solidFill>
+                <a:schemeClr val="accent1"/>
+              </a:solidFill>
+              <a:ln w="9525">
+                <a:solidFill>
+                  <a:schemeClr val="accent1"/>
+                </a:solidFill>
+              </a:ln>
+              <a:effectLst/>
+            </c:spPr>
+          </c:marker>
+          <c:xVal>
+            <c:strRef>
+              <c:f>Sheet10!$B$3:$B$14</c:f>
+              <c:strCache>
+                <c:ptCount val="12"/>
+                <c:pt idx="0">
+                  <c:v>SRR316957.3748</c:v>
+                </c:pt>
+                <c:pt idx="1">
+                  <c:v>SRR316957.176167</c:v>
+                </c:pt>
+                <c:pt idx="2">
+                  <c:v>SRR316957.13555</c:v>
+                </c:pt>
+                <c:pt idx="3">
+                  <c:v>SRR316957.404169</c:v>
+                </c:pt>
+                <c:pt idx="4">
+                  <c:v>SRR316957.10370</c:v>
+                </c:pt>
+                <c:pt idx="5">
+                  <c:v>SRR316957.92287</c:v>
+                </c:pt>
+                <c:pt idx="6">
+                  <c:v>SRR316957.518689</c:v>
+                </c:pt>
+                <c:pt idx="7">
+                  <c:v>SRR316957.1063205</c:v>
+                </c:pt>
+                <c:pt idx="8">
+                  <c:v>SRR316957.1016179</c:v>
+                </c:pt>
+                <c:pt idx="9">
+                  <c:v>SRR316957.866299</c:v>
+                </c:pt>
+                <c:pt idx="10">
+                  <c:v>SRR316957.958299</c:v>
+                </c:pt>
+                <c:pt idx="11">
+                  <c:v>SRR316957.949607</c:v>
+                </c:pt>
+              </c:strCache>
+            </c:strRef>
+          </c:xVal>
+          <c:yVal>
+            <c:numRef>
+              <c:f>Sheet10!$C$3:$C$14</c:f>
+              <c:numCache>
+                <c:formatCode>General</c:formatCode>
+                <c:ptCount val="12"/>
+                <c:pt idx="0">
+                  <c:v>23</c:v>
+                </c:pt>
+                <c:pt idx="1">
+                  <c:v>56</c:v>
+                </c:pt>
+                <c:pt idx="2">
+                  <c:v>53</c:v>
+                </c:pt>
+                <c:pt idx="3">
+                  <c:v>56</c:v>
+                </c:pt>
+                <c:pt idx="4">
+                  <c:v>39</c:v>
+                </c:pt>
+                <c:pt idx="5">
+                  <c:v>47</c:v>
+                </c:pt>
+                <c:pt idx="6">
+                  <c:v>50</c:v>
+                </c:pt>
+                <c:pt idx="7">
+                  <c:v>45</c:v>
+                </c:pt>
+                <c:pt idx="8">
+                  <c:v>47</c:v>
+                </c:pt>
+                <c:pt idx="9">
+                  <c:v>53</c:v>
+                </c:pt>
+                <c:pt idx="10">
+                  <c:v>53</c:v>
+                </c:pt>
+                <c:pt idx="11">
+                  <c:v>42</c:v>
+                </c:pt>
+              </c:numCache>
+            </c:numRef>
+          </c:yVal>
+          <c:smooth val="0"/>
+          <c:extLst>
+            <c:ext xmlns:c16="http://schemas.microsoft.com/office/drawing/2014/chart" uri="{C3380CC4-5D6E-409C-BE32-E72D297353CC}">
+              <c16:uniqueId val="{00000000-0C2B-4349-9D9A-D406EBE86381}"/>
+            </c:ext>
+          </c:extLst>
+        </c:ser>
+        <c:ser>
+          <c:idx val="1"/>
+          <c:order val="1"/>
+          <c:tx>
+            <c:strRef>
+              <c:f>Sheet10!$D$2</c:f>
+              <c:strCache>
+                <c:ptCount val="1"/>
+                <c:pt idx="0">
+                  <c:v>BWA</c:v>
+                </c:pt>
+              </c:strCache>
+            </c:strRef>
+          </c:tx>
+          <c:spPr>
+            <a:ln w="19050" cap="rnd">
+              <a:noFill/>
+              <a:round/>
+            </a:ln>
+            <a:effectLst/>
+          </c:spPr>
+          <c:marker>
+            <c:symbol val="circle"/>
+            <c:size val="5"/>
+            <c:spPr>
+              <a:solidFill>
+                <a:schemeClr val="accent2"/>
+              </a:solidFill>
+              <a:ln w="9525">
+                <a:solidFill>
+                  <a:schemeClr val="accent2"/>
+                </a:solidFill>
+              </a:ln>
+              <a:effectLst/>
+            </c:spPr>
+          </c:marker>
+          <c:xVal>
+            <c:strRef>
+              <c:f>Sheet10!$B$3:$B$14</c:f>
+              <c:strCache>
+                <c:ptCount val="12"/>
+                <c:pt idx="0">
+                  <c:v>SRR316957.3748</c:v>
+                </c:pt>
+                <c:pt idx="1">
+                  <c:v>SRR316957.176167</c:v>
+                </c:pt>
+                <c:pt idx="2">
+                  <c:v>SRR316957.13555</c:v>
+                </c:pt>
+                <c:pt idx="3">
+                  <c:v>SRR316957.404169</c:v>
+                </c:pt>
+                <c:pt idx="4">
+                  <c:v>SRR316957.10370</c:v>
+                </c:pt>
+                <c:pt idx="5">
+                  <c:v>SRR316957.92287</c:v>
+                </c:pt>
+                <c:pt idx="6">
+                  <c:v>SRR316957.518689</c:v>
+                </c:pt>
+                <c:pt idx="7">
+                  <c:v>SRR316957.1063205</c:v>
+                </c:pt>
+                <c:pt idx="8">
+                  <c:v>SRR316957.1016179</c:v>
+                </c:pt>
+                <c:pt idx="9">
+                  <c:v>SRR316957.866299</c:v>
+                </c:pt>
+                <c:pt idx="10">
+                  <c:v>SRR316957.958299</c:v>
+                </c:pt>
+                <c:pt idx="11">
+                  <c:v>SRR316957.949607</c:v>
+                </c:pt>
+              </c:strCache>
+            </c:strRef>
+          </c:xVal>
+          <c:yVal>
+            <c:numRef>
+              <c:f>Sheet10!$D$3:$D$14</c:f>
+              <c:numCache>
+                <c:formatCode>General</c:formatCode>
+                <c:ptCount val="12"/>
+                <c:pt idx="0">
+                  <c:v>76</c:v>
+                </c:pt>
+                <c:pt idx="1">
+                  <c:v>76</c:v>
+                </c:pt>
+                <c:pt idx="2">
+                  <c:v>191</c:v>
+                </c:pt>
+                <c:pt idx="3">
+                  <c:v>76</c:v>
+                </c:pt>
+                <c:pt idx="4">
+                  <c:v>321</c:v>
+                </c:pt>
+                <c:pt idx="5">
+                  <c:v>264</c:v>
+                </c:pt>
+                <c:pt idx="6">
+                  <c:v>187</c:v>
+                </c:pt>
+                <c:pt idx="7">
+                  <c:v>210</c:v>
+                </c:pt>
+                <c:pt idx="8">
+                  <c:v>342</c:v>
+                </c:pt>
+                <c:pt idx="9">
+                  <c:v>129</c:v>
+                </c:pt>
+                <c:pt idx="10">
+                  <c:v>262</c:v>
+                </c:pt>
+                <c:pt idx="11">
+                  <c:v>160</c:v>
+                </c:pt>
+              </c:numCache>
+            </c:numRef>
+          </c:yVal>
+          <c:smooth val="0"/>
+          <c:extLst>
+            <c:ext xmlns:c16="http://schemas.microsoft.com/office/drawing/2014/chart" uri="{C3380CC4-5D6E-409C-BE32-E72D297353CC}">
+              <c16:uniqueId val="{00000001-0C2B-4349-9D9A-D406EBE86381}"/>
+            </c:ext>
+          </c:extLst>
+        </c:ser>
+        <c:dLbls>
+          <c:showLegendKey val="0"/>
+          <c:showVal val="0"/>
+          <c:showCatName val="0"/>
+          <c:showSerName val="0"/>
+          <c:showPercent val="0"/>
+          <c:showBubbleSize val="0"/>
+        </c:dLbls>
+        <c:axId val="349753376"/>
+        <c:axId val="349754032"/>
+      </c:scatterChart>
+      <c:valAx>
+        <c:axId val="349753376"/>
+        <c:scaling>
+          <c:orientation val="minMax"/>
+          <c:max val="12"/>
+        </c:scaling>
+        <c:delete val="0"/>
+        <c:axPos val="b"/>
+        <c:majorGridlines>
+          <c:spPr>
+            <a:ln w="9525" cap="flat" cmpd="sng" algn="ctr">
+              <a:solidFill>
+                <a:schemeClr val="tx1">
+                  <a:lumMod val="15000"/>
+                  <a:lumOff val="85000"/>
+                </a:schemeClr>
+              </a:solidFill>
+              <a:round/>
+            </a:ln>
+            <a:effectLst/>
+          </c:spPr>
+        </c:majorGridlines>
+        <c:numFmt formatCode="@" sourceLinked="0"/>
+        <c:majorTickMark val="none"/>
+        <c:minorTickMark val="none"/>
+        <c:tickLblPos val="nextTo"/>
+        <c:spPr>
+          <a:noFill/>
+          <a:ln w="9525" cap="flat" cmpd="sng" algn="ctr">
+            <a:solidFill>
+              <a:schemeClr val="tx1">
+                <a:lumMod val="25000"/>
+                <a:lumOff val="75000"/>
+              </a:schemeClr>
+            </a:solidFill>
+            <a:round/>
+          </a:ln>
+          <a:effectLst/>
+        </c:spPr>
+        <c:txPr>
+          <a:bodyPr rot="0" spcFirstLastPara="1" vertOverflow="ellipsis" vert="horz" wrap="square" anchor="ctr" anchorCtr="1"/>
+          <a:lstStyle/>
+          <a:p>
+            <a:pPr>
+              <a:defRPr sz="900" b="0" i="0" u="none" strike="noStrike" kern="1200" baseline="0">
+                <a:solidFill>
+                  <a:schemeClr val="tx1">
+                    <a:lumMod val="65000"/>
+                    <a:lumOff val="35000"/>
+                  </a:schemeClr>
+                </a:solidFill>
+                <a:latin typeface="+mn-lt"/>
+                <a:ea typeface="+mn-ea"/>
+                <a:cs typeface="+mn-cs"/>
+              </a:defRPr>
+            </a:pPr>
+            <a:endParaRPr lang="en-US"/>
+          </a:p>
+        </c:txPr>
+        <c:crossAx val="349754032"/>
+        <c:crosses val="autoZero"/>
+        <c:crossBetween val="midCat"/>
+        <c:majorUnit val="1"/>
+      </c:valAx>
+      <c:valAx>
+        <c:axId val="349754032"/>
+        <c:scaling>
+          <c:orientation val="minMax"/>
+        </c:scaling>
+        <c:delete val="0"/>
+        <c:axPos val="l"/>
+        <c:majorGridlines>
+          <c:spPr>
+            <a:ln w="9525" cap="flat" cmpd="sng" algn="ctr">
+              <a:solidFill>
+                <a:schemeClr val="tx1">
+                  <a:lumMod val="15000"/>
+                  <a:lumOff val="85000"/>
+                </a:schemeClr>
+              </a:solidFill>
+              <a:round/>
+            </a:ln>
+            <a:effectLst/>
+          </c:spPr>
+        </c:majorGridlines>
+        <c:numFmt formatCode="General" sourceLinked="1"/>
+        <c:majorTickMark val="none"/>
+        <c:minorTickMark val="none"/>
+        <c:tickLblPos val="nextTo"/>
+        <c:spPr>
+          <a:noFill/>
+          <a:ln w="9525" cap="flat" cmpd="sng" algn="ctr">
+            <a:solidFill>
+              <a:schemeClr val="tx1">
+                <a:lumMod val="25000"/>
+                <a:lumOff val="75000"/>
+              </a:schemeClr>
+            </a:solidFill>
+            <a:round/>
+          </a:ln>
+          <a:effectLst/>
+        </c:spPr>
+        <c:txPr>
+          <a:bodyPr rot="-60000000" spcFirstLastPara="1" vertOverflow="ellipsis" vert="horz" wrap="square" anchor="ctr" anchorCtr="1"/>
+          <a:lstStyle/>
+          <a:p>
+            <a:pPr>
+              <a:defRPr sz="900" b="0" i="0" u="none" strike="noStrike" kern="1200" baseline="0">
+                <a:solidFill>
+                  <a:schemeClr val="tx1">
+                    <a:lumMod val="65000"/>
+                    <a:lumOff val="35000"/>
+                  </a:schemeClr>
+                </a:solidFill>
+                <a:latin typeface="+mn-lt"/>
+                <a:ea typeface="+mn-ea"/>
+                <a:cs typeface="+mn-cs"/>
+              </a:defRPr>
+            </a:pPr>
+            <a:endParaRPr lang="en-US"/>
+          </a:p>
+        </c:txPr>
+        <c:crossAx val="349753376"/>
+        <c:crosses val="autoZero"/>
+        <c:crossBetween val="midCat"/>
+      </c:valAx>
+      <c:spPr>
+        <a:noFill/>
+        <a:ln>
+          <a:noFill/>
+        </a:ln>
+        <a:effectLst/>
+      </c:spPr>
+    </c:plotArea>
+    <c:legend>
+      <c:legendPos val="b"/>
+      <c:overlay val="0"/>
+      <c:spPr>
+        <a:noFill/>
+        <a:ln>
+          <a:noFill/>
+        </a:ln>
+        <a:effectLst/>
+      </c:spPr>
+      <c:txPr>
+        <a:bodyPr rot="0" spcFirstLastPara="1" vertOverflow="ellipsis" vert="horz" wrap="square" anchor="ctr" anchorCtr="1"/>
+        <a:lstStyle/>
+        <a:p>
+          <a:pPr>
+            <a:defRPr sz="900" b="0" i="0" u="none" strike="noStrike" kern="1200" baseline="0">
+              <a:solidFill>
+                <a:schemeClr val="tx1">
+                  <a:lumMod val="65000"/>
+                  <a:lumOff val="35000"/>
+                </a:schemeClr>
+              </a:solidFill>
+              <a:latin typeface="+mn-lt"/>
+              <a:ea typeface="+mn-ea"/>
+              <a:cs typeface="+mn-cs"/>
+            </a:defRPr>
+          </a:pPr>
+          <a:endParaRPr lang="en-US"/>
+        </a:p>
+      </c:txPr>
+    </c:legend>
+    <c:plotVisOnly val="1"/>
+    <c:dispBlanksAs val="gap"/>
+    <c:showDLblsOverMax val="0"/>
+  </c:chart>
+  <c:spPr>
+    <a:solidFill>
+      <a:schemeClr val="bg1"/>
+    </a:solidFill>
+    <a:ln w="9525" cap="flat" cmpd="sng" algn="ctr">
+      <a:solidFill>
+        <a:schemeClr val="tx1">
+          <a:lumMod val="15000"/>
+          <a:lumOff val="85000"/>
+        </a:schemeClr>
+      </a:solidFill>
+      <a:round/>
+    </a:ln>
+    <a:effectLst/>
+  </c:spPr>
+  <c:txPr>
+    <a:bodyPr/>
+    <a:lstStyle/>
+    <a:p>
+      <a:pPr>
+        <a:defRPr/>
+      </a:pPr>
+      <a:endParaRPr lang="en-US"/>
+    </a:p>
+  </c:txPr>
+  <c:externalData r:id="rId3">
+    <c:autoUpdate val="0"/>
+  </c:externalData>
+</c:chartSpace>
+</file>
+
+<file path=ppt/charts/chart2.xml><?xml version="1.0" encoding="utf-8"?>
+<c:chartSpace xmlns:c="http://schemas.openxmlformats.org/drawingml/2006/chart" xmlns:a="http://schemas.openxmlformats.org/drawingml/2006/main" xmlns:r="http://schemas.openxmlformats.org/officeDocument/2006/relationships" xmlns:c16r2="http://schemas.microsoft.com/office/drawing/2015/06/chart">
+  <c:date1904 val="0"/>
+  <c:lang val="en-US"/>
+  <c:roundedCorners val="0"/>
+  <mc:AlternateContent xmlns:mc="http://schemas.openxmlformats.org/markup-compatibility/2006">
+    <mc:Choice xmlns:c14="http://schemas.microsoft.com/office/drawing/2007/8/2/chart" Requires="c14">
+      <c14:style val="102"/>
+    </mc:Choice>
+    <mc:Fallback>
+      <c:style val="2"/>
+    </mc:Fallback>
+  </mc:AlternateContent>
+  <c:chart>
+    <c:title>
+      <c:tx>
+        <c:rich>
+          <a:bodyPr rot="0" spcFirstLastPara="1" vertOverflow="ellipsis" vert="horz" wrap="square" anchor="ctr" anchorCtr="1"/>
+          <a:lstStyle/>
+          <a:p>
+            <a:pPr>
+              <a:defRPr sz="1400" b="0" i="0" u="none" strike="noStrike" kern="1200" spc="0" baseline="0">
+                <a:solidFill>
+                  <a:schemeClr val="tx1">
+                    <a:lumMod val="65000"/>
+                    <a:lumOff val="35000"/>
+                  </a:schemeClr>
+                </a:solidFill>
+                <a:latin typeface="+mn-lt"/>
+                <a:ea typeface="+mn-ea"/>
+                <a:cs typeface="+mn-cs"/>
+              </a:defRPr>
+            </a:pPr>
+            <a:r>
+              <a:rPr lang="en-US"/>
+              <a:t>1 - 2 - 7</a:t>
+            </a:r>
+            <a:endParaRPr lang="id-ID"/>
+          </a:p>
+        </c:rich>
+      </c:tx>
+      <c:overlay val="0"/>
+      <c:spPr>
+        <a:noFill/>
+        <a:ln>
+          <a:noFill/>
+        </a:ln>
+        <a:effectLst/>
+      </c:spPr>
+      <c:txPr>
+        <a:bodyPr rot="0" spcFirstLastPara="1" vertOverflow="ellipsis" vert="horz" wrap="square" anchor="ctr" anchorCtr="1"/>
+        <a:lstStyle/>
+        <a:p>
+          <a:pPr>
+            <a:defRPr sz="1400" b="0" i="0" u="none" strike="noStrike" kern="1200" spc="0" baseline="0">
+              <a:solidFill>
+                <a:schemeClr val="tx1">
+                  <a:lumMod val="65000"/>
+                  <a:lumOff val="35000"/>
+                </a:schemeClr>
+              </a:solidFill>
+              <a:latin typeface="+mn-lt"/>
+              <a:ea typeface="+mn-ea"/>
+              <a:cs typeface="+mn-cs"/>
+            </a:defRPr>
+          </a:pPr>
+          <a:endParaRPr lang="en-US"/>
+        </a:p>
+      </c:txPr>
+    </c:title>
+    <c:autoTitleDeleted val="0"/>
+    <c:plotArea>
+      <c:layout/>
+      <c:scatterChart>
+        <c:scatterStyle val="lineMarker"/>
+        <c:varyColors val="0"/>
+        <c:ser>
+          <c:idx val="0"/>
+          <c:order val="0"/>
+          <c:tx>
+            <c:strRef>
+              <c:f>Sheet10!$H$2</c:f>
+              <c:strCache>
+                <c:ptCount val="1"/>
+                <c:pt idx="0">
+                  <c:v>Our program</c:v>
+                </c:pt>
+              </c:strCache>
+            </c:strRef>
+          </c:tx>
+          <c:spPr>
+            <a:ln w="19050" cap="rnd">
+              <a:noFill/>
+              <a:round/>
+            </a:ln>
+            <a:effectLst/>
+          </c:spPr>
+          <c:marker>
+            <c:symbol val="circle"/>
+            <c:size val="5"/>
+            <c:spPr>
+              <a:solidFill>
+                <a:schemeClr val="accent1"/>
+              </a:solidFill>
+              <a:ln w="9525">
+                <a:solidFill>
+                  <a:schemeClr val="accent1"/>
+                </a:solidFill>
+              </a:ln>
+              <a:effectLst/>
+            </c:spPr>
+          </c:marker>
+          <c:xVal>
+            <c:strRef>
+              <c:f>Sheet10!$G$3:$G$14</c:f>
+              <c:strCache>
+                <c:ptCount val="12"/>
+                <c:pt idx="0">
+                  <c:v>SRR316957.3748</c:v>
+                </c:pt>
+                <c:pt idx="1">
+                  <c:v>SRR316957.176167</c:v>
+                </c:pt>
+                <c:pt idx="2">
+                  <c:v>SRR316957.13555</c:v>
+                </c:pt>
+                <c:pt idx="3">
+                  <c:v>SRR316957.404169</c:v>
+                </c:pt>
+                <c:pt idx="4">
+                  <c:v>SRR316957.10370</c:v>
+                </c:pt>
+                <c:pt idx="5">
+                  <c:v>SRR316957.92287</c:v>
+                </c:pt>
+                <c:pt idx="6">
+                  <c:v>SRR316957.518689</c:v>
+                </c:pt>
+                <c:pt idx="7">
+                  <c:v>SRR316957.1063205</c:v>
+                </c:pt>
+                <c:pt idx="8">
+                  <c:v>SRR316957.1016179</c:v>
+                </c:pt>
+                <c:pt idx="9">
+                  <c:v>SRR316957.866299</c:v>
+                </c:pt>
+                <c:pt idx="10">
+                  <c:v>SRR316957.958299</c:v>
+                </c:pt>
+                <c:pt idx="11">
+                  <c:v>SRR316957.949607</c:v>
+                </c:pt>
+              </c:strCache>
+            </c:strRef>
+          </c:xVal>
+          <c:yVal>
+            <c:numRef>
+              <c:f>Sheet10!$H$3:$H$14</c:f>
+              <c:numCache>
+                <c:formatCode>General</c:formatCode>
+                <c:ptCount val="12"/>
+                <c:pt idx="0">
+                  <c:v>7</c:v>
+                </c:pt>
+                <c:pt idx="1">
+                  <c:v>52</c:v>
+                </c:pt>
+                <c:pt idx="2">
+                  <c:v>49</c:v>
+                </c:pt>
+                <c:pt idx="3">
+                  <c:v>52</c:v>
+                </c:pt>
+                <c:pt idx="4">
+                  <c:v>31</c:v>
+                </c:pt>
+                <c:pt idx="5">
+                  <c:v>43</c:v>
+                </c:pt>
+                <c:pt idx="6">
+                  <c:v>46</c:v>
+                </c:pt>
+                <c:pt idx="7">
+                  <c:v>37</c:v>
+                </c:pt>
+                <c:pt idx="8">
+                  <c:v>43</c:v>
+                </c:pt>
+                <c:pt idx="9">
+                  <c:v>49</c:v>
+                </c:pt>
+                <c:pt idx="10">
+                  <c:v>49</c:v>
+                </c:pt>
+                <c:pt idx="11">
+                  <c:v>34</c:v>
+                </c:pt>
+              </c:numCache>
+            </c:numRef>
+          </c:yVal>
+          <c:smooth val="0"/>
+          <c:extLst>
+            <c:ext xmlns:c16="http://schemas.microsoft.com/office/drawing/2014/chart" uri="{C3380CC4-5D6E-409C-BE32-E72D297353CC}">
+              <c16:uniqueId val="{00000000-BD7D-4F73-B6FF-F48AF228BD4A}"/>
+            </c:ext>
+          </c:extLst>
+        </c:ser>
+        <c:ser>
+          <c:idx val="1"/>
+          <c:order val="1"/>
+          <c:tx>
+            <c:strRef>
+              <c:f>Sheet10!$I$2</c:f>
+              <c:strCache>
+                <c:ptCount val="1"/>
+                <c:pt idx="0">
+                  <c:v>BWA</c:v>
+                </c:pt>
+              </c:strCache>
+            </c:strRef>
+          </c:tx>
+          <c:spPr>
+            <a:ln w="19050" cap="rnd">
+              <a:noFill/>
+              <a:round/>
+            </a:ln>
+            <a:effectLst/>
+          </c:spPr>
+          <c:marker>
+            <c:symbol val="circle"/>
+            <c:size val="5"/>
+            <c:spPr>
+              <a:solidFill>
+                <a:schemeClr val="accent2"/>
+              </a:solidFill>
+              <a:ln w="9525">
+                <a:solidFill>
+                  <a:schemeClr val="accent2"/>
+                </a:solidFill>
+              </a:ln>
+              <a:effectLst/>
+            </c:spPr>
+          </c:marker>
+          <c:xVal>
+            <c:strRef>
+              <c:f>Sheet10!$G$3:$G$14</c:f>
+              <c:strCache>
+                <c:ptCount val="12"/>
+                <c:pt idx="0">
+                  <c:v>SRR316957.3748</c:v>
+                </c:pt>
+                <c:pt idx="1">
+                  <c:v>SRR316957.176167</c:v>
+                </c:pt>
+                <c:pt idx="2">
+                  <c:v>SRR316957.13555</c:v>
+                </c:pt>
+                <c:pt idx="3">
+                  <c:v>SRR316957.404169</c:v>
+                </c:pt>
+                <c:pt idx="4">
+                  <c:v>SRR316957.10370</c:v>
+                </c:pt>
+                <c:pt idx="5">
+                  <c:v>SRR316957.92287</c:v>
+                </c:pt>
+                <c:pt idx="6">
+                  <c:v>SRR316957.518689</c:v>
+                </c:pt>
+                <c:pt idx="7">
+                  <c:v>SRR316957.1063205</c:v>
+                </c:pt>
+                <c:pt idx="8">
+                  <c:v>SRR316957.1016179</c:v>
+                </c:pt>
+                <c:pt idx="9">
+                  <c:v>SRR316957.866299</c:v>
+                </c:pt>
+                <c:pt idx="10">
+                  <c:v>SRR316957.958299</c:v>
+                </c:pt>
+                <c:pt idx="11">
+                  <c:v>SRR316957.949607</c:v>
+                </c:pt>
+              </c:strCache>
+            </c:strRef>
+          </c:xVal>
+          <c:yVal>
+            <c:numRef>
+              <c:f>Sheet10!$I$3:$I$14</c:f>
+              <c:numCache>
+                <c:formatCode>General</c:formatCode>
+                <c:ptCount val="12"/>
+                <c:pt idx="0">
+                  <c:v>76</c:v>
+                </c:pt>
+                <c:pt idx="1">
+                  <c:v>76</c:v>
+                </c:pt>
+                <c:pt idx="2">
+                  <c:v>239</c:v>
+                </c:pt>
+                <c:pt idx="3">
+                  <c:v>76</c:v>
+                </c:pt>
+                <c:pt idx="4">
+                  <c:v>423</c:v>
+                </c:pt>
+                <c:pt idx="5">
+                  <c:v>342</c:v>
+                </c:pt>
+                <c:pt idx="6">
+                  <c:v>233</c:v>
+                </c:pt>
+                <c:pt idx="7">
+                  <c:v>266</c:v>
+                </c:pt>
+                <c:pt idx="8">
+                  <c:v>454</c:v>
+                </c:pt>
+                <c:pt idx="9">
+                  <c:v>151</c:v>
+                </c:pt>
+                <c:pt idx="10">
+                  <c:v>340</c:v>
+                </c:pt>
+                <c:pt idx="11">
+                  <c:v>196</c:v>
+                </c:pt>
+              </c:numCache>
+            </c:numRef>
+          </c:yVal>
+          <c:smooth val="0"/>
+          <c:extLst>
+            <c:ext xmlns:c16="http://schemas.microsoft.com/office/drawing/2014/chart" uri="{C3380CC4-5D6E-409C-BE32-E72D297353CC}">
+              <c16:uniqueId val="{00000001-BD7D-4F73-B6FF-F48AF228BD4A}"/>
+            </c:ext>
+          </c:extLst>
+        </c:ser>
+        <c:dLbls>
+          <c:showLegendKey val="0"/>
+          <c:showVal val="0"/>
+          <c:showCatName val="0"/>
+          <c:showSerName val="0"/>
+          <c:showPercent val="0"/>
+          <c:showBubbleSize val="0"/>
+        </c:dLbls>
+        <c:axId val="476846520"/>
+        <c:axId val="476845536"/>
+      </c:scatterChart>
+      <c:valAx>
+        <c:axId val="476846520"/>
+        <c:scaling>
+          <c:orientation val="minMax"/>
+          <c:max val="12"/>
+        </c:scaling>
+        <c:delete val="0"/>
+        <c:axPos val="b"/>
+        <c:majorGridlines>
+          <c:spPr>
+            <a:ln w="9525" cap="flat" cmpd="sng" algn="ctr">
+              <a:solidFill>
+                <a:schemeClr val="tx1">
+                  <a:lumMod val="15000"/>
+                  <a:lumOff val="85000"/>
+                </a:schemeClr>
+              </a:solidFill>
+              <a:round/>
+            </a:ln>
+            <a:effectLst/>
+          </c:spPr>
+        </c:majorGridlines>
+        <c:numFmt formatCode="General" sourceLinked="1"/>
+        <c:majorTickMark val="none"/>
+        <c:minorTickMark val="none"/>
+        <c:tickLblPos val="nextTo"/>
+        <c:spPr>
+          <a:noFill/>
+          <a:ln w="9525" cap="flat" cmpd="sng" algn="ctr">
+            <a:solidFill>
+              <a:schemeClr val="tx1">
+                <a:lumMod val="25000"/>
+                <a:lumOff val="75000"/>
+              </a:schemeClr>
+            </a:solidFill>
+            <a:round/>
+          </a:ln>
+          <a:effectLst/>
+        </c:spPr>
+        <c:txPr>
+          <a:bodyPr rot="-60000000" spcFirstLastPara="1" vertOverflow="ellipsis" vert="horz" wrap="square" anchor="ctr" anchorCtr="1"/>
+          <a:lstStyle/>
+          <a:p>
+            <a:pPr>
+              <a:defRPr sz="900" b="0" i="0" u="none" strike="noStrike" kern="1200" baseline="0">
+                <a:solidFill>
+                  <a:schemeClr val="tx1">
+                    <a:lumMod val="65000"/>
+                    <a:lumOff val="35000"/>
+                  </a:schemeClr>
+                </a:solidFill>
+                <a:latin typeface="+mn-lt"/>
+                <a:ea typeface="+mn-ea"/>
+                <a:cs typeface="+mn-cs"/>
+              </a:defRPr>
+            </a:pPr>
+            <a:endParaRPr lang="en-US"/>
+          </a:p>
+        </c:txPr>
+        <c:crossAx val="476845536"/>
+        <c:crosses val="autoZero"/>
+        <c:crossBetween val="midCat"/>
+        <c:majorUnit val="1"/>
+      </c:valAx>
+      <c:valAx>
+        <c:axId val="476845536"/>
+        <c:scaling>
+          <c:orientation val="minMax"/>
+        </c:scaling>
+        <c:delete val="0"/>
+        <c:axPos val="l"/>
+        <c:majorGridlines>
+          <c:spPr>
+            <a:ln w="9525" cap="flat" cmpd="sng" algn="ctr">
+              <a:solidFill>
+                <a:schemeClr val="tx1">
+                  <a:lumMod val="15000"/>
+                  <a:lumOff val="85000"/>
+                </a:schemeClr>
+              </a:solidFill>
+              <a:round/>
+            </a:ln>
+            <a:effectLst/>
+          </c:spPr>
+        </c:majorGridlines>
+        <c:numFmt formatCode="General" sourceLinked="1"/>
+        <c:majorTickMark val="none"/>
+        <c:minorTickMark val="none"/>
+        <c:tickLblPos val="nextTo"/>
+        <c:spPr>
+          <a:noFill/>
+          <a:ln w="9525" cap="flat" cmpd="sng" algn="ctr">
+            <a:solidFill>
+              <a:schemeClr val="tx1">
+                <a:lumMod val="25000"/>
+                <a:lumOff val="75000"/>
+              </a:schemeClr>
+            </a:solidFill>
+            <a:round/>
+          </a:ln>
+          <a:effectLst/>
+        </c:spPr>
+        <c:txPr>
+          <a:bodyPr rot="-60000000" spcFirstLastPara="1" vertOverflow="ellipsis" vert="horz" wrap="square" anchor="ctr" anchorCtr="1"/>
+          <a:lstStyle/>
+          <a:p>
+            <a:pPr>
+              <a:defRPr sz="900" b="0" i="0" u="none" strike="noStrike" kern="1200" baseline="0">
+                <a:solidFill>
+                  <a:schemeClr val="tx1">
+                    <a:lumMod val="65000"/>
+                    <a:lumOff val="35000"/>
+                  </a:schemeClr>
+                </a:solidFill>
+                <a:latin typeface="+mn-lt"/>
+                <a:ea typeface="+mn-ea"/>
+                <a:cs typeface="+mn-cs"/>
+              </a:defRPr>
+            </a:pPr>
+            <a:endParaRPr lang="en-US"/>
+          </a:p>
+        </c:txPr>
+        <c:crossAx val="476846520"/>
+        <c:crossesAt val="0"/>
+        <c:crossBetween val="midCat"/>
+      </c:valAx>
+      <c:spPr>
+        <a:noFill/>
+        <a:ln>
+          <a:noFill/>
+        </a:ln>
+        <a:effectLst/>
+      </c:spPr>
+    </c:plotArea>
+    <c:legend>
+      <c:legendPos val="b"/>
+      <c:overlay val="0"/>
+      <c:spPr>
+        <a:noFill/>
+        <a:ln>
+          <a:noFill/>
+        </a:ln>
+        <a:effectLst/>
+      </c:spPr>
+      <c:txPr>
+        <a:bodyPr rot="0" spcFirstLastPara="1" vertOverflow="ellipsis" vert="horz" wrap="square" anchor="ctr" anchorCtr="1"/>
+        <a:lstStyle/>
+        <a:p>
+          <a:pPr>
+            <a:defRPr sz="900" b="0" i="0" u="none" strike="noStrike" kern="1200" baseline="0">
+              <a:solidFill>
+                <a:schemeClr val="tx1">
+                  <a:lumMod val="65000"/>
+                  <a:lumOff val="35000"/>
+                </a:schemeClr>
+              </a:solidFill>
+              <a:latin typeface="+mn-lt"/>
+              <a:ea typeface="+mn-ea"/>
+              <a:cs typeface="+mn-cs"/>
+            </a:defRPr>
+          </a:pPr>
+          <a:endParaRPr lang="en-US"/>
+        </a:p>
+      </c:txPr>
+    </c:legend>
+    <c:plotVisOnly val="1"/>
+    <c:dispBlanksAs val="gap"/>
+    <c:showDLblsOverMax val="0"/>
+  </c:chart>
+  <c:spPr>
+    <a:solidFill>
+      <a:schemeClr val="bg1"/>
+    </a:solidFill>
+    <a:ln w="9525" cap="flat" cmpd="sng" algn="ctr">
+      <a:solidFill>
+        <a:schemeClr val="tx1">
+          <a:lumMod val="15000"/>
+          <a:lumOff val="85000"/>
+        </a:schemeClr>
+      </a:solidFill>
+      <a:round/>
+    </a:ln>
+    <a:effectLst/>
+  </c:spPr>
+  <c:txPr>
+    <a:bodyPr/>
+    <a:lstStyle/>
+    <a:p>
+      <a:pPr>
+        <a:defRPr/>
+      </a:pPr>
+      <a:endParaRPr lang="en-US"/>
+    </a:p>
+  </c:txPr>
+  <c:externalData r:id="rId3">
+    <c:autoUpdate val="0"/>
+  </c:externalData>
+</c:chartSpace>
+</file>
+
+<file path=ppt/charts/chart3.xml><?xml version="1.0" encoding="utf-8"?>
+<c:chartSpace xmlns:c="http://schemas.openxmlformats.org/drawingml/2006/chart" xmlns:a="http://schemas.openxmlformats.org/drawingml/2006/main" xmlns:r="http://schemas.openxmlformats.org/officeDocument/2006/relationships" xmlns:c16r2="http://schemas.microsoft.com/office/drawing/2015/06/chart">
+  <c:date1904 val="0"/>
+  <c:lang val="en-US"/>
+  <c:roundedCorners val="0"/>
+  <mc:AlternateContent xmlns:mc="http://schemas.openxmlformats.org/markup-compatibility/2006">
+    <mc:Choice xmlns:c14="http://schemas.microsoft.com/office/drawing/2007/8/2/chart" Requires="c14">
+      <c14:style val="102"/>
+    </mc:Choice>
+    <mc:Fallback>
+      <c:style val="2"/>
+    </mc:Fallback>
+  </mc:AlternateContent>
+  <c:chart>
+    <c:title>
+      <c:tx>
+        <c:rich>
+          <a:bodyPr rot="0" spcFirstLastPara="1" vertOverflow="ellipsis" vert="horz" wrap="square" anchor="ctr" anchorCtr="1"/>
+          <a:lstStyle/>
+          <a:p>
+            <a:pPr>
+              <a:defRPr sz="1400" b="0" i="0" u="none" strike="noStrike" kern="1200" spc="0" baseline="0">
+                <a:solidFill>
+                  <a:schemeClr val="tx1">
+                    <a:lumMod val="65000"/>
+                    <a:lumOff val="35000"/>
+                  </a:schemeClr>
+                </a:solidFill>
+                <a:latin typeface="+mn-lt"/>
+                <a:ea typeface="+mn-ea"/>
+                <a:cs typeface="+mn-cs"/>
+              </a:defRPr>
+            </a:pPr>
+            <a:r>
+              <a:rPr lang="en-US"/>
+              <a:t>1 - 3 - 5</a:t>
+            </a:r>
+            <a:endParaRPr lang="id-ID"/>
+          </a:p>
+        </c:rich>
+      </c:tx>
+      <c:overlay val="0"/>
+      <c:spPr>
+        <a:noFill/>
+        <a:ln>
+          <a:noFill/>
+        </a:ln>
+        <a:effectLst/>
+      </c:spPr>
+      <c:txPr>
+        <a:bodyPr rot="0" spcFirstLastPara="1" vertOverflow="ellipsis" vert="horz" wrap="square" anchor="ctr" anchorCtr="1"/>
+        <a:lstStyle/>
+        <a:p>
+          <a:pPr>
+            <a:defRPr sz="1400" b="0" i="0" u="none" strike="noStrike" kern="1200" spc="0" baseline="0">
+              <a:solidFill>
+                <a:schemeClr val="tx1">
+                  <a:lumMod val="65000"/>
+                  <a:lumOff val="35000"/>
+                </a:schemeClr>
+              </a:solidFill>
+              <a:latin typeface="+mn-lt"/>
+              <a:ea typeface="+mn-ea"/>
+              <a:cs typeface="+mn-cs"/>
+            </a:defRPr>
+          </a:pPr>
+          <a:endParaRPr lang="en-US"/>
+        </a:p>
+      </c:txPr>
+    </c:title>
+    <c:autoTitleDeleted val="0"/>
+    <c:plotArea>
+      <c:layout/>
+      <c:scatterChart>
+        <c:scatterStyle val="lineMarker"/>
+        <c:varyColors val="0"/>
+        <c:ser>
+          <c:idx val="0"/>
+          <c:order val="0"/>
+          <c:tx>
+            <c:strRef>
+              <c:f>Sheet10!$C$17</c:f>
+              <c:strCache>
+                <c:ptCount val="1"/>
+                <c:pt idx="0">
+                  <c:v>Our program</c:v>
+                </c:pt>
+              </c:strCache>
+            </c:strRef>
+          </c:tx>
+          <c:spPr>
+            <a:ln w="19050" cap="rnd">
+              <a:noFill/>
+              <a:round/>
+            </a:ln>
+            <a:effectLst/>
+          </c:spPr>
+          <c:marker>
+            <c:symbol val="circle"/>
+            <c:size val="5"/>
+            <c:spPr>
+              <a:solidFill>
+                <a:schemeClr val="accent1"/>
+              </a:solidFill>
+              <a:ln w="9525">
+                <a:solidFill>
+                  <a:schemeClr val="accent1"/>
+                </a:solidFill>
+              </a:ln>
+              <a:effectLst/>
+            </c:spPr>
+          </c:marker>
+          <c:xVal>
+            <c:strRef>
+              <c:f>Sheet10!$B$18:$B$29</c:f>
+              <c:strCache>
+                <c:ptCount val="12"/>
+                <c:pt idx="0">
+                  <c:v>SRR316957.3748</c:v>
+                </c:pt>
+                <c:pt idx="1">
+                  <c:v>SRR316957.176167</c:v>
+                </c:pt>
+                <c:pt idx="2">
+                  <c:v>SRR316957.13555</c:v>
+                </c:pt>
+                <c:pt idx="3">
+                  <c:v>SRR316957.404169</c:v>
+                </c:pt>
+                <c:pt idx="4">
+                  <c:v>SRR316957.10370</c:v>
+                </c:pt>
+                <c:pt idx="5">
+                  <c:v>SRR316957.92287</c:v>
+                </c:pt>
+                <c:pt idx="6">
+                  <c:v>SRR316957.518689</c:v>
+                </c:pt>
+                <c:pt idx="7">
+                  <c:v>SRR316957.1063205</c:v>
+                </c:pt>
+                <c:pt idx="8">
+                  <c:v>SRR316957.1016179</c:v>
+                </c:pt>
+                <c:pt idx="9">
+                  <c:v>SRR316957.866299</c:v>
+                </c:pt>
+                <c:pt idx="10">
+                  <c:v>SRR316957.958299</c:v>
+                </c:pt>
+                <c:pt idx="11">
+                  <c:v>SRR316957.949607</c:v>
+                </c:pt>
+              </c:strCache>
+            </c:strRef>
+          </c:xVal>
+          <c:yVal>
+            <c:numRef>
+              <c:f>Sheet10!$C$18:$C$29</c:f>
+              <c:numCache>
+                <c:formatCode>General</c:formatCode>
+                <c:ptCount val="12"/>
+                <c:pt idx="0">
+                  <c:v>23</c:v>
+                </c:pt>
+                <c:pt idx="1">
+                  <c:v>56</c:v>
+                </c:pt>
+                <c:pt idx="2">
+                  <c:v>52</c:v>
+                </c:pt>
+                <c:pt idx="3">
+                  <c:v>56</c:v>
+                </c:pt>
+                <c:pt idx="4">
+                  <c:v>37</c:v>
+                </c:pt>
+                <c:pt idx="5">
+                  <c:v>44</c:v>
+                </c:pt>
+                <c:pt idx="6">
+                  <c:v>48</c:v>
+                </c:pt>
+                <c:pt idx="7">
+                  <c:v>45</c:v>
+                </c:pt>
+                <c:pt idx="8">
+                  <c:v>44</c:v>
+                </c:pt>
+                <c:pt idx="9">
+                  <c:v>52</c:v>
+                </c:pt>
+                <c:pt idx="10">
+                  <c:v>52</c:v>
+                </c:pt>
+                <c:pt idx="11">
+                  <c:v>41</c:v>
+                </c:pt>
+              </c:numCache>
+            </c:numRef>
+          </c:yVal>
+          <c:smooth val="0"/>
+          <c:extLst>
+            <c:ext xmlns:c16="http://schemas.microsoft.com/office/drawing/2014/chart" uri="{C3380CC4-5D6E-409C-BE32-E72D297353CC}">
+              <c16:uniqueId val="{00000000-5D64-4DB3-AD28-5AE51E67EC2A}"/>
+            </c:ext>
+          </c:extLst>
+        </c:ser>
+        <c:ser>
+          <c:idx val="1"/>
+          <c:order val="1"/>
+          <c:tx>
+            <c:strRef>
+              <c:f>Sheet10!$D$17</c:f>
+              <c:strCache>
+                <c:ptCount val="1"/>
+                <c:pt idx="0">
+                  <c:v>BWA</c:v>
+                </c:pt>
+              </c:strCache>
+            </c:strRef>
+          </c:tx>
+          <c:spPr>
+            <a:ln w="19050" cap="rnd">
+              <a:noFill/>
+              <a:round/>
+            </a:ln>
+            <a:effectLst/>
+          </c:spPr>
+          <c:marker>
+            <c:symbol val="circle"/>
+            <c:size val="5"/>
+            <c:spPr>
+              <a:solidFill>
+                <a:schemeClr val="accent2"/>
+              </a:solidFill>
+              <a:ln w="9525">
+                <a:solidFill>
+                  <a:schemeClr val="accent2"/>
+                </a:solidFill>
+              </a:ln>
+              <a:effectLst/>
+            </c:spPr>
+          </c:marker>
+          <c:xVal>
+            <c:strRef>
+              <c:f>Sheet10!$B$18:$B$29</c:f>
+              <c:strCache>
+                <c:ptCount val="12"/>
+                <c:pt idx="0">
+                  <c:v>SRR316957.3748</c:v>
+                </c:pt>
+                <c:pt idx="1">
+                  <c:v>SRR316957.176167</c:v>
+                </c:pt>
+                <c:pt idx="2">
+                  <c:v>SRR316957.13555</c:v>
+                </c:pt>
+                <c:pt idx="3">
+                  <c:v>SRR316957.404169</c:v>
+                </c:pt>
+                <c:pt idx="4">
+                  <c:v>SRR316957.10370</c:v>
+                </c:pt>
+                <c:pt idx="5">
+                  <c:v>SRR316957.92287</c:v>
+                </c:pt>
+                <c:pt idx="6">
+                  <c:v>SRR316957.518689</c:v>
+                </c:pt>
+                <c:pt idx="7">
+                  <c:v>SRR316957.1063205</c:v>
+                </c:pt>
+                <c:pt idx="8">
+                  <c:v>SRR316957.1016179</c:v>
+                </c:pt>
+                <c:pt idx="9">
+                  <c:v>SRR316957.866299</c:v>
+                </c:pt>
+                <c:pt idx="10">
+                  <c:v>SRR316957.958299</c:v>
+                </c:pt>
+                <c:pt idx="11">
+                  <c:v>SRR316957.949607</c:v>
+                </c:pt>
+              </c:strCache>
+            </c:strRef>
+          </c:xVal>
+          <c:yVal>
+            <c:numRef>
+              <c:f>Sheet10!$D$18:$D$29</c:f>
+              <c:numCache>
+                <c:formatCode>General</c:formatCode>
+                <c:ptCount val="12"/>
+                <c:pt idx="0">
+                  <c:v>76</c:v>
+                </c:pt>
+                <c:pt idx="1">
+                  <c:v>76</c:v>
+                </c:pt>
+                <c:pt idx="2">
+                  <c:v>212</c:v>
+                </c:pt>
+                <c:pt idx="3">
+                  <c:v>76</c:v>
+                </c:pt>
+                <c:pt idx="4">
+                  <c:v>367</c:v>
+                </c:pt>
+                <c:pt idx="5">
+                  <c:v>299</c:v>
+                </c:pt>
+                <c:pt idx="6">
+                  <c:v>207</c:v>
+                </c:pt>
+                <c:pt idx="7">
+                  <c:v>234</c:v>
+                </c:pt>
+                <c:pt idx="8">
+                  <c:v>389</c:v>
+                </c:pt>
+                <c:pt idx="9">
+                  <c:v>138</c:v>
+                </c:pt>
+                <c:pt idx="10">
+                  <c:v>299</c:v>
+                </c:pt>
+                <c:pt idx="11">
+                  <c:v>176</c:v>
+                </c:pt>
+              </c:numCache>
+            </c:numRef>
+          </c:yVal>
+          <c:smooth val="0"/>
+          <c:extLst>
+            <c:ext xmlns:c16="http://schemas.microsoft.com/office/drawing/2014/chart" uri="{C3380CC4-5D6E-409C-BE32-E72D297353CC}">
+              <c16:uniqueId val="{00000001-5D64-4DB3-AD28-5AE51E67EC2A}"/>
+            </c:ext>
+          </c:extLst>
+        </c:ser>
+        <c:dLbls>
+          <c:showLegendKey val="0"/>
+          <c:showVal val="0"/>
+          <c:showCatName val="0"/>
+          <c:showSerName val="0"/>
+          <c:showPercent val="0"/>
+          <c:showBubbleSize val="0"/>
+        </c:dLbls>
+        <c:axId val="350424152"/>
+        <c:axId val="350417592"/>
+      </c:scatterChart>
+      <c:valAx>
+        <c:axId val="350424152"/>
+        <c:scaling>
+          <c:orientation val="minMax"/>
+          <c:max val="12"/>
+        </c:scaling>
+        <c:delete val="0"/>
+        <c:axPos val="b"/>
+        <c:majorGridlines>
+          <c:spPr>
+            <a:ln w="9525" cap="flat" cmpd="sng" algn="ctr">
+              <a:solidFill>
+                <a:schemeClr val="tx1">
+                  <a:lumMod val="15000"/>
+                  <a:lumOff val="85000"/>
+                </a:schemeClr>
+              </a:solidFill>
+              <a:round/>
+            </a:ln>
+            <a:effectLst/>
+          </c:spPr>
+        </c:majorGridlines>
+        <c:majorTickMark val="none"/>
+        <c:minorTickMark val="none"/>
+        <c:tickLblPos val="nextTo"/>
+        <c:spPr>
+          <a:noFill/>
+          <a:ln w="9525" cap="flat" cmpd="sng" algn="ctr">
+            <a:solidFill>
+              <a:schemeClr val="tx1">
+                <a:lumMod val="25000"/>
+                <a:lumOff val="75000"/>
+              </a:schemeClr>
+            </a:solidFill>
+            <a:round/>
+          </a:ln>
+          <a:effectLst/>
+        </c:spPr>
+        <c:txPr>
+          <a:bodyPr rot="-60000000" spcFirstLastPara="1" vertOverflow="ellipsis" vert="horz" wrap="square" anchor="ctr" anchorCtr="1"/>
+          <a:lstStyle/>
+          <a:p>
+            <a:pPr>
+              <a:defRPr sz="900" b="0" i="0" u="none" strike="noStrike" kern="1200" baseline="0">
+                <a:solidFill>
+                  <a:schemeClr val="tx1">
+                    <a:lumMod val="65000"/>
+                    <a:lumOff val="35000"/>
+                  </a:schemeClr>
+                </a:solidFill>
+                <a:latin typeface="+mn-lt"/>
+                <a:ea typeface="+mn-ea"/>
+                <a:cs typeface="+mn-cs"/>
+              </a:defRPr>
+            </a:pPr>
+            <a:endParaRPr lang="en-US"/>
+          </a:p>
+        </c:txPr>
+        <c:crossAx val="350417592"/>
+        <c:crosses val="autoZero"/>
+        <c:crossBetween val="midCat"/>
+        <c:majorUnit val="1"/>
+      </c:valAx>
+      <c:valAx>
+        <c:axId val="350417592"/>
+        <c:scaling>
+          <c:orientation val="minMax"/>
+        </c:scaling>
+        <c:delete val="0"/>
+        <c:axPos val="l"/>
+        <c:majorGridlines>
+          <c:spPr>
+            <a:ln w="9525" cap="flat" cmpd="sng" algn="ctr">
+              <a:solidFill>
+                <a:schemeClr val="tx1">
+                  <a:lumMod val="15000"/>
+                  <a:lumOff val="85000"/>
+                </a:schemeClr>
+              </a:solidFill>
+              <a:round/>
+            </a:ln>
+            <a:effectLst/>
+          </c:spPr>
+        </c:majorGridlines>
+        <c:numFmt formatCode="General" sourceLinked="1"/>
+        <c:majorTickMark val="none"/>
+        <c:minorTickMark val="none"/>
+        <c:tickLblPos val="nextTo"/>
+        <c:spPr>
+          <a:noFill/>
+          <a:ln w="9525" cap="flat" cmpd="sng" algn="ctr">
+            <a:solidFill>
+              <a:schemeClr val="tx1">
+                <a:lumMod val="25000"/>
+                <a:lumOff val="75000"/>
+              </a:schemeClr>
+            </a:solidFill>
+            <a:round/>
+          </a:ln>
+          <a:effectLst/>
+        </c:spPr>
+        <c:txPr>
+          <a:bodyPr rot="-60000000" spcFirstLastPara="1" vertOverflow="ellipsis" vert="horz" wrap="square" anchor="ctr" anchorCtr="1"/>
+          <a:lstStyle/>
+          <a:p>
+            <a:pPr>
+              <a:defRPr sz="900" b="0" i="0" u="none" strike="noStrike" kern="1200" baseline="0">
+                <a:solidFill>
+                  <a:schemeClr val="tx1">
+                    <a:lumMod val="65000"/>
+                    <a:lumOff val="35000"/>
+                  </a:schemeClr>
+                </a:solidFill>
+                <a:latin typeface="+mn-lt"/>
+                <a:ea typeface="+mn-ea"/>
+                <a:cs typeface="+mn-cs"/>
+              </a:defRPr>
+            </a:pPr>
+            <a:endParaRPr lang="en-US"/>
+          </a:p>
+        </c:txPr>
+        <c:crossAx val="350424152"/>
+        <c:crosses val="autoZero"/>
+        <c:crossBetween val="midCat"/>
+      </c:valAx>
+      <c:spPr>
+        <a:noFill/>
+        <a:ln>
+          <a:noFill/>
+        </a:ln>
+        <a:effectLst/>
+      </c:spPr>
+    </c:plotArea>
+    <c:legend>
+      <c:legendPos val="b"/>
+      <c:overlay val="0"/>
+      <c:spPr>
+        <a:noFill/>
+        <a:ln>
+          <a:noFill/>
+        </a:ln>
+        <a:effectLst/>
+      </c:spPr>
+      <c:txPr>
+        <a:bodyPr rot="0" spcFirstLastPara="1" vertOverflow="ellipsis" vert="horz" wrap="square" anchor="ctr" anchorCtr="1"/>
+        <a:lstStyle/>
+        <a:p>
+          <a:pPr>
+            <a:defRPr sz="900" b="0" i="0" u="none" strike="noStrike" kern="1200" baseline="0">
+              <a:solidFill>
+                <a:schemeClr val="tx1">
+                  <a:lumMod val="65000"/>
+                  <a:lumOff val="35000"/>
+                </a:schemeClr>
+              </a:solidFill>
+              <a:latin typeface="+mn-lt"/>
+              <a:ea typeface="+mn-ea"/>
+              <a:cs typeface="+mn-cs"/>
+            </a:defRPr>
+          </a:pPr>
+          <a:endParaRPr lang="en-US"/>
+        </a:p>
+      </c:txPr>
+    </c:legend>
+    <c:plotVisOnly val="1"/>
+    <c:dispBlanksAs val="gap"/>
+    <c:showDLblsOverMax val="0"/>
+  </c:chart>
+  <c:spPr>
+    <a:solidFill>
+      <a:schemeClr val="bg1"/>
+    </a:solidFill>
+    <a:ln w="9525" cap="flat" cmpd="sng" algn="ctr">
+      <a:solidFill>
+        <a:schemeClr val="tx1">
+          <a:lumMod val="15000"/>
+          <a:lumOff val="85000"/>
+        </a:schemeClr>
+      </a:solidFill>
+      <a:round/>
+    </a:ln>
+    <a:effectLst/>
+  </c:spPr>
+  <c:txPr>
+    <a:bodyPr/>
+    <a:lstStyle/>
+    <a:p>
+      <a:pPr>
+        <a:defRPr/>
+      </a:pPr>
+      <a:endParaRPr lang="en-US"/>
+    </a:p>
+  </c:txPr>
+  <c:externalData r:id="rId3">
+    <c:autoUpdate val="0"/>
+  </c:externalData>
+</c:chartSpace>
+</file>
+
+<file path=ppt/charts/chart4.xml><?xml version="1.0" encoding="utf-8"?>
+<c:chartSpace xmlns:c="http://schemas.openxmlformats.org/drawingml/2006/chart" xmlns:a="http://schemas.openxmlformats.org/drawingml/2006/main" xmlns:r="http://schemas.openxmlformats.org/officeDocument/2006/relationships" xmlns:c16r2="http://schemas.microsoft.com/office/drawing/2015/06/chart">
+  <c:date1904 val="0"/>
+  <c:lang val="en-US"/>
+  <c:roundedCorners val="0"/>
+  <mc:AlternateContent xmlns:mc="http://schemas.openxmlformats.org/markup-compatibility/2006">
+    <mc:Choice xmlns:c14="http://schemas.microsoft.com/office/drawing/2007/8/2/chart" Requires="c14">
+      <c14:style val="102"/>
+    </mc:Choice>
+    <mc:Fallback>
+      <c:style val="2"/>
+    </mc:Fallback>
+  </mc:AlternateContent>
+  <c:chart>
+    <c:title>
+      <c:tx>
+        <c:rich>
+          <a:bodyPr rot="0" spcFirstLastPara="1" vertOverflow="ellipsis" vert="horz" wrap="square" anchor="ctr" anchorCtr="1"/>
+          <a:lstStyle/>
+          <a:p>
+            <a:pPr>
+              <a:defRPr sz="1400" b="0" i="0" u="none" strike="noStrike" kern="1200" spc="0" baseline="0">
+                <a:solidFill>
+                  <a:schemeClr val="tx1">
+                    <a:lumMod val="65000"/>
+                    <a:lumOff val="35000"/>
+                  </a:schemeClr>
+                </a:solidFill>
+                <a:latin typeface="+mn-lt"/>
+                <a:ea typeface="+mn-ea"/>
+                <a:cs typeface="+mn-cs"/>
+              </a:defRPr>
+            </a:pPr>
+            <a:r>
+              <a:rPr lang="en-US"/>
+              <a:t>1 - 3 - 7</a:t>
+            </a:r>
+            <a:endParaRPr lang="id-ID"/>
+          </a:p>
+        </c:rich>
+      </c:tx>
+      <c:overlay val="0"/>
+      <c:spPr>
+        <a:noFill/>
+        <a:ln>
+          <a:noFill/>
+        </a:ln>
+        <a:effectLst/>
+      </c:spPr>
+      <c:txPr>
+        <a:bodyPr rot="0" spcFirstLastPara="1" vertOverflow="ellipsis" vert="horz" wrap="square" anchor="ctr" anchorCtr="1"/>
+        <a:lstStyle/>
+        <a:p>
+          <a:pPr>
+            <a:defRPr sz="1400" b="0" i="0" u="none" strike="noStrike" kern="1200" spc="0" baseline="0">
+              <a:solidFill>
+                <a:schemeClr val="tx1">
+                  <a:lumMod val="65000"/>
+                  <a:lumOff val="35000"/>
+                </a:schemeClr>
+              </a:solidFill>
+              <a:latin typeface="+mn-lt"/>
+              <a:ea typeface="+mn-ea"/>
+              <a:cs typeface="+mn-cs"/>
+            </a:defRPr>
+          </a:pPr>
+          <a:endParaRPr lang="en-US"/>
+        </a:p>
+      </c:txPr>
+    </c:title>
+    <c:autoTitleDeleted val="0"/>
+    <c:plotArea>
+      <c:layout/>
+      <c:scatterChart>
+        <c:scatterStyle val="lineMarker"/>
+        <c:varyColors val="0"/>
+        <c:ser>
+          <c:idx val="0"/>
+          <c:order val="0"/>
+          <c:tx>
+            <c:strRef>
+              <c:f>Sheet10!$H$17</c:f>
+              <c:strCache>
+                <c:ptCount val="1"/>
+                <c:pt idx="0">
+                  <c:v>Our program</c:v>
+                </c:pt>
+              </c:strCache>
+            </c:strRef>
+          </c:tx>
+          <c:spPr>
+            <a:ln w="19050" cap="rnd">
+              <a:noFill/>
+              <a:round/>
+            </a:ln>
+            <a:effectLst/>
+          </c:spPr>
+          <c:marker>
+            <c:symbol val="circle"/>
+            <c:size val="5"/>
+            <c:spPr>
+              <a:solidFill>
+                <a:schemeClr val="accent1"/>
+              </a:solidFill>
+              <a:ln w="9525">
+                <a:solidFill>
+                  <a:schemeClr val="accent1"/>
+                </a:solidFill>
+              </a:ln>
+              <a:effectLst/>
+            </c:spPr>
+          </c:marker>
+          <c:xVal>
+            <c:strRef>
+              <c:f>Sheet10!$G$18:$G$29</c:f>
+              <c:strCache>
+                <c:ptCount val="12"/>
+                <c:pt idx="0">
+                  <c:v>SRR316957.3748</c:v>
+                </c:pt>
+                <c:pt idx="1">
+                  <c:v>SRR316957.176167</c:v>
+                </c:pt>
+                <c:pt idx="2">
+                  <c:v>SRR316957.13555</c:v>
+                </c:pt>
+                <c:pt idx="3">
+                  <c:v>SRR316957.404169</c:v>
+                </c:pt>
+                <c:pt idx="4">
+                  <c:v>SRR316957.10370</c:v>
+                </c:pt>
+                <c:pt idx="5">
+                  <c:v>SRR316957.92287</c:v>
+                </c:pt>
+                <c:pt idx="6">
+                  <c:v>SRR316957.518689</c:v>
+                </c:pt>
+                <c:pt idx="7">
+                  <c:v>SRR316957.1063205</c:v>
+                </c:pt>
+                <c:pt idx="8">
+                  <c:v>SRR316957.1016179</c:v>
+                </c:pt>
+                <c:pt idx="9">
+                  <c:v>SRR316957.866299</c:v>
+                </c:pt>
+                <c:pt idx="10">
+                  <c:v>SRR316957.958299</c:v>
+                </c:pt>
+                <c:pt idx="11">
+                  <c:v>SRR316957.949607</c:v>
+                </c:pt>
+              </c:strCache>
+            </c:strRef>
+          </c:xVal>
+          <c:yVal>
+            <c:numRef>
+              <c:f>Sheet10!$H$18:$H$29</c:f>
+              <c:numCache>
+                <c:formatCode>General</c:formatCode>
+                <c:ptCount val="12"/>
+                <c:pt idx="0">
+                  <c:v>7</c:v>
+                </c:pt>
+                <c:pt idx="1">
+                  <c:v>52</c:v>
+                </c:pt>
+                <c:pt idx="2">
+                  <c:v>48</c:v>
+                </c:pt>
+                <c:pt idx="3">
+                  <c:v>52</c:v>
+                </c:pt>
+                <c:pt idx="4">
+                  <c:v>29</c:v>
+                </c:pt>
+                <c:pt idx="5">
+                  <c:v>40</c:v>
+                </c:pt>
+                <c:pt idx="6">
+                  <c:v>44</c:v>
+                </c:pt>
+                <c:pt idx="7">
+                  <c:v>37</c:v>
+                </c:pt>
+                <c:pt idx="8">
+                  <c:v>40</c:v>
+                </c:pt>
+                <c:pt idx="9">
+                  <c:v>48</c:v>
+                </c:pt>
+                <c:pt idx="10">
+                  <c:v>48</c:v>
+                </c:pt>
+                <c:pt idx="11">
+                  <c:v>33</c:v>
+                </c:pt>
+              </c:numCache>
+            </c:numRef>
+          </c:yVal>
+          <c:smooth val="0"/>
+          <c:extLst>
+            <c:ext xmlns:c16="http://schemas.microsoft.com/office/drawing/2014/chart" uri="{C3380CC4-5D6E-409C-BE32-E72D297353CC}">
+              <c16:uniqueId val="{00000000-7E33-47AF-B691-DD9B28B366E7}"/>
+            </c:ext>
+          </c:extLst>
+        </c:ser>
+        <c:ser>
+          <c:idx val="1"/>
+          <c:order val="1"/>
+          <c:tx>
+            <c:strRef>
+              <c:f>Sheet10!$I$17</c:f>
+              <c:strCache>
+                <c:ptCount val="1"/>
+                <c:pt idx="0">
+                  <c:v>BWA</c:v>
+                </c:pt>
+              </c:strCache>
+            </c:strRef>
+          </c:tx>
+          <c:spPr>
+            <a:ln w="19050" cap="rnd">
+              <a:noFill/>
+              <a:round/>
+            </a:ln>
+            <a:effectLst/>
+          </c:spPr>
+          <c:marker>
+            <c:symbol val="circle"/>
+            <c:size val="5"/>
+            <c:spPr>
+              <a:solidFill>
+                <a:schemeClr val="accent2"/>
+              </a:solidFill>
+              <a:ln w="9525">
+                <a:solidFill>
+                  <a:schemeClr val="accent2"/>
+                </a:solidFill>
+              </a:ln>
+              <a:effectLst/>
+            </c:spPr>
+          </c:marker>
+          <c:xVal>
+            <c:strRef>
+              <c:f>Sheet10!$G$18:$G$29</c:f>
+              <c:strCache>
+                <c:ptCount val="12"/>
+                <c:pt idx="0">
+                  <c:v>SRR316957.3748</c:v>
+                </c:pt>
+                <c:pt idx="1">
+                  <c:v>SRR316957.176167</c:v>
+                </c:pt>
+                <c:pt idx="2">
+                  <c:v>SRR316957.13555</c:v>
+                </c:pt>
+                <c:pt idx="3">
+                  <c:v>SRR316957.404169</c:v>
+                </c:pt>
+                <c:pt idx="4">
+                  <c:v>SRR316957.10370</c:v>
+                </c:pt>
+                <c:pt idx="5">
+                  <c:v>SRR316957.92287</c:v>
+                </c:pt>
+                <c:pt idx="6">
+                  <c:v>SRR316957.518689</c:v>
+                </c:pt>
+                <c:pt idx="7">
+                  <c:v>SRR316957.1063205</c:v>
+                </c:pt>
+                <c:pt idx="8">
+                  <c:v>SRR316957.1016179</c:v>
+                </c:pt>
+                <c:pt idx="9">
+                  <c:v>SRR316957.866299</c:v>
+                </c:pt>
+                <c:pt idx="10">
+                  <c:v>SRR316957.958299</c:v>
+                </c:pt>
+                <c:pt idx="11">
+                  <c:v>SRR316957.949607</c:v>
+                </c:pt>
+              </c:strCache>
+            </c:strRef>
+          </c:xVal>
+          <c:yVal>
+            <c:numRef>
+              <c:f>Sheet10!$I$18:$I$29</c:f>
+              <c:numCache>
+                <c:formatCode>General</c:formatCode>
+                <c:ptCount val="12"/>
+                <c:pt idx="0">
+                  <c:v>76</c:v>
+                </c:pt>
+                <c:pt idx="1">
+                  <c:v>76</c:v>
+                </c:pt>
+                <c:pt idx="2">
+                  <c:v>259</c:v>
+                </c:pt>
+                <c:pt idx="3">
+                  <c:v>76</c:v>
+                </c:pt>
+                <c:pt idx="4">
+                  <c:v>469</c:v>
+                </c:pt>
+                <c:pt idx="5">
+                  <c:v>377</c:v>
+                </c:pt>
+                <c:pt idx="6">
+                  <c:v>253</c:v>
+                </c:pt>
+                <c:pt idx="7">
+                  <c:v>289</c:v>
+                </c:pt>
+                <c:pt idx="8">
+                  <c:v>501</c:v>
+                </c:pt>
+                <c:pt idx="9">
+                  <c:v>160</c:v>
+                </c:pt>
+                <c:pt idx="10">
+                  <c:v>377</c:v>
+                </c:pt>
+                <c:pt idx="11">
+                  <c:v>212</c:v>
+                </c:pt>
+              </c:numCache>
+            </c:numRef>
+          </c:yVal>
+          <c:smooth val="0"/>
+          <c:extLst>
+            <c:ext xmlns:c16="http://schemas.microsoft.com/office/drawing/2014/chart" uri="{C3380CC4-5D6E-409C-BE32-E72D297353CC}">
+              <c16:uniqueId val="{00000001-7E33-47AF-B691-DD9B28B366E7}"/>
+            </c:ext>
+          </c:extLst>
+        </c:ser>
+        <c:dLbls>
+          <c:showLegendKey val="0"/>
+          <c:showVal val="0"/>
+          <c:showCatName val="0"/>
+          <c:showSerName val="0"/>
+          <c:showPercent val="0"/>
+          <c:showBubbleSize val="0"/>
+        </c:dLbls>
+        <c:axId val="512861888"/>
+        <c:axId val="512859592"/>
+      </c:scatterChart>
+      <c:valAx>
+        <c:axId val="512861888"/>
+        <c:scaling>
+          <c:orientation val="minMax"/>
+          <c:max val="12"/>
+        </c:scaling>
+        <c:delete val="0"/>
+        <c:axPos val="b"/>
+        <c:majorGridlines>
+          <c:spPr>
+            <a:ln w="9525" cap="flat" cmpd="sng" algn="ctr">
+              <a:solidFill>
+                <a:schemeClr val="tx1">
+                  <a:lumMod val="15000"/>
+                  <a:lumOff val="85000"/>
+                </a:schemeClr>
+              </a:solidFill>
+              <a:round/>
+            </a:ln>
+            <a:effectLst/>
+          </c:spPr>
+        </c:majorGridlines>
+        <c:majorTickMark val="none"/>
+        <c:minorTickMark val="none"/>
+        <c:tickLblPos val="nextTo"/>
+        <c:spPr>
+          <a:noFill/>
+          <a:ln w="9525" cap="flat" cmpd="sng" algn="ctr">
+            <a:solidFill>
+              <a:schemeClr val="tx1">
+                <a:lumMod val="25000"/>
+                <a:lumOff val="75000"/>
+              </a:schemeClr>
+            </a:solidFill>
+            <a:round/>
+          </a:ln>
+          <a:effectLst/>
+        </c:spPr>
+        <c:txPr>
+          <a:bodyPr rot="-60000000" spcFirstLastPara="1" vertOverflow="ellipsis" vert="horz" wrap="square" anchor="ctr" anchorCtr="1"/>
+          <a:lstStyle/>
+          <a:p>
+            <a:pPr>
+              <a:defRPr sz="900" b="0" i="0" u="none" strike="noStrike" kern="1200" baseline="0">
+                <a:solidFill>
+                  <a:schemeClr val="tx1">
+                    <a:lumMod val="65000"/>
+                    <a:lumOff val="35000"/>
+                  </a:schemeClr>
+                </a:solidFill>
+                <a:latin typeface="+mn-lt"/>
+                <a:ea typeface="+mn-ea"/>
+                <a:cs typeface="+mn-cs"/>
+              </a:defRPr>
+            </a:pPr>
+            <a:endParaRPr lang="en-US"/>
+          </a:p>
+        </c:txPr>
+        <c:crossAx val="512859592"/>
+        <c:crosses val="autoZero"/>
+        <c:crossBetween val="midCat"/>
+        <c:majorUnit val="1"/>
+      </c:valAx>
+      <c:valAx>
+        <c:axId val="512859592"/>
+        <c:scaling>
+          <c:orientation val="minMax"/>
+        </c:scaling>
+        <c:delete val="0"/>
+        <c:axPos val="l"/>
+        <c:majorGridlines>
+          <c:spPr>
+            <a:ln w="9525" cap="flat" cmpd="sng" algn="ctr">
+              <a:solidFill>
+                <a:schemeClr val="tx1">
+                  <a:lumMod val="15000"/>
+                  <a:lumOff val="85000"/>
+                </a:schemeClr>
+              </a:solidFill>
+              <a:round/>
+            </a:ln>
+            <a:effectLst/>
+          </c:spPr>
+        </c:majorGridlines>
+        <c:numFmt formatCode="General" sourceLinked="1"/>
+        <c:majorTickMark val="none"/>
+        <c:minorTickMark val="none"/>
+        <c:tickLblPos val="nextTo"/>
+        <c:spPr>
+          <a:noFill/>
+          <a:ln w="9525" cap="flat" cmpd="sng" algn="ctr">
+            <a:solidFill>
+              <a:schemeClr val="tx1">
+                <a:lumMod val="25000"/>
+                <a:lumOff val="75000"/>
+              </a:schemeClr>
+            </a:solidFill>
+            <a:round/>
+          </a:ln>
+          <a:effectLst/>
+        </c:spPr>
+        <c:txPr>
+          <a:bodyPr rot="-60000000" spcFirstLastPara="1" vertOverflow="ellipsis" vert="horz" wrap="square" anchor="ctr" anchorCtr="1"/>
+          <a:lstStyle/>
+          <a:p>
+            <a:pPr>
+              <a:defRPr sz="900" b="0" i="0" u="none" strike="noStrike" kern="1200" baseline="0">
+                <a:solidFill>
+                  <a:schemeClr val="tx1">
+                    <a:lumMod val="65000"/>
+                    <a:lumOff val="35000"/>
+                  </a:schemeClr>
+                </a:solidFill>
+                <a:latin typeface="+mn-lt"/>
+                <a:ea typeface="+mn-ea"/>
+                <a:cs typeface="+mn-cs"/>
+              </a:defRPr>
+            </a:pPr>
+            <a:endParaRPr lang="en-US"/>
+          </a:p>
+        </c:txPr>
+        <c:crossAx val="512861888"/>
+        <c:crosses val="autoZero"/>
+        <c:crossBetween val="midCat"/>
+      </c:valAx>
+      <c:spPr>
+        <a:noFill/>
+        <a:ln>
+          <a:noFill/>
+        </a:ln>
+        <a:effectLst/>
+      </c:spPr>
+    </c:plotArea>
+    <c:legend>
+      <c:legendPos val="b"/>
+      <c:overlay val="0"/>
+      <c:spPr>
+        <a:noFill/>
+        <a:ln>
+          <a:noFill/>
+        </a:ln>
+        <a:effectLst/>
+      </c:spPr>
+      <c:txPr>
+        <a:bodyPr rot="0" spcFirstLastPara="1" vertOverflow="ellipsis" vert="horz" wrap="square" anchor="ctr" anchorCtr="1"/>
+        <a:lstStyle/>
+        <a:p>
+          <a:pPr>
+            <a:defRPr sz="900" b="0" i="0" u="none" strike="noStrike" kern="1200" baseline="0">
+              <a:solidFill>
+                <a:schemeClr val="tx1">
+                  <a:lumMod val="65000"/>
+                  <a:lumOff val="35000"/>
+                </a:schemeClr>
+              </a:solidFill>
+              <a:latin typeface="+mn-lt"/>
+              <a:ea typeface="+mn-ea"/>
+              <a:cs typeface="+mn-cs"/>
+            </a:defRPr>
+          </a:pPr>
+          <a:endParaRPr lang="en-US"/>
+        </a:p>
+      </c:txPr>
+    </c:legend>
+    <c:plotVisOnly val="1"/>
+    <c:dispBlanksAs val="gap"/>
+    <c:showDLblsOverMax val="0"/>
+  </c:chart>
+  <c:spPr>
+    <a:solidFill>
+      <a:schemeClr val="bg1"/>
+    </a:solidFill>
+    <a:ln w="9525" cap="flat" cmpd="sng" algn="ctr">
+      <a:solidFill>
+        <a:schemeClr val="tx1">
+          <a:lumMod val="15000"/>
+          <a:lumOff val="85000"/>
+        </a:schemeClr>
+      </a:solidFill>
+      <a:round/>
+    </a:ln>
+    <a:effectLst/>
+  </c:spPr>
+  <c:txPr>
+    <a:bodyPr/>
+    <a:lstStyle/>
+    <a:p>
+      <a:pPr>
+        <a:defRPr/>
+      </a:pPr>
+      <a:endParaRPr lang="en-US"/>
+    </a:p>
+  </c:txPr>
+  <c:externalData r:id="rId3">
+    <c:autoUpdate val="0"/>
+  </c:externalData>
+</c:chartSpace>
+</file>
+
+<file path=ppt/charts/chart5.xml><?xml version="1.0" encoding="utf-8"?>
+<c:chartSpace xmlns:c="http://schemas.openxmlformats.org/drawingml/2006/chart" xmlns:a="http://schemas.openxmlformats.org/drawingml/2006/main" xmlns:r="http://schemas.openxmlformats.org/officeDocument/2006/relationships" xmlns:c16r2="http://schemas.microsoft.com/office/drawing/2015/06/chart">
+  <c:date1904 val="0"/>
+  <c:lang val="en-US"/>
+  <c:roundedCorners val="0"/>
+  <mc:AlternateContent xmlns:mc="http://schemas.openxmlformats.org/markup-compatibility/2006">
+    <mc:Choice xmlns:c14="http://schemas.microsoft.com/office/drawing/2007/8/2/chart" Requires="c14">
+      <c14:style val="102"/>
+    </mc:Choice>
+    <mc:Fallback>
+      <c:style val="2"/>
+    </mc:Fallback>
+  </mc:AlternateContent>
+  <c:chart>
+    <c:title>
+      <c:tx>
+        <c:rich>
+          <a:bodyPr rot="0" spcFirstLastPara="1" vertOverflow="ellipsis" vert="horz" wrap="square" anchor="ctr" anchorCtr="1"/>
+          <a:lstStyle/>
+          <a:p>
+            <a:pPr>
+              <a:defRPr sz="1400" b="0" i="0" u="none" strike="noStrike" kern="1200" spc="0" baseline="0">
+                <a:solidFill>
+                  <a:schemeClr val="tx1">
+                    <a:lumMod val="65000"/>
+                    <a:lumOff val="35000"/>
+                  </a:schemeClr>
+                </a:solidFill>
+                <a:latin typeface="+mn-lt"/>
+                <a:ea typeface="+mn-ea"/>
+                <a:cs typeface="+mn-cs"/>
+              </a:defRPr>
+            </a:pPr>
+            <a:r>
+              <a:rPr lang="en-US"/>
+              <a:t>2</a:t>
+            </a:r>
+            <a:r>
+              <a:rPr lang="en-US" baseline="0"/>
+              <a:t> - 2 - 5</a:t>
+            </a:r>
+            <a:endParaRPr lang="id-ID"/>
+          </a:p>
+        </c:rich>
+      </c:tx>
+      <c:overlay val="0"/>
+      <c:spPr>
+        <a:noFill/>
+        <a:ln>
+          <a:noFill/>
+        </a:ln>
+        <a:effectLst/>
+      </c:spPr>
+      <c:txPr>
+        <a:bodyPr rot="0" spcFirstLastPara="1" vertOverflow="ellipsis" vert="horz" wrap="square" anchor="ctr" anchorCtr="1"/>
+        <a:lstStyle/>
+        <a:p>
+          <a:pPr>
+            <a:defRPr sz="1400" b="0" i="0" u="none" strike="noStrike" kern="1200" spc="0" baseline="0">
+              <a:solidFill>
+                <a:schemeClr val="tx1">
+                  <a:lumMod val="65000"/>
+                  <a:lumOff val="35000"/>
+                </a:schemeClr>
+              </a:solidFill>
+              <a:latin typeface="+mn-lt"/>
+              <a:ea typeface="+mn-ea"/>
+              <a:cs typeface="+mn-cs"/>
+            </a:defRPr>
+          </a:pPr>
+          <a:endParaRPr lang="en-US"/>
+        </a:p>
+      </c:txPr>
+    </c:title>
+    <c:autoTitleDeleted val="0"/>
+    <c:plotArea>
+      <c:layout/>
+      <c:scatterChart>
+        <c:scatterStyle val="lineMarker"/>
+        <c:varyColors val="0"/>
+        <c:ser>
+          <c:idx val="0"/>
+          <c:order val="0"/>
+          <c:tx>
+            <c:strRef>
+              <c:f>Sheet10!$C$32</c:f>
+              <c:strCache>
+                <c:ptCount val="1"/>
+                <c:pt idx="0">
+                  <c:v>Our program</c:v>
+                </c:pt>
+              </c:strCache>
+            </c:strRef>
+          </c:tx>
+          <c:spPr>
+            <a:ln w="19050" cap="rnd">
+              <a:noFill/>
+              <a:round/>
+            </a:ln>
+            <a:effectLst/>
+          </c:spPr>
+          <c:marker>
+            <c:symbol val="circle"/>
+            <c:size val="5"/>
+            <c:spPr>
+              <a:solidFill>
+                <a:schemeClr val="accent1"/>
+              </a:solidFill>
+              <a:ln w="9525">
+                <a:solidFill>
+                  <a:schemeClr val="accent1"/>
+                </a:solidFill>
+              </a:ln>
+              <a:effectLst/>
+            </c:spPr>
+          </c:marker>
+          <c:xVal>
+            <c:strRef>
+              <c:f>Sheet10!$B$33:$B$44</c:f>
+              <c:strCache>
+                <c:ptCount val="12"/>
+                <c:pt idx="0">
+                  <c:v>SRR316957.3748</c:v>
+                </c:pt>
+                <c:pt idx="1">
+                  <c:v>SRR316957.176167</c:v>
+                </c:pt>
+                <c:pt idx="2">
+                  <c:v>SRR316957.13555</c:v>
+                </c:pt>
+                <c:pt idx="3">
+                  <c:v>SRR316957.404169</c:v>
+                </c:pt>
+                <c:pt idx="4">
+                  <c:v>SRR316957.10370</c:v>
+                </c:pt>
+                <c:pt idx="5">
+                  <c:v>SRR316957.92287</c:v>
+                </c:pt>
+                <c:pt idx="6">
+                  <c:v>SRR316957.518689</c:v>
+                </c:pt>
+                <c:pt idx="7">
+                  <c:v>SRR316957.1063205</c:v>
+                </c:pt>
+                <c:pt idx="8">
+                  <c:v>SRR316957.1016179</c:v>
+                </c:pt>
+                <c:pt idx="9">
+                  <c:v>SRR316957.866299</c:v>
+                </c:pt>
+                <c:pt idx="10">
+                  <c:v>SRR316957.958299</c:v>
+                </c:pt>
+                <c:pt idx="11">
+                  <c:v>SRR316957.949607</c:v>
+                </c:pt>
+              </c:strCache>
+            </c:strRef>
+          </c:xVal>
+          <c:yVal>
+            <c:numRef>
+              <c:f>Sheet10!$C$33:$C$44</c:f>
+              <c:numCache>
+                <c:formatCode>General</c:formatCode>
+                <c:ptCount val="12"/>
+                <c:pt idx="0">
+                  <c:v>86</c:v>
+                </c:pt>
+                <c:pt idx="1">
+                  <c:v>102</c:v>
+                </c:pt>
+                <c:pt idx="2">
+                  <c:v>118</c:v>
+                </c:pt>
+                <c:pt idx="3">
+                  <c:v>122</c:v>
+                </c:pt>
+                <c:pt idx="4">
+                  <c:v>102</c:v>
+                </c:pt>
+                <c:pt idx="5">
+                  <c:v>110</c:v>
+                </c:pt>
+                <c:pt idx="6">
+                  <c:v>114</c:v>
+                </c:pt>
+                <c:pt idx="7">
+                  <c:v>110</c:v>
+                </c:pt>
+                <c:pt idx="8">
+                  <c:v>110</c:v>
+                </c:pt>
+                <c:pt idx="9">
+                  <c:v>118</c:v>
+                </c:pt>
+                <c:pt idx="10">
+                  <c:v>118</c:v>
+                </c:pt>
+                <c:pt idx="11">
+                  <c:v>106</c:v>
+                </c:pt>
+              </c:numCache>
+            </c:numRef>
+          </c:yVal>
+          <c:smooth val="0"/>
+          <c:extLst>
+            <c:ext xmlns:c16="http://schemas.microsoft.com/office/drawing/2014/chart" uri="{C3380CC4-5D6E-409C-BE32-E72D297353CC}">
+              <c16:uniqueId val="{00000000-3527-44C1-A03C-4F61AB6B4C78}"/>
+            </c:ext>
+          </c:extLst>
+        </c:ser>
+        <c:ser>
+          <c:idx val="1"/>
+          <c:order val="1"/>
+          <c:tx>
+            <c:strRef>
+              <c:f>Sheet10!$D$32</c:f>
+              <c:strCache>
+                <c:ptCount val="1"/>
+                <c:pt idx="0">
+                  <c:v>BWA</c:v>
+                </c:pt>
+              </c:strCache>
+            </c:strRef>
+          </c:tx>
+          <c:spPr>
+            <a:ln w="19050" cap="rnd">
+              <a:noFill/>
+              <a:round/>
+            </a:ln>
+            <a:effectLst/>
+          </c:spPr>
+          <c:marker>
+            <c:symbol val="circle"/>
+            <c:size val="5"/>
+            <c:spPr>
+              <a:solidFill>
+                <a:schemeClr val="accent2"/>
+              </a:solidFill>
+              <a:ln w="9525">
+                <a:solidFill>
+                  <a:schemeClr val="accent2"/>
+                </a:solidFill>
+              </a:ln>
+              <a:effectLst/>
+            </c:spPr>
+          </c:marker>
+          <c:xVal>
+            <c:strRef>
+              <c:f>Sheet10!$B$33:$B$44</c:f>
+              <c:strCache>
+                <c:ptCount val="12"/>
+                <c:pt idx="0">
+                  <c:v>SRR316957.3748</c:v>
+                </c:pt>
+                <c:pt idx="1">
+                  <c:v>SRR316957.176167</c:v>
+                </c:pt>
+                <c:pt idx="2">
+                  <c:v>SRR316957.13555</c:v>
+                </c:pt>
+                <c:pt idx="3">
+                  <c:v>SRR316957.404169</c:v>
+                </c:pt>
+                <c:pt idx="4">
+                  <c:v>SRR316957.10370</c:v>
+                </c:pt>
+                <c:pt idx="5">
+                  <c:v>SRR316957.92287</c:v>
+                </c:pt>
+                <c:pt idx="6">
+                  <c:v>SRR316957.518689</c:v>
+                </c:pt>
+                <c:pt idx="7">
+                  <c:v>SRR316957.1063205</c:v>
+                </c:pt>
+                <c:pt idx="8">
+                  <c:v>SRR316957.1016179</c:v>
+                </c:pt>
+                <c:pt idx="9">
+                  <c:v>SRR316957.866299</c:v>
+                </c:pt>
+                <c:pt idx="10">
+                  <c:v>SRR316957.958299</c:v>
+                </c:pt>
+                <c:pt idx="11">
+                  <c:v>SRR316957.949607</c:v>
+                </c:pt>
+              </c:strCache>
+            </c:strRef>
+          </c:xVal>
+          <c:yVal>
+            <c:numRef>
+              <c:f>Sheet10!$D$33:$D$44</c:f>
+              <c:numCache>
+                <c:formatCode>General</c:formatCode>
+                <c:ptCount val="12"/>
+                <c:pt idx="0">
+                  <c:v>152</c:v>
+                </c:pt>
+                <c:pt idx="1">
+                  <c:v>152</c:v>
+                </c:pt>
+                <c:pt idx="2">
+                  <c:v>224</c:v>
+                </c:pt>
+                <c:pt idx="3">
+                  <c:v>152</c:v>
+                </c:pt>
+                <c:pt idx="4">
+                  <c:v>305</c:v>
+                </c:pt>
+                <c:pt idx="5">
+                  <c:v>269</c:v>
+                </c:pt>
+                <c:pt idx="6">
+                  <c:v>221</c:v>
+                </c:pt>
+                <c:pt idx="7">
+                  <c:v>236</c:v>
+                </c:pt>
+                <c:pt idx="8">
+                  <c:v>320</c:v>
+                </c:pt>
+                <c:pt idx="9">
+                  <c:v>185</c:v>
+                </c:pt>
+                <c:pt idx="10">
+                  <c:v>269</c:v>
+                </c:pt>
+                <c:pt idx="11">
+                  <c:v>206</c:v>
+                </c:pt>
+              </c:numCache>
+            </c:numRef>
+          </c:yVal>
+          <c:smooth val="0"/>
+          <c:extLst>
+            <c:ext xmlns:c16="http://schemas.microsoft.com/office/drawing/2014/chart" uri="{C3380CC4-5D6E-409C-BE32-E72D297353CC}">
+              <c16:uniqueId val="{00000001-3527-44C1-A03C-4F61AB6B4C78}"/>
+            </c:ext>
+          </c:extLst>
+        </c:ser>
+        <c:dLbls>
+          <c:showLegendKey val="0"/>
+          <c:showVal val="0"/>
+          <c:showCatName val="0"/>
+          <c:showSerName val="0"/>
+          <c:showPercent val="0"/>
+          <c:showBubbleSize val="0"/>
+        </c:dLbls>
+        <c:axId val="508988416"/>
+        <c:axId val="508997272"/>
+      </c:scatterChart>
+      <c:valAx>
+        <c:axId val="508988416"/>
+        <c:scaling>
+          <c:orientation val="minMax"/>
+          <c:max val="12"/>
+        </c:scaling>
+        <c:delete val="0"/>
+        <c:axPos val="b"/>
+        <c:majorGridlines>
+          <c:spPr>
+            <a:ln w="9525" cap="flat" cmpd="sng" algn="ctr">
+              <a:solidFill>
+                <a:schemeClr val="tx1">
+                  <a:lumMod val="15000"/>
+                  <a:lumOff val="85000"/>
+                </a:schemeClr>
+              </a:solidFill>
+              <a:round/>
+            </a:ln>
+            <a:effectLst/>
+          </c:spPr>
+        </c:majorGridlines>
+        <c:majorTickMark val="none"/>
+        <c:minorTickMark val="none"/>
+        <c:tickLblPos val="nextTo"/>
+        <c:spPr>
+          <a:noFill/>
+          <a:ln w="9525" cap="flat" cmpd="sng" algn="ctr">
+            <a:solidFill>
+              <a:schemeClr val="tx1">
+                <a:lumMod val="25000"/>
+                <a:lumOff val="75000"/>
+              </a:schemeClr>
+            </a:solidFill>
+            <a:round/>
+          </a:ln>
+          <a:effectLst/>
+        </c:spPr>
+        <c:txPr>
+          <a:bodyPr rot="-60000000" spcFirstLastPara="1" vertOverflow="ellipsis" vert="horz" wrap="square" anchor="ctr" anchorCtr="1"/>
+          <a:lstStyle/>
+          <a:p>
+            <a:pPr>
+              <a:defRPr sz="900" b="0" i="0" u="none" strike="noStrike" kern="1200" baseline="0">
+                <a:solidFill>
+                  <a:schemeClr val="tx1">
+                    <a:lumMod val="65000"/>
+                    <a:lumOff val="35000"/>
+                  </a:schemeClr>
+                </a:solidFill>
+                <a:latin typeface="+mn-lt"/>
+                <a:ea typeface="+mn-ea"/>
+                <a:cs typeface="+mn-cs"/>
+              </a:defRPr>
+            </a:pPr>
+            <a:endParaRPr lang="en-US"/>
+          </a:p>
+        </c:txPr>
+        <c:crossAx val="508997272"/>
+        <c:crosses val="autoZero"/>
+        <c:crossBetween val="midCat"/>
+        <c:majorUnit val="1"/>
+      </c:valAx>
+      <c:valAx>
+        <c:axId val="508997272"/>
+        <c:scaling>
+          <c:orientation val="minMax"/>
+        </c:scaling>
+        <c:delete val="0"/>
+        <c:axPos val="l"/>
+        <c:majorGridlines>
+          <c:spPr>
+            <a:ln w="9525" cap="flat" cmpd="sng" algn="ctr">
+              <a:solidFill>
+                <a:schemeClr val="tx1">
+                  <a:lumMod val="15000"/>
+                  <a:lumOff val="85000"/>
+                </a:schemeClr>
+              </a:solidFill>
+              <a:round/>
+            </a:ln>
+            <a:effectLst/>
+          </c:spPr>
+        </c:majorGridlines>
+        <c:numFmt formatCode="General" sourceLinked="1"/>
+        <c:majorTickMark val="none"/>
+        <c:minorTickMark val="none"/>
+        <c:tickLblPos val="nextTo"/>
+        <c:spPr>
+          <a:noFill/>
+          <a:ln w="9525" cap="flat" cmpd="sng" algn="ctr">
+            <a:solidFill>
+              <a:schemeClr val="tx1">
+                <a:lumMod val="25000"/>
+                <a:lumOff val="75000"/>
+              </a:schemeClr>
+            </a:solidFill>
+            <a:round/>
+          </a:ln>
+          <a:effectLst/>
+        </c:spPr>
+        <c:txPr>
+          <a:bodyPr rot="-60000000" spcFirstLastPara="1" vertOverflow="ellipsis" vert="horz" wrap="square" anchor="ctr" anchorCtr="1"/>
+          <a:lstStyle/>
+          <a:p>
+            <a:pPr>
+              <a:defRPr sz="900" b="0" i="0" u="none" strike="noStrike" kern="1200" baseline="0">
+                <a:solidFill>
+                  <a:schemeClr val="tx1">
+                    <a:lumMod val="65000"/>
+                    <a:lumOff val="35000"/>
+                  </a:schemeClr>
+                </a:solidFill>
+                <a:latin typeface="+mn-lt"/>
+                <a:ea typeface="+mn-ea"/>
+                <a:cs typeface="+mn-cs"/>
+              </a:defRPr>
+            </a:pPr>
+            <a:endParaRPr lang="en-US"/>
+          </a:p>
+        </c:txPr>
+        <c:crossAx val="508988416"/>
+        <c:crosses val="autoZero"/>
+        <c:crossBetween val="midCat"/>
+      </c:valAx>
+      <c:spPr>
+        <a:noFill/>
+        <a:ln>
+          <a:noFill/>
+        </a:ln>
+        <a:effectLst/>
+      </c:spPr>
+    </c:plotArea>
+    <c:legend>
+      <c:legendPos val="b"/>
+      <c:overlay val="0"/>
+      <c:spPr>
+        <a:noFill/>
+        <a:ln>
+          <a:noFill/>
+        </a:ln>
+        <a:effectLst/>
+      </c:spPr>
+      <c:txPr>
+        <a:bodyPr rot="0" spcFirstLastPara="1" vertOverflow="ellipsis" vert="horz" wrap="square" anchor="ctr" anchorCtr="1"/>
+        <a:lstStyle/>
+        <a:p>
+          <a:pPr>
+            <a:defRPr sz="900" b="0" i="0" u="none" strike="noStrike" kern="1200" baseline="0">
+              <a:solidFill>
+                <a:schemeClr val="tx1">
+                  <a:lumMod val="65000"/>
+                  <a:lumOff val="35000"/>
+                </a:schemeClr>
+              </a:solidFill>
+              <a:latin typeface="+mn-lt"/>
+              <a:ea typeface="+mn-ea"/>
+              <a:cs typeface="+mn-cs"/>
+            </a:defRPr>
+          </a:pPr>
+          <a:endParaRPr lang="en-US"/>
+        </a:p>
+      </c:txPr>
+    </c:legend>
+    <c:plotVisOnly val="1"/>
+    <c:dispBlanksAs val="gap"/>
+    <c:showDLblsOverMax val="0"/>
+  </c:chart>
+  <c:spPr>
+    <a:solidFill>
+      <a:schemeClr val="bg1"/>
+    </a:solidFill>
+    <a:ln w="9525" cap="flat" cmpd="sng" algn="ctr">
+      <a:solidFill>
+        <a:schemeClr val="tx1">
+          <a:lumMod val="15000"/>
+          <a:lumOff val="85000"/>
+        </a:schemeClr>
+      </a:solidFill>
+      <a:round/>
+    </a:ln>
+    <a:effectLst/>
+  </c:spPr>
+  <c:txPr>
+    <a:bodyPr/>
+    <a:lstStyle/>
+    <a:p>
+      <a:pPr>
+        <a:defRPr/>
+      </a:pPr>
+      <a:endParaRPr lang="en-US"/>
+    </a:p>
+  </c:txPr>
+  <c:externalData r:id="rId3">
+    <c:autoUpdate val="0"/>
+  </c:externalData>
+</c:chartSpace>
+</file>
+
+<file path=ppt/charts/chart6.xml><?xml version="1.0" encoding="utf-8"?>
+<c:chartSpace xmlns:c="http://schemas.openxmlformats.org/drawingml/2006/chart" xmlns:a="http://schemas.openxmlformats.org/drawingml/2006/main" xmlns:r="http://schemas.openxmlformats.org/officeDocument/2006/relationships" xmlns:c16r2="http://schemas.microsoft.com/office/drawing/2015/06/chart">
+  <c:date1904 val="0"/>
+  <c:lang val="en-US"/>
+  <c:roundedCorners val="0"/>
+  <mc:AlternateContent xmlns:mc="http://schemas.openxmlformats.org/markup-compatibility/2006">
+    <mc:Choice xmlns:c14="http://schemas.microsoft.com/office/drawing/2007/8/2/chart" Requires="c14">
+      <c14:style val="102"/>
+    </mc:Choice>
+    <mc:Fallback>
+      <c:style val="2"/>
+    </mc:Fallback>
+  </mc:AlternateContent>
+  <c:chart>
+    <c:title>
+      <c:tx>
+        <c:rich>
+          <a:bodyPr rot="0" spcFirstLastPara="1" vertOverflow="ellipsis" vert="horz" wrap="square" anchor="ctr" anchorCtr="1"/>
+          <a:lstStyle/>
+          <a:p>
+            <a:pPr>
+              <a:defRPr sz="1400" b="0" i="0" u="none" strike="noStrike" kern="1200" spc="0" baseline="0">
+                <a:solidFill>
+                  <a:schemeClr val="tx1">
+                    <a:lumMod val="65000"/>
+                    <a:lumOff val="35000"/>
+                  </a:schemeClr>
+                </a:solidFill>
+                <a:latin typeface="+mn-lt"/>
+                <a:ea typeface="+mn-ea"/>
+                <a:cs typeface="+mn-cs"/>
+              </a:defRPr>
+            </a:pPr>
+            <a:r>
+              <a:rPr lang="en-US"/>
+              <a:t>2 - 2 - 7</a:t>
+            </a:r>
+            <a:endParaRPr lang="id-ID"/>
+          </a:p>
+        </c:rich>
+      </c:tx>
+      <c:overlay val="0"/>
+      <c:spPr>
+        <a:noFill/>
+        <a:ln>
+          <a:noFill/>
+        </a:ln>
+        <a:effectLst/>
+      </c:spPr>
+      <c:txPr>
+        <a:bodyPr rot="0" spcFirstLastPara="1" vertOverflow="ellipsis" vert="horz" wrap="square" anchor="ctr" anchorCtr="1"/>
+        <a:lstStyle/>
+        <a:p>
+          <a:pPr>
+            <a:defRPr sz="1400" b="0" i="0" u="none" strike="noStrike" kern="1200" spc="0" baseline="0">
+              <a:solidFill>
+                <a:schemeClr val="tx1">
+                  <a:lumMod val="65000"/>
+                  <a:lumOff val="35000"/>
+                </a:schemeClr>
+              </a:solidFill>
+              <a:latin typeface="+mn-lt"/>
+              <a:ea typeface="+mn-ea"/>
+              <a:cs typeface="+mn-cs"/>
+            </a:defRPr>
+          </a:pPr>
+          <a:endParaRPr lang="en-US"/>
+        </a:p>
+      </c:txPr>
+    </c:title>
+    <c:autoTitleDeleted val="0"/>
+    <c:plotArea>
+      <c:layout/>
+      <c:scatterChart>
+        <c:scatterStyle val="lineMarker"/>
+        <c:varyColors val="0"/>
+        <c:ser>
+          <c:idx val="0"/>
+          <c:order val="0"/>
+          <c:tx>
+            <c:strRef>
+              <c:f>Sheet10!$H$32</c:f>
+              <c:strCache>
+                <c:ptCount val="1"/>
+                <c:pt idx="0">
+                  <c:v>Our program</c:v>
+                </c:pt>
+              </c:strCache>
+            </c:strRef>
+          </c:tx>
+          <c:spPr>
+            <a:ln w="19050" cap="rnd">
+              <a:noFill/>
+              <a:round/>
+            </a:ln>
+            <a:effectLst/>
+          </c:spPr>
+          <c:marker>
+            <c:symbol val="circle"/>
+            <c:size val="5"/>
+            <c:spPr>
+              <a:solidFill>
+                <a:schemeClr val="accent1"/>
+              </a:solidFill>
+              <a:ln w="9525">
+                <a:solidFill>
+                  <a:schemeClr val="accent1"/>
+                </a:solidFill>
+              </a:ln>
+              <a:effectLst/>
+            </c:spPr>
+          </c:marker>
+          <c:xVal>
+            <c:strRef>
+              <c:f>Sheet10!$G$33:$G$44</c:f>
+              <c:strCache>
+                <c:ptCount val="12"/>
+                <c:pt idx="0">
+                  <c:v>SRR316957.3748</c:v>
+                </c:pt>
+                <c:pt idx="1">
+                  <c:v>SRR316957.176167</c:v>
+                </c:pt>
+                <c:pt idx="2">
+                  <c:v>SRR316957.13555</c:v>
+                </c:pt>
+                <c:pt idx="3">
+                  <c:v>SRR316957.404169</c:v>
+                </c:pt>
+                <c:pt idx="4">
+                  <c:v>SRR316957.10370</c:v>
+                </c:pt>
+                <c:pt idx="5">
+                  <c:v>SRR316957.92287</c:v>
+                </c:pt>
+                <c:pt idx="6">
+                  <c:v>SRR316957.518689</c:v>
+                </c:pt>
+                <c:pt idx="7">
+                  <c:v>SRR316957.1063205</c:v>
+                </c:pt>
+                <c:pt idx="8">
+                  <c:v>SRR316957.1016179</c:v>
+                </c:pt>
+                <c:pt idx="9">
+                  <c:v>SRR316957.866299</c:v>
+                </c:pt>
+                <c:pt idx="10">
+                  <c:v>SRR316957.958299</c:v>
+                </c:pt>
+                <c:pt idx="11">
+                  <c:v>SRR316957.949607</c:v>
+                </c:pt>
+              </c:strCache>
+            </c:strRef>
+          </c:xVal>
+          <c:yVal>
+            <c:numRef>
+              <c:f>Sheet10!$H$33:$H$44</c:f>
+              <c:numCache>
+                <c:formatCode>General</c:formatCode>
+                <c:ptCount val="12"/>
+                <c:pt idx="0">
+                  <c:v>70</c:v>
+                </c:pt>
+                <c:pt idx="1">
+                  <c:v>94</c:v>
+                </c:pt>
+                <c:pt idx="2">
+                  <c:v>114</c:v>
+                </c:pt>
+                <c:pt idx="3">
+                  <c:v>118</c:v>
+                </c:pt>
+                <c:pt idx="4">
+                  <c:v>94</c:v>
+                </c:pt>
+                <c:pt idx="5">
+                  <c:v>106</c:v>
+                </c:pt>
+                <c:pt idx="6">
+                  <c:v>110</c:v>
+                </c:pt>
+                <c:pt idx="7">
+                  <c:v>102</c:v>
+                </c:pt>
+                <c:pt idx="8">
+                  <c:v>106</c:v>
+                </c:pt>
+                <c:pt idx="9">
+                  <c:v>114</c:v>
+                </c:pt>
+                <c:pt idx="10">
+                  <c:v>114</c:v>
+                </c:pt>
+                <c:pt idx="11">
+                  <c:v>98</c:v>
+                </c:pt>
+              </c:numCache>
+            </c:numRef>
+          </c:yVal>
+          <c:smooth val="0"/>
+          <c:extLst>
+            <c:ext xmlns:c16="http://schemas.microsoft.com/office/drawing/2014/chart" uri="{C3380CC4-5D6E-409C-BE32-E72D297353CC}">
+              <c16:uniqueId val="{00000000-3476-4A72-9E6E-CFB7065051EE}"/>
+            </c:ext>
+          </c:extLst>
+        </c:ser>
+        <c:ser>
+          <c:idx val="1"/>
+          <c:order val="1"/>
+          <c:tx>
+            <c:strRef>
+              <c:f>Sheet10!$I$32</c:f>
+              <c:strCache>
+                <c:ptCount val="1"/>
+                <c:pt idx="0">
+                  <c:v>BWA</c:v>
+                </c:pt>
+              </c:strCache>
+            </c:strRef>
+          </c:tx>
+          <c:spPr>
+            <a:ln w="19050" cap="rnd">
+              <a:noFill/>
+              <a:round/>
+            </a:ln>
+            <a:effectLst/>
+          </c:spPr>
+          <c:marker>
+            <c:symbol val="circle"/>
+            <c:size val="5"/>
+            <c:spPr>
+              <a:solidFill>
+                <a:schemeClr val="accent2"/>
+              </a:solidFill>
+              <a:ln w="9525">
+                <a:solidFill>
+                  <a:schemeClr val="accent2"/>
+                </a:solidFill>
+              </a:ln>
+              <a:effectLst/>
+            </c:spPr>
+          </c:marker>
+          <c:xVal>
+            <c:strRef>
+              <c:f>Sheet10!$G$33:$G$44</c:f>
+              <c:strCache>
+                <c:ptCount val="12"/>
+                <c:pt idx="0">
+                  <c:v>SRR316957.3748</c:v>
+                </c:pt>
+                <c:pt idx="1">
+                  <c:v>SRR316957.176167</c:v>
+                </c:pt>
+                <c:pt idx="2">
+                  <c:v>SRR316957.13555</c:v>
+                </c:pt>
+                <c:pt idx="3">
+                  <c:v>SRR316957.404169</c:v>
+                </c:pt>
+                <c:pt idx="4">
+                  <c:v>SRR316957.10370</c:v>
+                </c:pt>
+                <c:pt idx="5">
+                  <c:v>SRR316957.92287</c:v>
+                </c:pt>
+                <c:pt idx="6">
+                  <c:v>SRR316957.518689</c:v>
+                </c:pt>
+                <c:pt idx="7">
+                  <c:v>SRR316957.1063205</c:v>
+                </c:pt>
+                <c:pt idx="8">
+                  <c:v>SRR316957.1016179</c:v>
+                </c:pt>
+                <c:pt idx="9">
+                  <c:v>SRR316957.866299</c:v>
+                </c:pt>
+                <c:pt idx="10">
+                  <c:v>SRR316957.958299</c:v>
+                </c:pt>
+                <c:pt idx="11">
+                  <c:v>SRR316957.949607</c:v>
+                </c:pt>
+              </c:strCache>
+            </c:strRef>
+          </c:xVal>
+          <c:yVal>
+            <c:numRef>
+              <c:f>Sheet10!$I$33:$I$44</c:f>
+              <c:numCache>
+                <c:formatCode>General</c:formatCode>
+                <c:ptCount val="12"/>
+                <c:pt idx="0">
+                  <c:v>152</c:v>
+                </c:pt>
+                <c:pt idx="1">
+                  <c:v>152</c:v>
+                </c:pt>
+                <c:pt idx="2">
+                  <c:v>272</c:v>
+                </c:pt>
+                <c:pt idx="3">
+                  <c:v>152</c:v>
+                </c:pt>
+                <c:pt idx="4">
+                  <c:v>407</c:v>
+                </c:pt>
+                <c:pt idx="5">
+                  <c:v>347</c:v>
+                </c:pt>
+                <c:pt idx="6">
+                  <c:v>267</c:v>
+                </c:pt>
+                <c:pt idx="7">
+                  <c:v>292</c:v>
+                </c:pt>
+                <c:pt idx="8">
+                  <c:v>432</c:v>
+                </c:pt>
+                <c:pt idx="9">
+                  <c:v>207</c:v>
+                </c:pt>
+                <c:pt idx="10">
+                  <c:v>347</c:v>
+                </c:pt>
+                <c:pt idx="11">
+                  <c:v>242</c:v>
+                </c:pt>
+              </c:numCache>
+            </c:numRef>
+          </c:yVal>
+          <c:smooth val="0"/>
+          <c:extLst>
+            <c:ext xmlns:c16="http://schemas.microsoft.com/office/drawing/2014/chart" uri="{C3380CC4-5D6E-409C-BE32-E72D297353CC}">
+              <c16:uniqueId val="{00000001-3476-4A72-9E6E-CFB7065051EE}"/>
+            </c:ext>
+          </c:extLst>
+        </c:ser>
+        <c:dLbls>
+          <c:showLegendKey val="0"/>
+          <c:showVal val="0"/>
+          <c:showCatName val="0"/>
+          <c:showSerName val="0"/>
+          <c:showPercent val="0"/>
+          <c:showBubbleSize val="0"/>
+        </c:dLbls>
+        <c:axId val="512871072"/>
+        <c:axId val="512865824"/>
+      </c:scatterChart>
+      <c:valAx>
+        <c:axId val="512871072"/>
+        <c:scaling>
+          <c:orientation val="minMax"/>
+        </c:scaling>
+        <c:delete val="0"/>
+        <c:axPos val="b"/>
+        <c:majorGridlines>
+          <c:spPr>
+            <a:ln w="9525" cap="flat" cmpd="sng" algn="ctr">
+              <a:solidFill>
+                <a:schemeClr val="tx1">
+                  <a:lumMod val="15000"/>
+                  <a:lumOff val="85000"/>
+                </a:schemeClr>
+              </a:solidFill>
+              <a:round/>
+            </a:ln>
+            <a:effectLst/>
+          </c:spPr>
+        </c:majorGridlines>
+        <c:majorTickMark val="none"/>
+        <c:minorTickMark val="none"/>
+        <c:tickLblPos val="nextTo"/>
+        <c:spPr>
+          <a:noFill/>
+          <a:ln w="9525" cap="flat" cmpd="sng" algn="ctr">
+            <a:solidFill>
+              <a:schemeClr val="tx1">
+                <a:lumMod val="25000"/>
+                <a:lumOff val="75000"/>
+              </a:schemeClr>
+            </a:solidFill>
+            <a:round/>
+          </a:ln>
+          <a:effectLst/>
+        </c:spPr>
+        <c:txPr>
+          <a:bodyPr rot="-60000000" spcFirstLastPara="1" vertOverflow="ellipsis" vert="horz" wrap="square" anchor="ctr" anchorCtr="1"/>
+          <a:lstStyle/>
+          <a:p>
+            <a:pPr>
+              <a:defRPr sz="900" b="0" i="0" u="none" strike="noStrike" kern="1200" baseline="0">
+                <a:solidFill>
+                  <a:schemeClr val="tx1">
+                    <a:lumMod val="65000"/>
+                    <a:lumOff val="35000"/>
+                  </a:schemeClr>
+                </a:solidFill>
+                <a:latin typeface="+mn-lt"/>
+                <a:ea typeface="+mn-ea"/>
+                <a:cs typeface="+mn-cs"/>
+              </a:defRPr>
+            </a:pPr>
+            <a:endParaRPr lang="en-US"/>
+          </a:p>
+        </c:txPr>
+        <c:crossAx val="512865824"/>
+        <c:crosses val="autoZero"/>
+        <c:crossBetween val="midCat"/>
+      </c:valAx>
+      <c:valAx>
+        <c:axId val="512865824"/>
+        <c:scaling>
+          <c:orientation val="minMax"/>
+        </c:scaling>
+        <c:delete val="0"/>
+        <c:axPos val="l"/>
+        <c:majorGridlines>
+          <c:spPr>
+            <a:ln w="9525" cap="flat" cmpd="sng" algn="ctr">
+              <a:solidFill>
+                <a:schemeClr val="tx1">
+                  <a:lumMod val="15000"/>
+                  <a:lumOff val="85000"/>
+                </a:schemeClr>
+              </a:solidFill>
+              <a:round/>
+            </a:ln>
+            <a:effectLst/>
+          </c:spPr>
+        </c:majorGridlines>
+        <c:numFmt formatCode="General" sourceLinked="1"/>
+        <c:majorTickMark val="none"/>
+        <c:minorTickMark val="none"/>
+        <c:tickLblPos val="nextTo"/>
+        <c:spPr>
+          <a:noFill/>
+          <a:ln w="9525" cap="flat" cmpd="sng" algn="ctr">
+            <a:solidFill>
+              <a:schemeClr val="tx1">
+                <a:lumMod val="25000"/>
+                <a:lumOff val="75000"/>
+              </a:schemeClr>
+            </a:solidFill>
+            <a:round/>
+          </a:ln>
+          <a:effectLst/>
+        </c:spPr>
+        <c:txPr>
+          <a:bodyPr rot="-60000000" spcFirstLastPara="1" vertOverflow="ellipsis" vert="horz" wrap="square" anchor="ctr" anchorCtr="1"/>
+          <a:lstStyle/>
+          <a:p>
+            <a:pPr>
+              <a:defRPr sz="900" b="0" i="0" u="none" strike="noStrike" kern="1200" baseline="0">
+                <a:solidFill>
+                  <a:schemeClr val="tx1">
+                    <a:lumMod val="65000"/>
+                    <a:lumOff val="35000"/>
+                  </a:schemeClr>
+                </a:solidFill>
+                <a:latin typeface="+mn-lt"/>
+                <a:ea typeface="+mn-ea"/>
+                <a:cs typeface="+mn-cs"/>
+              </a:defRPr>
+            </a:pPr>
+            <a:endParaRPr lang="en-US"/>
+          </a:p>
+        </c:txPr>
+        <c:crossAx val="512871072"/>
+        <c:crosses val="autoZero"/>
+        <c:crossBetween val="midCat"/>
+      </c:valAx>
+      <c:spPr>
+        <a:noFill/>
+        <a:ln>
+          <a:noFill/>
+        </a:ln>
+        <a:effectLst/>
+      </c:spPr>
+    </c:plotArea>
+    <c:legend>
+      <c:legendPos val="b"/>
+      <c:overlay val="0"/>
+      <c:spPr>
+        <a:noFill/>
+        <a:ln>
+          <a:noFill/>
+        </a:ln>
+        <a:effectLst/>
+      </c:spPr>
+      <c:txPr>
+        <a:bodyPr rot="0" spcFirstLastPara="1" vertOverflow="ellipsis" vert="horz" wrap="square" anchor="ctr" anchorCtr="1"/>
+        <a:lstStyle/>
+        <a:p>
+          <a:pPr>
+            <a:defRPr sz="900" b="0" i="0" u="none" strike="noStrike" kern="1200" baseline="0">
+              <a:solidFill>
+                <a:schemeClr val="tx1">
+                  <a:lumMod val="65000"/>
+                  <a:lumOff val="35000"/>
+                </a:schemeClr>
+              </a:solidFill>
+              <a:latin typeface="+mn-lt"/>
+              <a:ea typeface="+mn-ea"/>
+              <a:cs typeface="+mn-cs"/>
+            </a:defRPr>
+          </a:pPr>
+          <a:endParaRPr lang="en-US"/>
+        </a:p>
+      </c:txPr>
+    </c:legend>
+    <c:plotVisOnly val="1"/>
+    <c:dispBlanksAs val="gap"/>
+    <c:showDLblsOverMax val="0"/>
+  </c:chart>
+  <c:spPr>
+    <a:solidFill>
+      <a:schemeClr val="bg1"/>
+    </a:solidFill>
+    <a:ln w="9525" cap="flat" cmpd="sng" algn="ctr">
+      <a:solidFill>
+        <a:schemeClr val="tx1">
+          <a:lumMod val="15000"/>
+          <a:lumOff val="85000"/>
+        </a:schemeClr>
+      </a:solidFill>
+      <a:round/>
+    </a:ln>
+    <a:effectLst/>
+  </c:spPr>
+  <c:txPr>
+    <a:bodyPr/>
+    <a:lstStyle/>
+    <a:p>
+      <a:pPr>
+        <a:defRPr/>
+      </a:pPr>
+      <a:endParaRPr lang="en-US"/>
+    </a:p>
+  </c:txPr>
+  <c:externalData r:id="rId3">
+    <c:autoUpdate val="0"/>
+  </c:externalData>
+</c:chartSpace>
+</file>
+
+<file path=ppt/charts/chart7.xml><?xml version="1.0" encoding="utf-8"?>
+<c:chartSpace xmlns:c="http://schemas.openxmlformats.org/drawingml/2006/chart" xmlns:a="http://schemas.openxmlformats.org/drawingml/2006/main" xmlns:r="http://schemas.openxmlformats.org/officeDocument/2006/relationships" xmlns:c16r2="http://schemas.microsoft.com/office/drawing/2015/06/chart">
+  <c:date1904 val="0"/>
+  <c:lang val="en-US"/>
+  <c:roundedCorners val="0"/>
+  <mc:AlternateContent xmlns:mc="http://schemas.openxmlformats.org/markup-compatibility/2006">
+    <mc:Choice xmlns:c14="http://schemas.microsoft.com/office/drawing/2007/8/2/chart" Requires="c14">
+      <c14:style val="102"/>
+    </mc:Choice>
+    <mc:Fallback>
+      <c:style val="2"/>
+    </mc:Fallback>
+  </mc:AlternateContent>
+  <c:chart>
+    <c:title>
+      <c:tx>
+        <c:rich>
+          <a:bodyPr rot="0" spcFirstLastPara="1" vertOverflow="ellipsis" vert="horz" wrap="square" anchor="ctr" anchorCtr="1"/>
+          <a:lstStyle/>
+          <a:p>
+            <a:pPr>
+              <a:defRPr sz="1400" b="0" i="0" u="none" strike="noStrike" kern="1200" spc="0" baseline="0">
+                <a:solidFill>
+                  <a:schemeClr val="tx1">
+                    <a:lumMod val="65000"/>
+                    <a:lumOff val="35000"/>
+                  </a:schemeClr>
+                </a:solidFill>
+                <a:latin typeface="+mn-lt"/>
+                <a:ea typeface="+mn-ea"/>
+                <a:cs typeface="+mn-cs"/>
+              </a:defRPr>
+            </a:pPr>
+            <a:r>
+              <a:rPr lang="en-US"/>
+              <a:t>2 - 3 - 5 </a:t>
+            </a:r>
+            <a:endParaRPr lang="id-ID"/>
+          </a:p>
+        </c:rich>
+      </c:tx>
+      <c:overlay val="0"/>
+      <c:spPr>
+        <a:noFill/>
+        <a:ln>
+          <a:noFill/>
+        </a:ln>
+        <a:effectLst/>
+      </c:spPr>
+      <c:txPr>
+        <a:bodyPr rot="0" spcFirstLastPara="1" vertOverflow="ellipsis" vert="horz" wrap="square" anchor="ctr" anchorCtr="1"/>
+        <a:lstStyle/>
+        <a:p>
+          <a:pPr>
+            <a:defRPr sz="1400" b="0" i="0" u="none" strike="noStrike" kern="1200" spc="0" baseline="0">
+              <a:solidFill>
+                <a:schemeClr val="tx1">
+                  <a:lumMod val="65000"/>
+                  <a:lumOff val="35000"/>
+                </a:schemeClr>
+              </a:solidFill>
+              <a:latin typeface="+mn-lt"/>
+              <a:ea typeface="+mn-ea"/>
+              <a:cs typeface="+mn-cs"/>
+            </a:defRPr>
+          </a:pPr>
+          <a:endParaRPr lang="en-US"/>
+        </a:p>
+      </c:txPr>
+    </c:title>
+    <c:autoTitleDeleted val="0"/>
+    <c:plotArea>
+      <c:layout/>
+      <c:scatterChart>
+        <c:scatterStyle val="lineMarker"/>
+        <c:varyColors val="0"/>
+        <c:ser>
+          <c:idx val="0"/>
+          <c:order val="0"/>
+          <c:tx>
+            <c:strRef>
+              <c:f>Sheet10!$C$47</c:f>
+              <c:strCache>
+                <c:ptCount val="1"/>
+                <c:pt idx="0">
+                  <c:v>Our program</c:v>
+                </c:pt>
+              </c:strCache>
+            </c:strRef>
+          </c:tx>
+          <c:spPr>
+            <a:ln w="19050" cap="rnd">
+              <a:noFill/>
+              <a:round/>
+            </a:ln>
+            <a:effectLst/>
+          </c:spPr>
+          <c:marker>
+            <c:symbol val="circle"/>
+            <c:size val="5"/>
+            <c:spPr>
+              <a:solidFill>
+                <a:schemeClr val="accent1"/>
+              </a:solidFill>
+              <a:ln w="9525">
+                <a:solidFill>
+                  <a:schemeClr val="accent1"/>
+                </a:solidFill>
+              </a:ln>
+              <a:effectLst/>
+            </c:spPr>
+          </c:marker>
+          <c:xVal>
+            <c:strRef>
+              <c:f>Sheet10!$B$48:$B$59</c:f>
+              <c:strCache>
+                <c:ptCount val="12"/>
+                <c:pt idx="0">
+                  <c:v>SRR316957.3748</c:v>
+                </c:pt>
+                <c:pt idx="1">
+                  <c:v>SRR316957.176167</c:v>
+                </c:pt>
+                <c:pt idx="2">
+                  <c:v>SRR316957.13555</c:v>
+                </c:pt>
+                <c:pt idx="3">
+                  <c:v>SRR316957.404169</c:v>
+                </c:pt>
+                <c:pt idx="4">
+                  <c:v>SRR316957.10370</c:v>
+                </c:pt>
+                <c:pt idx="5">
+                  <c:v>SRR316957.92287</c:v>
+                </c:pt>
+                <c:pt idx="6">
+                  <c:v>SRR316957.518689</c:v>
+                </c:pt>
+                <c:pt idx="7">
+                  <c:v>SRR316957.1063205</c:v>
+                </c:pt>
+                <c:pt idx="8">
+                  <c:v>SRR316957.1016179</c:v>
+                </c:pt>
+                <c:pt idx="9">
+                  <c:v>SRR316957.866299</c:v>
+                </c:pt>
+                <c:pt idx="10">
+                  <c:v>SRR316957.958299</c:v>
+                </c:pt>
+                <c:pt idx="11">
+                  <c:v>SRR316957.949607</c:v>
+                </c:pt>
+              </c:strCache>
+            </c:strRef>
+          </c:xVal>
+          <c:yVal>
+            <c:numRef>
+              <c:f>Sheet10!$C$48:$C$59</c:f>
+              <c:numCache>
+                <c:formatCode>General</c:formatCode>
+                <c:ptCount val="12"/>
+                <c:pt idx="0">
+                  <c:v>86</c:v>
+                </c:pt>
+                <c:pt idx="1">
+                  <c:v>122</c:v>
+                </c:pt>
+                <c:pt idx="2">
+                  <c:v>117</c:v>
+                </c:pt>
+                <c:pt idx="3">
+                  <c:v>122</c:v>
+                </c:pt>
+                <c:pt idx="4">
+                  <c:v>100</c:v>
+                </c:pt>
+                <c:pt idx="5">
+                  <c:v>107</c:v>
+                </c:pt>
+                <c:pt idx="6">
+                  <c:v>112</c:v>
+                </c:pt>
+                <c:pt idx="7">
+                  <c:v>110</c:v>
+                </c:pt>
+                <c:pt idx="8">
+                  <c:v>107</c:v>
+                </c:pt>
+                <c:pt idx="9">
+                  <c:v>117</c:v>
+                </c:pt>
+                <c:pt idx="10">
+                  <c:v>117</c:v>
+                </c:pt>
+                <c:pt idx="11">
+                  <c:v>105</c:v>
+                </c:pt>
+              </c:numCache>
+            </c:numRef>
+          </c:yVal>
+          <c:smooth val="0"/>
+          <c:extLst>
+            <c:ext xmlns:c16="http://schemas.microsoft.com/office/drawing/2014/chart" uri="{C3380CC4-5D6E-409C-BE32-E72D297353CC}">
+              <c16:uniqueId val="{00000000-C098-4E87-A62B-D8029B72CCE5}"/>
+            </c:ext>
+          </c:extLst>
+        </c:ser>
+        <c:ser>
+          <c:idx val="1"/>
+          <c:order val="1"/>
+          <c:tx>
+            <c:strRef>
+              <c:f>Sheet10!$D$47</c:f>
+              <c:strCache>
+                <c:ptCount val="1"/>
+                <c:pt idx="0">
+                  <c:v>BWA</c:v>
+                </c:pt>
+              </c:strCache>
+            </c:strRef>
+          </c:tx>
+          <c:spPr>
+            <a:ln w="19050" cap="rnd">
+              <a:noFill/>
+              <a:round/>
+            </a:ln>
+            <a:effectLst/>
+          </c:spPr>
+          <c:marker>
+            <c:symbol val="circle"/>
+            <c:size val="5"/>
+            <c:spPr>
+              <a:solidFill>
+                <a:schemeClr val="accent2"/>
+              </a:solidFill>
+              <a:ln w="9525">
+                <a:solidFill>
+                  <a:schemeClr val="accent2"/>
+                </a:solidFill>
+              </a:ln>
+              <a:effectLst/>
+            </c:spPr>
+          </c:marker>
+          <c:xVal>
+            <c:strRef>
+              <c:f>Sheet10!$B$48:$B$59</c:f>
+              <c:strCache>
+                <c:ptCount val="12"/>
+                <c:pt idx="0">
+                  <c:v>SRR316957.3748</c:v>
+                </c:pt>
+                <c:pt idx="1">
+                  <c:v>SRR316957.176167</c:v>
+                </c:pt>
+                <c:pt idx="2">
+                  <c:v>SRR316957.13555</c:v>
+                </c:pt>
+                <c:pt idx="3">
+                  <c:v>SRR316957.404169</c:v>
+                </c:pt>
+                <c:pt idx="4">
+                  <c:v>SRR316957.10370</c:v>
+                </c:pt>
+                <c:pt idx="5">
+                  <c:v>SRR316957.92287</c:v>
+                </c:pt>
+                <c:pt idx="6">
+                  <c:v>SRR316957.518689</c:v>
+                </c:pt>
+                <c:pt idx="7">
+                  <c:v>SRR316957.1063205</c:v>
+                </c:pt>
+                <c:pt idx="8">
+                  <c:v>SRR316957.1016179</c:v>
+                </c:pt>
+                <c:pt idx="9">
+                  <c:v>SRR316957.866299</c:v>
+                </c:pt>
+                <c:pt idx="10">
+                  <c:v>SRR316957.958299</c:v>
+                </c:pt>
+                <c:pt idx="11">
+                  <c:v>SRR316957.949607</c:v>
+                </c:pt>
+              </c:strCache>
+            </c:strRef>
+          </c:xVal>
+          <c:yVal>
+            <c:numRef>
+              <c:f>Sheet10!$D$48:$D$59</c:f>
+              <c:numCache>
+                <c:formatCode>General</c:formatCode>
+                <c:ptCount val="12"/>
+                <c:pt idx="0">
+                  <c:v>152</c:v>
+                </c:pt>
+                <c:pt idx="1">
+                  <c:v>152</c:v>
+                </c:pt>
+                <c:pt idx="2">
+                  <c:v>243</c:v>
+                </c:pt>
+                <c:pt idx="3">
+                  <c:v>152</c:v>
+                </c:pt>
+                <c:pt idx="4">
+                  <c:v>342</c:v>
+                </c:pt>
+                <c:pt idx="5">
+                  <c:v>299</c:v>
+                </c:pt>
+                <c:pt idx="6">
+                  <c:v>240</c:v>
+                </c:pt>
+                <c:pt idx="7">
+                  <c:v>257</c:v>
+                </c:pt>
+                <c:pt idx="8">
+                  <c:v>356</c:v>
+                </c:pt>
+                <c:pt idx="9">
+                  <c:v>194</c:v>
+                </c:pt>
+                <c:pt idx="10">
+                  <c:v>296</c:v>
+                </c:pt>
+                <c:pt idx="11">
+                  <c:v>218</c:v>
+                </c:pt>
+              </c:numCache>
+            </c:numRef>
+          </c:yVal>
+          <c:smooth val="0"/>
+          <c:extLst>
+            <c:ext xmlns:c16="http://schemas.microsoft.com/office/drawing/2014/chart" uri="{C3380CC4-5D6E-409C-BE32-E72D297353CC}">
+              <c16:uniqueId val="{00000001-C098-4E87-A62B-D8029B72CCE5}"/>
+            </c:ext>
+          </c:extLst>
+        </c:ser>
+        <c:dLbls>
+          <c:showLegendKey val="0"/>
+          <c:showVal val="0"/>
+          <c:showCatName val="0"/>
+          <c:showSerName val="0"/>
+          <c:showPercent val="0"/>
+          <c:showBubbleSize val="0"/>
+        </c:dLbls>
+        <c:axId val="508970704"/>
+        <c:axId val="508977264"/>
+      </c:scatterChart>
+      <c:valAx>
+        <c:axId val="508970704"/>
+        <c:scaling>
+          <c:orientation val="minMax"/>
+          <c:max val="12"/>
+        </c:scaling>
+        <c:delete val="0"/>
+        <c:axPos val="b"/>
+        <c:majorGridlines>
+          <c:spPr>
+            <a:ln w="9525" cap="flat" cmpd="sng" algn="ctr">
+              <a:solidFill>
+                <a:schemeClr val="tx1">
+                  <a:lumMod val="15000"/>
+                  <a:lumOff val="85000"/>
+                </a:schemeClr>
+              </a:solidFill>
+              <a:round/>
+            </a:ln>
+            <a:effectLst/>
+          </c:spPr>
+        </c:majorGridlines>
+        <c:majorTickMark val="none"/>
+        <c:minorTickMark val="none"/>
+        <c:tickLblPos val="nextTo"/>
+        <c:spPr>
+          <a:noFill/>
+          <a:ln w="9525" cap="flat" cmpd="sng" algn="ctr">
+            <a:solidFill>
+              <a:schemeClr val="tx1">
+                <a:lumMod val="25000"/>
+                <a:lumOff val="75000"/>
+              </a:schemeClr>
+            </a:solidFill>
+            <a:round/>
+          </a:ln>
+          <a:effectLst/>
+        </c:spPr>
+        <c:txPr>
+          <a:bodyPr rot="-60000000" spcFirstLastPara="1" vertOverflow="ellipsis" vert="horz" wrap="square" anchor="ctr" anchorCtr="1"/>
+          <a:lstStyle/>
+          <a:p>
+            <a:pPr>
+              <a:defRPr sz="900" b="0" i="0" u="none" strike="noStrike" kern="1200" baseline="0">
+                <a:solidFill>
+                  <a:schemeClr val="tx1">
+                    <a:lumMod val="65000"/>
+                    <a:lumOff val="35000"/>
+                  </a:schemeClr>
+                </a:solidFill>
+                <a:latin typeface="+mn-lt"/>
+                <a:ea typeface="+mn-ea"/>
+                <a:cs typeface="+mn-cs"/>
+              </a:defRPr>
+            </a:pPr>
+            <a:endParaRPr lang="en-US"/>
+          </a:p>
+        </c:txPr>
+        <c:crossAx val="508977264"/>
+        <c:crosses val="autoZero"/>
+        <c:crossBetween val="midCat"/>
+        <c:majorUnit val="1"/>
+      </c:valAx>
+      <c:valAx>
+        <c:axId val="508977264"/>
+        <c:scaling>
+          <c:orientation val="minMax"/>
+        </c:scaling>
+        <c:delete val="0"/>
+        <c:axPos val="l"/>
+        <c:majorGridlines>
+          <c:spPr>
+            <a:ln w="9525" cap="flat" cmpd="sng" algn="ctr">
+              <a:solidFill>
+                <a:schemeClr val="tx1">
+                  <a:lumMod val="15000"/>
+                  <a:lumOff val="85000"/>
+                </a:schemeClr>
+              </a:solidFill>
+              <a:round/>
+            </a:ln>
+            <a:effectLst/>
+          </c:spPr>
+        </c:majorGridlines>
+        <c:numFmt formatCode="General" sourceLinked="1"/>
+        <c:majorTickMark val="none"/>
+        <c:minorTickMark val="none"/>
+        <c:tickLblPos val="nextTo"/>
+        <c:spPr>
+          <a:noFill/>
+          <a:ln w="9525" cap="flat" cmpd="sng" algn="ctr">
+            <a:solidFill>
+              <a:schemeClr val="tx1">
+                <a:lumMod val="25000"/>
+                <a:lumOff val="75000"/>
+              </a:schemeClr>
+            </a:solidFill>
+            <a:round/>
+          </a:ln>
+          <a:effectLst/>
+        </c:spPr>
+        <c:txPr>
+          <a:bodyPr rot="-60000000" spcFirstLastPara="1" vertOverflow="ellipsis" vert="horz" wrap="square" anchor="ctr" anchorCtr="1"/>
+          <a:lstStyle/>
+          <a:p>
+            <a:pPr>
+              <a:defRPr sz="900" b="0" i="0" u="none" strike="noStrike" kern="1200" baseline="0">
+                <a:solidFill>
+                  <a:schemeClr val="tx1">
+                    <a:lumMod val="65000"/>
+                    <a:lumOff val="35000"/>
+                  </a:schemeClr>
+                </a:solidFill>
+                <a:latin typeface="+mn-lt"/>
+                <a:ea typeface="+mn-ea"/>
+                <a:cs typeface="+mn-cs"/>
+              </a:defRPr>
+            </a:pPr>
+            <a:endParaRPr lang="en-US"/>
+          </a:p>
+        </c:txPr>
+        <c:crossAx val="508970704"/>
+        <c:crosses val="autoZero"/>
+        <c:crossBetween val="midCat"/>
+      </c:valAx>
+      <c:spPr>
+        <a:noFill/>
+        <a:ln>
+          <a:noFill/>
+        </a:ln>
+        <a:effectLst/>
+      </c:spPr>
+    </c:plotArea>
+    <c:legend>
+      <c:legendPos val="b"/>
+      <c:overlay val="0"/>
+      <c:spPr>
+        <a:noFill/>
+        <a:ln>
+          <a:noFill/>
+        </a:ln>
+        <a:effectLst/>
+      </c:spPr>
+      <c:txPr>
+        <a:bodyPr rot="0" spcFirstLastPara="1" vertOverflow="ellipsis" vert="horz" wrap="square" anchor="ctr" anchorCtr="1"/>
+        <a:lstStyle/>
+        <a:p>
+          <a:pPr>
+            <a:defRPr sz="900" b="0" i="0" u="none" strike="noStrike" kern="1200" baseline="0">
+              <a:solidFill>
+                <a:schemeClr val="tx1">
+                  <a:lumMod val="65000"/>
+                  <a:lumOff val="35000"/>
+                </a:schemeClr>
+              </a:solidFill>
+              <a:latin typeface="+mn-lt"/>
+              <a:ea typeface="+mn-ea"/>
+              <a:cs typeface="+mn-cs"/>
+            </a:defRPr>
+          </a:pPr>
+          <a:endParaRPr lang="en-US"/>
+        </a:p>
+      </c:txPr>
+    </c:legend>
+    <c:plotVisOnly val="1"/>
+    <c:dispBlanksAs val="gap"/>
+    <c:showDLblsOverMax val="0"/>
+  </c:chart>
+  <c:spPr>
+    <a:solidFill>
+      <a:schemeClr val="bg1"/>
+    </a:solidFill>
+    <a:ln w="9525" cap="flat" cmpd="sng" algn="ctr">
+      <a:solidFill>
+        <a:schemeClr val="tx1">
+          <a:lumMod val="15000"/>
+          <a:lumOff val="85000"/>
+        </a:schemeClr>
+      </a:solidFill>
+      <a:round/>
+    </a:ln>
+    <a:effectLst/>
+  </c:spPr>
+  <c:txPr>
+    <a:bodyPr/>
+    <a:lstStyle/>
+    <a:p>
+      <a:pPr>
+        <a:defRPr/>
+      </a:pPr>
+      <a:endParaRPr lang="en-US"/>
+    </a:p>
+  </c:txPr>
+  <c:externalData r:id="rId3">
+    <c:autoUpdate val="0"/>
+  </c:externalData>
+</c:chartSpace>
+</file>
+
+<file path=ppt/charts/chart8.xml><?xml version="1.0" encoding="utf-8"?>
+<c:chartSpace xmlns:c="http://schemas.openxmlformats.org/drawingml/2006/chart" xmlns:a="http://schemas.openxmlformats.org/drawingml/2006/main" xmlns:r="http://schemas.openxmlformats.org/officeDocument/2006/relationships" xmlns:c16r2="http://schemas.microsoft.com/office/drawing/2015/06/chart">
+  <c:date1904 val="0"/>
+  <c:lang val="en-US"/>
+  <c:roundedCorners val="0"/>
+  <mc:AlternateContent xmlns:mc="http://schemas.openxmlformats.org/markup-compatibility/2006">
+    <mc:Choice xmlns:c14="http://schemas.microsoft.com/office/drawing/2007/8/2/chart" Requires="c14">
+      <c14:style val="102"/>
+    </mc:Choice>
+    <mc:Fallback>
+      <c:style val="2"/>
+    </mc:Fallback>
+  </mc:AlternateContent>
+  <c:chart>
+    <c:title>
+      <c:tx>
+        <c:rich>
+          <a:bodyPr rot="0" spcFirstLastPara="1" vertOverflow="ellipsis" vert="horz" wrap="square" anchor="ctr" anchorCtr="1"/>
+          <a:lstStyle/>
+          <a:p>
+            <a:pPr>
+              <a:defRPr sz="1400" b="0" i="0" u="none" strike="noStrike" kern="1200" spc="0" baseline="0">
+                <a:solidFill>
+                  <a:schemeClr val="tx1">
+                    <a:lumMod val="65000"/>
+                    <a:lumOff val="35000"/>
+                  </a:schemeClr>
+                </a:solidFill>
+                <a:latin typeface="+mn-lt"/>
+                <a:ea typeface="+mn-ea"/>
+                <a:cs typeface="+mn-cs"/>
+              </a:defRPr>
+            </a:pPr>
+            <a:r>
+              <a:rPr lang="en-US"/>
+              <a:t>2</a:t>
+            </a:r>
+            <a:r>
+              <a:rPr lang="en-US" baseline="0"/>
+              <a:t> - 3 - 7</a:t>
+            </a:r>
+            <a:endParaRPr lang="id-ID"/>
+          </a:p>
+        </c:rich>
+      </c:tx>
+      <c:overlay val="0"/>
+      <c:spPr>
+        <a:noFill/>
+        <a:ln>
+          <a:noFill/>
+        </a:ln>
+        <a:effectLst/>
+      </c:spPr>
+      <c:txPr>
+        <a:bodyPr rot="0" spcFirstLastPara="1" vertOverflow="ellipsis" vert="horz" wrap="square" anchor="ctr" anchorCtr="1"/>
+        <a:lstStyle/>
+        <a:p>
+          <a:pPr>
+            <a:defRPr sz="1400" b="0" i="0" u="none" strike="noStrike" kern="1200" spc="0" baseline="0">
+              <a:solidFill>
+                <a:schemeClr val="tx1">
+                  <a:lumMod val="65000"/>
+                  <a:lumOff val="35000"/>
+                </a:schemeClr>
+              </a:solidFill>
+              <a:latin typeface="+mn-lt"/>
+              <a:ea typeface="+mn-ea"/>
+              <a:cs typeface="+mn-cs"/>
+            </a:defRPr>
+          </a:pPr>
+          <a:endParaRPr lang="en-US"/>
+        </a:p>
+      </c:txPr>
+    </c:title>
+    <c:autoTitleDeleted val="0"/>
+    <c:plotArea>
+      <c:layout/>
+      <c:scatterChart>
+        <c:scatterStyle val="lineMarker"/>
+        <c:varyColors val="0"/>
+        <c:ser>
+          <c:idx val="0"/>
+          <c:order val="0"/>
+          <c:tx>
+            <c:strRef>
+              <c:f>Sheet10!$H$47</c:f>
+              <c:strCache>
+                <c:ptCount val="1"/>
+                <c:pt idx="0">
+                  <c:v>Our program</c:v>
+                </c:pt>
+              </c:strCache>
+            </c:strRef>
+          </c:tx>
+          <c:spPr>
+            <a:ln w="19050" cap="rnd">
+              <a:noFill/>
+              <a:round/>
+            </a:ln>
+            <a:effectLst/>
+          </c:spPr>
+          <c:marker>
+            <c:symbol val="circle"/>
+            <c:size val="5"/>
+            <c:spPr>
+              <a:solidFill>
+                <a:schemeClr val="accent1"/>
+              </a:solidFill>
+              <a:ln w="9525">
+                <a:solidFill>
+                  <a:schemeClr val="accent1"/>
+                </a:solidFill>
+              </a:ln>
+              <a:effectLst/>
+            </c:spPr>
+          </c:marker>
+          <c:xVal>
+            <c:strRef>
+              <c:f>Sheet10!$G$48:$G$59</c:f>
+              <c:strCache>
+                <c:ptCount val="12"/>
+                <c:pt idx="0">
+                  <c:v>SRR316957.3748</c:v>
+                </c:pt>
+                <c:pt idx="1">
+                  <c:v>SRR316957.176167</c:v>
+                </c:pt>
+                <c:pt idx="2">
+                  <c:v>SRR316957.13555</c:v>
+                </c:pt>
+                <c:pt idx="3">
+                  <c:v>SRR316957.404169</c:v>
+                </c:pt>
+                <c:pt idx="4">
+                  <c:v>SRR316957.10370</c:v>
+                </c:pt>
+                <c:pt idx="5">
+                  <c:v>SRR316957.92287</c:v>
+                </c:pt>
+                <c:pt idx="6">
+                  <c:v>SRR316957.518689</c:v>
+                </c:pt>
+                <c:pt idx="7">
+                  <c:v>SRR316957.1063205</c:v>
+                </c:pt>
+                <c:pt idx="8">
+                  <c:v>SRR316957.1016179</c:v>
+                </c:pt>
+                <c:pt idx="9">
+                  <c:v>SRR316957.866299</c:v>
+                </c:pt>
+                <c:pt idx="10">
+                  <c:v>SRR316957.958299</c:v>
+                </c:pt>
+                <c:pt idx="11">
+                  <c:v>SRR316957.949607</c:v>
+                </c:pt>
+              </c:strCache>
+            </c:strRef>
+          </c:xVal>
+          <c:yVal>
+            <c:numRef>
+              <c:f>Sheet10!$H$48:$H$59</c:f>
+              <c:numCache>
+                <c:formatCode>General</c:formatCode>
+                <c:ptCount val="12"/>
+                <c:pt idx="0">
+                  <c:v>70</c:v>
+                </c:pt>
+                <c:pt idx="1">
+                  <c:v>118</c:v>
+                </c:pt>
+                <c:pt idx="2">
+                  <c:v>113</c:v>
+                </c:pt>
+                <c:pt idx="3">
+                  <c:v>118</c:v>
+                </c:pt>
+                <c:pt idx="4">
+                  <c:v>92</c:v>
+                </c:pt>
+                <c:pt idx="5">
+                  <c:v>103</c:v>
+                </c:pt>
+                <c:pt idx="6">
+                  <c:v>108</c:v>
+                </c:pt>
+                <c:pt idx="7">
+                  <c:v>102</c:v>
+                </c:pt>
+                <c:pt idx="8">
+                  <c:v>103</c:v>
+                </c:pt>
+                <c:pt idx="9">
+                  <c:v>113</c:v>
+                </c:pt>
+                <c:pt idx="10">
+                  <c:v>113</c:v>
+                </c:pt>
+                <c:pt idx="11">
+                  <c:v>97</c:v>
+                </c:pt>
+              </c:numCache>
+            </c:numRef>
+          </c:yVal>
+          <c:smooth val="0"/>
+          <c:extLst>
+            <c:ext xmlns:c16="http://schemas.microsoft.com/office/drawing/2014/chart" uri="{C3380CC4-5D6E-409C-BE32-E72D297353CC}">
+              <c16:uniqueId val="{00000000-9A98-449B-B902-7A175064315E}"/>
+            </c:ext>
+          </c:extLst>
+        </c:ser>
+        <c:ser>
+          <c:idx val="1"/>
+          <c:order val="1"/>
+          <c:tx>
+            <c:strRef>
+              <c:f>Sheet10!$I$47</c:f>
+              <c:strCache>
+                <c:ptCount val="1"/>
+                <c:pt idx="0">
+                  <c:v>BWA</c:v>
+                </c:pt>
+              </c:strCache>
+            </c:strRef>
+          </c:tx>
+          <c:spPr>
+            <a:ln w="19050" cap="rnd">
+              <a:noFill/>
+              <a:round/>
+            </a:ln>
+            <a:effectLst/>
+          </c:spPr>
+          <c:marker>
+            <c:symbol val="circle"/>
+            <c:size val="5"/>
+            <c:spPr>
+              <a:solidFill>
+                <a:schemeClr val="accent2"/>
+              </a:solidFill>
+              <a:ln w="9525">
+                <a:solidFill>
+                  <a:schemeClr val="accent2"/>
+                </a:solidFill>
+              </a:ln>
+              <a:effectLst/>
+            </c:spPr>
+          </c:marker>
+          <c:xVal>
+            <c:strRef>
+              <c:f>Sheet10!$G$48:$G$59</c:f>
+              <c:strCache>
+                <c:ptCount val="12"/>
+                <c:pt idx="0">
+                  <c:v>SRR316957.3748</c:v>
+                </c:pt>
+                <c:pt idx="1">
+                  <c:v>SRR316957.176167</c:v>
+                </c:pt>
+                <c:pt idx="2">
+                  <c:v>SRR316957.13555</c:v>
+                </c:pt>
+                <c:pt idx="3">
+                  <c:v>SRR316957.404169</c:v>
+                </c:pt>
+                <c:pt idx="4">
+                  <c:v>SRR316957.10370</c:v>
+                </c:pt>
+                <c:pt idx="5">
+                  <c:v>SRR316957.92287</c:v>
+                </c:pt>
+                <c:pt idx="6">
+                  <c:v>SRR316957.518689</c:v>
+                </c:pt>
+                <c:pt idx="7">
+                  <c:v>SRR316957.1063205</c:v>
+                </c:pt>
+                <c:pt idx="8">
+                  <c:v>SRR316957.1016179</c:v>
+                </c:pt>
+                <c:pt idx="9">
+                  <c:v>SRR316957.866299</c:v>
+                </c:pt>
+                <c:pt idx="10">
+                  <c:v>SRR316957.958299</c:v>
+                </c:pt>
+                <c:pt idx="11">
+                  <c:v>SRR316957.949607</c:v>
+                </c:pt>
+              </c:strCache>
+            </c:strRef>
+          </c:xVal>
+          <c:yVal>
+            <c:numRef>
+              <c:f>Sheet10!$I$48:$I$59</c:f>
+              <c:numCache>
+                <c:formatCode>General</c:formatCode>
+                <c:ptCount val="12"/>
+                <c:pt idx="0">
+                  <c:v>152</c:v>
+                </c:pt>
+                <c:pt idx="1">
+                  <c:v>152</c:v>
+                </c:pt>
+                <c:pt idx="2">
+                  <c:v>291</c:v>
+                </c:pt>
+                <c:pt idx="3">
+                  <c:v>152</c:v>
+                </c:pt>
+                <c:pt idx="4">
+                  <c:v>444</c:v>
+                </c:pt>
+                <c:pt idx="5">
+                  <c:v>377</c:v>
+                </c:pt>
+                <c:pt idx="6">
+                  <c:v>286</c:v>
+                </c:pt>
+                <c:pt idx="7">
+                  <c:v>313</c:v>
+                </c:pt>
+                <c:pt idx="8">
+                  <c:v>470</c:v>
+                </c:pt>
+                <c:pt idx="9">
+                  <c:v>216</c:v>
+                </c:pt>
+                <c:pt idx="10">
+                  <c:v>374</c:v>
+                </c:pt>
+                <c:pt idx="11">
+                  <c:v>252</c:v>
+                </c:pt>
+              </c:numCache>
+            </c:numRef>
+          </c:yVal>
+          <c:smooth val="0"/>
+          <c:extLst>
+            <c:ext xmlns:c16="http://schemas.microsoft.com/office/drawing/2014/chart" uri="{C3380CC4-5D6E-409C-BE32-E72D297353CC}">
+              <c16:uniqueId val="{00000001-9A98-449B-B902-7A175064315E}"/>
+            </c:ext>
+          </c:extLst>
+        </c:ser>
+        <c:dLbls>
+          <c:showLegendKey val="0"/>
+          <c:showVal val="0"/>
+          <c:showCatName val="0"/>
+          <c:showSerName val="0"/>
+          <c:showPercent val="0"/>
+          <c:showBubbleSize val="0"/>
+        </c:dLbls>
+        <c:axId val="481651272"/>
+        <c:axId val="481647336"/>
+      </c:scatterChart>
+      <c:valAx>
+        <c:axId val="481651272"/>
+        <c:scaling>
+          <c:orientation val="minMax"/>
+          <c:max val="12"/>
+        </c:scaling>
+        <c:delete val="0"/>
+        <c:axPos val="b"/>
+        <c:majorGridlines>
+          <c:spPr>
+            <a:ln w="9525" cap="flat" cmpd="sng" algn="ctr">
+              <a:solidFill>
+                <a:schemeClr val="tx1">
+                  <a:lumMod val="15000"/>
+                  <a:lumOff val="85000"/>
+                </a:schemeClr>
+              </a:solidFill>
+              <a:round/>
+            </a:ln>
+            <a:effectLst/>
+          </c:spPr>
+        </c:majorGridlines>
+        <c:majorTickMark val="none"/>
+        <c:minorTickMark val="none"/>
+        <c:tickLblPos val="nextTo"/>
+        <c:spPr>
+          <a:noFill/>
+          <a:ln w="9525" cap="flat" cmpd="sng" algn="ctr">
+            <a:solidFill>
+              <a:schemeClr val="tx1">
+                <a:lumMod val="25000"/>
+                <a:lumOff val="75000"/>
+              </a:schemeClr>
+            </a:solidFill>
+            <a:round/>
+          </a:ln>
+          <a:effectLst/>
+        </c:spPr>
+        <c:txPr>
+          <a:bodyPr rot="-60000000" spcFirstLastPara="1" vertOverflow="ellipsis" vert="horz" wrap="square" anchor="ctr" anchorCtr="1"/>
+          <a:lstStyle/>
+          <a:p>
+            <a:pPr>
+              <a:defRPr sz="900" b="0" i="0" u="none" strike="noStrike" kern="1200" baseline="0">
+                <a:solidFill>
+                  <a:schemeClr val="tx1">
+                    <a:lumMod val="65000"/>
+                    <a:lumOff val="35000"/>
+                  </a:schemeClr>
+                </a:solidFill>
+                <a:latin typeface="+mn-lt"/>
+                <a:ea typeface="+mn-ea"/>
+                <a:cs typeface="+mn-cs"/>
+              </a:defRPr>
+            </a:pPr>
+            <a:endParaRPr lang="en-US"/>
+          </a:p>
+        </c:txPr>
+        <c:crossAx val="481647336"/>
+        <c:crosses val="autoZero"/>
+        <c:crossBetween val="midCat"/>
+        <c:majorUnit val="1"/>
+      </c:valAx>
+      <c:valAx>
+        <c:axId val="481647336"/>
+        <c:scaling>
+          <c:orientation val="minMax"/>
+        </c:scaling>
+        <c:delete val="0"/>
+        <c:axPos val="l"/>
+        <c:majorGridlines>
+          <c:spPr>
+            <a:ln w="9525" cap="flat" cmpd="sng" algn="ctr">
+              <a:solidFill>
+                <a:schemeClr val="tx1">
+                  <a:lumMod val="15000"/>
+                  <a:lumOff val="85000"/>
+                </a:schemeClr>
+              </a:solidFill>
+              <a:round/>
+            </a:ln>
+            <a:effectLst/>
+          </c:spPr>
+        </c:majorGridlines>
+        <c:numFmt formatCode="General" sourceLinked="1"/>
+        <c:majorTickMark val="none"/>
+        <c:minorTickMark val="none"/>
+        <c:tickLblPos val="nextTo"/>
+        <c:spPr>
+          <a:noFill/>
+          <a:ln w="9525" cap="flat" cmpd="sng" algn="ctr">
+            <a:solidFill>
+              <a:schemeClr val="tx1">
+                <a:lumMod val="25000"/>
+                <a:lumOff val="75000"/>
+              </a:schemeClr>
+            </a:solidFill>
+            <a:round/>
+          </a:ln>
+          <a:effectLst/>
+        </c:spPr>
+        <c:txPr>
+          <a:bodyPr rot="-60000000" spcFirstLastPara="1" vertOverflow="ellipsis" vert="horz" wrap="square" anchor="ctr" anchorCtr="1"/>
+          <a:lstStyle/>
+          <a:p>
+            <a:pPr>
+              <a:defRPr sz="900" b="0" i="0" u="none" strike="noStrike" kern="1200" baseline="0">
+                <a:solidFill>
+                  <a:schemeClr val="tx1">
+                    <a:lumMod val="65000"/>
+                    <a:lumOff val="35000"/>
+                  </a:schemeClr>
+                </a:solidFill>
+                <a:latin typeface="+mn-lt"/>
+                <a:ea typeface="+mn-ea"/>
+                <a:cs typeface="+mn-cs"/>
+              </a:defRPr>
+            </a:pPr>
+            <a:endParaRPr lang="en-US"/>
+          </a:p>
+        </c:txPr>
+        <c:crossAx val="481651272"/>
+        <c:crosses val="autoZero"/>
+        <c:crossBetween val="midCat"/>
+      </c:valAx>
+      <c:spPr>
+        <a:noFill/>
+        <a:ln>
+          <a:noFill/>
+        </a:ln>
+        <a:effectLst/>
+      </c:spPr>
+    </c:plotArea>
+    <c:legend>
+      <c:legendPos val="b"/>
+      <c:overlay val="0"/>
+      <c:spPr>
+        <a:noFill/>
+        <a:ln>
+          <a:noFill/>
+        </a:ln>
+        <a:effectLst/>
+      </c:spPr>
+      <c:txPr>
+        <a:bodyPr rot="0" spcFirstLastPara="1" vertOverflow="ellipsis" vert="horz" wrap="square" anchor="ctr" anchorCtr="1"/>
+        <a:lstStyle/>
+        <a:p>
+          <a:pPr>
+            <a:defRPr sz="900" b="0" i="0" u="none" strike="noStrike" kern="1200" baseline="0">
+              <a:solidFill>
+                <a:schemeClr val="tx1">
+                  <a:lumMod val="65000"/>
+                  <a:lumOff val="35000"/>
+                </a:schemeClr>
+              </a:solidFill>
+              <a:latin typeface="+mn-lt"/>
+              <a:ea typeface="+mn-ea"/>
+              <a:cs typeface="+mn-cs"/>
+            </a:defRPr>
+          </a:pPr>
+          <a:endParaRPr lang="en-US"/>
+        </a:p>
+      </c:txPr>
+    </c:legend>
+    <c:plotVisOnly val="1"/>
+    <c:dispBlanksAs val="gap"/>
+    <c:showDLblsOverMax val="0"/>
+  </c:chart>
+  <c:spPr>
+    <a:solidFill>
+      <a:schemeClr val="bg1"/>
+    </a:solidFill>
+    <a:ln w="9525" cap="flat" cmpd="sng" algn="ctr">
+      <a:solidFill>
+        <a:schemeClr val="tx1">
+          <a:lumMod val="15000"/>
+          <a:lumOff val="85000"/>
+        </a:schemeClr>
+      </a:solidFill>
+      <a:round/>
+    </a:ln>
+    <a:effectLst/>
+  </c:spPr>
+  <c:txPr>
+    <a:bodyPr/>
+    <a:lstStyle/>
+    <a:p>
+      <a:pPr>
+        <a:defRPr/>
+      </a:pPr>
+      <a:endParaRPr lang="en-US"/>
+    </a:p>
+  </c:txPr>
+  <c:externalData r:id="rId3">
+    <c:autoUpdate val="0"/>
+  </c:externalData>
+</c:chartSpace>
+</file>
+
+<file path=ppt/charts/colors1.xml><?xml version="1.0" encoding="utf-8"?>
+<cs:colorStyle xmlns:cs="http://schemas.microsoft.com/office/drawing/2012/chartStyle" xmlns:a="http://schemas.openxmlformats.org/drawingml/2006/main" meth="cycle" id="10">
+  <a:schemeClr val="accent1"/>
+  <a:schemeClr val="accent2"/>
+  <a:schemeClr val="accent3"/>
+  <a:schemeClr val="accent4"/>
+  <a:schemeClr val="accent5"/>
+  <a:schemeClr val="accent6"/>
+  <cs:variation/>
+  <cs:variation>
+    <a:lumMod val="60000"/>
+  </cs:variation>
+  <cs:variation>
+    <a:lumMod val="80000"/>
+    <a:lumOff val="20000"/>
+  </cs:variation>
+  <cs:variation>
+    <a:lumMod val="80000"/>
+  </cs:variation>
+  <cs:variation>
+    <a:lumMod val="60000"/>
+    <a:lumOff val="40000"/>
+  </cs:variation>
+  <cs:variation>
+    <a:lumMod val="50000"/>
+  </cs:variation>
+  <cs:variation>
+    <a:lumMod val="70000"/>
+    <a:lumOff val="30000"/>
+  </cs:variation>
+  <cs:variation>
+    <a:lumMod val="70000"/>
+  </cs:variation>
+  <cs:variation>
+    <a:lumMod val="50000"/>
+    <a:lumOff val="50000"/>
+  </cs:variation>
+</cs:colorStyle>
+</file>
+
+<file path=ppt/charts/colors2.xml><?xml version="1.0" encoding="utf-8"?>
+<cs:colorStyle xmlns:cs="http://schemas.microsoft.com/office/drawing/2012/chartStyle" xmlns:a="http://schemas.openxmlformats.org/drawingml/2006/main" meth="cycle" id="10">
+  <a:schemeClr val="accent1"/>
+  <a:schemeClr val="accent2"/>
+  <a:schemeClr val="accent3"/>
+  <a:schemeClr val="accent4"/>
+  <a:schemeClr val="accent5"/>
+  <a:schemeClr val="accent6"/>
+  <cs:variation/>
+  <cs:variation>
+    <a:lumMod val="60000"/>
+  </cs:variation>
+  <cs:variation>
+    <a:lumMod val="80000"/>
+    <a:lumOff val="20000"/>
+  </cs:variation>
+  <cs:variation>
+    <a:lumMod val="80000"/>
+  </cs:variation>
+  <cs:variation>
+    <a:lumMod val="60000"/>
+    <a:lumOff val="40000"/>
+  </cs:variation>
+  <cs:variation>
+    <a:lumMod val="50000"/>
+  </cs:variation>
+  <cs:variation>
+    <a:lumMod val="70000"/>
+    <a:lumOff val="30000"/>
+  </cs:variation>
+  <cs:variation>
+    <a:lumMod val="70000"/>
+  </cs:variation>
+  <cs:variation>
+    <a:lumMod val="50000"/>
+    <a:lumOff val="50000"/>
+  </cs:variation>
+</cs:colorStyle>
+</file>
+
+<file path=ppt/charts/colors3.xml><?xml version="1.0" encoding="utf-8"?>
+<cs:colorStyle xmlns:cs="http://schemas.microsoft.com/office/drawing/2012/chartStyle" xmlns:a="http://schemas.openxmlformats.org/drawingml/2006/main" meth="cycle" id="10">
+  <a:schemeClr val="accent1"/>
+  <a:schemeClr val="accent2"/>
+  <a:schemeClr val="accent3"/>
+  <a:schemeClr val="accent4"/>
+  <a:schemeClr val="accent5"/>
+  <a:schemeClr val="accent6"/>
+  <cs:variation/>
+  <cs:variation>
+    <a:lumMod val="60000"/>
+  </cs:variation>
+  <cs:variation>
+    <a:lumMod val="80000"/>
+    <a:lumOff val="20000"/>
+  </cs:variation>
+  <cs:variation>
+    <a:lumMod val="80000"/>
+  </cs:variation>
+  <cs:variation>
+    <a:lumMod val="60000"/>
+    <a:lumOff val="40000"/>
+  </cs:variation>
+  <cs:variation>
+    <a:lumMod val="50000"/>
+  </cs:variation>
+  <cs:variation>
+    <a:lumMod val="70000"/>
+    <a:lumOff val="30000"/>
+  </cs:variation>
+  <cs:variation>
+    <a:lumMod val="70000"/>
+  </cs:variation>
+  <cs:variation>
+    <a:lumMod val="50000"/>
+    <a:lumOff val="50000"/>
+  </cs:variation>
+</cs:colorStyle>
+</file>
+
+<file path=ppt/charts/colors4.xml><?xml version="1.0" encoding="utf-8"?>
+<cs:colorStyle xmlns:cs="http://schemas.microsoft.com/office/drawing/2012/chartStyle" xmlns:a="http://schemas.openxmlformats.org/drawingml/2006/main" meth="cycle" id="10">
+  <a:schemeClr val="accent1"/>
+  <a:schemeClr val="accent2"/>
+  <a:schemeClr val="accent3"/>
+  <a:schemeClr val="accent4"/>
+  <a:schemeClr val="accent5"/>
+  <a:schemeClr val="accent6"/>
+  <cs:variation/>
+  <cs:variation>
+    <a:lumMod val="60000"/>
+  </cs:variation>
+  <cs:variation>
+    <a:lumMod val="80000"/>
+    <a:lumOff val="20000"/>
+  </cs:variation>
+  <cs:variation>
+    <a:lumMod val="80000"/>
+  </cs:variation>
+  <cs:variation>
+    <a:lumMod val="60000"/>
+    <a:lumOff val="40000"/>
+  </cs:variation>
+  <cs:variation>
+    <a:lumMod val="50000"/>
+  </cs:variation>
+  <cs:variation>
+    <a:lumMod val="70000"/>
+    <a:lumOff val="30000"/>
+  </cs:variation>
+  <cs:variation>
+    <a:lumMod val="70000"/>
+  </cs:variation>
+  <cs:variation>
+    <a:lumMod val="50000"/>
+    <a:lumOff val="50000"/>
+  </cs:variation>
+</cs:colorStyle>
+</file>
+
+<file path=ppt/charts/colors5.xml><?xml version="1.0" encoding="utf-8"?>
+<cs:colorStyle xmlns:cs="http://schemas.microsoft.com/office/drawing/2012/chartStyle" xmlns:a="http://schemas.openxmlformats.org/drawingml/2006/main" meth="cycle" id="10">
+  <a:schemeClr val="accent1"/>
+  <a:schemeClr val="accent2"/>
+  <a:schemeClr val="accent3"/>
+  <a:schemeClr val="accent4"/>
+  <a:schemeClr val="accent5"/>
+  <a:schemeClr val="accent6"/>
+  <cs:variation/>
+  <cs:variation>
+    <a:lumMod val="60000"/>
+  </cs:variation>
+  <cs:variation>
+    <a:lumMod val="80000"/>
+    <a:lumOff val="20000"/>
+  </cs:variation>
+  <cs:variation>
+    <a:lumMod val="80000"/>
+  </cs:variation>
+  <cs:variation>
+    <a:lumMod val="60000"/>
+    <a:lumOff val="40000"/>
+  </cs:variation>
+  <cs:variation>
+    <a:lumMod val="50000"/>
+  </cs:variation>
+  <cs:variation>
+    <a:lumMod val="70000"/>
+    <a:lumOff val="30000"/>
+  </cs:variation>
+  <cs:variation>
+    <a:lumMod val="70000"/>
+  </cs:variation>
+  <cs:variation>
+    <a:lumMod val="50000"/>
+    <a:lumOff val="50000"/>
+  </cs:variation>
+</cs:colorStyle>
+</file>
+
+<file path=ppt/charts/colors6.xml><?xml version="1.0" encoding="utf-8"?>
+<cs:colorStyle xmlns:cs="http://schemas.microsoft.com/office/drawing/2012/chartStyle" xmlns:a="http://schemas.openxmlformats.org/drawingml/2006/main" meth="cycle" id="10">
+  <a:schemeClr val="accent1"/>
+  <a:schemeClr val="accent2"/>
+  <a:schemeClr val="accent3"/>
+  <a:schemeClr val="accent4"/>
+  <a:schemeClr val="accent5"/>
+  <a:schemeClr val="accent6"/>
+  <cs:variation/>
+  <cs:variation>
+    <a:lumMod val="60000"/>
+  </cs:variation>
+  <cs:variation>
+    <a:lumMod val="80000"/>
+    <a:lumOff val="20000"/>
+  </cs:variation>
+  <cs:variation>
+    <a:lumMod val="80000"/>
+  </cs:variation>
+  <cs:variation>
+    <a:lumMod val="60000"/>
+    <a:lumOff val="40000"/>
+  </cs:variation>
+  <cs:variation>
+    <a:lumMod val="50000"/>
+  </cs:variation>
+  <cs:variation>
+    <a:lumMod val="70000"/>
+    <a:lumOff val="30000"/>
+  </cs:variation>
+  <cs:variation>
+    <a:lumMod val="70000"/>
+  </cs:variation>
+  <cs:variation>
+    <a:lumMod val="50000"/>
+    <a:lumOff val="50000"/>
+  </cs:variation>
+</cs:colorStyle>
+</file>
+
+<file path=ppt/charts/colors7.xml><?xml version="1.0" encoding="utf-8"?>
+<cs:colorStyle xmlns:cs="http://schemas.microsoft.com/office/drawing/2012/chartStyle" xmlns:a="http://schemas.openxmlformats.org/drawingml/2006/main" meth="cycle" id="10">
+  <a:schemeClr val="accent1"/>
+  <a:schemeClr val="accent2"/>
+  <a:schemeClr val="accent3"/>
+  <a:schemeClr val="accent4"/>
+  <a:schemeClr val="accent5"/>
+  <a:schemeClr val="accent6"/>
+  <cs:variation/>
+  <cs:variation>
+    <a:lumMod val="60000"/>
+  </cs:variation>
+  <cs:variation>
+    <a:lumMod val="80000"/>
+    <a:lumOff val="20000"/>
+  </cs:variation>
+  <cs:variation>
+    <a:lumMod val="80000"/>
+  </cs:variation>
+  <cs:variation>
+    <a:lumMod val="60000"/>
+    <a:lumOff val="40000"/>
+  </cs:variation>
+  <cs:variation>
+    <a:lumMod val="50000"/>
+  </cs:variation>
+  <cs:variation>
+    <a:lumMod val="70000"/>
+    <a:lumOff val="30000"/>
+  </cs:variation>
+  <cs:variation>
+    <a:lumMod val="70000"/>
+  </cs:variation>
+  <cs:variation>
+    <a:lumMod val="50000"/>
+    <a:lumOff val="50000"/>
+  </cs:variation>
+</cs:colorStyle>
+</file>
+
+<file path=ppt/charts/colors8.xml><?xml version="1.0" encoding="utf-8"?>
+<cs:colorStyle xmlns:cs="http://schemas.microsoft.com/office/drawing/2012/chartStyle" xmlns:a="http://schemas.openxmlformats.org/drawingml/2006/main" meth="cycle" id="10">
+  <a:schemeClr val="accent1"/>
+  <a:schemeClr val="accent2"/>
+  <a:schemeClr val="accent3"/>
+  <a:schemeClr val="accent4"/>
+  <a:schemeClr val="accent5"/>
+  <a:schemeClr val="accent6"/>
+  <cs:variation/>
+  <cs:variation>
+    <a:lumMod val="60000"/>
+  </cs:variation>
+  <cs:variation>
+    <a:lumMod val="80000"/>
+    <a:lumOff val="20000"/>
+  </cs:variation>
+  <cs:variation>
+    <a:lumMod val="80000"/>
+  </cs:variation>
+  <cs:variation>
+    <a:lumMod val="60000"/>
+    <a:lumOff val="40000"/>
+  </cs:variation>
+  <cs:variation>
+    <a:lumMod val="50000"/>
+  </cs:variation>
+  <cs:variation>
+    <a:lumMod val="70000"/>
+    <a:lumOff val="30000"/>
+  </cs:variation>
+  <cs:variation>
+    <a:lumMod val="70000"/>
+  </cs:variation>
+  <cs:variation>
+    <a:lumMod val="50000"/>
+    <a:lumOff val="50000"/>
+  </cs:variation>
+</cs:colorStyle>
+</file>
+
+<file path=ppt/charts/style1.xml><?xml version="1.0" encoding="utf-8"?>
+<cs:chartStyle xmlns:cs="http://schemas.microsoft.com/office/drawing/2012/chartStyle" xmlns:a="http://schemas.openxmlformats.org/drawingml/2006/main" id="240">
+  <cs:axisTitle>
+    <cs:lnRef idx="0"/>
+    <cs:fillRef idx="0"/>
+    <cs:effectRef idx="0"/>
+    <cs:fontRef idx="minor">
+      <a:schemeClr val="tx1">
+        <a:lumMod val="65000"/>
+        <a:lumOff val="35000"/>
+      </a:schemeClr>
+    </cs:fontRef>
+    <cs:defRPr sz="1000" kern="1200"/>
+  </cs:axisTitle>
+  <cs:categoryAxis>
+    <cs:lnRef idx="0"/>
+    <cs:fillRef idx="0"/>
+    <cs:effectRef idx="0"/>
+    <cs:fontRef idx="minor">
+      <a:schemeClr val="tx1">
+        <a:lumMod val="65000"/>
+        <a:lumOff val="35000"/>
+      </a:schemeClr>
+    </cs:fontRef>
+    <cs:spPr>
+      <a:ln w="9525" cap="flat" cmpd="sng" algn="ctr">
+        <a:solidFill>
+          <a:schemeClr val="tx1">
+            <a:lumMod val="25000"/>
+            <a:lumOff val="75000"/>
+          </a:schemeClr>
+        </a:solidFill>
+        <a:round/>
+      </a:ln>
+    </cs:spPr>
+    <cs:defRPr sz="900" kern="1200"/>
+  </cs:categoryAxis>
+  <cs:chartArea mods="allowNoFillOverride allowNoLineOverride">
+    <cs:lnRef idx="0"/>
+    <cs:fillRef idx="0"/>
+    <cs:effectRef idx="0"/>
+    <cs:fontRef idx="minor">
+      <a:schemeClr val="tx1"/>
+    </cs:fontRef>
+    <cs:spPr>
+      <a:solidFill>
+        <a:schemeClr val="bg1"/>
+      </a:solidFill>
+      <a:ln w="9525" cap="flat" cmpd="sng" algn="ctr">
+        <a:solidFill>
+          <a:schemeClr val="tx1">
+            <a:lumMod val="15000"/>
+            <a:lumOff val="85000"/>
+          </a:schemeClr>
+        </a:solidFill>
+        <a:round/>
+      </a:ln>
+    </cs:spPr>
+    <cs:defRPr sz="1000" kern="1200"/>
+  </cs:chartArea>
+  <cs:dataLabel>
+    <cs:lnRef idx="0"/>
+    <cs:fillRef idx="0"/>
+    <cs:effectRef idx="0"/>
+    <cs:fontRef idx="minor">
+      <a:schemeClr val="tx1">
+        <a:lumMod val="75000"/>
+        <a:lumOff val="25000"/>
+      </a:schemeClr>
+    </cs:fontRef>
+    <cs:defRPr sz="900" kern="1200"/>
+  </cs:dataLabel>
+  <cs:dataLabelCallout>
+    <cs:lnRef idx="0"/>
+    <cs:fillRef idx="0"/>
+    <cs:effectRef idx="0"/>
+    <cs:fontRef idx="minor">
+      <a:schemeClr val="dk1">
+        <a:lumMod val="65000"/>
+        <a:lumOff val="35000"/>
+      </a:schemeClr>
+    </cs:fontRef>
+    <cs:spPr>
+      <a:solidFill>
+        <a:schemeClr val="lt1"/>
+      </a:solidFill>
+      <a:ln>
+        <a:solidFill>
+          <a:schemeClr val="dk1">
+            <a:lumMod val="25000"/>
+            <a:lumOff val="75000"/>
+          </a:schemeClr>
+        </a:solidFill>
+      </a:ln>
+    </cs:spPr>
+    <cs:defRPr sz="900" kern="1200"/>
+    <cs:bodyPr rot="0" spcFirstLastPara="1" vertOverflow="clip" horzOverflow="clip" vert="horz" wrap="square" lIns="36576" tIns="18288" rIns="36576" bIns="18288" anchor="ctr" anchorCtr="1">
+      <a:spAutoFit/>
+    </cs:bodyPr>
+  </cs:dataLabelCallout>
+  <cs:dataPoint>
+    <cs:lnRef idx="0"/>
+    <cs:fillRef idx="1">
+      <cs:styleClr val="auto"/>
+    </cs:fillRef>
+    <cs:effectRef idx="0"/>
+    <cs:fontRef idx="minor">
+      <a:schemeClr val="tx1"/>
+    </cs:fontRef>
+  </cs:dataPoint>
+  <cs:dataPoint3D>
+    <cs:lnRef idx="0"/>
+    <cs:fillRef idx="1">
+      <cs:styleClr val="auto"/>
+    </cs:fillRef>
+    <cs:effectRef idx="0"/>
+    <cs:fontRef idx="minor">
+      <a:schemeClr val="tx1"/>
+    </cs:fontRef>
+  </cs:dataPoint3D>
+  <cs:dataPointLine>
+    <cs:lnRef idx="0">
+      <cs:styleClr val="auto"/>
+    </cs:lnRef>
+    <cs:fillRef idx="1"/>
+    <cs:effectRef idx="0"/>
+    <cs:fontRef idx="minor">
+      <a:schemeClr val="tx1"/>
+    </cs:fontRef>
+    <cs:spPr>
+      <a:ln w="19050" cap="rnd">
+        <a:solidFill>
+          <a:schemeClr val="phClr"/>
+        </a:solidFill>
+        <a:round/>
+      </a:ln>
+    </cs:spPr>
+  </cs:dataPointLine>
+  <cs:dataPointMarker>
+    <cs:lnRef idx="0">
+      <cs:styleClr val="auto"/>
+    </cs:lnRef>
+    <cs:fillRef idx="1">
+      <cs:styleClr val="auto"/>
+    </cs:fillRef>
+    <cs:effectRef idx="0"/>
+    <cs:fontRef idx="minor">
+      <a:schemeClr val="tx1"/>
+    </cs:fontRef>
+    <cs:spPr>
+      <a:ln w="9525">
+        <a:solidFill>
+          <a:schemeClr val="phClr"/>
+        </a:solidFill>
+      </a:ln>
+    </cs:spPr>
+  </cs:dataPointMarker>
+  <cs:dataPointMarkerLayout symbol="circle" size="5"/>
+  <cs:dataPointWireframe>
+    <cs:lnRef idx="0">
+      <cs:styleClr val="auto"/>
+    </cs:lnRef>
+    <cs:fillRef idx="0"/>
+    <cs:effectRef idx="0"/>
+    <cs:fontRef idx="minor">
+      <a:schemeClr val="dk1"/>
+    </cs:fontRef>
+    <cs:spPr>
+      <a:ln w="9525" cap="rnd">
+        <a:solidFill>
+          <a:schemeClr val="phClr"/>
+        </a:solidFill>
+        <a:round/>
+      </a:ln>
+    </cs:spPr>
+  </cs:dataPointWireframe>
+  <cs:dataTable>
+    <cs:lnRef idx="0"/>
+    <cs:fillRef idx="0"/>
+    <cs:effectRef idx="0"/>
+    <cs:fontRef idx="minor">
+      <a:schemeClr val="tx1">
+        <a:lumMod val="65000"/>
+        <a:lumOff val="35000"/>
+      </a:schemeClr>
+    </cs:fontRef>
+    <cs:spPr>
+      <a:noFill/>
+      <a:ln w="9525" cap="flat" cmpd="sng" algn="ctr">
+        <a:solidFill>
+          <a:schemeClr val="tx1">
+            <a:lumMod val="15000"/>
+            <a:lumOff val="85000"/>
+          </a:schemeClr>
+        </a:solidFill>
+        <a:round/>
+      </a:ln>
+    </cs:spPr>
+    <cs:defRPr sz="900" kern="1200"/>
+  </cs:dataTable>
+  <cs:downBar>
+    <cs:lnRef idx="0"/>
+    <cs:fillRef idx="0"/>
+    <cs:effectRef idx="0"/>
+    <cs:fontRef idx="minor">
+      <a:schemeClr val="tx1"/>
+    </cs:fontRef>
+    <cs:spPr>
+      <a:solidFill>
+        <a:schemeClr val="dk1">
+          <a:lumMod val="75000"/>
+          <a:lumOff val="25000"/>
+        </a:schemeClr>
+      </a:solidFill>
+      <a:ln w="9525" cap="flat" cmpd="sng" algn="ctr">
+        <a:solidFill>
+          <a:schemeClr val="tx1">
+            <a:lumMod val="65000"/>
+            <a:lumOff val="35000"/>
+          </a:schemeClr>
+        </a:solidFill>
+        <a:round/>
+      </a:ln>
+    </cs:spPr>
+  </cs:downBar>
+  <cs:dropLine>
+    <cs:lnRef idx="0"/>
+    <cs:fillRef idx="0"/>
+    <cs:effectRef idx="0"/>
+    <cs:fontRef idx="minor">
+      <a:schemeClr val="tx1"/>
+    </cs:fontRef>
+    <cs:spPr>
+      <a:ln w="9525" cap="flat" cmpd="sng" algn="ctr">
+        <a:solidFill>
+          <a:schemeClr val="tx1">
+            <a:lumMod val="35000"/>
+            <a:lumOff val="65000"/>
+          </a:schemeClr>
+        </a:solidFill>
+        <a:round/>
+      </a:ln>
+    </cs:spPr>
+  </cs:dropLine>
+  <cs:errorBar>
+    <cs:lnRef idx="0"/>
+    <cs:fillRef idx="0"/>
+    <cs:effectRef idx="0"/>
+    <cs:fontRef idx="minor">
+      <a:schemeClr val="tx1"/>
+    </cs:fontRef>
+    <cs:spPr>
+      <a:ln w="9525" cap="flat" cmpd="sng" algn="ctr">
+        <a:solidFill>
+          <a:schemeClr val="tx1">
+            <a:lumMod val="65000"/>
+            <a:lumOff val="35000"/>
+          </a:schemeClr>
+        </a:solidFill>
+        <a:round/>
+      </a:ln>
+    </cs:spPr>
+  </cs:errorBar>
+  <cs:floor>
+    <cs:lnRef idx="0"/>
+    <cs:fillRef idx="0"/>
+    <cs:effectRef idx="0"/>
+    <cs:fontRef idx="minor">
+      <a:schemeClr val="tx1"/>
+    </cs:fontRef>
+    <cs:spPr>
+      <a:noFill/>
+      <a:ln>
+        <a:noFill/>
+      </a:ln>
+    </cs:spPr>
+  </cs:floor>
+  <cs:gridlineMajor>
+    <cs:lnRef idx="0"/>
+    <cs:fillRef idx="0"/>
+    <cs:effectRef idx="0"/>
+    <cs:fontRef idx="minor">
+      <a:schemeClr val="tx1"/>
+    </cs:fontRef>
+    <cs:spPr>
+      <a:ln w="9525" cap="flat" cmpd="sng" algn="ctr">
+        <a:solidFill>
+          <a:schemeClr val="tx1">
+            <a:lumMod val="15000"/>
+            <a:lumOff val="85000"/>
+          </a:schemeClr>
+        </a:solidFill>
+        <a:round/>
+      </a:ln>
+    </cs:spPr>
+  </cs:gridlineMajor>
+  <cs:gridlineMinor>
+    <cs:lnRef idx="0"/>
+    <cs:fillRef idx="0"/>
+    <cs:effectRef idx="0"/>
+    <cs:fontRef idx="minor">
+      <a:schemeClr val="tx1"/>
+    </cs:fontRef>
+    <cs:spPr>
+      <a:ln w="9525" cap="flat" cmpd="sng" algn="ctr">
+        <a:solidFill>
+          <a:schemeClr val="tx1">
+            <a:lumMod val="5000"/>
+            <a:lumOff val="95000"/>
+          </a:schemeClr>
+        </a:solidFill>
+        <a:round/>
+      </a:ln>
+    </cs:spPr>
+  </cs:gridlineMinor>
+  <cs:hiLoLine>
+    <cs:lnRef idx="0"/>
+    <cs:fillRef idx="0"/>
+    <cs:effectRef idx="0"/>
+    <cs:fontRef idx="minor">
+      <a:schemeClr val="tx1"/>
+    </cs:fontRef>
+    <cs:spPr>
+      <a:ln w="9525" cap="flat" cmpd="sng" algn="ctr">
+        <a:solidFill>
+          <a:schemeClr val="tx1">
+            <a:lumMod val="50000"/>
+            <a:lumOff val="50000"/>
+          </a:schemeClr>
+        </a:solidFill>
+        <a:round/>
+      </a:ln>
+    </cs:spPr>
+  </cs:hiLoLine>
+  <cs:leaderLine>
+    <cs:lnRef idx="0"/>
+    <cs:fillRef idx="0"/>
+    <cs:effectRef idx="0"/>
+    <cs:fontRef idx="minor">
+      <a:schemeClr val="tx1"/>
+    </cs:fontRef>
+    <cs:spPr>
+      <a:ln w="9525" cap="flat" cmpd="sng" algn="ctr">
+        <a:solidFill>
+          <a:schemeClr val="tx1">
+            <a:lumMod val="35000"/>
+            <a:lumOff val="65000"/>
+          </a:schemeClr>
+        </a:solidFill>
+        <a:round/>
+      </a:ln>
+    </cs:spPr>
+  </cs:leaderLine>
+  <cs:legend>
+    <cs:lnRef idx="0"/>
+    <cs:fillRef idx="0"/>
+    <cs:effectRef idx="0"/>
+    <cs:fontRef idx="minor">
+      <a:schemeClr val="tx1">
+        <a:lumMod val="65000"/>
+        <a:lumOff val="35000"/>
+      </a:schemeClr>
+    </cs:fontRef>
+    <cs:defRPr sz="900" kern="1200"/>
+  </cs:legend>
+  <cs:plotArea mods="allowNoFillOverride allowNoLineOverride">
+    <cs:lnRef idx="0"/>
+    <cs:fillRef idx="0"/>
+    <cs:effectRef idx="0"/>
+    <cs:fontRef idx="minor">
+      <a:schemeClr val="tx1"/>
+    </cs:fontRef>
+  </cs:plotArea>
+  <cs:plotArea3D mods="allowNoFillOverride allowNoLineOverride">
+    <cs:lnRef idx="0"/>
+    <cs:fillRef idx="0"/>
+    <cs:effectRef idx="0"/>
+    <cs:fontRef idx="minor">
+      <a:schemeClr val="tx1"/>
+    </cs:fontRef>
+  </cs:plotArea3D>
+  <cs:seriesAxis>
+    <cs:lnRef idx="0"/>
+    <cs:fillRef idx="0"/>
+    <cs:effectRef idx="0"/>
+    <cs:fontRef idx="minor">
+      <a:schemeClr val="tx1">
+        <a:lumMod val="65000"/>
+        <a:lumOff val="35000"/>
+      </a:schemeClr>
+    </cs:fontRef>
+    <cs:defRPr sz="900" kern="1200"/>
+  </cs:seriesAxis>
+  <cs:seriesLine>
+    <cs:lnRef idx="0"/>
+    <cs:fillRef idx="0"/>
+    <cs:effectRef idx="0"/>
+    <cs:fontRef idx="minor">
+      <a:schemeClr val="tx1"/>
+    </cs:fontRef>
+    <cs:spPr>
+      <a:ln w="9525" cap="flat" cmpd="sng" algn="ctr">
+        <a:solidFill>
+          <a:schemeClr val="tx1">
+            <a:lumMod val="35000"/>
+            <a:lumOff val="65000"/>
+          </a:schemeClr>
+        </a:solidFill>
+        <a:round/>
+      </a:ln>
+    </cs:spPr>
+  </cs:seriesLine>
+  <cs:title>
+    <cs:lnRef idx="0"/>
+    <cs:fillRef idx="0"/>
+    <cs:effectRef idx="0"/>
+    <cs:fontRef idx="minor">
+      <a:schemeClr val="tx1">
+        <a:lumMod val="65000"/>
+        <a:lumOff val="35000"/>
+      </a:schemeClr>
+    </cs:fontRef>
+    <cs:defRPr sz="1400" b="0" kern="1200" spc="0" baseline="0"/>
+  </cs:title>
+  <cs:trendline>
+    <cs:lnRef idx="0">
+      <cs:styleClr val="auto"/>
+    </cs:lnRef>
+    <cs:fillRef idx="0"/>
+    <cs:effectRef idx="0"/>
+    <cs:fontRef idx="minor">
+      <a:schemeClr val="tx1"/>
+    </cs:fontRef>
+    <cs:spPr>
+      <a:ln w="19050" cap="rnd">
+        <a:solidFill>
+          <a:schemeClr val="phClr"/>
+        </a:solidFill>
+        <a:prstDash val="sysDot"/>
+      </a:ln>
+    </cs:spPr>
+  </cs:trendline>
+  <cs:trendlineLabel>
+    <cs:lnRef idx="0"/>
+    <cs:fillRef idx="0"/>
+    <cs:effectRef idx="0"/>
+    <cs:fontRef idx="minor">
+      <a:schemeClr val="tx1">
+        <a:lumMod val="65000"/>
+        <a:lumOff val="35000"/>
+      </a:schemeClr>
+    </cs:fontRef>
+    <cs:defRPr sz="900" kern="1200"/>
+  </cs:trendlineLabel>
+  <cs:upBar>
+    <cs:lnRef idx="0"/>
+    <cs:fillRef idx="0"/>
+    <cs:effectRef idx="0"/>
+    <cs:fontRef idx="minor">
+      <a:schemeClr val="tx1"/>
+    </cs:fontRef>
+    <cs:spPr>
+      <a:solidFill>
+        <a:schemeClr val="lt1"/>
+      </a:solidFill>
+      <a:ln w="9525" cap="flat" cmpd="sng" algn="ctr">
+        <a:solidFill>
+          <a:schemeClr val="tx1">
+            <a:lumMod val="65000"/>
+            <a:lumOff val="35000"/>
+          </a:schemeClr>
+        </a:solidFill>
+        <a:round/>
+      </a:ln>
+    </cs:spPr>
+  </cs:upBar>
+  <cs:valueAxis>
+    <cs:lnRef idx="0"/>
+    <cs:fillRef idx="0"/>
+    <cs:effectRef idx="0"/>
+    <cs:fontRef idx="minor">
+      <a:schemeClr val="tx1">
+        <a:lumMod val="65000"/>
+        <a:lumOff val="35000"/>
+      </a:schemeClr>
+    </cs:fontRef>
+    <cs:spPr>
+      <a:ln w="9525" cap="flat" cmpd="sng" algn="ctr">
+        <a:solidFill>
+          <a:schemeClr val="tx1">
+            <a:lumMod val="25000"/>
+            <a:lumOff val="75000"/>
+          </a:schemeClr>
+        </a:solidFill>
+        <a:round/>
+      </a:ln>
+    </cs:spPr>
+    <cs:defRPr sz="900" kern="1200"/>
+  </cs:valueAxis>
+  <cs:wall>
+    <cs:lnRef idx="0"/>
+    <cs:fillRef idx="0"/>
+    <cs:effectRef idx="0"/>
+    <cs:fontRef idx="minor">
+      <a:schemeClr val="tx1"/>
+    </cs:fontRef>
+    <cs:spPr>
+      <a:noFill/>
+      <a:ln>
+        <a:noFill/>
+      </a:ln>
+    </cs:spPr>
+  </cs:wall>
+</cs:chartStyle>
+</file>
+
+<file path=ppt/charts/style2.xml><?xml version="1.0" encoding="utf-8"?>
+<cs:chartStyle xmlns:cs="http://schemas.microsoft.com/office/drawing/2012/chartStyle" xmlns:a="http://schemas.openxmlformats.org/drawingml/2006/main" id="240">
+  <cs:axisTitle>
+    <cs:lnRef idx="0"/>
+    <cs:fillRef idx="0"/>
+    <cs:effectRef idx="0"/>
+    <cs:fontRef idx="minor">
+      <a:schemeClr val="tx1">
+        <a:lumMod val="65000"/>
+        <a:lumOff val="35000"/>
+      </a:schemeClr>
+    </cs:fontRef>
+    <cs:defRPr sz="1000" kern="1200"/>
+  </cs:axisTitle>
+  <cs:categoryAxis>
+    <cs:lnRef idx="0"/>
+    <cs:fillRef idx="0"/>
+    <cs:effectRef idx="0"/>
+    <cs:fontRef idx="minor">
+      <a:schemeClr val="tx1">
+        <a:lumMod val="65000"/>
+        <a:lumOff val="35000"/>
+      </a:schemeClr>
+    </cs:fontRef>
+    <cs:spPr>
+      <a:ln w="9525" cap="flat" cmpd="sng" algn="ctr">
+        <a:solidFill>
+          <a:schemeClr val="tx1">
+            <a:lumMod val="25000"/>
+            <a:lumOff val="75000"/>
+          </a:schemeClr>
+        </a:solidFill>
+        <a:round/>
+      </a:ln>
+    </cs:spPr>
+    <cs:defRPr sz="900" kern="1200"/>
+  </cs:categoryAxis>
+  <cs:chartArea mods="allowNoFillOverride allowNoLineOverride">
+    <cs:lnRef idx="0"/>
+    <cs:fillRef idx="0"/>
+    <cs:effectRef idx="0"/>
+    <cs:fontRef idx="minor">
+      <a:schemeClr val="tx1"/>
+    </cs:fontRef>
+    <cs:spPr>
+      <a:solidFill>
+        <a:schemeClr val="bg1"/>
+      </a:solidFill>
+      <a:ln w="9525" cap="flat" cmpd="sng" algn="ctr">
+        <a:solidFill>
+          <a:schemeClr val="tx1">
+            <a:lumMod val="15000"/>
+            <a:lumOff val="85000"/>
+          </a:schemeClr>
+        </a:solidFill>
+        <a:round/>
+      </a:ln>
+    </cs:spPr>
+    <cs:defRPr sz="1000" kern="1200"/>
+  </cs:chartArea>
+  <cs:dataLabel>
+    <cs:lnRef idx="0"/>
+    <cs:fillRef idx="0"/>
+    <cs:effectRef idx="0"/>
+    <cs:fontRef idx="minor">
+      <a:schemeClr val="tx1">
+        <a:lumMod val="75000"/>
+        <a:lumOff val="25000"/>
+      </a:schemeClr>
+    </cs:fontRef>
+    <cs:defRPr sz="900" kern="1200"/>
+  </cs:dataLabel>
+  <cs:dataLabelCallout>
+    <cs:lnRef idx="0"/>
+    <cs:fillRef idx="0"/>
+    <cs:effectRef idx="0"/>
+    <cs:fontRef idx="minor">
+      <a:schemeClr val="dk1">
+        <a:lumMod val="65000"/>
+        <a:lumOff val="35000"/>
+      </a:schemeClr>
+    </cs:fontRef>
+    <cs:spPr>
+      <a:solidFill>
+        <a:schemeClr val="lt1"/>
+      </a:solidFill>
+      <a:ln>
+        <a:solidFill>
+          <a:schemeClr val="dk1">
+            <a:lumMod val="25000"/>
+            <a:lumOff val="75000"/>
+          </a:schemeClr>
+        </a:solidFill>
+      </a:ln>
+    </cs:spPr>
+    <cs:defRPr sz="900" kern="1200"/>
+    <cs:bodyPr rot="0" spcFirstLastPara="1" vertOverflow="clip" horzOverflow="clip" vert="horz" wrap="square" lIns="36576" tIns="18288" rIns="36576" bIns="18288" anchor="ctr" anchorCtr="1">
+      <a:spAutoFit/>
+    </cs:bodyPr>
+  </cs:dataLabelCallout>
+  <cs:dataPoint>
+    <cs:lnRef idx="0"/>
+    <cs:fillRef idx="1">
+      <cs:styleClr val="auto"/>
+    </cs:fillRef>
+    <cs:effectRef idx="0"/>
+    <cs:fontRef idx="minor">
+      <a:schemeClr val="tx1"/>
+    </cs:fontRef>
+  </cs:dataPoint>
+  <cs:dataPoint3D>
+    <cs:lnRef idx="0"/>
+    <cs:fillRef idx="1">
+      <cs:styleClr val="auto"/>
+    </cs:fillRef>
+    <cs:effectRef idx="0"/>
+    <cs:fontRef idx="minor">
+      <a:schemeClr val="tx1"/>
+    </cs:fontRef>
+  </cs:dataPoint3D>
+  <cs:dataPointLine>
+    <cs:lnRef idx="0">
+      <cs:styleClr val="auto"/>
+    </cs:lnRef>
+    <cs:fillRef idx="1"/>
+    <cs:effectRef idx="0"/>
+    <cs:fontRef idx="minor">
+      <a:schemeClr val="tx1"/>
+    </cs:fontRef>
+    <cs:spPr>
+      <a:ln w="19050" cap="rnd">
+        <a:solidFill>
+          <a:schemeClr val="phClr"/>
+        </a:solidFill>
+        <a:round/>
+      </a:ln>
+    </cs:spPr>
+  </cs:dataPointLine>
+  <cs:dataPointMarker>
+    <cs:lnRef idx="0">
+      <cs:styleClr val="auto"/>
+    </cs:lnRef>
+    <cs:fillRef idx="1">
+      <cs:styleClr val="auto"/>
+    </cs:fillRef>
+    <cs:effectRef idx="0"/>
+    <cs:fontRef idx="minor">
+      <a:schemeClr val="tx1"/>
+    </cs:fontRef>
+    <cs:spPr>
+      <a:ln w="9525">
+        <a:solidFill>
+          <a:schemeClr val="phClr"/>
+        </a:solidFill>
+      </a:ln>
+    </cs:spPr>
+  </cs:dataPointMarker>
+  <cs:dataPointMarkerLayout symbol="circle" size="5"/>
+  <cs:dataPointWireframe>
+    <cs:lnRef idx="0">
+      <cs:styleClr val="auto"/>
+    </cs:lnRef>
+    <cs:fillRef idx="0"/>
+    <cs:effectRef idx="0"/>
+    <cs:fontRef idx="minor">
+      <a:schemeClr val="dk1"/>
+    </cs:fontRef>
+    <cs:spPr>
+      <a:ln w="9525" cap="rnd">
+        <a:solidFill>
+          <a:schemeClr val="phClr"/>
+        </a:solidFill>
+        <a:round/>
+      </a:ln>
+    </cs:spPr>
+  </cs:dataPointWireframe>
+  <cs:dataTable>
+    <cs:lnRef idx="0"/>
+    <cs:fillRef idx="0"/>
+    <cs:effectRef idx="0"/>
+    <cs:fontRef idx="minor">
+      <a:schemeClr val="tx1">
+        <a:lumMod val="65000"/>
+        <a:lumOff val="35000"/>
+      </a:schemeClr>
+    </cs:fontRef>
+    <cs:spPr>
+      <a:noFill/>
+      <a:ln w="9525" cap="flat" cmpd="sng" algn="ctr">
+        <a:solidFill>
+          <a:schemeClr val="tx1">
+            <a:lumMod val="15000"/>
+            <a:lumOff val="85000"/>
+          </a:schemeClr>
+        </a:solidFill>
+        <a:round/>
+      </a:ln>
+    </cs:spPr>
+    <cs:defRPr sz="900" kern="1200"/>
+  </cs:dataTable>
+  <cs:downBar>
+    <cs:lnRef idx="0"/>
+    <cs:fillRef idx="0"/>
+    <cs:effectRef idx="0"/>
+    <cs:fontRef idx="minor">
+      <a:schemeClr val="tx1"/>
+    </cs:fontRef>
+    <cs:spPr>
+      <a:solidFill>
+        <a:schemeClr val="dk1">
+          <a:lumMod val="75000"/>
+          <a:lumOff val="25000"/>
+        </a:schemeClr>
+      </a:solidFill>
+      <a:ln w="9525" cap="flat" cmpd="sng" algn="ctr">
+        <a:solidFill>
+          <a:schemeClr val="tx1">
+            <a:lumMod val="65000"/>
+            <a:lumOff val="35000"/>
+          </a:schemeClr>
+        </a:solidFill>
+        <a:round/>
+      </a:ln>
+    </cs:spPr>
+  </cs:downBar>
+  <cs:dropLine>
+    <cs:lnRef idx="0"/>
+    <cs:fillRef idx="0"/>
+    <cs:effectRef idx="0"/>
+    <cs:fontRef idx="minor">
+      <a:schemeClr val="tx1"/>
+    </cs:fontRef>
+    <cs:spPr>
+      <a:ln w="9525" cap="flat" cmpd="sng" algn="ctr">
+        <a:solidFill>
+          <a:schemeClr val="tx1">
+            <a:lumMod val="35000"/>
+            <a:lumOff val="65000"/>
+          </a:schemeClr>
+        </a:solidFill>
+        <a:round/>
+      </a:ln>
+    </cs:spPr>
+  </cs:dropLine>
+  <cs:errorBar>
+    <cs:lnRef idx="0"/>
+    <cs:fillRef idx="0"/>
+    <cs:effectRef idx="0"/>
+    <cs:fontRef idx="minor">
+      <a:schemeClr val="tx1"/>
+    </cs:fontRef>
+    <cs:spPr>
+      <a:ln w="9525" cap="flat" cmpd="sng" algn="ctr">
+        <a:solidFill>
+          <a:schemeClr val="tx1">
+            <a:lumMod val="65000"/>
+            <a:lumOff val="35000"/>
+          </a:schemeClr>
+        </a:solidFill>
+        <a:round/>
+      </a:ln>
+    </cs:spPr>
+  </cs:errorBar>
+  <cs:floor>
+    <cs:lnRef idx="0"/>
+    <cs:fillRef idx="0"/>
+    <cs:effectRef idx="0"/>
+    <cs:fontRef idx="minor">
+      <a:schemeClr val="tx1"/>
+    </cs:fontRef>
+    <cs:spPr>
+      <a:noFill/>
+      <a:ln>
+        <a:noFill/>
+      </a:ln>
+    </cs:spPr>
+  </cs:floor>
+  <cs:gridlineMajor>
+    <cs:lnRef idx="0"/>
+    <cs:fillRef idx="0"/>
+    <cs:effectRef idx="0"/>
+    <cs:fontRef idx="minor">
+      <a:schemeClr val="tx1"/>
+    </cs:fontRef>
+    <cs:spPr>
+      <a:ln w="9525" cap="flat" cmpd="sng" algn="ctr">
+        <a:solidFill>
+          <a:schemeClr val="tx1">
+            <a:lumMod val="15000"/>
+            <a:lumOff val="85000"/>
+          </a:schemeClr>
+        </a:solidFill>
+        <a:round/>
+      </a:ln>
+    </cs:spPr>
+  </cs:gridlineMajor>
+  <cs:gridlineMinor>
+    <cs:lnRef idx="0"/>
+    <cs:fillRef idx="0"/>
+    <cs:effectRef idx="0"/>
+    <cs:fontRef idx="minor">
+      <a:schemeClr val="tx1"/>
+    </cs:fontRef>
+    <cs:spPr>
+      <a:ln w="9525" cap="flat" cmpd="sng" algn="ctr">
+        <a:solidFill>
+          <a:schemeClr val="tx1">
+            <a:lumMod val="5000"/>
+            <a:lumOff val="95000"/>
+          </a:schemeClr>
+        </a:solidFill>
+        <a:round/>
+      </a:ln>
+    </cs:spPr>
+  </cs:gridlineMinor>
+  <cs:hiLoLine>
+    <cs:lnRef idx="0"/>
+    <cs:fillRef idx="0"/>
+    <cs:effectRef idx="0"/>
+    <cs:fontRef idx="minor">
+      <a:schemeClr val="tx1"/>
+    </cs:fontRef>
+    <cs:spPr>
+      <a:ln w="9525" cap="flat" cmpd="sng" algn="ctr">
+        <a:solidFill>
+          <a:schemeClr val="tx1">
+            <a:lumMod val="50000"/>
+            <a:lumOff val="50000"/>
+          </a:schemeClr>
+        </a:solidFill>
+        <a:round/>
+      </a:ln>
+    </cs:spPr>
+  </cs:hiLoLine>
+  <cs:leaderLine>
+    <cs:lnRef idx="0"/>
+    <cs:fillRef idx="0"/>
+    <cs:effectRef idx="0"/>
+    <cs:fontRef idx="minor">
+      <a:schemeClr val="tx1"/>
+    </cs:fontRef>
+    <cs:spPr>
+      <a:ln w="9525" cap="flat" cmpd="sng" algn="ctr">
+        <a:solidFill>
+          <a:schemeClr val="tx1">
+            <a:lumMod val="35000"/>
+            <a:lumOff val="65000"/>
+          </a:schemeClr>
+        </a:solidFill>
+        <a:round/>
+      </a:ln>
+    </cs:spPr>
+  </cs:leaderLine>
+  <cs:legend>
+    <cs:lnRef idx="0"/>
+    <cs:fillRef idx="0"/>
+    <cs:effectRef idx="0"/>
+    <cs:fontRef idx="minor">
+      <a:schemeClr val="tx1">
+        <a:lumMod val="65000"/>
+        <a:lumOff val="35000"/>
+      </a:schemeClr>
+    </cs:fontRef>
+    <cs:defRPr sz="900" kern="1200"/>
+  </cs:legend>
+  <cs:plotArea mods="allowNoFillOverride allowNoLineOverride">
+    <cs:lnRef idx="0"/>
+    <cs:fillRef idx="0"/>
+    <cs:effectRef idx="0"/>
+    <cs:fontRef idx="minor">
+      <a:schemeClr val="tx1"/>
+    </cs:fontRef>
+  </cs:plotArea>
+  <cs:plotArea3D mods="allowNoFillOverride allowNoLineOverride">
+    <cs:lnRef idx="0"/>
+    <cs:fillRef idx="0"/>
+    <cs:effectRef idx="0"/>
+    <cs:fontRef idx="minor">
+      <a:schemeClr val="tx1"/>
+    </cs:fontRef>
+  </cs:plotArea3D>
+  <cs:seriesAxis>
+    <cs:lnRef idx="0"/>
+    <cs:fillRef idx="0"/>
+    <cs:effectRef idx="0"/>
+    <cs:fontRef idx="minor">
+      <a:schemeClr val="tx1">
+        <a:lumMod val="65000"/>
+        <a:lumOff val="35000"/>
+      </a:schemeClr>
+    </cs:fontRef>
+    <cs:defRPr sz="900" kern="1200"/>
+  </cs:seriesAxis>
+  <cs:seriesLine>
+    <cs:lnRef idx="0"/>
+    <cs:fillRef idx="0"/>
+    <cs:effectRef idx="0"/>
+    <cs:fontRef idx="minor">
+      <a:schemeClr val="tx1"/>
+    </cs:fontRef>
+    <cs:spPr>
+      <a:ln w="9525" cap="flat" cmpd="sng" algn="ctr">
+        <a:solidFill>
+          <a:schemeClr val="tx1">
+            <a:lumMod val="35000"/>
+            <a:lumOff val="65000"/>
+          </a:schemeClr>
+        </a:solidFill>
+        <a:round/>
+      </a:ln>
+    </cs:spPr>
+  </cs:seriesLine>
+  <cs:title>
+    <cs:lnRef idx="0"/>
+    <cs:fillRef idx="0"/>
+    <cs:effectRef idx="0"/>
+    <cs:fontRef idx="minor">
+      <a:schemeClr val="tx1">
+        <a:lumMod val="65000"/>
+        <a:lumOff val="35000"/>
+      </a:schemeClr>
+    </cs:fontRef>
+    <cs:defRPr sz="1400" b="0" kern="1200" spc="0" baseline="0"/>
+  </cs:title>
+  <cs:trendline>
+    <cs:lnRef idx="0">
+      <cs:styleClr val="auto"/>
+    </cs:lnRef>
+    <cs:fillRef idx="0"/>
+    <cs:effectRef idx="0"/>
+    <cs:fontRef idx="minor">
+      <a:schemeClr val="tx1"/>
+    </cs:fontRef>
+    <cs:spPr>
+      <a:ln w="19050" cap="rnd">
+        <a:solidFill>
+          <a:schemeClr val="phClr"/>
+        </a:solidFill>
+        <a:prstDash val="sysDot"/>
+      </a:ln>
+    </cs:spPr>
+  </cs:trendline>
+  <cs:trendlineLabel>
+    <cs:lnRef idx="0"/>
+    <cs:fillRef idx="0"/>
+    <cs:effectRef idx="0"/>
+    <cs:fontRef idx="minor">
+      <a:schemeClr val="tx1">
+        <a:lumMod val="65000"/>
+        <a:lumOff val="35000"/>
+      </a:schemeClr>
+    </cs:fontRef>
+    <cs:defRPr sz="900" kern="1200"/>
+  </cs:trendlineLabel>
+  <cs:upBar>
+    <cs:lnRef idx="0"/>
+    <cs:fillRef idx="0"/>
+    <cs:effectRef idx="0"/>
+    <cs:fontRef idx="minor">
+      <a:schemeClr val="tx1"/>
+    </cs:fontRef>
+    <cs:spPr>
+      <a:solidFill>
+        <a:schemeClr val="lt1"/>
+      </a:solidFill>
+      <a:ln w="9525" cap="flat" cmpd="sng" algn="ctr">
+        <a:solidFill>
+          <a:schemeClr val="tx1">
+            <a:lumMod val="65000"/>
+            <a:lumOff val="35000"/>
+          </a:schemeClr>
+        </a:solidFill>
+        <a:round/>
+      </a:ln>
+    </cs:spPr>
+  </cs:upBar>
+  <cs:valueAxis>
+    <cs:lnRef idx="0"/>
+    <cs:fillRef idx="0"/>
+    <cs:effectRef idx="0"/>
+    <cs:fontRef idx="minor">
+      <a:schemeClr val="tx1">
+        <a:lumMod val="65000"/>
+        <a:lumOff val="35000"/>
+      </a:schemeClr>
+    </cs:fontRef>
+    <cs:spPr>
+      <a:ln w="9525" cap="flat" cmpd="sng" algn="ctr">
+        <a:solidFill>
+          <a:schemeClr val="tx1">
+            <a:lumMod val="25000"/>
+            <a:lumOff val="75000"/>
+          </a:schemeClr>
+        </a:solidFill>
+        <a:round/>
+      </a:ln>
+    </cs:spPr>
+    <cs:defRPr sz="900" kern="1200"/>
+  </cs:valueAxis>
+  <cs:wall>
+    <cs:lnRef idx="0"/>
+    <cs:fillRef idx="0"/>
+    <cs:effectRef idx="0"/>
+    <cs:fontRef idx="minor">
+      <a:schemeClr val="tx1"/>
+    </cs:fontRef>
+    <cs:spPr>
+      <a:noFill/>
+      <a:ln>
+        <a:noFill/>
+      </a:ln>
+    </cs:spPr>
+  </cs:wall>
+</cs:chartStyle>
+</file>
+
+<file path=ppt/charts/style3.xml><?xml version="1.0" encoding="utf-8"?>
+<cs:chartStyle xmlns:cs="http://schemas.microsoft.com/office/drawing/2012/chartStyle" xmlns:a="http://schemas.openxmlformats.org/drawingml/2006/main" id="240">
+  <cs:axisTitle>
+    <cs:lnRef idx="0"/>
+    <cs:fillRef idx="0"/>
+    <cs:effectRef idx="0"/>
+    <cs:fontRef idx="minor">
+      <a:schemeClr val="tx1">
+        <a:lumMod val="65000"/>
+        <a:lumOff val="35000"/>
+      </a:schemeClr>
+    </cs:fontRef>
+    <cs:defRPr sz="1000" kern="1200"/>
+  </cs:axisTitle>
+  <cs:categoryAxis>
+    <cs:lnRef idx="0"/>
+    <cs:fillRef idx="0"/>
+    <cs:effectRef idx="0"/>
+    <cs:fontRef idx="minor">
+      <a:schemeClr val="tx1">
+        <a:lumMod val="65000"/>
+        <a:lumOff val="35000"/>
+      </a:schemeClr>
+    </cs:fontRef>
+    <cs:spPr>
+      <a:ln w="9525" cap="flat" cmpd="sng" algn="ctr">
+        <a:solidFill>
+          <a:schemeClr val="tx1">
+            <a:lumMod val="25000"/>
+            <a:lumOff val="75000"/>
+          </a:schemeClr>
+        </a:solidFill>
+        <a:round/>
+      </a:ln>
+    </cs:spPr>
+    <cs:defRPr sz="900" kern="1200"/>
+  </cs:categoryAxis>
+  <cs:chartArea mods="allowNoFillOverride allowNoLineOverride">
+    <cs:lnRef idx="0"/>
+    <cs:fillRef idx="0"/>
+    <cs:effectRef idx="0"/>
+    <cs:fontRef idx="minor">
+      <a:schemeClr val="tx1"/>
+    </cs:fontRef>
+    <cs:spPr>
+      <a:solidFill>
+        <a:schemeClr val="bg1"/>
+      </a:solidFill>
+      <a:ln w="9525" cap="flat" cmpd="sng" algn="ctr">
+        <a:solidFill>
+          <a:schemeClr val="tx1">
+            <a:lumMod val="15000"/>
+            <a:lumOff val="85000"/>
+          </a:schemeClr>
+        </a:solidFill>
+        <a:round/>
+      </a:ln>
+    </cs:spPr>
+    <cs:defRPr sz="1000" kern="1200"/>
+  </cs:chartArea>
+  <cs:dataLabel>
+    <cs:lnRef idx="0"/>
+    <cs:fillRef idx="0"/>
+    <cs:effectRef idx="0"/>
+    <cs:fontRef idx="minor">
+      <a:schemeClr val="tx1">
+        <a:lumMod val="75000"/>
+        <a:lumOff val="25000"/>
+      </a:schemeClr>
+    </cs:fontRef>
+    <cs:defRPr sz="900" kern="1200"/>
+  </cs:dataLabel>
+  <cs:dataLabelCallout>
+    <cs:lnRef idx="0"/>
+    <cs:fillRef idx="0"/>
+    <cs:effectRef idx="0"/>
+    <cs:fontRef idx="minor">
+      <a:schemeClr val="dk1">
+        <a:lumMod val="65000"/>
+        <a:lumOff val="35000"/>
+      </a:schemeClr>
+    </cs:fontRef>
+    <cs:spPr>
+      <a:solidFill>
+        <a:schemeClr val="lt1"/>
+      </a:solidFill>
+      <a:ln>
+        <a:solidFill>
+          <a:schemeClr val="dk1">
+            <a:lumMod val="25000"/>
+            <a:lumOff val="75000"/>
+          </a:schemeClr>
+        </a:solidFill>
+      </a:ln>
+    </cs:spPr>
+    <cs:defRPr sz="900" kern="1200"/>
+    <cs:bodyPr rot="0" spcFirstLastPara="1" vertOverflow="clip" horzOverflow="clip" vert="horz" wrap="square" lIns="36576" tIns="18288" rIns="36576" bIns="18288" anchor="ctr" anchorCtr="1">
+      <a:spAutoFit/>
+    </cs:bodyPr>
+  </cs:dataLabelCallout>
+  <cs:dataPoint>
+    <cs:lnRef idx="0"/>
+    <cs:fillRef idx="1">
+      <cs:styleClr val="auto"/>
+    </cs:fillRef>
+    <cs:effectRef idx="0"/>
+    <cs:fontRef idx="minor">
+      <a:schemeClr val="tx1"/>
+    </cs:fontRef>
+  </cs:dataPoint>
+  <cs:dataPoint3D>
+    <cs:lnRef idx="0"/>
+    <cs:fillRef idx="1">
+      <cs:styleClr val="auto"/>
+    </cs:fillRef>
+    <cs:effectRef idx="0"/>
+    <cs:fontRef idx="minor">
+      <a:schemeClr val="tx1"/>
+    </cs:fontRef>
+  </cs:dataPoint3D>
+  <cs:dataPointLine>
+    <cs:lnRef idx="0">
+      <cs:styleClr val="auto"/>
+    </cs:lnRef>
+    <cs:fillRef idx="1"/>
+    <cs:effectRef idx="0"/>
+    <cs:fontRef idx="minor">
+      <a:schemeClr val="tx1"/>
+    </cs:fontRef>
+    <cs:spPr>
+      <a:ln w="19050" cap="rnd">
+        <a:solidFill>
+          <a:schemeClr val="phClr"/>
+        </a:solidFill>
+        <a:round/>
+      </a:ln>
+    </cs:spPr>
+  </cs:dataPointLine>
+  <cs:dataPointMarker>
+    <cs:lnRef idx="0">
+      <cs:styleClr val="auto"/>
+    </cs:lnRef>
+    <cs:fillRef idx="1">
+      <cs:styleClr val="auto"/>
+    </cs:fillRef>
+    <cs:effectRef idx="0"/>
+    <cs:fontRef idx="minor">
+      <a:schemeClr val="tx1"/>
+    </cs:fontRef>
+    <cs:spPr>
+      <a:ln w="9525">
+        <a:solidFill>
+          <a:schemeClr val="phClr"/>
+        </a:solidFill>
+      </a:ln>
+    </cs:spPr>
+  </cs:dataPointMarker>
+  <cs:dataPointMarkerLayout symbol="circle" size="5"/>
+  <cs:dataPointWireframe>
+    <cs:lnRef idx="0">
+      <cs:styleClr val="auto"/>
+    </cs:lnRef>
+    <cs:fillRef idx="0"/>
+    <cs:effectRef idx="0"/>
+    <cs:fontRef idx="minor">
+      <a:schemeClr val="dk1"/>
+    </cs:fontRef>
+    <cs:spPr>
+      <a:ln w="9525" cap="rnd">
+        <a:solidFill>
+          <a:schemeClr val="phClr"/>
+        </a:solidFill>
+        <a:round/>
+      </a:ln>
+    </cs:spPr>
+  </cs:dataPointWireframe>
+  <cs:dataTable>
+    <cs:lnRef idx="0"/>
+    <cs:fillRef idx="0"/>
+    <cs:effectRef idx="0"/>
+    <cs:fontRef idx="minor">
+      <a:schemeClr val="tx1">
+        <a:lumMod val="65000"/>
+        <a:lumOff val="35000"/>
+      </a:schemeClr>
+    </cs:fontRef>
+    <cs:spPr>
+      <a:noFill/>
+      <a:ln w="9525" cap="flat" cmpd="sng" algn="ctr">
+        <a:solidFill>
+          <a:schemeClr val="tx1">
+            <a:lumMod val="15000"/>
+            <a:lumOff val="85000"/>
+          </a:schemeClr>
+        </a:solidFill>
+        <a:round/>
+      </a:ln>
+    </cs:spPr>
+    <cs:defRPr sz="900" kern="1200"/>
+  </cs:dataTable>
+  <cs:downBar>
+    <cs:lnRef idx="0"/>
+    <cs:fillRef idx="0"/>
+    <cs:effectRef idx="0"/>
+    <cs:fontRef idx="minor">
+      <a:schemeClr val="tx1"/>
+    </cs:fontRef>
+    <cs:spPr>
+      <a:solidFill>
+        <a:schemeClr val="dk1">
+          <a:lumMod val="75000"/>
+          <a:lumOff val="25000"/>
+        </a:schemeClr>
+      </a:solidFill>
+      <a:ln w="9525" cap="flat" cmpd="sng" algn="ctr">
+        <a:solidFill>
+          <a:schemeClr val="tx1">
+            <a:lumMod val="65000"/>
+            <a:lumOff val="35000"/>
+          </a:schemeClr>
+        </a:solidFill>
+        <a:round/>
+      </a:ln>
+    </cs:spPr>
+  </cs:downBar>
+  <cs:dropLine>
+    <cs:lnRef idx="0"/>
+    <cs:fillRef idx="0"/>
+    <cs:effectRef idx="0"/>
+    <cs:fontRef idx="minor">
+      <a:schemeClr val="tx1"/>
+    </cs:fontRef>
+    <cs:spPr>
+      <a:ln w="9525" cap="flat" cmpd="sng" algn="ctr">
+        <a:solidFill>
+          <a:schemeClr val="tx1">
+            <a:lumMod val="35000"/>
+            <a:lumOff val="65000"/>
+          </a:schemeClr>
+        </a:solidFill>
+        <a:round/>
+      </a:ln>
+    </cs:spPr>
+  </cs:dropLine>
+  <cs:errorBar>
+    <cs:lnRef idx="0"/>
+    <cs:fillRef idx="0"/>
+    <cs:effectRef idx="0"/>
+    <cs:fontRef idx="minor">
+      <a:schemeClr val="tx1"/>
+    </cs:fontRef>
+    <cs:spPr>
+      <a:ln w="9525" cap="flat" cmpd="sng" algn="ctr">
+        <a:solidFill>
+          <a:schemeClr val="tx1">
+            <a:lumMod val="65000"/>
+            <a:lumOff val="35000"/>
+          </a:schemeClr>
+        </a:solidFill>
+        <a:round/>
+      </a:ln>
+    </cs:spPr>
+  </cs:errorBar>
+  <cs:floor>
+    <cs:lnRef idx="0"/>
+    <cs:fillRef idx="0"/>
+    <cs:effectRef idx="0"/>
+    <cs:fontRef idx="minor">
+      <a:schemeClr val="tx1"/>
+    </cs:fontRef>
+    <cs:spPr>
+      <a:noFill/>
+      <a:ln>
+        <a:noFill/>
+      </a:ln>
+    </cs:spPr>
+  </cs:floor>
+  <cs:gridlineMajor>
+    <cs:lnRef idx="0"/>
+    <cs:fillRef idx="0"/>
+    <cs:effectRef idx="0"/>
+    <cs:fontRef idx="minor">
+      <a:schemeClr val="tx1"/>
+    </cs:fontRef>
+    <cs:spPr>
+      <a:ln w="9525" cap="flat" cmpd="sng" algn="ctr">
+        <a:solidFill>
+          <a:schemeClr val="tx1">
+            <a:lumMod val="15000"/>
+            <a:lumOff val="85000"/>
+          </a:schemeClr>
+        </a:solidFill>
+        <a:round/>
+      </a:ln>
+    </cs:spPr>
+  </cs:gridlineMajor>
+  <cs:gridlineMinor>
+    <cs:lnRef idx="0"/>
+    <cs:fillRef idx="0"/>
+    <cs:effectRef idx="0"/>
+    <cs:fontRef idx="minor">
+      <a:schemeClr val="tx1"/>
+    </cs:fontRef>
+    <cs:spPr>
+      <a:ln w="9525" cap="flat" cmpd="sng" algn="ctr">
+        <a:solidFill>
+          <a:schemeClr val="tx1">
+            <a:lumMod val="5000"/>
+            <a:lumOff val="95000"/>
+          </a:schemeClr>
+        </a:solidFill>
+        <a:round/>
+      </a:ln>
+    </cs:spPr>
+  </cs:gridlineMinor>
+  <cs:hiLoLine>
+    <cs:lnRef idx="0"/>
+    <cs:fillRef idx="0"/>
+    <cs:effectRef idx="0"/>
+    <cs:fontRef idx="minor">
+      <a:schemeClr val="tx1"/>
+    </cs:fontRef>
+    <cs:spPr>
+      <a:ln w="9525" cap="flat" cmpd="sng" algn="ctr">
+        <a:solidFill>
+          <a:schemeClr val="tx1">
+            <a:lumMod val="50000"/>
+            <a:lumOff val="50000"/>
+          </a:schemeClr>
+        </a:solidFill>
+        <a:round/>
+      </a:ln>
+    </cs:spPr>
+  </cs:hiLoLine>
+  <cs:leaderLine>
+    <cs:lnRef idx="0"/>
+    <cs:fillRef idx="0"/>
+    <cs:effectRef idx="0"/>
+    <cs:fontRef idx="minor">
+      <a:schemeClr val="tx1"/>
+    </cs:fontRef>
+    <cs:spPr>
+      <a:ln w="9525" cap="flat" cmpd="sng" algn="ctr">
+        <a:solidFill>
+          <a:schemeClr val="tx1">
+            <a:lumMod val="35000"/>
+            <a:lumOff val="65000"/>
+          </a:schemeClr>
+        </a:solidFill>
+        <a:round/>
+      </a:ln>
+    </cs:spPr>
+  </cs:leaderLine>
+  <cs:legend>
+    <cs:lnRef idx="0"/>
+    <cs:fillRef idx="0"/>
+    <cs:effectRef idx="0"/>
+    <cs:fontRef idx="minor">
+      <a:schemeClr val="tx1">
+        <a:lumMod val="65000"/>
+        <a:lumOff val="35000"/>
+      </a:schemeClr>
+    </cs:fontRef>
+    <cs:defRPr sz="900" kern="1200"/>
+  </cs:legend>
+  <cs:plotArea mods="allowNoFillOverride allowNoLineOverride">
+    <cs:lnRef idx="0"/>
+    <cs:fillRef idx="0"/>
+    <cs:effectRef idx="0"/>
+    <cs:fontRef idx="minor">
+      <a:schemeClr val="tx1"/>
+    </cs:fontRef>
+  </cs:plotArea>
+  <cs:plotArea3D mods="allowNoFillOverride allowNoLineOverride">
+    <cs:lnRef idx="0"/>
+    <cs:fillRef idx="0"/>
+    <cs:effectRef idx="0"/>
+    <cs:fontRef idx="minor">
+      <a:schemeClr val="tx1"/>
+    </cs:fontRef>
+  </cs:plotArea3D>
+  <cs:seriesAxis>
+    <cs:lnRef idx="0"/>
+    <cs:fillRef idx="0"/>
+    <cs:effectRef idx="0"/>
+    <cs:fontRef idx="minor">
+      <a:schemeClr val="tx1">
+        <a:lumMod val="65000"/>
+        <a:lumOff val="35000"/>
+      </a:schemeClr>
+    </cs:fontRef>
+    <cs:defRPr sz="900" kern="1200"/>
+  </cs:seriesAxis>
+  <cs:seriesLine>
+    <cs:lnRef idx="0"/>
+    <cs:fillRef idx="0"/>
+    <cs:effectRef idx="0"/>
+    <cs:fontRef idx="minor">
+      <a:schemeClr val="tx1"/>
+    </cs:fontRef>
+    <cs:spPr>
+      <a:ln w="9525" cap="flat" cmpd="sng" algn="ctr">
+        <a:solidFill>
+          <a:schemeClr val="tx1">
+            <a:lumMod val="35000"/>
+            <a:lumOff val="65000"/>
+          </a:schemeClr>
+        </a:solidFill>
+        <a:round/>
+      </a:ln>
+    </cs:spPr>
+  </cs:seriesLine>
+  <cs:title>
+    <cs:lnRef idx="0"/>
+    <cs:fillRef idx="0"/>
+    <cs:effectRef idx="0"/>
+    <cs:fontRef idx="minor">
+      <a:schemeClr val="tx1">
+        <a:lumMod val="65000"/>
+        <a:lumOff val="35000"/>
+      </a:schemeClr>
+    </cs:fontRef>
+    <cs:defRPr sz="1400" b="0" kern="1200" spc="0" baseline="0"/>
+  </cs:title>
+  <cs:trendline>
+    <cs:lnRef idx="0">
+      <cs:styleClr val="auto"/>
+    </cs:lnRef>
+    <cs:fillRef idx="0"/>
+    <cs:effectRef idx="0"/>
+    <cs:fontRef idx="minor">
+      <a:schemeClr val="tx1"/>
+    </cs:fontRef>
+    <cs:spPr>
+      <a:ln w="19050" cap="rnd">
+        <a:solidFill>
+          <a:schemeClr val="phClr"/>
+        </a:solidFill>
+        <a:prstDash val="sysDot"/>
+      </a:ln>
+    </cs:spPr>
+  </cs:trendline>
+  <cs:trendlineLabel>
+    <cs:lnRef idx="0"/>
+    <cs:fillRef idx="0"/>
+    <cs:effectRef idx="0"/>
+    <cs:fontRef idx="minor">
+      <a:schemeClr val="tx1">
+        <a:lumMod val="65000"/>
+        <a:lumOff val="35000"/>
+      </a:schemeClr>
+    </cs:fontRef>
+    <cs:defRPr sz="900" kern="1200"/>
+  </cs:trendlineLabel>
+  <cs:upBar>
+    <cs:lnRef idx="0"/>
+    <cs:fillRef idx="0"/>
+    <cs:effectRef idx="0"/>
+    <cs:fontRef idx="minor">
+      <a:schemeClr val="tx1"/>
+    </cs:fontRef>
+    <cs:spPr>
+      <a:solidFill>
+        <a:schemeClr val="lt1"/>
+      </a:solidFill>
+      <a:ln w="9525" cap="flat" cmpd="sng" algn="ctr">
+        <a:solidFill>
+          <a:schemeClr val="tx1">
+            <a:lumMod val="65000"/>
+            <a:lumOff val="35000"/>
+          </a:schemeClr>
+        </a:solidFill>
+        <a:round/>
+      </a:ln>
+    </cs:spPr>
+  </cs:upBar>
+  <cs:valueAxis>
+    <cs:lnRef idx="0"/>
+    <cs:fillRef idx="0"/>
+    <cs:effectRef idx="0"/>
+    <cs:fontRef idx="minor">
+      <a:schemeClr val="tx1">
+        <a:lumMod val="65000"/>
+        <a:lumOff val="35000"/>
+      </a:schemeClr>
+    </cs:fontRef>
+    <cs:spPr>
+      <a:ln w="9525" cap="flat" cmpd="sng" algn="ctr">
+        <a:solidFill>
+          <a:schemeClr val="tx1">
+            <a:lumMod val="25000"/>
+            <a:lumOff val="75000"/>
+          </a:schemeClr>
+        </a:solidFill>
+        <a:round/>
+      </a:ln>
+    </cs:spPr>
+    <cs:defRPr sz="900" kern="1200"/>
+  </cs:valueAxis>
+  <cs:wall>
+    <cs:lnRef idx="0"/>
+    <cs:fillRef idx="0"/>
+    <cs:effectRef idx="0"/>
+    <cs:fontRef idx="minor">
+      <a:schemeClr val="tx1"/>
+    </cs:fontRef>
+    <cs:spPr>
+      <a:noFill/>
+      <a:ln>
+        <a:noFill/>
+      </a:ln>
+    </cs:spPr>
+  </cs:wall>
+</cs:chartStyle>
+</file>
+
+<file path=ppt/charts/style4.xml><?xml version="1.0" encoding="utf-8"?>
+<cs:chartStyle xmlns:cs="http://schemas.microsoft.com/office/drawing/2012/chartStyle" xmlns:a="http://schemas.openxmlformats.org/drawingml/2006/main" id="240">
+  <cs:axisTitle>
+    <cs:lnRef idx="0"/>
+    <cs:fillRef idx="0"/>
+    <cs:effectRef idx="0"/>
+    <cs:fontRef idx="minor">
+      <a:schemeClr val="tx1">
+        <a:lumMod val="65000"/>
+        <a:lumOff val="35000"/>
+      </a:schemeClr>
+    </cs:fontRef>
+    <cs:defRPr sz="1000" kern="1200"/>
+  </cs:axisTitle>
+  <cs:categoryAxis>
+    <cs:lnRef idx="0"/>
+    <cs:fillRef idx="0"/>
+    <cs:effectRef idx="0"/>
+    <cs:fontRef idx="minor">
+      <a:schemeClr val="tx1">
+        <a:lumMod val="65000"/>
+        <a:lumOff val="35000"/>
+      </a:schemeClr>
+    </cs:fontRef>
+    <cs:spPr>
+      <a:ln w="9525" cap="flat" cmpd="sng" algn="ctr">
+        <a:solidFill>
+          <a:schemeClr val="tx1">
+            <a:lumMod val="25000"/>
+            <a:lumOff val="75000"/>
+          </a:schemeClr>
+        </a:solidFill>
+        <a:round/>
+      </a:ln>
+    </cs:spPr>
+    <cs:defRPr sz="900" kern="1200"/>
+  </cs:categoryAxis>
+  <cs:chartArea mods="allowNoFillOverride allowNoLineOverride">
+    <cs:lnRef idx="0"/>
+    <cs:fillRef idx="0"/>
+    <cs:effectRef idx="0"/>
+    <cs:fontRef idx="minor">
+      <a:schemeClr val="tx1"/>
+    </cs:fontRef>
+    <cs:spPr>
+      <a:solidFill>
+        <a:schemeClr val="bg1"/>
+      </a:solidFill>
+      <a:ln w="9525" cap="flat" cmpd="sng" algn="ctr">
+        <a:solidFill>
+          <a:schemeClr val="tx1">
+            <a:lumMod val="15000"/>
+            <a:lumOff val="85000"/>
+          </a:schemeClr>
+        </a:solidFill>
+        <a:round/>
+      </a:ln>
+    </cs:spPr>
+    <cs:defRPr sz="1000" kern="1200"/>
+  </cs:chartArea>
+  <cs:dataLabel>
+    <cs:lnRef idx="0"/>
+    <cs:fillRef idx="0"/>
+    <cs:effectRef idx="0"/>
+    <cs:fontRef idx="minor">
+      <a:schemeClr val="tx1">
+        <a:lumMod val="75000"/>
+        <a:lumOff val="25000"/>
+      </a:schemeClr>
+    </cs:fontRef>
+    <cs:defRPr sz="900" kern="1200"/>
+  </cs:dataLabel>
+  <cs:dataLabelCallout>
+    <cs:lnRef idx="0"/>
+    <cs:fillRef idx="0"/>
+    <cs:effectRef idx="0"/>
+    <cs:fontRef idx="minor">
+      <a:schemeClr val="dk1">
+        <a:lumMod val="65000"/>
+        <a:lumOff val="35000"/>
+      </a:schemeClr>
+    </cs:fontRef>
+    <cs:spPr>
+      <a:solidFill>
+        <a:schemeClr val="lt1"/>
+      </a:solidFill>
+      <a:ln>
+        <a:solidFill>
+          <a:schemeClr val="dk1">
+            <a:lumMod val="25000"/>
+            <a:lumOff val="75000"/>
+          </a:schemeClr>
+        </a:solidFill>
+      </a:ln>
+    </cs:spPr>
+    <cs:defRPr sz="900" kern="1200"/>
+    <cs:bodyPr rot="0" spcFirstLastPara="1" vertOverflow="clip" horzOverflow="clip" vert="horz" wrap="square" lIns="36576" tIns="18288" rIns="36576" bIns="18288" anchor="ctr" anchorCtr="1">
+      <a:spAutoFit/>
+    </cs:bodyPr>
+  </cs:dataLabelCallout>
+  <cs:dataPoint>
+    <cs:lnRef idx="0"/>
+    <cs:fillRef idx="1">
+      <cs:styleClr val="auto"/>
+    </cs:fillRef>
+    <cs:effectRef idx="0"/>
+    <cs:fontRef idx="minor">
+      <a:schemeClr val="tx1"/>
+    </cs:fontRef>
+  </cs:dataPoint>
+  <cs:dataPoint3D>
+    <cs:lnRef idx="0"/>
+    <cs:fillRef idx="1">
+      <cs:styleClr val="auto"/>
+    </cs:fillRef>
+    <cs:effectRef idx="0"/>
+    <cs:fontRef idx="minor">
+      <a:schemeClr val="tx1"/>
+    </cs:fontRef>
+  </cs:dataPoint3D>
+  <cs:dataPointLine>
+    <cs:lnRef idx="0">
+      <cs:styleClr val="auto"/>
+    </cs:lnRef>
+    <cs:fillRef idx="1"/>
+    <cs:effectRef idx="0"/>
+    <cs:fontRef idx="minor">
+      <a:schemeClr val="tx1"/>
+    </cs:fontRef>
+    <cs:spPr>
+      <a:ln w="19050" cap="rnd">
+        <a:solidFill>
+          <a:schemeClr val="phClr"/>
+        </a:solidFill>
+        <a:round/>
+      </a:ln>
+    </cs:spPr>
+  </cs:dataPointLine>
+  <cs:dataPointMarker>
+    <cs:lnRef idx="0">
+      <cs:styleClr val="auto"/>
+    </cs:lnRef>
+    <cs:fillRef idx="1">
+      <cs:styleClr val="auto"/>
+    </cs:fillRef>
+    <cs:effectRef idx="0"/>
+    <cs:fontRef idx="minor">
+      <a:schemeClr val="tx1"/>
+    </cs:fontRef>
+    <cs:spPr>
+      <a:ln w="9525">
+        <a:solidFill>
+          <a:schemeClr val="phClr"/>
+        </a:solidFill>
+      </a:ln>
+    </cs:spPr>
+  </cs:dataPointMarker>
+  <cs:dataPointMarkerLayout symbol="circle" size="5"/>
+  <cs:dataPointWireframe>
+    <cs:lnRef idx="0">
+      <cs:styleClr val="auto"/>
+    </cs:lnRef>
+    <cs:fillRef idx="0"/>
+    <cs:effectRef idx="0"/>
+    <cs:fontRef idx="minor">
+      <a:schemeClr val="dk1"/>
+    </cs:fontRef>
+    <cs:spPr>
+      <a:ln w="9525" cap="rnd">
+        <a:solidFill>
+          <a:schemeClr val="phClr"/>
+        </a:solidFill>
+        <a:round/>
+      </a:ln>
+    </cs:spPr>
+  </cs:dataPointWireframe>
+  <cs:dataTable>
+    <cs:lnRef idx="0"/>
+    <cs:fillRef idx="0"/>
+    <cs:effectRef idx="0"/>
+    <cs:fontRef idx="minor">
+      <a:schemeClr val="tx1">
+        <a:lumMod val="65000"/>
+        <a:lumOff val="35000"/>
+      </a:schemeClr>
+    </cs:fontRef>
+    <cs:spPr>
+      <a:noFill/>
+      <a:ln w="9525" cap="flat" cmpd="sng" algn="ctr">
+        <a:solidFill>
+          <a:schemeClr val="tx1">
+            <a:lumMod val="15000"/>
+            <a:lumOff val="85000"/>
+          </a:schemeClr>
+        </a:solidFill>
+        <a:round/>
+      </a:ln>
+    </cs:spPr>
+    <cs:defRPr sz="900" kern="1200"/>
+  </cs:dataTable>
+  <cs:downBar>
+    <cs:lnRef idx="0"/>
+    <cs:fillRef idx="0"/>
+    <cs:effectRef idx="0"/>
+    <cs:fontRef idx="minor">
+      <a:schemeClr val="tx1"/>
+    </cs:fontRef>
+    <cs:spPr>
+      <a:solidFill>
+        <a:schemeClr val="dk1">
+          <a:lumMod val="75000"/>
+          <a:lumOff val="25000"/>
+        </a:schemeClr>
+      </a:solidFill>
+      <a:ln w="9525" cap="flat" cmpd="sng" algn="ctr">
+        <a:solidFill>
+          <a:schemeClr val="tx1">
+            <a:lumMod val="65000"/>
+            <a:lumOff val="35000"/>
+          </a:schemeClr>
+        </a:solidFill>
+        <a:round/>
+      </a:ln>
+    </cs:spPr>
+  </cs:downBar>
+  <cs:dropLine>
+    <cs:lnRef idx="0"/>
+    <cs:fillRef idx="0"/>
+    <cs:effectRef idx="0"/>
+    <cs:fontRef idx="minor">
+      <a:schemeClr val="tx1"/>
+    </cs:fontRef>
+    <cs:spPr>
+      <a:ln w="9525" cap="flat" cmpd="sng" algn="ctr">
+        <a:solidFill>
+          <a:schemeClr val="tx1">
+            <a:lumMod val="35000"/>
+            <a:lumOff val="65000"/>
+          </a:schemeClr>
+        </a:solidFill>
+        <a:round/>
+      </a:ln>
+    </cs:spPr>
+  </cs:dropLine>
+  <cs:errorBar>
+    <cs:lnRef idx="0"/>
+    <cs:fillRef idx="0"/>
+    <cs:effectRef idx="0"/>
+    <cs:fontRef idx="minor">
+      <a:schemeClr val="tx1"/>
+    </cs:fontRef>
+    <cs:spPr>
+      <a:ln w="9525" cap="flat" cmpd="sng" algn="ctr">
+        <a:solidFill>
+          <a:schemeClr val="tx1">
+            <a:lumMod val="65000"/>
+            <a:lumOff val="35000"/>
+          </a:schemeClr>
+        </a:solidFill>
+        <a:round/>
+      </a:ln>
+    </cs:spPr>
+  </cs:errorBar>
+  <cs:floor>
+    <cs:lnRef idx="0"/>
+    <cs:fillRef idx="0"/>
+    <cs:effectRef idx="0"/>
+    <cs:fontRef idx="minor">
+      <a:schemeClr val="tx1"/>
+    </cs:fontRef>
+    <cs:spPr>
+      <a:noFill/>
+      <a:ln>
+        <a:noFill/>
+      </a:ln>
+    </cs:spPr>
+  </cs:floor>
+  <cs:gridlineMajor>
+    <cs:lnRef idx="0"/>
+    <cs:fillRef idx="0"/>
+    <cs:effectRef idx="0"/>
+    <cs:fontRef idx="minor">
+      <a:schemeClr val="tx1"/>
+    </cs:fontRef>
+    <cs:spPr>
+      <a:ln w="9525" cap="flat" cmpd="sng" algn="ctr">
+        <a:solidFill>
+          <a:schemeClr val="tx1">
+            <a:lumMod val="15000"/>
+            <a:lumOff val="85000"/>
+          </a:schemeClr>
+        </a:solidFill>
+        <a:round/>
+      </a:ln>
+    </cs:spPr>
+  </cs:gridlineMajor>
+  <cs:gridlineMinor>
+    <cs:lnRef idx="0"/>
+    <cs:fillRef idx="0"/>
+    <cs:effectRef idx="0"/>
+    <cs:fontRef idx="minor">
+      <a:schemeClr val="tx1"/>
+    </cs:fontRef>
+    <cs:spPr>
+      <a:ln w="9525" cap="flat" cmpd="sng" algn="ctr">
+        <a:solidFill>
+          <a:schemeClr val="tx1">
+            <a:lumMod val="5000"/>
+            <a:lumOff val="95000"/>
+          </a:schemeClr>
+        </a:solidFill>
+        <a:round/>
+      </a:ln>
+    </cs:spPr>
+  </cs:gridlineMinor>
+  <cs:hiLoLine>
+    <cs:lnRef idx="0"/>
+    <cs:fillRef idx="0"/>
+    <cs:effectRef idx="0"/>
+    <cs:fontRef idx="minor">
+      <a:schemeClr val="tx1"/>
+    </cs:fontRef>
+    <cs:spPr>
+      <a:ln w="9525" cap="flat" cmpd="sng" algn="ctr">
+        <a:solidFill>
+          <a:schemeClr val="tx1">
+            <a:lumMod val="50000"/>
+            <a:lumOff val="50000"/>
+          </a:schemeClr>
+        </a:solidFill>
+        <a:round/>
+      </a:ln>
+    </cs:spPr>
+  </cs:hiLoLine>
+  <cs:leaderLine>
+    <cs:lnRef idx="0"/>
+    <cs:fillRef idx="0"/>
+    <cs:effectRef idx="0"/>
+    <cs:fontRef idx="minor">
+      <a:schemeClr val="tx1"/>
+    </cs:fontRef>
+    <cs:spPr>
+      <a:ln w="9525" cap="flat" cmpd="sng" algn="ctr">
+        <a:solidFill>
+          <a:schemeClr val="tx1">
+            <a:lumMod val="35000"/>
+            <a:lumOff val="65000"/>
+          </a:schemeClr>
+        </a:solidFill>
+        <a:round/>
+      </a:ln>
+    </cs:spPr>
+  </cs:leaderLine>
+  <cs:legend>
+    <cs:lnRef idx="0"/>
+    <cs:fillRef idx="0"/>
+    <cs:effectRef idx="0"/>
+    <cs:fontRef idx="minor">
+      <a:schemeClr val="tx1">
+        <a:lumMod val="65000"/>
+        <a:lumOff val="35000"/>
+      </a:schemeClr>
+    </cs:fontRef>
+    <cs:defRPr sz="900" kern="1200"/>
+  </cs:legend>
+  <cs:plotArea mods="allowNoFillOverride allowNoLineOverride">
+    <cs:lnRef idx="0"/>
+    <cs:fillRef idx="0"/>
+    <cs:effectRef idx="0"/>
+    <cs:fontRef idx="minor">
+      <a:schemeClr val="tx1"/>
+    </cs:fontRef>
+  </cs:plotArea>
+  <cs:plotArea3D mods="allowNoFillOverride allowNoLineOverride">
+    <cs:lnRef idx="0"/>
+    <cs:fillRef idx="0"/>
+    <cs:effectRef idx="0"/>
+    <cs:fontRef idx="minor">
+      <a:schemeClr val="tx1"/>
+    </cs:fontRef>
+  </cs:plotArea3D>
+  <cs:seriesAxis>
+    <cs:lnRef idx="0"/>
+    <cs:fillRef idx="0"/>
+    <cs:effectRef idx="0"/>
+    <cs:fontRef idx="minor">
+      <a:schemeClr val="tx1">
+        <a:lumMod val="65000"/>
+        <a:lumOff val="35000"/>
+      </a:schemeClr>
+    </cs:fontRef>
+    <cs:defRPr sz="900" kern="1200"/>
+  </cs:seriesAxis>
+  <cs:seriesLine>
+    <cs:lnRef idx="0"/>
+    <cs:fillRef idx="0"/>
+    <cs:effectRef idx="0"/>
+    <cs:fontRef idx="minor">
+      <a:schemeClr val="tx1"/>
+    </cs:fontRef>
+    <cs:spPr>
+      <a:ln w="9525" cap="flat" cmpd="sng" algn="ctr">
+        <a:solidFill>
+          <a:schemeClr val="tx1">
+            <a:lumMod val="35000"/>
+            <a:lumOff val="65000"/>
+          </a:schemeClr>
+        </a:solidFill>
+        <a:round/>
+      </a:ln>
+    </cs:spPr>
+  </cs:seriesLine>
+  <cs:title>
+    <cs:lnRef idx="0"/>
+    <cs:fillRef idx="0"/>
+    <cs:effectRef idx="0"/>
+    <cs:fontRef idx="minor">
+      <a:schemeClr val="tx1">
+        <a:lumMod val="65000"/>
+        <a:lumOff val="35000"/>
+      </a:schemeClr>
+    </cs:fontRef>
+    <cs:defRPr sz="1400" b="0" kern="1200" spc="0" baseline="0"/>
+  </cs:title>
+  <cs:trendline>
+    <cs:lnRef idx="0">
+      <cs:styleClr val="auto"/>
+    </cs:lnRef>
+    <cs:fillRef idx="0"/>
+    <cs:effectRef idx="0"/>
+    <cs:fontRef idx="minor">
+      <a:schemeClr val="tx1"/>
+    </cs:fontRef>
+    <cs:spPr>
+      <a:ln w="19050" cap="rnd">
+        <a:solidFill>
+          <a:schemeClr val="phClr"/>
+        </a:solidFill>
+        <a:prstDash val="sysDot"/>
+      </a:ln>
+    </cs:spPr>
+  </cs:trendline>
+  <cs:trendlineLabel>
+    <cs:lnRef idx="0"/>
+    <cs:fillRef idx="0"/>
+    <cs:effectRef idx="0"/>
+    <cs:fontRef idx="minor">
+      <a:schemeClr val="tx1">
+        <a:lumMod val="65000"/>
+        <a:lumOff val="35000"/>
+      </a:schemeClr>
+    </cs:fontRef>
+    <cs:defRPr sz="900" kern="1200"/>
+  </cs:trendlineLabel>
+  <cs:upBar>
+    <cs:lnRef idx="0"/>
+    <cs:fillRef idx="0"/>
+    <cs:effectRef idx="0"/>
+    <cs:fontRef idx="minor">
+      <a:schemeClr val="tx1"/>
+    </cs:fontRef>
+    <cs:spPr>
+      <a:solidFill>
+        <a:schemeClr val="lt1"/>
+      </a:solidFill>
+      <a:ln w="9525" cap="flat" cmpd="sng" algn="ctr">
+        <a:solidFill>
+          <a:schemeClr val="tx1">
+            <a:lumMod val="65000"/>
+            <a:lumOff val="35000"/>
+          </a:schemeClr>
+        </a:solidFill>
+        <a:round/>
+      </a:ln>
+    </cs:spPr>
+  </cs:upBar>
+  <cs:valueAxis>
+    <cs:lnRef idx="0"/>
+    <cs:fillRef idx="0"/>
+    <cs:effectRef idx="0"/>
+    <cs:fontRef idx="minor">
+      <a:schemeClr val="tx1">
+        <a:lumMod val="65000"/>
+        <a:lumOff val="35000"/>
+      </a:schemeClr>
+    </cs:fontRef>
+    <cs:spPr>
+      <a:ln w="9525" cap="flat" cmpd="sng" algn="ctr">
+        <a:solidFill>
+          <a:schemeClr val="tx1">
+            <a:lumMod val="25000"/>
+            <a:lumOff val="75000"/>
+          </a:schemeClr>
+        </a:solidFill>
+        <a:round/>
+      </a:ln>
+    </cs:spPr>
+    <cs:defRPr sz="900" kern="1200"/>
+  </cs:valueAxis>
+  <cs:wall>
+    <cs:lnRef idx="0"/>
+    <cs:fillRef idx="0"/>
+    <cs:effectRef idx="0"/>
+    <cs:fontRef idx="minor">
+      <a:schemeClr val="tx1"/>
+    </cs:fontRef>
+    <cs:spPr>
+      <a:noFill/>
+      <a:ln>
+        <a:noFill/>
+      </a:ln>
+    </cs:spPr>
+  </cs:wall>
+</cs:chartStyle>
+</file>
+
+<file path=ppt/charts/style5.xml><?xml version="1.0" encoding="utf-8"?>
+<cs:chartStyle xmlns:cs="http://schemas.microsoft.com/office/drawing/2012/chartStyle" xmlns:a="http://schemas.openxmlformats.org/drawingml/2006/main" id="240">
+  <cs:axisTitle>
+    <cs:lnRef idx="0"/>
+    <cs:fillRef idx="0"/>
+    <cs:effectRef idx="0"/>
+    <cs:fontRef idx="minor">
+      <a:schemeClr val="tx1">
+        <a:lumMod val="65000"/>
+        <a:lumOff val="35000"/>
+      </a:schemeClr>
+    </cs:fontRef>
+    <cs:defRPr sz="1000" kern="1200"/>
+  </cs:axisTitle>
+  <cs:categoryAxis>
+    <cs:lnRef idx="0"/>
+    <cs:fillRef idx="0"/>
+    <cs:effectRef idx="0"/>
+    <cs:fontRef idx="minor">
+      <a:schemeClr val="tx1">
+        <a:lumMod val="65000"/>
+        <a:lumOff val="35000"/>
+      </a:schemeClr>
+    </cs:fontRef>
+    <cs:spPr>
+      <a:ln w="9525" cap="flat" cmpd="sng" algn="ctr">
+        <a:solidFill>
+          <a:schemeClr val="tx1">
+            <a:lumMod val="25000"/>
+            <a:lumOff val="75000"/>
+          </a:schemeClr>
+        </a:solidFill>
+        <a:round/>
+      </a:ln>
+    </cs:spPr>
+    <cs:defRPr sz="900" kern="1200"/>
+  </cs:categoryAxis>
+  <cs:chartArea mods="allowNoFillOverride allowNoLineOverride">
+    <cs:lnRef idx="0"/>
+    <cs:fillRef idx="0"/>
+    <cs:effectRef idx="0"/>
+    <cs:fontRef idx="minor">
+      <a:schemeClr val="tx1"/>
+    </cs:fontRef>
+    <cs:spPr>
+      <a:solidFill>
+        <a:schemeClr val="bg1"/>
+      </a:solidFill>
+      <a:ln w="9525" cap="flat" cmpd="sng" algn="ctr">
+        <a:solidFill>
+          <a:schemeClr val="tx1">
+            <a:lumMod val="15000"/>
+            <a:lumOff val="85000"/>
+          </a:schemeClr>
+        </a:solidFill>
+        <a:round/>
+      </a:ln>
+    </cs:spPr>
+    <cs:defRPr sz="1000" kern="1200"/>
+  </cs:chartArea>
+  <cs:dataLabel>
+    <cs:lnRef idx="0"/>
+    <cs:fillRef idx="0"/>
+    <cs:effectRef idx="0"/>
+    <cs:fontRef idx="minor">
+      <a:schemeClr val="tx1">
+        <a:lumMod val="75000"/>
+        <a:lumOff val="25000"/>
+      </a:schemeClr>
+    </cs:fontRef>
+    <cs:defRPr sz="900" kern="1200"/>
+  </cs:dataLabel>
+  <cs:dataLabelCallout>
+    <cs:lnRef idx="0"/>
+    <cs:fillRef idx="0"/>
+    <cs:effectRef idx="0"/>
+    <cs:fontRef idx="minor">
+      <a:schemeClr val="dk1">
+        <a:lumMod val="65000"/>
+        <a:lumOff val="35000"/>
+      </a:schemeClr>
+    </cs:fontRef>
+    <cs:spPr>
+      <a:solidFill>
+        <a:schemeClr val="lt1"/>
+      </a:solidFill>
+      <a:ln>
+        <a:solidFill>
+          <a:schemeClr val="dk1">
+            <a:lumMod val="25000"/>
+            <a:lumOff val="75000"/>
+          </a:schemeClr>
+        </a:solidFill>
+      </a:ln>
+    </cs:spPr>
+    <cs:defRPr sz="900" kern="1200"/>
+    <cs:bodyPr rot="0" spcFirstLastPara="1" vertOverflow="clip" horzOverflow="clip" vert="horz" wrap="square" lIns="36576" tIns="18288" rIns="36576" bIns="18288" anchor="ctr" anchorCtr="1">
+      <a:spAutoFit/>
+    </cs:bodyPr>
+  </cs:dataLabelCallout>
+  <cs:dataPoint>
+    <cs:lnRef idx="0"/>
+    <cs:fillRef idx="1">
+      <cs:styleClr val="auto"/>
+    </cs:fillRef>
+    <cs:effectRef idx="0"/>
+    <cs:fontRef idx="minor">
+      <a:schemeClr val="tx1"/>
+    </cs:fontRef>
+  </cs:dataPoint>
+  <cs:dataPoint3D>
+    <cs:lnRef idx="0"/>
+    <cs:fillRef idx="1">
+      <cs:styleClr val="auto"/>
+    </cs:fillRef>
+    <cs:effectRef idx="0"/>
+    <cs:fontRef idx="minor">
+      <a:schemeClr val="tx1"/>
+    </cs:fontRef>
+  </cs:dataPoint3D>
+  <cs:dataPointLine>
+    <cs:lnRef idx="0">
+      <cs:styleClr val="auto"/>
+    </cs:lnRef>
+    <cs:fillRef idx="1"/>
+    <cs:effectRef idx="0"/>
+    <cs:fontRef idx="minor">
+      <a:schemeClr val="tx1"/>
+    </cs:fontRef>
+    <cs:spPr>
+      <a:ln w="19050" cap="rnd">
+        <a:solidFill>
+          <a:schemeClr val="phClr"/>
+        </a:solidFill>
+        <a:round/>
+      </a:ln>
+    </cs:spPr>
+  </cs:dataPointLine>
+  <cs:dataPointMarker>
+    <cs:lnRef idx="0">
+      <cs:styleClr val="auto"/>
+    </cs:lnRef>
+    <cs:fillRef idx="1">
+      <cs:styleClr val="auto"/>
+    </cs:fillRef>
+    <cs:effectRef idx="0"/>
+    <cs:fontRef idx="minor">
+      <a:schemeClr val="tx1"/>
+    </cs:fontRef>
+    <cs:spPr>
+      <a:ln w="9525">
+        <a:solidFill>
+          <a:schemeClr val="phClr"/>
+        </a:solidFill>
+      </a:ln>
+    </cs:spPr>
+  </cs:dataPointMarker>
+  <cs:dataPointMarkerLayout symbol="circle" size="5"/>
+  <cs:dataPointWireframe>
+    <cs:lnRef idx="0">
+      <cs:styleClr val="auto"/>
+    </cs:lnRef>
+    <cs:fillRef idx="0"/>
+    <cs:effectRef idx="0"/>
+    <cs:fontRef idx="minor">
+      <a:schemeClr val="dk1"/>
+    </cs:fontRef>
+    <cs:spPr>
+      <a:ln w="9525" cap="rnd">
+        <a:solidFill>
+          <a:schemeClr val="phClr"/>
+        </a:solidFill>
+        <a:round/>
+      </a:ln>
+    </cs:spPr>
+  </cs:dataPointWireframe>
+  <cs:dataTable>
+    <cs:lnRef idx="0"/>
+    <cs:fillRef idx="0"/>
+    <cs:effectRef idx="0"/>
+    <cs:fontRef idx="minor">
+      <a:schemeClr val="tx1">
+        <a:lumMod val="65000"/>
+        <a:lumOff val="35000"/>
+      </a:schemeClr>
+    </cs:fontRef>
+    <cs:spPr>
+      <a:noFill/>
+      <a:ln w="9525" cap="flat" cmpd="sng" algn="ctr">
+        <a:solidFill>
+          <a:schemeClr val="tx1">
+            <a:lumMod val="15000"/>
+            <a:lumOff val="85000"/>
+          </a:schemeClr>
+        </a:solidFill>
+        <a:round/>
+      </a:ln>
+    </cs:spPr>
+    <cs:defRPr sz="900" kern="1200"/>
+  </cs:dataTable>
+  <cs:downBar>
+    <cs:lnRef idx="0"/>
+    <cs:fillRef idx="0"/>
+    <cs:effectRef idx="0"/>
+    <cs:fontRef idx="minor">
+      <a:schemeClr val="tx1"/>
+    </cs:fontRef>
+    <cs:spPr>
+      <a:solidFill>
+        <a:schemeClr val="dk1">
+          <a:lumMod val="75000"/>
+          <a:lumOff val="25000"/>
+        </a:schemeClr>
+      </a:solidFill>
+      <a:ln w="9525" cap="flat" cmpd="sng" algn="ctr">
+        <a:solidFill>
+          <a:schemeClr val="tx1">
+            <a:lumMod val="65000"/>
+            <a:lumOff val="35000"/>
+          </a:schemeClr>
+        </a:solidFill>
+        <a:round/>
+      </a:ln>
+    </cs:spPr>
+  </cs:downBar>
+  <cs:dropLine>
+    <cs:lnRef idx="0"/>
+    <cs:fillRef idx="0"/>
+    <cs:effectRef idx="0"/>
+    <cs:fontRef idx="minor">
+      <a:schemeClr val="tx1"/>
+    </cs:fontRef>
+    <cs:spPr>
+      <a:ln w="9525" cap="flat" cmpd="sng" algn="ctr">
+        <a:solidFill>
+          <a:schemeClr val="tx1">
+            <a:lumMod val="35000"/>
+            <a:lumOff val="65000"/>
+          </a:schemeClr>
+        </a:solidFill>
+        <a:round/>
+      </a:ln>
+    </cs:spPr>
+  </cs:dropLine>
+  <cs:errorBar>
+    <cs:lnRef idx="0"/>
+    <cs:fillRef idx="0"/>
+    <cs:effectRef idx="0"/>
+    <cs:fontRef idx="minor">
+      <a:schemeClr val="tx1"/>
+    </cs:fontRef>
+    <cs:spPr>
+      <a:ln w="9525" cap="flat" cmpd="sng" algn="ctr">
+        <a:solidFill>
+          <a:schemeClr val="tx1">
+            <a:lumMod val="65000"/>
+            <a:lumOff val="35000"/>
+          </a:schemeClr>
+        </a:solidFill>
+        <a:round/>
+      </a:ln>
+    </cs:spPr>
+  </cs:errorBar>
+  <cs:floor>
+    <cs:lnRef idx="0"/>
+    <cs:fillRef idx="0"/>
+    <cs:effectRef idx="0"/>
+    <cs:fontRef idx="minor">
+      <a:schemeClr val="tx1"/>
+    </cs:fontRef>
+    <cs:spPr>
+      <a:noFill/>
+      <a:ln>
+        <a:noFill/>
+      </a:ln>
+    </cs:spPr>
+  </cs:floor>
+  <cs:gridlineMajor>
+    <cs:lnRef idx="0"/>
+    <cs:fillRef idx="0"/>
+    <cs:effectRef idx="0"/>
+    <cs:fontRef idx="minor">
+      <a:schemeClr val="tx1"/>
+    </cs:fontRef>
+    <cs:spPr>
+      <a:ln w="9525" cap="flat" cmpd="sng" algn="ctr">
+        <a:solidFill>
+          <a:schemeClr val="tx1">
+            <a:lumMod val="15000"/>
+            <a:lumOff val="85000"/>
+          </a:schemeClr>
+        </a:solidFill>
+        <a:round/>
+      </a:ln>
+    </cs:spPr>
+  </cs:gridlineMajor>
+  <cs:gridlineMinor>
+    <cs:lnRef idx="0"/>
+    <cs:fillRef idx="0"/>
+    <cs:effectRef idx="0"/>
+    <cs:fontRef idx="minor">
+      <a:schemeClr val="tx1"/>
+    </cs:fontRef>
+    <cs:spPr>
+      <a:ln w="9525" cap="flat" cmpd="sng" algn="ctr">
+        <a:solidFill>
+          <a:schemeClr val="tx1">
+            <a:lumMod val="5000"/>
+            <a:lumOff val="95000"/>
+          </a:schemeClr>
+        </a:solidFill>
+        <a:round/>
+      </a:ln>
+    </cs:spPr>
+  </cs:gridlineMinor>
+  <cs:hiLoLine>
+    <cs:lnRef idx="0"/>
+    <cs:fillRef idx="0"/>
+    <cs:effectRef idx="0"/>
+    <cs:fontRef idx="minor">
+      <a:schemeClr val="tx1"/>
+    </cs:fontRef>
+    <cs:spPr>
+      <a:ln w="9525" cap="flat" cmpd="sng" algn="ctr">
+        <a:solidFill>
+          <a:schemeClr val="tx1">
+            <a:lumMod val="50000"/>
+            <a:lumOff val="50000"/>
+          </a:schemeClr>
+        </a:solidFill>
+        <a:round/>
+      </a:ln>
+    </cs:spPr>
+  </cs:hiLoLine>
+  <cs:leaderLine>
+    <cs:lnRef idx="0"/>
+    <cs:fillRef idx="0"/>
+    <cs:effectRef idx="0"/>
+    <cs:fontRef idx="minor">
+      <a:schemeClr val="tx1"/>
+    </cs:fontRef>
+    <cs:spPr>
+      <a:ln w="9525" cap="flat" cmpd="sng" algn="ctr">
+        <a:solidFill>
+          <a:schemeClr val="tx1">
+            <a:lumMod val="35000"/>
+            <a:lumOff val="65000"/>
+          </a:schemeClr>
+        </a:solidFill>
+        <a:round/>
+      </a:ln>
+    </cs:spPr>
+  </cs:leaderLine>
+  <cs:legend>
+    <cs:lnRef idx="0"/>
+    <cs:fillRef idx="0"/>
+    <cs:effectRef idx="0"/>
+    <cs:fontRef idx="minor">
+      <a:schemeClr val="tx1">
+        <a:lumMod val="65000"/>
+        <a:lumOff val="35000"/>
+      </a:schemeClr>
+    </cs:fontRef>
+    <cs:defRPr sz="900" kern="1200"/>
+  </cs:legend>
+  <cs:plotArea mods="allowNoFillOverride allowNoLineOverride">
+    <cs:lnRef idx="0"/>
+    <cs:fillRef idx="0"/>
+    <cs:effectRef idx="0"/>
+    <cs:fontRef idx="minor">
+      <a:schemeClr val="tx1"/>
+    </cs:fontRef>
+  </cs:plotArea>
+  <cs:plotArea3D mods="allowNoFillOverride allowNoLineOverride">
+    <cs:lnRef idx="0"/>
+    <cs:fillRef idx="0"/>
+    <cs:effectRef idx="0"/>
+    <cs:fontRef idx="minor">
+      <a:schemeClr val="tx1"/>
+    </cs:fontRef>
+  </cs:plotArea3D>
+  <cs:seriesAxis>
+    <cs:lnRef idx="0"/>
+    <cs:fillRef idx="0"/>
+    <cs:effectRef idx="0"/>
+    <cs:fontRef idx="minor">
+      <a:schemeClr val="tx1">
+        <a:lumMod val="65000"/>
+        <a:lumOff val="35000"/>
+      </a:schemeClr>
+    </cs:fontRef>
+    <cs:defRPr sz="900" kern="1200"/>
+  </cs:seriesAxis>
+  <cs:seriesLine>
+    <cs:lnRef idx="0"/>
+    <cs:fillRef idx="0"/>
+    <cs:effectRef idx="0"/>
+    <cs:fontRef idx="minor">
+      <a:schemeClr val="tx1"/>
+    </cs:fontRef>
+    <cs:spPr>
+      <a:ln w="9525" cap="flat" cmpd="sng" algn="ctr">
+        <a:solidFill>
+          <a:schemeClr val="tx1">
+            <a:lumMod val="35000"/>
+            <a:lumOff val="65000"/>
+          </a:schemeClr>
+        </a:solidFill>
+        <a:round/>
+      </a:ln>
+    </cs:spPr>
+  </cs:seriesLine>
+  <cs:title>
+    <cs:lnRef idx="0"/>
+    <cs:fillRef idx="0"/>
+    <cs:effectRef idx="0"/>
+    <cs:fontRef idx="minor">
+      <a:schemeClr val="tx1">
+        <a:lumMod val="65000"/>
+        <a:lumOff val="35000"/>
+      </a:schemeClr>
+    </cs:fontRef>
+    <cs:defRPr sz="1400" b="0" kern="1200" spc="0" baseline="0"/>
+  </cs:title>
+  <cs:trendline>
+    <cs:lnRef idx="0">
+      <cs:styleClr val="auto"/>
+    </cs:lnRef>
+    <cs:fillRef idx="0"/>
+    <cs:effectRef idx="0"/>
+    <cs:fontRef idx="minor">
+      <a:schemeClr val="tx1"/>
+    </cs:fontRef>
+    <cs:spPr>
+      <a:ln w="19050" cap="rnd">
+        <a:solidFill>
+          <a:schemeClr val="phClr"/>
+        </a:solidFill>
+        <a:prstDash val="sysDot"/>
+      </a:ln>
+    </cs:spPr>
+  </cs:trendline>
+  <cs:trendlineLabel>
+    <cs:lnRef idx="0"/>
+    <cs:fillRef idx="0"/>
+    <cs:effectRef idx="0"/>
+    <cs:fontRef idx="minor">
+      <a:schemeClr val="tx1">
+        <a:lumMod val="65000"/>
+        <a:lumOff val="35000"/>
+      </a:schemeClr>
+    </cs:fontRef>
+    <cs:defRPr sz="900" kern="1200"/>
+  </cs:trendlineLabel>
+  <cs:upBar>
+    <cs:lnRef idx="0"/>
+    <cs:fillRef idx="0"/>
+    <cs:effectRef idx="0"/>
+    <cs:fontRef idx="minor">
+      <a:schemeClr val="tx1"/>
+    </cs:fontRef>
+    <cs:spPr>
+      <a:solidFill>
+        <a:schemeClr val="lt1"/>
+      </a:solidFill>
+      <a:ln w="9525" cap="flat" cmpd="sng" algn="ctr">
+        <a:solidFill>
+          <a:schemeClr val="tx1">
+            <a:lumMod val="65000"/>
+            <a:lumOff val="35000"/>
+          </a:schemeClr>
+        </a:solidFill>
+        <a:round/>
+      </a:ln>
+    </cs:spPr>
+  </cs:upBar>
+  <cs:valueAxis>
+    <cs:lnRef idx="0"/>
+    <cs:fillRef idx="0"/>
+    <cs:effectRef idx="0"/>
+    <cs:fontRef idx="minor">
+      <a:schemeClr val="tx1">
+        <a:lumMod val="65000"/>
+        <a:lumOff val="35000"/>
+      </a:schemeClr>
+    </cs:fontRef>
+    <cs:spPr>
+      <a:ln w="9525" cap="flat" cmpd="sng" algn="ctr">
+        <a:solidFill>
+          <a:schemeClr val="tx1">
+            <a:lumMod val="25000"/>
+            <a:lumOff val="75000"/>
+          </a:schemeClr>
+        </a:solidFill>
+        <a:round/>
+      </a:ln>
+    </cs:spPr>
+    <cs:defRPr sz="900" kern="1200"/>
+  </cs:valueAxis>
+  <cs:wall>
+    <cs:lnRef idx="0"/>
+    <cs:fillRef idx="0"/>
+    <cs:effectRef idx="0"/>
+    <cs:fontRef idx="minor">
+      <a:schemeClr val="tx1"/>
+    </cs:fontRef>
+    <cs:spPr>
+      <a:noFill/>
+      <a:ln>
+        <a:noFill/>
+      </a:ln>
+    </cs:spPr>
+  </cs:wall>
+</cs:chartStyle>
+</file>
+
+<file path=ppt/charts/style6.xml><?xml version="1.0" encoding="utf-8"?>
+<cs:chartStyle xmlns:cs="http://schemas.microsoft.com/office/drawing/2012/chartStyle" xmlns:a="http://schemas.openxmlformats.org/drawingml/2006/main" id="240">
+  <cs:axisTitle>
+    <cs:lnRef idx="0"/>
+    <cs:fillRef idx="0"/>
+    <cs:effectRef idx="0"/>
+    <cs:fontRef idx="minor">
+      <a:schemeClr val="tx1">
+        <a:lumMod val="65000"/>
+        <a:lumOff val="35000"/>
+      </a:schemeClr>
+    </cs:fontRef>
+    <cs:defRPr sz="1000" kern="1200"/>
+  </cs:axisTitle>
+  <cs:categoryAxis>
+    <cs:lnRef idx="0"/>
+    <cs:fillRef idx="0"/>
+    <cs:effectRef idx="0"/>
+    <cs:fontRef idx="minor">
+      <a:schemeClr val="tx1">
+        <a:lumMod val="65000"/>
+        <a:lumOff val="35000"/>
+      </a:schemeClr>
+    </cs:fontRef>
+    <cs:spPr>
+      <a:ln w="9525" cap="flat" cmpd="sng" algn="ctr">
+        <a:solidFill>
+          <a:schemeClr val="tx1">
+            <a:lumMod val="25000"/>
+            <a:lumOff val="75000"/>
+          </a:schemeClr>
+        </a:solidFill>
+        <a:round/>
+      </a:ln>
+    </cs:spPr>
+    <cs:defRPr sz="900" kern="1200"/>
+  </cs:categoryAxis>
+  <cs:chartArea mods="allowNoFillOverride allowNoLineOverride">
+    <cs:lnRef idx="0"/>
+    <cs:fillRef idx="0"/>
+    <cs:effectRef idx="0"/>
+    <cs:fontRef idx="minor">
+      <a:schemeClr val="tx1"/>
+    </cs:fontRef>
+    <cs:spPr>
+      <a:solidFill>
+        <a:schemeClr val="bg1"/>
+      </a:solidFill>
+      <a:ln w="9525" cap="flat" cmpd="sng" algn="ctr">
+        <a:solidFill>
+          <a:schemeClr val="tx1">
+            <a:lumMod val="15000"/>
+            <a:lumOff val="85000"/>
+          </a:schemeClr>
+        </a:solidFill>
+        <a:round/>
+      </a:ln>
+    </cs:spPr>
+    <cs:defRPr sz="1000" kern="1200"/>
+  </cs:chartArea>
+  <cs:dataLabel>
+    <cs:lnRef idx="0"/>
+    <cs:fillRef idx="0"/>
+    <cs:effectRef idx="0"/>
+    <cs:fontRef idx="minor">
+      <a:schemeClr val="tx1">
+        <a:lumMod val="75000"/>
+        <a:lumOff val="25000"/>
+      </a:schemeClr>
+    </cs:fontRef>
+    <cs:defRPr sz="900" kern="1200"/>
+  </cs:dataLabel>
+  <cs:dataLabelCallout>
+    <cs:lnRef idx="0"/>
+    <cs:fillRef idx="0"/>
+    <cs:effectRef idx="0"/>
+    <cs:fontRef idx="minor">
+      <a:schemeClr val="dk1">
+        <a:lumMod val="65000"/>
+        <a:lumOff val="35000"/>
+      </a:schemeClr>
+    </cs:fontRef>
+    <cs:spPr>
+      <a:solidFill>
+        <a:schemeClr val="lt1"/>
+      </a:solidFill>
+      <a:ln>
+        <a:solidFill>
+          <a:schemeClr val="dk1">
+            <a:lumMod val="25000"/>
+            <a:lumOff val="75000"/>
+          </a:schemeClr>
+        </a:solidFill>
+      </a:ln>
+    </cs:spPr>
+    <cs:defRPr sz="900" kern="1200"/>
+    <cs:bodyPr rot="0" spcFirstLastPara="1" vertOverflow="clip" horzOverflow="clip" vert="horz" wrap="square" lIns="36576" tIns="18288" rIns="36576" bIns="18288" anchor="ctr" anchorCtr="1">
+      <a:spAutoFit/>
+    </cs:bodyPr>
+  </cs:dataLabelCallout>
+  <cs:dataPoint>
+    <cs:lnRef idx="0"/>
+    <cs:fillRef idx="1">
+      <cs:styleClr val="auto"/>
+    </cs:fillRef>
+    <cs:effectRef idx="0"/>
+    <cs:fontRef idx="minor">
+      <a:schemeClr val="tx1"/>
+    </cs:fontRef>
+  </cs:dataPoint>
+  <cs:dataPoint3D>
+    <cs:lnRef idx="0"/>
+    <cs:fillRef idx="1">
+      <cs:styleClr val="auto"/>
+    </cs:fillRef>
+    <cs:effectRef idx="0"/>
+    <cs:fontRef idx="minor">
+      <a:schemeClr val="tx1"/>
+    </cs:fontRef>
+  </cs:dataPoint3D>
+  <cs:dataPointLine>
+    <cs:lnRef idx="0">
+      <cs:styleClr val="auto"/>
+    </cs:lnRef>
+    <cs:fillRef idx="1"/>
+    <cs:effectRef idx="0"/>
+    <cs:fontRef idx="minor">
+      <a:schemeClr val="tx1"/>
+    </cs:fontRef>
+    <cs:spPr>
+      <a:ln w="19050" cap="rnd">
+        <a:solidFill>
+          <a:schemeClr val="phClr"/>
+        </a:solidFill>
+        <a:round/>
+      </a:ln>
+    </cs:spPr>
+  </cs:dataPointLine>
+  <cs:dataPointMarker>
+    <cs:lnRef idx="0">
+      <cs:styleClr val="auto"/>
+    </cs:lnRef>
+    <cs:fillRef idx="1">
+      <cs:styleClr val="auto"/>
+    </cs:fillRef>
+    <cs:effectRef idx="0"/>
+    <cs:fontRef idx="minor">
+      <a:schemeClr val="tx1"/>
+    </cs:fontRef>
+    <cs:spPr>
+      <a:ln w="9525">
+        <a:solidFill>
+          <a:schemeClr val="phClr"/>
+        </a:solidFill>
+      </a:ln>
+    </cs:spPr>
+  </cs:dataPointMarker>
+  <cs:dataPointMarkerLayout symbol="circle" size="5"/>
+  <cs:dataPointWireframe>
+    <cs:lnRef idx="0">
+      <cs:styleClr val="auto"/>
+    </cs:lnRef>
+    <cs:fillRef idx="0"/>
+    <cs:effectRef idx="0"/>
+    <cs:fontRef idx="minor">
+      <a:schemeClr val="dk1"/>
+    </cs:fontRef>
+    <cs:spPr>
+      <a:ln w="9525" cap="rnd">
+        <a:solidFill>
+          <a:schemeClr val="phClr"/>
+        </a:solidFill>
+        <a:round/>
+      </a:ln>
+    </cs:spPr>
+  </cs:dataPointWireframe>
+  <cs:dataTable>
+    <cs:lnRef idx="0"/>
+    <cs:fillRef idx="0"/>
+    <cs:effectRef idx="0"/>
+    <cs:fontRef idx="minor">
+      <a:schemeClr val="tx1">
+        <a:lumMod val="65000"/>
+        <a:lumOff val="35000"/>
+      </a:schemeClr>
+    </cs:fontRef>
+    <cs:spPr>
+      <a:noFill/>
+      <a:ln w="9525" cap="flat" cmpd="sng" algn="ctr">
+        <a:solidFill>
+          <a:schemeClr val="tx1">
+            <a:lumMod val="15000"/>
+            <a:lumOff val="85000"/>
+          </a:schemeClr>
+        </a:solidFill>
+        <a:round/>
+      </a:ln>
+    </cs:spPr>
+    <cs:defRPr sz="900" kern="1200"/>
+  </cs:dataTable>
+  <cs:downBar>
+    <cs:lnRef idx="0"/>
+    <cs:fillRef idx="0"/>
+    <cs:effectRef idx="0"/>
+    <cs:fontRef idx="minor">
+      <a:schemeClr val="tx1"/>
+    </cs:fontRef>
+    <cs:spPr>
+      <a:solidFill>
+        <a:schemeClr val="dk1">
+          <a:lumMod val="75000"/>
+          <a:lumOff val="25000"/>
+        </a:schemeClr>
+      </a:solidFill>
+      <a:ln w="9525" cap="flat" cmpd="sng" algn="ctr">
+        <a:solidFill>
+          <a:schemeClr val="tx1">
+            <a:lumMod val="65000"/>
+            <a:lumOff val="35000"/>
+          </a:schemeClr>
+        </a:solidFill>
+        <a:round/>
+      </a:ln>
+    </cs:spPr>
+  </cs:downBar>
+  <cs:dropLine>
+    <cs:lnRef idx="0"/>
+    <cs:fillRef idx="0"/>
+    <cs:effectRef idx="0"/>
+    <cs:fontRef idx="minor">
+      <a:schemeClr val="tx1"/>
+    </cs:fontRef>
+    <cs:spPr>
+      <a:ln w="9525" cap="flat" cmpd="sng" algn="ctr">
+        <a:solidFill>
+          <a:schemeClr val="tx1">
+            <a:lumMod val="35000"/>
+            <a:lumOff val="65000"/>
+          </a:schemeClr>
+        </a:solidFill>
+        <a:round/>
+      </a:ln>
+    </cs:spPr>
+  </cs:dropLine>
+  <cs:errorBar>
+    <cs:lnRef idx="0"/>
+    <cs:fillRef idx="0"/>
+    <cs:effectRef idx="0"/>
+    <cs:fontRef idx="minor">
+      <a:schemeClr val="tx1"/>
+    </cs:fontRef>
+    <cs:spPr>
+      <a:ln w="9525" cap="flat" cmpd="sng" algn="ctr">
+        <a:solidFill>
+          <a:schemeClr val="tx1">
+            <a:lumMod val="65000"/>
+            <a:lumOff val="35000"/>
+          </a:schemeClr>
+        </a:solidFill>
+        <a:round/>
+      </a:ln>
+    </cs:spPr>
+  </cs:errorBar>
+  <cs:floor>
+    <cs:lnRef idx="0"/>
+    <cs:fillRef idx="0"/>
+    <cs:effectRef idx="0"/>
+    <cs:fontRef idx="minor">
+      <a:schemeClr val="tx1"/>
+    </cs:fontRef>
+    <cs:spPr>
+      <a:noFill/>
+      <a:ln>
+        <a:noFill/>
+      </a:ln>
+    </cs:spPr>
+  </cs:floor>
+  <cs:gridlineMajor>
+    <cs:lnRef idx="0"/>
+    <cs:fillRef idx="0"/>
+    <cs:effectRef idx="0"/>
+    <cs:fontRef idx="minor">
+      <a:schemeClr val="tx1"/>
+    </cs:fontRef>
+    <cs:spPr>
+      <a:ln w="9525" cap="flat" cmpd="sng" algn="ctr">
+        <a:solidFill>
+          <a:schemeClr val="tx1">
+            <a:lumMod val="15000"/>
+            <a:lumOff val="85000"/>
+          </a:schemeClr>
+        </a:solidFill>
+        <a:round/>
+      </a:ln>
+    </cs:spPr>
+  </cs:gridlineMajor>
+  <cs:gridlineMinor>
+    <cs:lnRef idx="0"/>
+    <cs:fillRef idx="0"/>
+    <cs:effectRef idx="0"/>
+    <cs:fontRef idx="minor">
+      <a:schemeClr val="tx1"/>
+    </cs:fontRef>
+    <cs:spPr>
+      <a:ln w="9525" cap="flat" cmpd="sng" algn="ctr">
+        <a:solidFill>
+          <a:schemeClr val="tx1">
+            <a:lumMod val="5000"/>
+            <a:lumOff val="95000"/>
+          </a:schemeClr>
+        </a:solidFill>
+        <a:round/>
+      </a:ln>
+    </cs:spPr>
+  </cs:gridlineMinor>
+  <cs:hiLoLine>
+    <cs:lnRef idx="0"/>
+    <cs:fillRef idx="0"/>
+    <cs:effectRef idx="0"/>
+    <cs:fontRef idx="minor">
+      <a:schemeClr val="tx1"/>
+    </cs:fontRef>
+    <cs:spPr>
+      <a:ln w="9525" cap="flat" cmpd="sng" algn="ctr">
+        <a:solidFill>
+          <a:schemeClr val="tx1">
+            <a:lumMod val="50000"/>
+            <a:lumOff val="50000"/>
+          </a:schemeClr>
+        </a:solidFill>
+        <a:round/>
+      </a:ln>
+    </cs:spPr>
+  </cs:hiLoLine>
+  <cs:leaderLine>
+    <cs:lnRef idx="0"/>
+    <cs:fillRef idx="0"/>
+    <cs:effectRef idx="0"/>
+    <cs:fontRef idx="minor">
+      <a:schemeClr val="tx1"/>
+    </cs:fontRef>
+    <cs:spPr>
+      <a:ln w="9525" cap="flat" cmpd="sng" algn="ctr">
+        <a:solidFill>
+          <a:schemeClr val="tx1">
+            <a:lumMod val="35000"/>
+            <a:lumOff val="65000"/>
+          </a:schemeClr>
+        </a:solidFill>
+        <a:round/>
+      </a:ln>
+    </cs:spPr>
+  </cs:leaderLine>
+  <cs:legend>
+    <cs:lnRef idx="0"/>
+    <cs:fillRef idx="0"/>
+    <cs:effectRef idx="0"/>
+    <cs:fontRef idx="minor">
+      <a:schemeClr val="tx1">
+        <a:lumMod val="65000"/>
+        <a:lumOff val="35000"/>
+      </a:schemeClr>
+    </cs:fontRef>
+    <cs:defRPr sz="900" kern="1200"/>
+  </cs:legend>
+  <cs:plotArea mods="allowNoFillOverride allowNoLineOverride">
+    <cs:lnRef idx="0"/>
+    <cs:fillRef idx="0"/>
+    <cs:effectRef idx="0"/>
+    <cs:fontRef idx="minor">
+      <a:schemeClr val="tx1"/>
+    </cs:fontRef>
+  </cs:plotArea>
+  <cs:plotArea3D mods="allowNoFillOverride allowNoLineOverride">
+    <cs:lnRef idx="0"/>
+    <cs:fillRef idx="0"/>
+    <cs:effectRef idx="0"/>
+    <cs:fontRef idx="minor">
+      <a:schemeClr val="tx1"/>
+    </cs:fontRef>
+  </cs:plotArea3D>
+  <cs:seriesAxis>
+    <cs:lnRef idx="0"/>
+    <cs:fillRef idx="0"/>
+    <cs:effectRef idx="0"/>
+    <cs:fontRef idx="minor">
+      <a:schemeClr val="tx1">
+        <a:lumMod val="65000"/>
+        <a:lumOff val="35000"/>
+      </a:schemeClr>
+    </cs:fontRef>
+    <cs:defRPr sz="900" kern="1200"/>
+  </cs:seriesAxis>
+  <cs:seriesLine>
+    <cs:lnRef idx="0"/>
+    <cs:fillRef idx="0"/>
+    <cs:effectRef idx="0"/>
+    <cs:fontRef idx="minor">
+      <a:schemeClr val="tx1"/>
+    </cs:fontRef>
+    <cs:spPr>
+      <a:ln w="9525" cap="flat" cmpd="sng" algn="ctr">
+        <a:solidFill>
+          <a:schemeClr val="tx1">
+            <a:lumMod val="35000"/>
+            <a:lumOff val="65000"/>
+          </a:schemeClr>
+        </a:solidFill>
+        <a:round/>
+      </a:ln>
+    </cs:spPr>
+  </cs:seriesLine>
+  <cs:title>
+    <cs:lnRef idx="0"/>
+    <cs:fillRef idx="0"/>
+    <cs:effectRef idx="0"/>
+    <cs:fontRef idx="minor">
+      <a:schemeClr val="tx1">
+        <a:lumMod val="65000"/>
+        <a:lumOff val="35000"/>
+      </a:schemeClr>
+    </cs:fontRef>
+    <cs:defRPr sz="1400" b="0" kern="1200" spc="0" baseline="0"/>
+  </cs:title>
+  <cs:trendline>
+    <cs:lnRef idx="0">
+      <cs:styleClr val="auto"/>
+    </cs:lnRef>
+    <cs:fillRef idx="0"/>
+    <cs:effectRef idx="0"/>
+    <cs:fontRef idx="minor">
+      <a:schemeClr val="tx1"/>
+    </cs:fontRef>
+    <cs:spPr>
+      <a:ln w="19050" cap="rnd">
+        <a:solidFill>
+          <a:schemeClr val="phClr"/>
+        </a:solidFill>
+        <a:prstDash val="sysDot"/>
+      </a:ln>
+    </cs:spPr>
+  </cs:trendline>
+  <cs:trendlineLabel>
+    <cs:lnRef idx="0"/>
+    <cs:fillRef idx="0"/>
+    <cs:effectRef idx="0"/>
+    <cs:fontRef idx="minor">
+      <a:schemeClr val="tx1">
+        <a:lumMod val="65000"/>
+        <a:lumOff val="35000"/>
+      </a:schemeClr>
+    </cs:fontRef>
+    <cs:defRPr sz="900" kern="1200"/>
+  </cs:trendlineLabel>
+  <cs:upBar>
+    <cs:lnRef idx="0"/>
+    <cs:fillRef idx="0"/>
+    <cs:effectRef idx="0"/>
+    <cs:fontRef idx="minor">
+      <a:schemeClr val="tx1"/>
+    </cs:fontRef>
+    <cs:spPr>
+      <a:solidFill>
+        <a:schemeClr val="lt1"/>
+      </a:solidFill>
+      <a:ln w="9525" cap="flat" cmpd="sng" algn="ctr">
+        <a:solidFill>
+          <a:schemeClr val="tx1">
+            <a:lumMod val="65000"/>
+            <a:lumOff val="35000"/>
+          </a:schemeClr>
+        </a:solidFill>
+        <a:round/>
+      </a:ln>
+    </cs:spPr>
+  </cs:upBar>
+  <cs:valueAxis>
+    <cs:lnRef idx="0"/>
+    <cs:fillRef idx="0"/>
+    <cs:effectRef idx="0"/>
+    <cs:fontRef idx="minor">
+      <a:schemeClr val="tx1">
+        <a:lumMod val="65000"/>
+        <a:lumOff val="35000"/>
+      </a:schemeClr>
+    </cs:fontRef>
+    <cs:spPr>
+      <a:ln w="9525" cap="flat" cmpd="sng" algn="ctr">
+        <a:solidFill>
+          <a:schemeClr val="tx1">
+            <a:lumMod val="25000"/>
+            <a:lumOff val="75000"/>
+          </a:schemeClr>
+        </a:solidFill>
+        <a:round/>
+      </a:ln>
+    </cs:spPr>
+    <cs:defRPr sz="900" kern="1200"/>
+  </cs:valueAxis>
+  <cs:wall>
+    <cs:lnRef idx="0"/>
+    <cs:fillRef idx="0"/>
+    <cs:effectRef idx="0"/>
+    <cs:fontRef idx="minor">
+      <a:schemeClr val="tx1"/>
+    </cs:fontRef>
+    <cs:spPr>
+      <a:noFill/>
+      <a:ln>
+        <a:noFill/>
+      </a:ln>
+    </cs:spPr>
+  </cs:wall>
+</cs:chartStyle>
+</file>
+
+<file path=ppt/charts/style7.xml><?xml version="1.0" encoding="utf-8"?>
+<cs:chartStyle xmlns:cs="http://schemas.microsoft.com/office/drawing/2012/chartStyle" xmlns:a="http://schemas.openxmlformats.org/drawingml/2006/main" id="240">
+  <cs:axisTitle>
+    <cs:lnRef idx="0"/>
+    <cs:fillRef idx="0"/>
+    <cs:effectRef idx="0"/>
+    <cs:fontRef idx="minor">
+      <a:schemeClr val="tx1">
+        <a:lumMod val="65000"/>
+        <a:lumOff val="35000"/>
+      </a:schemeClr>
+    </cs:fontRef>
+    <cs:defRPr sz="1000" kern="1200"/>
+  </cs:axisTitle>
+  <cs:categoryAxis>
+    <cs:lnRef idx="0"/>
+    <cs:fillRef idx="0"/>
+    <cs:effectRef idx="0"/>
+    <cs:fontRef idx="minor">
+      <a:schemeClr val="tx1">
+        <a:lumMod val="65000"/>
+        <a:lumOff val="35000"/>
+      </a:schemeClr>
+    </cs:fontRef>
+    <cs:spPr>
+      <a:ln w="9525" cap="flat" cmpd="sng" algn="ctr">
+        <a:solidFill>
+          <a:schemeClr val="tx1">
+            <a:lumMod val="25000"/>
+            <a:lumOff val="75000"/>
+          </a:schemeClr>
+        </a:solidFill>
+        <a:round/>
+      </a:ln>
+    </cs:spPr>
+    <cs:defRPr sz="900" kern="1200"/>
+  </cs:categoryAxis>
+  <cs:chartArea mods="allowNoFillOverride allowNoLineOverride">
+    <cs:lnRef idx="0"/>
+    <cs:fillRef idx="0"/>
+    <cs:effectRef idx="0"/>
+    <cs:fontRef idx="minor">
+      <a:schemeClr val="tx1"/>
+    </cs:fontRef>
+    <cs:spPr>
+      <a:solidFill>
+        <a:schemeClr val="bg1"/>
+      </a:solidFill>
+      <a:ln w="9525" cap="flat" cmpd="sng" algn="ctr">
+        <a:solidFill>
+          <a:schemeClr val="tx1">
+            <a:lumMod val="15000"/>
+            <a:lumOff val="85000"/>
+          </a:schemeClr>
+        </a:solidFill>
+        <a:round/>
+      </a:ln>
+    </cs:spPr>
+    <cs:defRPr sz="1000" kern="1200"/>
+  </cs:chartArea>
+  <cs:dataLabel>
+    <cs:lnRef idx="0"/>
+    <cs:fillRef idx="0"/>
+    <cs:effectRef idx="0"/>
+    <cs:fontRef idx="minor">
+      <a:schemeClr val="tx1">
+        <a:lumMod val="75000"/>
+        <a:lumOff val="25000"/>
+      </a:schemeClr>
+    </cs:fontRef>
+    <cs:defRPr sz="900" kern="1200"/>
+  </cs:dataLabel>
+  <cs:dataLabelCallout>
+    <cs:lnRef idx="0"/>
+    <cs:fillRef idx="0"/>
+    <cs:effectRef idx="0"/>
+    <cs:fontRef idx="minor">
+      <a:schemeClr val="dk1">
+        <a:lumMod val="65000"/>
+        <a:lumOff val="35000"/>
+      </a:schemeClr>
+    </cs:fontRef>
+    <cs:spPr>
+      <a:solidFill>
+        <a:schemeClr val="lt1"/>
+      </a:solidFill>
+      <a:ln>
+        <a:solidFill>
+          <a:schemeClr val="dk1">
+            <a:lumMod val="25000"/>
+            <a:lumOff val="75000"/>
+          </a:schemeClr>
+        </a:solidFill>
+      </a:ln>
+    </cs:spPr>
+    <cs:defRPr sz="900" kern="1200"/>
+    <cs:bodyPr rot="0" spcFirstLastPara="1" vertOverflow="clip" horzOverflow="clip" vert="horz" wrap="square" lIns="36576" tIns="18288" rIns="36576" bIns="18288" anchor="ctr" anchorCtr="1">
+      <a:spAutoFit/>
+    </cs:bodyPr>
+  </cs:dataLabelCallout>
+  <cs:dataPoint>
+    <cs:lnRef idx="0"/>
+    <cs:fillRef idx="1">
+      <cs:styleClr val="auto"/>
+    </cs:fillRef>
+    <cs:effectRef idx="0"/>
+    <cs:fontRef idx="minor">
+      <a:schemeClr val="tx1"/>
+    </cs:fontRef>
+  </cs:dataPoint>
+  <cs:dataPoint3D>
+    <cs:lnRef idx="0"/>
+    <cs:fillRef idx="1">
+      <cs:styleClr val="auto"/>
+    </cs:fillRef>
+    <cs:effectRef idx="0"/>
+    <cs:fontRef idx="minor">
+      <a:schemeClr val="tx1"/>
+    </cs:fontRef>
+  </cs:dataPoint3D>
+  <cs:dataPointLine>
+    <cs:lnRef idx="0">
+      <cs:styleClr val="auto"/>
+    </cs:lnRef>
+    <cs:fillRef idx="1"/>
+    <cs:effectRef idx="0"/>
+    <cs:fontRef idx="minor">
+      <a:schemeClr val="tx1"/>
+    </cs:fontRef>
+    <cs:spPr>
+      <a:ln w="19050" cap="rnd">
+        <a:solidFill>
+          <a:schemeClr val="phClr"/>
+        </a:solidFill>
+        <a:round/>
+      </a:ln>
+    </cs:spPr>
+  </cs:dataPointLine>
+  <cs:dataPointMarker>
+    <cs:lnRef idx="0">
+      <cs:styleClr val="auto"/>
+    </cs:lnRef>
+    <cs:fillRef idx="1">
+      <cs:styleClr val="auto"/>
+    </cs:fillRef>
+    <cs:effectRef idx="0"/>
+    <cs:fontRef idx="minor">
+      <a:schemeClr val="tx1"/>
+    </cs:fontRef>
+    <cs:spPr>
+      <a:ln w="9525">
+        <a:solidFill>
+          <a:schemeClr val="phClr"/>
+        </a:solidFill>
+      </a:ln>
+    </cs:spPr>
+  </cs:dataPointMarker>
+  <cs:dataPointMarkerLayout symbol="circle" size="5"/>
+  <cs:dataPointWireframe>
+    <cs:lnRef idx="0">
+      <cs:styleClr val="auto"/>
+    </cs:lnRef>
+    <cs:fillRef idx="0"/>
+    <cs:effectRef idx="0"/>
+    <cs:fontRef idx="minor">
+      <a:schemeClr val="dk1"/>
+    </cs:fontRef>
+    <cs:spPr>
+      <a:ln w="9525" cap="rnd">
+        <a:solidFill>
+          <a:schemeClr val="phClr"/>
+        </a:solidFill>
+        <a:round/>
+      </a:ln>
+    </cs:spPr>
+  </cs:dataPointWireframe>
+  <cs:dataTable>
+    <cs:lnRef idx="0"/>
+    <cs:fillRef idx="0"/>
+    <cs:effectRef idx="0"/>
+    <cs:fontRef idx="minor">
+      <a:schemeClr val="tx1">
+        <a:lumMod val="65000"/>
+        <a:lumOff val="35000"/>
+      </a:schemeClr>
+    </cs:fontRef>
+    <cs:spPr>
+      <a:noFill/>
+      <a:ln w="9525" cap="flat" cmpd="sng" algn="ctr">
+        <a:solidFill>
+          <a:schemeClr val="tx1">
+            <a:lumMod val="15000"/>
+            <a:lumOff val="85000"/>
+          </a:schemeClr>
+        </a:solidFill>
+        <a:round/>
+      </a:ln>
+    </cs:spPr>
+    <cs:defRPr sz="900" kern="1200"/>
+  </cs:dataTable>
+  <cs:downBar>
+    <cs:lnRef idx="0"/>
+    <cs:fillRef idx="0"/>
+    <cs:effectRef idx="0"/>
+    <cs:fontRef idx="minor">
+      <a:schemeClr val="tx1"/>
+    </cs:fontRef>
+    <cs:spPr>
+      <a:solidFill>
+        <a:schemeClr val="dk1">
+          <a:lumMod val="75000"/>
+          <a:lumOff val="25000"/>
+        </a:schemeClr>
+      </a:solidFill>
+      <a:ln w="9525" cap="flat" cmpd="sng" algn="ctr">
+        <a:solidFill>
+          <a:schemeClr val="tx1">
+            <a:lumMod val="65000"/>
+            <a:lumOff val="35000"/>
+          </a:schemeClr>
+        </a:solidFill>
+        <a:round/>
+      </a:ln>
+    </cs:spPr>
+  </cs:downBar>
+  <cs:dropLine>
+    <cs:lnRef idx="0"/>
+    <cs:fillRef idx="0"/>
+    <cs:effectRef idx="0"/>
+    <cs:fontRef idx="minor">
+      <a:schemeClr val="tx1"/>
+    </cs:fontRef>
+    <cs:spPr>
+      <a:ln w="9525" cap="flat" cmpd="sng" algn="ctr">
+        <a:solidFill>
+          <a:schemeClr val="tx1">
+            <a:lumMod val="35000"/>
+            <a:lumOff val="65000"/>
+          </a:schemeClr>
+        </a:solidFill>
+        <a:round/>
+      </a:ln>
+    </cs:spPr>
+  </cs:dropLine>
+  <cs:errorBar>
+    <cs:lnRef idx="0"/>
+    <cs:fillRef idx="0"/>
+    <cs:effectRef idx="0"/>
+    <cs:fontRef idx="minor">
+      <a:schemeClr val="tx1"/>
+    </cs:fontRef>
+    <cs:spPr>
+      <a:ln w="9525" cap="flat" cmpd="sng" algn="ctr">
+        <a:solidFill>
+          <a:schemeClr val="tx1">
+            <a:lumMod val="65000"/>
+            <a:lumOff val="35000"/>
+          </a:schemeClr>
+        </a:solidFill>
+        <a:round/>
+      </a:ln>
+    </cs:spPr>
+  </cs:errorBar>
+  <cs:floor>
+    <cs:lnRef idx="0"/>
+    <cs:fillRef idx="0"/>
+    <cs:effectRef idx="0"/>
+    <cs:fontRef idx="minor">
+      <a:schemeClr val="tx1"/>
+    </cs:fontRef>
+    <cs:spPr>
+      <a:noFill/>
+      <a:ln>
+        <a:noFill/>
+      </a:ln>
+    </cs:spPr>
+  </cs:floor>
+  <cs:gridlineMajor>
+    <cs:lnRef idx="0"/>
+    <cs:fillRef idx="0"/>
+    <cs:effectRef idx="0"/>
+    <cs:fontRef idx="minor">
+      <a:schemeClr val="tx1"/>
+    </cs:fontRef>
+    <cs:spPr>
+      <a:ln w="9525" cap="flat" cmpd="sng" algn="ctr">
+        <a:solidFill>
+          <a:schemeClr val="tx1">
+            <a:lumMod val="15000"/>
+            <a:lumOff val="85000"/>
+          </a:schemeClr>
+        </a:solidFill>
+        <a:round/>
+      </a:ln>
+    </cs:spPr>
+  </cs:gridlineMajor>
+  <cs:gridlineMinor>
+    <cs:lnRef idx="0"/>
+    <cs:fillRef idx="0"/>
+    <cs:effectRef idx="0"/>
+    <cs:fontRef idx="minor">
+      <a:schemeClr val="tx1"/>
+    </cs:fontRef>
+    <cs:spPr>
+      <a:ln w="9525" cap="flat" cmpd="sng" algn="ctr">
+        <a:solidFill>
+          <a:schemeClr val="tx1">
+            <a:lumMod val="5000"/>
+            <a:lumOff val="95000"/>
+          </a:schemeClr>
+        </a:solidFill>
+        <a:round/>
+      </a:ln>
+    </cs:spPr>
+  </cs:gridlineMinor>
+  <cs:hiLoLine>
+    <cs:lnRef idx="0"/>
+    <cs:fillRef idx="0"/>
+    <cs:effectRef idx="0"/>
+    <cs:fontRef idx="minor">
+      <a:schemeClr val="tx1"/>
+    </cs:fontRef>
+    <cs:spPr>
+      <a:ln w="9525" cap="flat" cmpd="sng" algn="ctr">
+        <a:solidFill>
+          <a:schemeClr val="tx1">
+            <a:lumMod val="50000"/>
+            <a:lumOff val="50000"/>
+          </a:schemeClr>
+        </a:solidFill>
+        <a:round/>
+      </a:ln>
+    </cs:spPr>
+  </cs:hiLoLine>
+  <cs:leaderLine>
+    <cs:lnRef idx="0"/>
+    <cs:fillRef idx="0"/>
+    <cs:effectRef idx="0"/>
+    <cs:fontRef idx="minor">
+      <a:schemeClr val="tx1"/>
+    </cs:fontRef>
+    <cs:spPr>
+      <a:ln w="9525" cap="flat" cmpd="sng" algn="ctr">
+        <a:solidFill>
+          <a:schemeClr val="tx1">
+            <a:lumMod val="35000"/>
+            <a:lumOff val="65000"/>
+          </a:schemeClr>
+        </a:solidFill>
+        <a:round/>
+      </a:ln>
+    </cs:spPr>
+  </cs:leaderLine>
+  <cs:legend>
+    <cs:lnRef idx="0"/>
+    <cs:fillRef idx="0"/>
+    <cs:effectRef idx="0"/>
+    <cs:fontRef idx="minor">
+      <a:schemeClr val="tx1">
+        <a:lumMod val="65000"/>
+        <a:lumOff val="35000"/>
+      </a:schemeClr>
+    </cs:fontRef>
+    <cs:defRPr sz="900" kern="1200"/>
+  </cs:legend>
+  <cs:plotArea mods="allowNoFillOverride allowNoLineOverride">
+    <cs:lnRef idx="0"/>
+    <cs:fillRef idx="0"/>
+    <cs:effectRef idx="0"/>
+    <cs:fontRef idx="minor">
+      <a:schemeClr val="tx1"/>
+    </cs:fontRef>
+  </cs:plotArea>
+  <cs:plotArea3D mods="allowNoFillOverride allowNoLineOverride">
+    <cs:lnRef idx="0"/>
+    <cs:fillRef idx="0"/>
+    <cs:effectRef idx="0"/>
+    <cs:fontRef idx="minor">
+      <a:schemeClr val="tx1"/>
+    </cs:fontRef>
+  </cs:plotArea3D>
+  <cs:seriesAxis>
+    <cs:lnRef idx="0"/>
+    <cs:fillRef idx="0"/>
+    <cs:effectRef idx="0"/>
+    <cs:fontRef idx="minor">
+      <a:schemeClr val="tx1">
+        <a:lumMod val="65000"/>
+        <a:lumOff val="35000"/>
+      </a:schemeClr>
+    </cs:fontRef>
+    <cs:defRPr sz="900" kern="1200"/>
+  </cs:seriesAxis>
+  <cs:seriesLine>
+    <cs:lnRef idx="0"/>
+    <cs:fillRef idx="0"/>
+    <cs:effectRef idx="0"/>
+    <cs:fontRef idx="minor">
+      <a:schemeClr val="tx1"/>
+    </cs:fontRef>
+    <cs:spPr>
+      <a:ln w="9525" cap="flat" cmpd="sng" algn="ctr">
+        <a:solidFill>
+          <a:schemeClr val="tx1">
+            <a:lumMod val="35000"/>
+            <a:lumOff val="65000"/>
+          </a:schemeClr>
+        </a:solidFill>
+        <a:round/>
+      </a:ln>
+    </cs:spPr>
+  </cs:seriesLine>
+  <cs:title>
+    <cs:lnRef idx="0"/>
+    <cs:fillRef idx="0"/>
+    <cs:effectRef idx="0"/>
+    <cs:fontRef idx="minor">
+      <a:schemeClr val="tx1">
+        <a:lumMod val="65000"/>
+        <a:lumOff val="35000"/>
+      </a:schemeClr>
+    </cs:fontRef>
+    <cs:defRPr sz="1400" b="0" kern="1200" spc="0" baseline="0"/>
+  </cs:title>
+  <cs:trendline>
+    <cs:lnRef idx="0">
+      <cs:styleClr val="auto"/>
+    </cs:lnRef>
+    <cs:fillRef idx="0"/>
+    <cs:effectRef idx="0"/>
+    <cs:fontRef idx="minor">
+      <a:schemeClr val="tx1"/>
+    </cs:fontRef>
+    <cs:spPr>
+      <a:ln w="19050" cap="rnd">
+        <a:solidFill>
+          <a:schemeClr val="phClr"/>
+        </a:solidFill>
+        <a:prstDash val="sysDot"/>
+      </a:ln>
+    </cs:spPr>
+  </cs:trendline>
+  <cs:trendlineLabel>
+    <cs:lnRef idx="0"/>
+    <cs:fillRef idx="0"/>
+    <cs:effectRef idx="0"/>
+    <cs:fontRef idx="minor">
+      <a:schemeClr val="tx1">
+        <a:lumMod val="65000"/>
+        <a:lumOff val="35000"/>
+      </a:schemeClr>
+    </cs:fontRef>
+    <cs:defRPr sz="900" kern="1200"/>
+  </cs:trendlineLabel>
+  <cs:upBar>
+    <cs:lnRef idx="0"/>
+    <cs:fillRef idx="0"/>
+    <cs:effectRef idx="0"/>
+    <cs:fontRef idx="minor">
+      <a:schemeClr val="tx1"/>
+    </cs:fontRef>
+    <cs:spPr>
+      <a:solidFill>
+        <a:schemeClr val="lt1"/>
+      </a:solidFill>
+      <a:ln w="9525" cap="flat" cmpd="sng" algn="ctr">
+        <a:solidFill>
+          <a:schemeClr val="tx1">
+            <a:lumMod val="65000"/>
+            <a:lumOff val="35000"/>
+          </a:schemeClr>
+        </a:solidFill>
+        <a:round/>
+      </a:ln>
+    </cs:spPr>
+  </cs:upBar>
+  <cs:valueAxis>
+    <cs:lnRef idx="0"/>
+    <cs:fillRef idx="0"/>
+    <cs:effectRef idx="0"/>
+    <cs:fontRef idx="minor">
+      <a:schemeClr val="tx1">
+        <a:lumMod val="65000"/>
+        <a:lumOff val="35000"/>
+      </a:schemeClr>
+    </cs:fontRef>
+    <cs:spPr>
+      <a:ln w="9525" cap="flat" cmpd="sng" algn="ctr">
+        <a:solidFill>
+          <a:schemeClr val="tx1">
+            <a:lumMod val="25000"/>
+            <a:lumOff val="75000"/>
+          </a:schemeClr>
+        </a:solidFill>
+        <a:round/>
+      </a:ln>
+    </cs:spPr>
+    <cs:defRPr sz="900" kern="1200"/>
+  </cs:valueAxis>
+  <cs:wall>
+    <cs:lnRef idx="0"/>
+    <cs:fillRef idx="0"/>
+    <cs:effectRef idx="0"/>
+    <cs:fontRef idx="minor">
+      <a:schemeClr val="tx1"/>
+    </cs:fontRef>
+    <cs:spPr>
+      <a:noFill/>
+      <a:ln>
+        <a:noFill/>
+      </a:ln>
+    </cs:spPr>
+  </cs:wall>
+</cs:chartStyle>
+</file>
+
+<file path=ppt/charts/style8.xml><?xml version="1.0" encoding="utf-8"?>
+<cs:chartStyle xmlns:cs="http://schemas.microsoft.com/office/drawing/2012/chartStyle" xmlns:a="http://schemas.openxmlformats.org/drawingml/2006/main" id="240">
+  <cs:axisTitle>
+    <cs:lnRef idx="0"/>
+    <cs:fillRef idx="0"/>
+    <cs:effectRef idx="0"/>
+    <cs:fontRef idx="minor">
+      <a:schemeClr val="tx1">
+        <a:lumMod val="65000"/>
+        <a:lumOff val="35000"/>
+      </a:schemeClr>
+    </cs:fontRef>
+    <cs:defRPr sz="1000" kern="1200"/>
+  </cs:axisTitle>
+  <cs:categoryAxis>
+    <cs:lnRef idx="0"/>
+    <cs:fillRef idx="0"/>
+    <cs:effectRef idx="0"/>
+    <cs:fontRef idx="minor">
+      <a:schemeClr val="tx1">
+        <a:lumMod val="65000"/>
+        <a:lumOff val="35000"/>
+      </a:schemeClr>
+    </cs:fontRef>
+    <cs:spPr>
+      <a:ln w="9525" cap="flat" cmpd="sng" algn="ctr">
+        <a:solidFill>
+          <a:schemeClr val="tx1">
+            <a:lumMod val="25000"/>
+            <a:lumOff val="75000"/>
+          </a:schemeClr>
+        </a:solidFill>
+        <a:round/>
+      </a:ln>
+    </cs:spPr>
+    <cs:defRPr sz="900" kern="1200"/>
+  </cs:categoryAxis>
+  <cs:chartArea mods="allowNoFillOverride allowNoLineOverride">
+    <cs:lnRef idx="0"/>
+    <cs:fillRef idx="0"/>
+    <cs:effectRef idx="0"/>
+    <cs:fontRef idx="minor">
+      <a:schemeClr val="tx1"/>
+    </cs:fontRef>
+    <cs:spPr>
+      <a:solidFill>
+        <a:schemeClr val="bg1"/>
+      </a:solidFill>
+      <a:ln w="9525" cap="flat" cmpd="sng" algn="ctr">
+        <a:solidFill>
+          <a:schemeClr val="tx1">
+            <a:lumMod val="15000"/>
+            <a:lumOff val="85000"/>
+          </a:schemeClr>
+        </a:solidFill>
+        <a:round/>
+      </a:ln>
+    </cs:spPr>
+    <cs:defRPr sz="1000" kern="1200"/>
+  </cs:chartArea>
+  <cs:dataLabel>
+    <cs:lnRef idx="0"/>
+    <cs:fillRef idx="0"/>
+    <cs:effectRef idx="0"/>
+    <cs:fontRef idx="minor">
+      <a:schemeClr val="tx1">
+        <a:lumMod val="75000"/>
+        <a:lumOff val="25000"/>
+      </a:schemeClr>
+    </cs:fontRef>
+    <cs:defRPr sz="900" kern="1200"/>
+  </cs:dataLabel>
+  <cs:dataLabelCallout>
+    <cs:lnRef idx="0"/>
+    <cs:fillRef idx="0"/>
+    <cs:effectRef idx="0"/>
+    <cs:fontRef idx="minor">
+      <a:schemeClr val="dk1">
+        <a:lumMod val="65000"/>
+        <a:lumOff val="35000"/>
+      </a:schemeClr>
+    </cs:fontRef>
+    <cs:spPr>
+      <a:solidFill>
+        <a:schemeClr val="lt1"/>
+      </a:solidFill>
+      <a:ln>
+        <a:solidFill>
+          <a:schemeClr val="dk1">
+            <a:lumMod val="25000"/>
+            <a:lumOff val="75000"/>
+          </a:schemeClr>
+        </a:solidFill>
+      </a:ln>
+    </cs:spPr>
+    <cs:defRPr sz="900" kern="1200"/>
+    <cs:bodyPr rot="0" spcFirstLastPara="1" vertOverflow="clip" horzOverflow="clip" vert="horz" wrap="square" lIns="36576" tIns="18288" rIns="36576" bIns="18288" anchor="ctr" anchorCtr="1">
+      <a:spAutoFit/>
+    </cs:bodyPr>
+  </cs:dataLabelCallout>
+  <cs:dataPoint>
+    <cs:lnRef idx="0"/>
+    <cs:fillRef idx="1">
+      <cs:styleClr val="auto"/>
+    </cs:fillRef>
+    <cs:effectRef idx="0"/>
+    <cs:fontRef idx="minor">
+      <a:schemeClr val="tx1"/>
+    </cs:fontRef>
+  </cs:dataPoint>
+  <cs:dataPoint3D>
+    <cs:lnRef idx="0"/>
+    <cs:fillRef idx="1">
+      <cs:styleClr val="auto"/>
+    </cs:fillRef>
+    <cs:effectRef idx="0"/>
+    <cs:fontRef idx="minor">
+      <a:schemeClr val="tx1"/>
+    </cs:fontRef>
+  </cs:dataPoint3D>
+  <cs:dataPointLine>
+    <cs:lnRef idx="0">
+      <cs:styleClr val="auto"/>
+    </cs:lnRef>
+    <cs:fillRef idx="1"/>
+    <cs:effectRef idx="0"/>
+    <cs:fontRef idx="minor">
+      <a:schemeClr val="tx1"/>
+    </cs:fontRef>
+    <cs:spPr>
+      <a:ln w="19050" cap="rnd">
+        <a:solidFill>
+          <a:schemeClr val="phClr"/>
+        </a:solidFill>
+        <a:round/>
+      </a:ln>
+    </cs:spPr>
+  </cs:dataPointLine>
+  <cs:dataPointMarker>
+    <cs:lnRef idx="0">
+      <cs:styleClr val="auto"/>
+    </cs:lnRef>
+    <cs:fillRef idx="1">
+      <cs:styleClr val="auto"/>
+    </cs:fillRef>
+    <cs:effectRef idx="0"/>
+    <cs:fontRef idx="minor">
+      <a:schemeClr val="tx1"/>
+    </cs:fontRef>
+    <cs:spPr>
+      <a:ln w="9525">
+        <a:solidFill>
+          <a:schemeClr val="phClr"/>
+        </a:solidFill>
+      </a:ln>
+    </cs:spPr>
+  </cs:dataPointMarker>
+  <cs:dataPointMarkerLayout symbol="circle" size="5"/>
+  <cs:dataPointWireframe>
+    <cs:lnRef idx="0">
+      <cs:styleClr val="auto"/>
+    </cs:lnRef>
+    <cs:fillRef idx="0"/>
+    <cs:effectRef idx="0"/>
+    <cs:fontRef idx="minor">
+      <a:schemeClr val="dk1"/>
+    </cs:fontRef>
+    <cs:spPr>
+      <a:ln w="9525" cap="rnd">
+        <a:solidFill>
+          <a:schemeClr val="phClr"/>
+        </a:solidFill>
+        <a:round/>
+      </a:ln>
+    </cs:spPr>
+  </cs:dataPointWireframe>
+  <cs:dataTable>
+    <cs:lnRef idx="0"/>
+    <cs:fillRef idx="0"/>
+    <cs:effectRef idx="0"/>
+    <cs:fontRef idx="minor">
+      <a:schemeClr val="tx1">
+        <a:lumMod val="65000"/>
+        <a:lumOff val="35000"/>
+      </a:schemeClr>
+    </cs:fontRef>
+    <cs:spPr>
+      <a:noFill/>
+      <a:ln w="9525" cap="flat" cmpd="sng" algn="ctr">
+        <a:solidFill>
+          <a:schemeClr val="tx1">
+            <a:lumMod val="15000"/>
+            <a:lumOff val="85000"/>
+          </a:schemeClr>
+        </a:solidFill>
+        <a:round/>
+      </a:ln>
+    </cs:spPr>
+    <cs:defRPr sz="900" kern="1200"/>
+  </cs:dataTable>
+  <cs:downBar>
+    <cs:lnRef idx="0"/>
+    <cs:fillRef idx="0"/>
+    <cs:effectRef idx="0"/>
+    <cs:fontRef idx="minor">
+      <a:schemeClr val="tx1"/>
+    </cs:fontRef>
+    <cs:spPr>
+      <a:solidFill>
+        <a:schemeClr val="dk1">
+          <a:lumMod val="75000"/>
+          <a:lumOff val="25000"/>
+        </a:schemeClr>
+      </a:solidFill>
+      <a:ln w="9525" cap="flat" cmpd="sng" algn="ctr">
+        <a:solidFill>
+          <a:schemeClr val="tx1">
+            <a:lumMod val="65000"/>
+            <a:lumOff val="35000"/>
+          </a:schemeClr>
+        </a:solidFill>
+        <a:round/>
+      </a:ln>
+    </cs:spPr>
+  </cs:downBar>
+  <cs:dropLine>
+    <cs:lnRef idx="0"/>
+    <cs:fillRef idx="0"/>
+    <cs:effectRef idx="0"/>
+    <cs:fontRef idx="minor">
+      <a:schemeClr val="tx1"/>
+    </cs:fontRef>
+    <cs:spPr>
+      <a:ln w="9525" cap="flat" cmpd="sng" algn="ctr">
+        <a:solidFill>
+          <a:schemeClr val="tx1">
+            <a:lumMod val="35000"/>
+            <a:lumOff val="65000"/>
+          </a:schemeClr>
+        </a:solidFill>
+        <a:round/>
+      </a:ln>
+    </cs:spPr>
+  </cs:dropLine>
+  <cs:errorBar>
+    <cs:lnRef idx="0"/>
+    <cs:fillRef idx="0"/>
+    <cs:effectRef idx="0"/>
+    <cs:fontRef idx="minor">
+      <a:schemeClr val="tx1"/>
+    </cs:fontRef>
+    <cs:spPr>
+      <a:ln w="9525" cap="flat" cmpd="sng" algn="ctr">
+        <a:solidFill>
+          <a:schemeClr val="tx1">
+            <a:lumMod val="65000"/>
+            <a:lumOff val="35000"/>
+          </a:schemeClr>
+        </a:solidFill>
+        <a:round/>
+      </a:ln>
+    </cs:spPr>
+  </cs:errorBar>
+  <cs:floor>
+    <cs:lnRef idx="0"/>
+    <cs:fillRef idx="0"/>
+    <cs:effectRef idx="0"/>
+    <cs:fontRef idx="minor">
+      <a:schemeClr val="tx1"/>
+    </cs:fontRef>
+    <cs:spPr>
+      <a:noFill/>
+      <a:ln>
+        <a:noFill/>
+      </a:ln>
+    </cs:spPr>
+  </cs:floor>
+  <cs:gridlineMajor>
+    <cs:lnRef idx="0"/>
+    <cs:fillRef idx="0"/>
+    <cs:effectRef idx="0"/>
+    <cs:fontRef idx="minor">
+      <a:schemeClr val="tx1"/>
+    </cs:fontRef>
+    <cs:spPr>
+      <a:ln w="9525" cap="flat" cmpd="sng" algn="ctr">
+        <a:solidFill>
+          <a:schemeClr val="tx1">
+            <a:lumMod val="15000"/>
+            <a:lumOff val="85000"/>
+          </a:schemeClr>
+        </a:solidFill>
+        <a:round/>
+      </a:ln>
+    </cs:spPr>
+  </cs:gridlineMajor>
+  <cs:gridlineMinor>
+    <cs:lnRef idx="0"/>
+    <cs:fillRef idx="0"/>
+    <cs:effectRef idx="0"/>
+    <cs:fontRef idx="minor">
+      <a:schemeClr val="tx1"/>
+    </cs:fontRef>
+    <cs:spPr>
+      <a:ln w="9525" cap="flat" cmpd="sng" algn="ctr">
+        <a:solidFill>
+          <a:schemeClr val="tx1">
+            <a:lumMod val="5000"/>
+            <a:lumOff val="95000"/>
+          </a:schemeClr>
+        </a:solidFill>
+        <a:round/>
+      </a:ln>
+    </cs:spPr>
+  </cs:gridlineMinor>
+  <cs:hiLoLine>
+    <cs:lnRef idx="0"/>
+    <cs:fillRef idx="0"/>
+    <cs:effectRef idx="0"/>
+    <cs:fontRef idx="minor">
+      <a:schemeClr val="tx1"/>
+    </cs:fontRef>
+    <cs:spPr>
+      <a:ln w="9525" cap="flat" cmpd="sng" algn="ctr">
+        <a:solidFill>
+          <a:schemeClr val="tx1">
+            <a:lumMod val="50000"/>
+            <a:lumOff val="50000"/>
+          </a:schemeClr>
+        </a:solidFill>
+        <a:round/>
+      </a:ln>
+    </cs:spPr>
+  </cs:hiLoLine>
+  <cs:leaderLine>
+    <cs:lnRef idx="0"/>
+    <cs:fillRef idx="0"/>
+    <cs:effectRef idx="0"/>
+    <cs:fontRef idx="minor">
+      <a:schemeClr val="tx1"/>
+    </cs:fontRef>
+    <cs:spPr>
+      <a:ln w="9525" cap="flat" cmpd="sng" algn="ctr">
+        <a:solidFill>
+          <a:schemeClr val="tx1">
+            <a:lumMod val="35000"/>
+            <a:lumOff val="65000"/>
+          </a:schemeClr>
+        </a:solidFill>
+        <a:round/>
+      </a:ln>
+    </cs:spPr>
+  </cs:leaderLine>
+  <cs:legend>
+    <cs:lnRef idx="0"/>
+    <cs:fillRef idx="0"/>
+    <cs:effectRef idx="0"/>
+    <cs:fontRef idx="minor">
+      <a:schemeClr val="tx1">
+        <a:lumMod val="65000"/>
+        <a:lumOff val="35000"/>
+      </a:schemeClr>
+    </cs:fontRef>
+    <cs:defRPr sz="900" kern="1200"/>
+  </cs:legend>
+  <cs:plotArea mods="allowNoFillOverride allowNoLineOverride">
+    <cs:lnRef idx="0"/>
+    <cs:fillRef idx="0"/>
+    <cs:effectRef idx="0"/>
+    <cs:fontRef idx="minor">
+      <a:schemeClr val="tx1"/>
+    </cs:fontRef>
+  </cs:plotArea>
+  <cs:plotArea3D mods="allowNoFillOverride allowNoLineOverride">
+    <cs:lnRef idx="0"/>
+    <cs:fillRef idx="0"/>
+    <cs:effectRef idx="0"/>
+    <cs:fontRef idx="minor">
+      <a:schemeClr val="tx1"/>
+    </cs:fontRef>
+  </cs:plotArea3D>
+  <cs:seriesAxis>
+    <cs:lnRef idx="0"/>
+    <cs:fillRef idx="0"/>
+    <cs:effectRef idx="0"/>
+    <cs:fontRef idx="minor">
+      <a:schemeClr val="tx1">
+        <a:lumMod val="65000"/>
+        <a:lumOff val="35000"/>
+      </a:schemeClr>
+    </cs:fontRef>
+    <cs:defRPr sz="900" kern="1200"/>
+  </cs:seriesAxis>
+  <cs:seriesLine>
+    <cs:lnRef idx="0"/>
+    <cs:fillRef idx="0"/>
+    <cs:effectRef idx="0"/>
+    <cs:fontRef idx="minor">
+      <a:schemeClr val="tx1"/>
+    </cs:fontRef>
+    <cs:spPr>
+      <a:ln w="9525" cap="flat" cmpd="sng" algn="ctr">
+        <a:solidFill>
+          <a:schemeClr val="tx1">
+            <a:lumMod val="35000"/>
+            <a:lumOff val="65000"/>
+          </a:schemeClr>
+        </a:solidFill>
+        <a:round/>
+      </a:ln>
+    </cs:spPr>
+  </cs:seriesLine>
+  <cs:title>
+    <cs:lnRef idx="0"/>
+    <cs:fillRef idx="0"/>
+    <cs:effectRef idx="0"/>
+    <cs:fontRef idx="minor">
+      <a:schemeClr val="tx1">
+        <a:lumMod val="65000"/>
+        <a:lumOff val="35000"/>
+      </a:schemeClr>
+    </cs:fontRef>
+    <cs:defRPr sz="1400" b="0" kern="1200" spc="0" baseline="0"/>
+  </cs:title>
+  <cs:trendline>
+    <cs:lnRef idx="0">
+      <cs:styleClr val="auto"/>
+    </cs:lnRef>
+    <cs:fillRef idx="0"/>
+    <cs:effectRef idx="0"/>
+    <cs:fontRef idx="minor">
+      <a:schemeClr val="tx1"/>
+    </cs:fontRef>
+    <cs:spPr>
+      <a:ln w="19050" cap="rnd">
+        <a:solidFill>
+          <a:schemeClr val="phClr"/>
+        </a:solidFill>
+        <a:prstDash val="sysDot"/>
+      </a:ln>
+    </cs:spPr>
+  </cs:trendline>
+  <cs:trendlineLabel>
+    <cs:lnRef idx="0"/>
+    <cs:fillRef idx="0"/>
+    <cs:effectRef idx="0"/>
+    <cs:fontRef idx="minor">
+      <a:schemeClr val="tx1">
+        <a:lumMod val="65000"/>
+        <a:lumOff val="35000"/>
+      </a:schemeClr>
+    </cs:fontRef>
+    <cs:defRPr sz="900" kern="1200"/>
+  </cs:trendlineLabel>
+  <cs:upBar>
+    <cs:lnRef idx="0"/>
+    <cs:fillRef idx="0"/>
+    <cs:effectRef idx="0"/>
+    <cs:fontRef idx="minor">
+      <a:schemeClr val="tx1"/>
+    </cs:fontRef>
+    <cs:spPr>
+      <a:solidFill>
+        <a:schemeClr val="lt1"/>
+      </a:solidFill>
+      <a:ln w="9525" cap="flat" cmpd="sng" algn="ctr">
+        <a:solidFill>
+          <a:schemeClr val="tx1">
+            <a:lumMod val="65000"/>
+            <a:lumOff val="35000"/>
+          </a:schemeClr>
+        </a:solidFill>
+        <a:round/>
+      </a:ln>
+    </cs:spPr>
+  </cs:upBar>
+  <cs:valueAxis>
+    <cs:lnRef idx="0"/>
+    <cs:fillRef idx="0"/>
+    <cs:effectRef idx="0"/>
+    <cs:fontRef idx="minor">
+      <a:schemeClr val="tx1">
+        <a:lumMod val="65000"/>
+        <a:lumOff val="35000"/>
+      </a:schemeClr>
+    </cs:fontRef>
+    <cs:spPr>
+      <a:ln w="9525" cap="flat" cmpd="sng" algn="ctr">
+        <a:solidFill>
+          <a:schemeClr val="tx1">
+            <a:lumMod val="25000"/>
+            <a:lumOff val="75000"/>
+          </a:schemeClr>
+        </a:solidFill>
+        <a:round/>
+      </a:ln>
+    </cs:spPr>
+    <cs:defRPr sz="900" kern="1200"/>
+  </cs:valueAxis>
+  <cs:wall>
+    <cs:lnRef idx="0"/>
+    <cs:fillRef idx="0"/>
+    <cs:effectRef idx="0"/>
+    <cs:fontRef idx="minor">
+      <a:schemeClr val="tx1"/>
+    </cs:fontRef>
+    <cs:spPr>
+      <a:noFill/>
+      <a:ln>
+        <a:noFill/>
+      </a:ln>
+    </cs:spPr>
+  </cs:wall>
+</cs:chartStyle>
 </file>
 
 <file path=ppt/slideLayouts/slideLayout1.xml><?xml version="1.0" encoding="utf-8"?>
@@ -3399,13 +12257,13 @@
           <a:lstStyle/>
           <a:p>
             <a:r>
-              <a:rPr lang="en-US" dirty="0"/>
+              <a:rPr lang="en-US" b="1" dirty="0"/>
               <a:t>Task 5</a:t>
             </a:r>
             <a:br>
-              <a:rPr lang="en-US" dirty="0"/>
+              <a:rPr lang="en-US" b="1" dirty="0"/>
             </a:br>
-            <a:endParaRPr lang="en-US" dirty="0"/>
+            <a:endParaRPr lang="en-US" b="1" dirty="0"/>
           </a:p>
         </p:txBody>
       </p:sp>
@@ -3899,7 +12757,7 @@
           <a:p>
             <a:r>
               <a:rPr lang="en-US" b="1" dirty="0"/>
-              <a:t>BWA tool</a:t>
+              <a:t>BWA tools</a:t>
             </a:r>
           </a:p>
         </p:txBody>
@@ -4433,11 +13291,16 @@
           <a:p>
             <a:r>
               <a:rPr lang="en-US" dirty="0"/>
-              <a:t>Legend: (</a:t>
-            </a:r>
-            <a:r>
-              <a:rPr lang="en-US"/>
-              <a:t>match-mismatch-gap)</a:t>
+              <a:t>Legend: (match-mismatch-gap)</a:t>
+            </a:r>
+          </a:p>
+          <a:p>
+            <a:endParaRPr lang="en-US" dirty="0"/>
+          </a:p>
+          <a:p>
+            <a:r>
+              <a:rPr lang="en-US" dirty="0"/>
+              <a:t>Results for 12 random taken reads (all other are more or less similar)</a:t>
             </a:r>
           </a:p>
           <a:p>
@@ -4529,19 +13392,19 @@
               <a:t>Implement aligner using </a:t>
             </a:r>
             <a:r>
-              <a:rPr lang="en-US" dirty="0" err="1"/>
+              <a:rPr lang="en-US" b="1" i="1" dirty="0" err="1"/>
               <a:t>Seed&amp;Extend</a:t>
             </a:r>
             <a:r>
+              <a:rPr lang="en-US" b="1" i="1" dirty="0"/>
+              <a:t> </a:t>
+            </a:r>
+          </a:p>
+          <a:p>
+            <a:pPr lvl="1"/>
+            <a:r>
               <a:rPr lang="en-US" dirty="0"/>
-              <a:t> </a:t>
-            </a:r>
-          </a:p>
-          <a:p>
-            <a:pPr lvl="1"/>
-            <a:r>
-              <a:rPr lang="en-US" dirty="0"/>
-              <a:t>FM Index seed queries</a:t>
+              <a:t>FM Index with BWT seed queries</a:t>
             </a:r>
           </a:p>
           <a:p>
@@ -4557,7 +13420,15 @@
           <a:p>
             <a:r>
               <a:rPr lang="en-US" dirty="0"/>
-              <a:t>Compare best results against BWA-MEM tool for parameter values</a:t>
+              <a:t>Compare best results against </a:t>
+            </a:r>
+            <a:r>
+              <a:rPr lang="en-US" b="1" i="1" dirty="0"/>
+              <a:t>BWA-MEM tool </a:t>
+            </a:r>
+            <a:r>
+              <a:rPr lang="en-US" dirty="0"/>
+              <a:t>for parameter values</a:t>
             </a:r>
           </a:p>
           <a:p>
@@ -4613,56 +13484,126 @@
           <a:chExt cx="0" cy="0"/>
         </a:xfrm>
       </p:grpSpPr>
-      <p:sp>
-        <p:nvSpPr>
-          <p:cNvPr id="2" name="Title 1">
+      <p:graphicFrame>
+        <p:nvGraphicFramePr>
+          <p:cNvPr id="4" name="Chart 3">
             <a:extLst>
               <a:ext uri="{FF2B5EF4-FFF2-40B4-BE49-F238E27FC236}">
-                <a16:creationId xmlns:a16="http://schemas.microsoft.com/office/drawing/2014/main" id="{48406640-6A66-5839-9B79-502BE1B8C730}"/>
+                <a16:creationId xmlns:a16="http://schemas.microsoft.com/office/drawing/2014/main" id="{00000000-0008-0000-0800-000003000000}"/>
               </a:ext>
             </a:extLst>
           </p:cNvPr>
-          <p:cNvSpPr>
-            <a:spLocks noGrp="1"/>
-          </p:cNvSpPr>
+          <p:cNvGraphicFramePr>
+            <a:graphicFrameLocks/>
+          </p:cNvGraphicFramePr>
           <p:nvPr>
-            <p:ph type="title"/>
+            <p:extLst>
+              <p:ext uri="{D42A27DB-BD31-4B8C-83A1-F6EECF244321}">
+                <p14:modId xmlns:p14="http://schemas.microsoft.com/office/powerpoint/2010/main" val="3096044690"/>
+              </p:ext>
+            </p:extLst>
           </p:nvPr>
-        </p:nvSpPr>
-        <p:spPr/>
-        <p:txBody>
-          <a:bodyPr/>
-          <a:lstStyle/>
-          <a:p>
-            <a:endParaRPr lang="en-US"/>
-          </a:p>
-        </p:txBody>
-      </p:sp>
-      <p:sp>
-        <p:nvSpPr>
-          <p:cNvPr id="3" name="Content Placeholder 2">
+        </p:nvGraphicFramePr>
+        <p:xfrm>
+          <a:off x="1137822" y="292169"/>
+          <a:ext cx="4693142" cy="3010324"/>
+        </p:xfrm>
+        <a:graphic>
+          <a:graphicData uri="http://schemas.openxmlformats.org/drawingml/2006/chart">
+            <c:chart xmlns:c="http://schemas.openxmlformats.org/drawingml/2006/chart" xmlns:r="http://schemas.openxmlformats.org/officeDocument/2006/relationships" r:id="rId2"/>
+          </a:graphicData>
+        </a:graphic>
+      </p:graphicFrame>
+      <p:graphicFrame>
+        <p:nvGraphicFramePr>
+          <p:cNvPr id="5" name="Chart 4">
             <a:extLst>
               <a:ext uri="{FF2B5EF4-FFF2-40B4-BE49-F238E27FC236}">
-                <a16:creationId xmlns:a16="http://schemas.microsoft.com/office/drawing/2014/main" id="{293C1CF7-C101-5A8A-3517-B45CF2620F4D}"/>
+                <a16:creationId xmlns:a16="http://schemas.microsoft.com/office/drawing/2014/main" id="{00000000-0008-0000-0800-000004000000}"/>
               </a:ext>
             </a:extLst>
           </p:cNvPr>
-          <p:cNvSpPr>
-            <a:spLocks noGrp="1"/>
-          </p:cNvSpPr>
+          <p:cNvGraphicFramePr>
+            <a:graphicFrameLocks/>
+          </p:cNvGraphicFramePr>
           <p:nvPr>
-            <p:ph idx="1"/>
+            <p:extLst>
+              <p:ext uri="{D42A27DB-BD31-4B8C-83A1-F6EECF244321}">
+                <p14:modId xmlns:p14="http://schemas.microsoft.com/office/powerpoint/2010/main" val="43862333"/>
+              </p:ext>
+            </p:extLst>
           </p:nvPr>
-        </p:nvSpPr>
-        <p:spPr/>
-        <p:txBody>
-          <a:bodyPr/>
-          <a:lstStyle/>
-          <a:p>
-            <a:endParaRPr lang="en-US"/>
-          </a:p>
-        </p:txBody>
-      </p:sp>
+        </p:nvGraphicFramePr>
+        <p:xfrm>
+          <a:off x="6361035" y="286342"/>
+          <a:ext cx="4693143" cy="3010323"/>
+        </p:xfrm>
+        <a:graphic>
+          <a:graphicData uri="http://schemas.openxmlformats.org/drawingml/2006/chart">
+            <c:chart xmlns:c="http://schemas.openxmlformats.org/drawingml/2006/chart" xmlns:r="http://schemas.openxmlformats.org/officeDocument/2006/relationships" r:id="rId3"/>
+          </a:graphicData>
+        </a:graphic>
+      </p:graphicFrame>
+      <p:graphicFrame>
+        <p:nvGraphicFramePr>
+          <p:cNvPr id="6" name="Chart 5">
+            <a:extLst>
+              <a:ext uri="{FF2B5EF4-FFF2-40B4-BE49-F238E27FC236}">
+                <a16:creationId xmlns:a16="http://schemas.microsoft.com/office/drawing/2014/main" id="{00000000-0008-0000-0800-000005000000}"/>
+              </a:ext>
+            </a:extLst>
+          </p:cNvPr>
+          <p:cNvGraphicFramePr>
+            <a:graphicFrameLocks/>
+          </p:cNvGraphicFramePr>
+          <p:nvPr>
+            <p:extLst>
+              <p:ext uri="{D42A27DB-BD31-4B8C-83A1-F6EECF244321}">
+                <p14:modId xmlns:p14="http://schemas.microsoft.com/office/powerpoint/2010/main" val="122000462"/>
+              </p:ext>
+            </p:extLst>
+          </p:nvPr>
+        </p:nvGraphicFramePr>
+        <p:xfrm>
+          <a:off x="1137821" y="3638550"/>
+          <a:ext cx="4693143" cy="2927281"/>
+        </p:xfrm>
+        <a:graphic>
+          <a:graphicData uri="http://schemas.openxmlformats.org/drawingml/2006/chart">
+            <c:chart xmlns:c="http://schemas.openxmlformats.org/drawingml/2006/chart" xmlns:r="http://schemas.openxmlformats.org/officeDocument/2006/relationships" r:id="rId4"/>
+          </a:graphicData>
+        </a:graphic>
+      </p:graphicFrame>
+      <p:graphicFrame>
+        <p:nvGraphicFramePr>
+          <p:cNvPr id="7" name="Chart 6">
+            <a:extLst>
+              <a:ext uri="{FF2B5EF4-FFF2-40B4-BE49-F238E27FC236}">
+                <a16:creationId xmlns:a16="http://schemas.microsoft.com/office/drawing/2014/main" id="{00000000-0008-0000-0800-000007000000}"/>
+              </a:ext>
+            </a:extLst>
+          </p:cNvPr>
+          <p:cNvGraphicFramePr>
+            <a:graphicFrameLocks/>
+          </p:cNvGraphicFramePr>
+          <p:nvPr>
+            <p:extLst>
+              <p:ext uri="{D42A27DB-BD31-4B8C-83A1-F6EECF244321}">
+                <p14:modId xmlns:p14="http://schemas.microsoft.com/office/powerpoint/2010/main" val="1481953118"/>
+              </p:ext>
+            </p:extLst>
+          </p:nvPr>
+        </p:nvGraphicFramePr>
+        <p:xfrm>
+          <a:off x="6361034" y="3638551"/>
+          <a:ext cx="4693143" cy="2927280"/>
+        </p:xfrm>
+        <a:graphic>
+          <a:graphicData uri="http://schemas.openxmlformats.org/drawingml/2006/chart">
+            <c:chart xmlns:c="http://schemas.openxmlformats.org/drawingml/2006/chart" xmlns:r="http://schemas.openxmlformats.org/officeDocument/2006/relationships" r:id="rId5"/>
+          </a:graphicData>
+        </a:graphic>
+      </p:graphicFrame>
     </p:spTree>
     <p:extLst>
       <p:ext uri="{BB962C8B-B14F-4D97-AF65-F5344CB8AC3E}">
@@ -4677,6 +13618,156 @@
 </file>
 
 <file path=ppt/slides/slide21.xml><?xml version="1.0" encoding="utf-8"?>
+<p:sld xmlns:a="http://schemas.openxmlformats.org/drawingml/2006/main" xmlns:r="http://schemas.openxmlformats.org/officeDocument/2006/relationships" xmlns:p="http://schemas.openxmlformats.org/presentationml/2006/main">
+  <p:cSld>
+    <p:spTree>
+      <p:nvGrpSpPr>
+        <p:cNvPr id="1" name=""/>
+        <p:cNvGrpSpPr/>
+        <p:nvPr/>
+      </p:nvGrpSpPr>
+      <p:grpSpPr>
+        <a:xfrm>
+          <a:off x="0" y="0"/>
+          <a:ext cx="0" cy="0"/>
+          <a:chOff x="0" y="0"/>
+          <a:chExt cx="0" cy="0"/>
+        </a:xfrm>
+      </p:grpSpPr>
+      <p:graphicFrame>
+        <p:nvGraphicFramePr>
+          <p:cNvPr id="4" name="Chart 3">
+            <a:extLst>
+              <a:ext uri="{FF2B5EF4-FFF2-40B4-BE49-F238E27FC236}">
+                <a16:creationId xmlns:a16="http://schemas.microsoft.com/office/drawing/2014/main" id="{00000000-0008-0000-0800-000008000000}"/>
+              </a:ext>
+            </a:extLst>
+          </p:cNvPr>
+          <p:cNvGraphicFramePr>
+            <a:graphicFrameLocks/>
+          </p:cNvGraphicFramePr>
+          <p:nvPr>
+            <p:extLst>
+              <p:ext uri="{D42A27DB-BD31-4B8C-83A1-F6EECF244321}">
+                <p14:modId xmlns:p14="http://schemas.microsoft.com/office/powerpoint/2010/main" val="2022471776"/>
+              </p:ext>
+            </p:extLst>
+          </p:nvPr>
+        </p:nvGraphicFramePr>
+        <p:xfrm>
+          <a:off x="1283299" y="375556"/>
+          <a:ext cx="4572000" cy="2950029"/>
+        </p:xfrm>
+        <a:graphic>
+          <a:graphicData uri="http://schemas.openxmlformats.org/drawingml/2006/chart">
+            <c:chart xmlns:c="http://schemas.openxmlformats.org/drawingml/2006/chart" xmlns:r="http://schemas.openxmlformats.org/officeDocument/2006/relationships" r:id="rId2"/>
+          </a:graphicData>
+        </a:graphic>
+      </p:graphicFrame>
+      <p:graphicFrame>
+        <p:nvGraphicFramePr>
+          <p:cNvPr id="5" name="Chart 4">
+            <a:extLst>
+              <a:ext uri="{FF2B5EF4-FFF2-40B4-BE49-F238E27FC236}">
+                <a16:creationId xmlns:a16="http://schemas.microsoft.com/office/drawing/2014/main" id="{00000000-0008-0000-0800-000009000000}"/>
+              </a:ext>
+            </a:extLst>
+          </p:cNvPr>
+          <p:cNvGraphicFramePr>
+            <a:graphicFrameLocks/>
+          </p:cNvGraphicFramePr>
+          <p:nvPr>
+            <p:extLst>
+              <p:ext uri="{D42A27DB-BD31-4B8C-83A1-F6EECF244321}">
+                <p14:modId xmlns:p14="http://schemas.microsoft.com/office/powerpoint/2010/main" val="1162219775"/>
+              </p:ext>
+            </p:extLst>
+          </p:nvPr>
+        </p:nvGraphicFramePr>
+        <p:xfrm>
+          <a:off x="6336701" y="375556"/>
+          <a:ext cx="4572000" cy="2950028"/>
+        </p:xfrm>
+        <a:graphic>
+          <a:graphicData uri="http://schemas.openxmlformats.org/drawingml/2006/chart">
+            <c:chart xmlns:c="http://schemas.openxmlformats.org/drawingml/2006/chart" xmlns:r="http://schemas.openxmlformats.org/officeDocument/2006/relationships" r:id="rId3"/>
+          </a:graphicData>
+        </a:graphic>
+      </p:graphicFrame>
+      <p:graphicFrame>
+        <p:nvGraphicFramePr>
+          <p:cNvPr id="6" name="Chart 5">
+            <a:extLst>
+              <a:ext uri="{FF2B5EF4-FFF2-40B4-BE49-F238E27FC236}">
+                <a16:creationId xmlns:a16="http://schemas.microsoft.com/office/drawing/2014/main" id="{00000000-0008-0000-0800-00000A000000}"/>
+              </a:ext>
+            </a:extLst>
+          </p:cNvPr>
+          <p:cNvGraphicFramePr>
+            <a:graphicFrameLocks/>
+          </p:cNvGraphicFramePr>
+          <p:nvPr>
+            <p:extLst>
+              <p:ext uri="{D42A27DB-BD31-4B8C-83A1-F6EECF244321}">
+                <p14:modId xmlns:p14="http://schemas.microsoft.com/office/powerpoint/2010/main" val="1844685307"/>
+              </p:ext>
+            </p:extLst>
+          </p:nvPr>
+        </p:nvGraphicFramePr>
+        <p:xfrm>
+          <a:off x="1283299" y="3593184"/>
+          <a:ext cx="4572000" cy="2950029"/>
+        </p:xfrm>
+        <a:graphic>
+          <a:graphicData uri="http://schemas.openxmlformats.org/drawingml/2006/chart">
+            <c:chart xmlns:c="http://schemas.openxmlformats.org/drawingml/2006/chart" xmlns:r="http://schemas.openxmlformats.org/officeDocument/2006/relationships" r:id="rId4"/>
+          </a:graphicData>
+        </a:graphic>
+      </p:graphicFrame>
+      <p:graphicFrame>
+        <p:nvGraphicFramePr>
+          <p:cNvPr id="7" name="Chart 6">
+            <a:extLst>
+              <a:ext uri="{FF2B5EF4-FFF2-40B4-BE49-F238E27FC236}">
+                <a16:creationId xmlns:a16="http://schemas.microsoft.com/office/drawing/2014/main" id="{00000000-0008-0000-0800-00000B000000}"/>
+              </a:ext>
+            </a:extLst>
+          </p:cNvPr>
+          <p:cNvGraphicFramePr>
+            <a:graphicFrameLocks/>
+          </p:cNvGraphicFramePr>
+          <p:nvPr>
+            <p:extLst>
+              <p:ext uri="{D42A27DB-BD31-4B8C-83A1-F6EECF244321}">
+                <p14:modId xmlns:p14="http://schemas.microsoft.com/office/powerpoint/2010/main" val="770265206"/>
+              </p:ext>
+            </p:extLst>
+          </p:nvPr>
+        </p:nvGraphicFramePr>
+        <p:xfrm>
+          <a:off x="6336701" y="3593184"/>
+          <a:ext cx="4572000" cy="2950029"/>
+        </p:xfrm>
+        <a:graphic>
+          <a:graphicData uri="http://schemas.openxmlformats.org/drawingml/2006/chart">
+            <c:chart xmlns:c="http://schemas.openxmlformats.org/drawingml/2006/chart" xmlns:r="http://schemas.openxmlformats.org/officeDocument/2006/relationships" r:id="rId5"/>
+          </a:graphicData>
+        </a:graphic>
+      </p:graphicFrame>
+    </p:spTree>
+    <p:extLst>
+      <p:ext uri="{BB962C8B-B14F-4D97-AF65-F5344CB8AC3E}">
+        <p14:creationId xmlns:p14="http://schemas.microsoft.com/office/powerpoint/2010/main" val="1209127630"/>
+      </p:ext>
+    </p:extLst>
+  </p:cSld>
+  <p:clrMapOvr>
+    <a:masterClrMapping/>
+  </p:clrMapOvr>
+</p:sld>
+</file>
+
+<file path=ppt/slides/slide22.xml><?xml version="1.0" encoding="utf-8"?>
 <p:sld xmlns:a="http://schemas.openxmlformats.org/drawingml/2006/main" xmlns:r="http://schemas.openxmlformats.org/officeDocument/2006/relationships" xmlns:p="http://schemas.openxmlformats.org/presentationml/2006/main">
   <p:cSld>
     <p:bg>

--- a/GIPresentation.pptx
+++ b/GIPresentation.pptx
@@ -13148,10 +13148,10 @@
       </p:grpSpPr>
       <p:pic>
         <p:nvPicPr>
-          <p:cNvPr id="2" name="Picture 1" descr="Graphical user interface, text, application, email&#10;&#10;Description automatically generated">
+          <p:cNvPr id="4" name="Picture 3" descr="Graphical user interface, text, application, email&#10;&#10;Description automatically generated">
             <a:extLst>
               <a:ext uri="{FF2B5EF4-FFF2-40B4-BE49-F238E27FC236}">
-                <a16:creationId xmlns:a16="http://schemas.microsoft.com/office/drawing/2014/main" id="{2F93AED7-2410-109D-8D0B-597EB2DA1FF7}"/>
+                <a16:creationId xmlns:a16="http://schemas.microsoft.com/office/drawing/2014/main" id="{6AA36587-87E0-0544-01EB-B9E277D12FD7}"/>
               </a:ext>
             </a:extLst>
           </p:cNvPr>
@@ -13174,8 +13174,8 @@
         </p:blipFill>
         <p:spPr>
           <a:xfrm>
-            <a:off x="340994" y="558801"/>
-            <a:ext cx="11457306" cy="4915656"/>
+            <a:off x="853440" y="461010"/>
+            <a:ext cx="10485120" cy="5935980"/>
           </a:xfrm>
           <a:prstGeom prst="rect">
             <a:avLst/>
